--- a/Web/ThreeJS-Notes.pptx
+++ b/Web/ThreeJS-Notes.pptx
@@ -8,14 +8,17 @@
     <p:notesMasterId r:id="rId4"/>
   </p:notesMasterIdLst>
   <p:handoutMasterIdLst>
-    <p:handoutMasterId r:id="rId9"/>
+    <p:handoutMasterId r:id="rId12"/>
   </p:handoutMasterIdLst>
   <p:sldIdLst>
     <p:sldId id="256" r:id="rId3"/>
     <p:sldId id="259" r:id="rId5"/>
-    <p:sldId id="260" r:id="rId6"/>
-    <p:sldId id="258" r:id="rId7"/>
-    <p:sldId id="261" r:id="rId8"/>
+    <p:sldId id="265" r:id="rId6"/>
+    <p:sldId id="260" r:id="rId7"/>
+    <p:sldId id="258" r:id="rId8"/>
+    <p:sldId id="263" r:id="rId9"/>
+    <p:sldId id="266" r:id="rId10"/>
+    <p:sldId id="261" r:id="rId11"/>
   </p:sldIdLst>
   <p:sldSz cx="12192000" cy="6858000"/>
   <p:notesSz cx="6858000" cy="9144000"/>
@@ -3861,6 +3864,79 @@
           <a:p>
             <a:r>
               <a:rPr lang="en-US" altLang="zh-CN"/>
+              <a:t>Coordinates</a:t>
+            </a:r>
+            <a:endParaRPr lang="en-US" altLang="zh-CN"/>
+          </a:p>
+        </p:txBody>
+      </p:sp>
+      <p:sp>
+        <p:nvSpPr>
+          <p:cNvPr id="3" name="内容占位符 2"/>
+          <p:cNvSpPr>
+            <a:spLocks noGrp="1"/>
+          </p:cNvSpPr>
+          <p:nvPr>
+            <p:ph idx="1"/>
+          </p:nvPr>
+        </p:nvSpPr>
+        <p:spPr/>
+        <p:txBody>
+          <a:bodyPr/>
+          <a:p>
+            <a:r>
+              <a:rPr lang="en-US" altLang="zh-CN"/>
+              <a:t>From screen space (normalized device coordinate) to world space</a:t>
+            </a:r>
+            <a:endParaRPr lang="en-US" altLang="zh-CN"/>
+          </a:p>
+          <a:p>
+            <a:pPr lvl="1"/>
+            <a:r>
+              <a:rPr lang="en-US" altLang="zh-CN"/>
+              <a:t>Vector3.unproject(camera)</a:t>
+            </a:r>
+            <a:endParaRPr lang="en-US" altLang="zh-CN"/>
+          </a:p>
+        </p:txBody>
+      </p:sp>
+    </p:spTree>
+    <p:custDataLst>
+      <p:tags r:id="rId1"/>
+    </p:custDataLst>
+  </p:cSld>
+  <p:clrMapOvr>
+    <a:masterClrMapping/>
+  </p:clrMapOvr>
+</p:sld>
+</file>
+
+<file path=ppt/slides/slide4.xml><?xml version="1.0" encoding="utf-8"?>
+<p:sld xmlns:a="http://schemas.openxmlformats.org/drawingml/2006/main" xmlns:r="http://schemas.openxmlformats.org/officeDocument/2006/relationships" xmlns:p="http://schemas.openxmlformats.org/presentationml/2006/main">
+  <p:cSld>
+    <p:spTree>
+      <p:nvGrpSpPr>
+        <p:cNvPr id="1" name=""/>
+        <p:cNvGrpSpPr/>
+        <p:nvPr/>
+      </p:nvGrpSpPr>
+      <p:grpSpPr/>
+      <p:sp>
+        <p:nvSpPr>
+          <p:cNvPr id="2" name="标题 1"/>
+          <p:cNvSpPr>
+            <a:spLocks noGrp="1"/>
+          </p:cNvSpPr>
+          <p:nvPr>
+            <p:ph type="title"/>
+          </p:nvPr>
+        </p:nvSpPr>
+        <p:spPr/>
+        <p:txBody>
+          <a:bodyPr/>
+          <a:p>
+            <a:r>
+              <a:rPr lang="en-US" altLang="zh-CN"/>
               <a:t>Camera</a:t>
             </a:r>
             <a:endParaRPr lang="en-US" altLang="zh-CN"/>
@@ -3929,7 +4005,7 @@
 </p:sld>
 </file>
 
-<file path=ppt/slides/slide4.xml><?xml version="1.0" encoding="utf-8"?>
+<file path=ppt/slides/slide5.xml><?xml version="1.0" encoding="utf-8"?>
 <p:sld xmlns:a="http://schemas.openxmlformats.org/drawingml/2006/main" xmlns:r="http://schemas.openxmlformats.org/officeDocument/2006/relationships" xmlns:p="http://schemas.openxmlformats.org/presentationml/2006/main">
   <p:cSld>
     <p:spTree>
@@ -4073,7 +4149,280 @@
 </p:sld>
 </file>
 
-<file path=ppt/slides/slide5.xml><?xml version="1.0" encoding="utf-8"?>
+<file path=ppt/slides/slide6.xml><?xml version="1.0" encoding="utf-8"?>
+<p:sld xmlns:a="http://schemas.openxmlformats.org/drawingml/2006/main" xmlns:r="http://schemas.openxmlformats.org/officeDocument/2006/relationships" xmlns:p="http://schemas.openxmlformats.org/presentationml/2006/main">
+  <p:cSld>
+    <p:spTree>
+      <p:nvGrpSpPr>
+        <p:cNvPr id="1" name=""/>
+        <p:cNvGrpSpPr/>
+        <p:nvPr/>
+      </p:nvGrpSpPr>
+      <p:grpSpPr/>
+      <p:sp>
+        <p:nvSpPr>
+          <p:cNvPr id="2" name="标题 1"/>
+          <p:cNvSpPr>
+            <a:spLocks noGrp="1"/>
+          </p:cNvSpPr>
+          <p:nvPr>
+            <p:ph type="title"/>
+          </p:nvPr>
+        </p:nvSpPr>
+        <p:spPr/>
+        <p:txBody>
+          <a:bodyPr/>
+          <a:p>
+            <a:r>
+              <a:rPr lang="en-US" altLang="zh-CN"/>
+              <a:t>Texture Loader</a:t>
+            </a:r>
+            <a:endParaRPr lang="en-US" altLang="zh-CN"/>
+          </a:p>
+        </p:txBody>
+      </p:sp>
+      <p:sp>
+        <p:nvSpPr>
+          <p:cNvPr id="3" name="内容占位符 2"/>
+          <p:cNvSpPr>
+            <a:spLocks noGrp="1"/>
+          </p:cNvSpPr>
+          <p:nvPr>
+            <p:ph idx="1"/>
+          </p:nvPr>
+        </p:nvSpPr>
+        <p:spPr>
+          <a:xfrm>
+            <a:off x="838200" y="1211580"/>
+            <a:ext cx="6304280" cy="4549140"/>
+          </a:xfrm>
+        </p:spPr>
+        <p:txBody>
+          <a:bodyPr/>
+          <a:p>
+            <a:r>
+              <a:rPr lang="en-US" altLang="zh-CN"/>
+              <a:t>TextureLoader</a:t>
+            </a:r>
+            <a:endParaRPr lang="en-US" altLang="zh-CN"/>
+          </a:p>
+          <a:p>
+            <a:pPr lvl="1"/>
+            <a:r>
+              <a:rPr lang="en-US" altLang="zh-CN"/>
+              <a:t>var loader = new THREE.TextureLoader()</a:t>
+            </a:r>
+            <a:endParaRPr lang="en-US" altLang="zh-CN"/>
+          </a:p>
+          <a:p>
+            <a:pPr lvl="1"/>
+            <a:r>
+              <a:rPr lang="en-US" altLang="zh-CN"/>
+              <a:t>loader.load(url, onLoadCallback, onProgressCallback, onErrorCallback)</a:t>
+            </a:r>
+            <a:endParaRPr lang="zh-CN" altLang="en-US"/>
+          </a:p>
+        </p:txBody>
+      </p:sp>
+      <p:sp>
+        <p:nvSpPr>
+          <p:cNvPr id="4" name="圆角矩形 3"/>
+          <p:cNvSpPr/>
+          <p:nvPr/>
+        </p:nvSpPr>
+        <p:spPr>
+          <a:xfrm>
+            <a:off x="8644255" y="1485900"/>
+            <a:ext cx="2177415" cy="847090"/>
+          </a:xfrm>
+          <a:prstGeom prst="roundRect">
+            <a:avLst/>
+          </a:prstGeom>
+        </p:spPr>
+        <p:style>
+          <a:lnRef idx="2">
+            <a:schemeClr val="accent1">
+              <a:shade val="50000"/>
+            </a:schemeClr>
+          </a:lnRef>
+          <a:fillRef idx="1">
+            <a:schemeClr val="accent1"/>
+          </a:fillRef>
+          <a:effectRef idx="0">
+            <a:schemeClr val="accent1"/>
+          </a:effectRef>
+          <a:fontRef idx="minor">
+            <a:schemeClr val="lt1"/>
+          </a:fontRef>
+        </p:style>
+        <p:txBody>
+          <a:bodyPr rtlCol="0" anchor="ctr"/>
+          <a:p>
+            <a:pPr algn="ctr"/>
+            <a:r>
+              <a:rPr lang="en-US" altLang="zh-CN"/>
+              <a:t>TextureLoader</a:t>
+            </a:r>
+            <a:endParaRPr lang="en-US" altLang="zh-CN"/>
+          </a:p>
+        </p:txBody>
+      </p:sp>
+      <p:sp>
+        <p:nvSpPr>
+          <p:cNvPr id="5" name="圆角矩形 4"/>
+          <p:cNvSpPr/>
+          <p:nvPr/>
+        </p:nvSpPr>
+        <p:spPr>
+          <a:xfrm>
+            <a:off x="8630920" y="2724785"/>
+            <a:ext cx="2177415" cy="847090"/>
+          </a:xfrm>
+          <a:prstGeom prst="roundRect">
+            <a:avLst/>
+          </a:prstGeom>
+        </p:spPr>
+        <p:style>
+          <a:lnRef idx="2">
+            <a:schemeClr val="accent1">
+              <a:shade val="50000"/>
+            </a:schemeClr>
+          </a:lnRef>
+          <a:fillRef idx="1">
+            <a:schemeClr val="accent1"/>
+          </a:fillRef>
+          <a:effectRef idx="0">
+            <a:schemeClr val="accent1"/>
+          </a:effectRef>
+          <a:fontRef idx="minor">
+            <a:schemeClr val="lt1"/>
+          </a:fontRef>
+        </p:style>
+        <p:txBody>
+          <a:bodyPr rtlCol="0" anchor="ctr"/>
+          <a:p>
+            <a:pPr algn="ctr"/>
+            <a:r>
+              <a:rPr lang="en-US" altLang="zh-CN"/>
+              <a:t>Cube</a:t>
+            </a:r>
+            <a:r>
+              <a:rPr lang="en-US" altLang="zh-CN"/>
+              <a:t>TextureLoader</a:t>
+            </a:r>
+            <a:endParaRPr lang="en-US" altLang="zh-CN"/>
+          </a:p>
+        </p:txBody>
+      </p:sp>
+    </p:spTree>
+    <p:custDataLst>
+      <p:tags r:id="rId1"/>
+    </p:custDataLst>
+  </p:cSld>
+  <p:clrMapOvr>
+    <a:masterClrMapping/>
+  </p:clrMapOvr>
+</p:sld>
+</file>
+
+<file path=ppt/slides/slide7.xml><?xml version="1.0" encoding="utf-8"?>
+<p:sld xmlns:a="http://schemas.openxmlformats.org/drawingml/2006/main" xmlns:r="http://schemas.openxmlformats.org/officeDocument/2006/relationships" xmlns:p="http://schemas.openxmlformats.org/presentationml/2006/main">
+  <p:cSld>
+    <p:spTree>
+      <p:nvGrpSpPr>
+        <p:cNvPr id="1" name=""/>
+        <p:cNvGrpSpPr/>
+        <p:nvPr/>
+      </p:nvGrpSpPr>
+      <p:grpSpPr/>
+      <p:sp>
+        <p:nvSpPr>
+          <p:cNvPr id="2" name="标题 1"/>
+          <p:cNvSpPr>
+            <a:spLocks noGrp="1"/>
+          </p:cNvSpPr>
+          <p:nvPr>
+            <p:ph type="title"/>
+          </p:nvPr>
+        </p:nvSpPr>
+        <p:spPr/>
+        <p:txBody>
+          <a:bodyPr/>
+          <a:p>
+            <a:r>
+              <a:rPr lang="en-US" altLang="zh-CN"/>
+              <a:t>Raycaster</a:t>
+            </a:r>
+            <a:endParaRPr lang="en-US" altLang="zh-CN"/>
+          </a:p>
+        </p:txBody>
+      </p:sp>
+      <p:sp>
+        <p:nvSpPr>
+          <p:cNvPr id="3" name="内容占位符 2"/>
+          <p:cNvSpPr>
+            <a:spLocks noGrp="1"/>
+          </p:cNvSpPr>
+          <p:nvPr>
+            <p:ph idx="1"/>
+          </p:nvPr>
+        </p:nvSpPr>
+        <p:spPr/>
+        <p:txBody>
+          <a:bodyPr/>
+          <a:p>
+            <a:r>
+              <a:rPr lang="en-US" altLang="zh-CN"/>
+              <a:t>Code Snippets</a:t>
+            </a:r>
+            <a:endParaRPr lang="en-US" altLang="zh-CN"/>
+          </a:p>
+          <a:p>
+            <a:pPr lvl="1"/>
+            <a:r>
+              <a:rPr lang="en-US" altLang="zh-CN"/>
+              <a:t>var rc = new Three.Raycaster()</a:t>
+            </a:r>
+            <a:endParaRPr lang="en-US" altLang="zh-CN"/>
+          </a:p>
+          <a:p>
+            <a:pPr lvl="1"/>
+            <a:r>
+              <a:rPr lang="en-US" altLang="zh-CN"/>
+              <a:t>rc.setFromCamera(mousePos, camera)</a:t>
+            </a:r>
+            <a:endParaRPr lang="en-US" altLang="zh-CN"/>
+          </a:p>
+          <a:p>
+            <a:pPr lvl="1"/>
+            <a:r>
+              <a:rPr lang="en-US" altLang="zh-CN"/>
+              <a:t>rc.ray</a:t>
+            </a:r>
+            <a:endParaRPr lang="en-US" altLang="zh-CN"/>
+          </a:p>
+          <a:p>
+            <a:pPr lvl="2"/>
+            <a:r>
+              <a:rPr lang="en-US" altLang="zh-CN"/>
+              <a:t>direction</a:t>
+            </a:r>
+            <a:endParaRPr lang="en-US" altLang="zh-CN"/>
+          </a:p>
+        </p:txBody>
+      </p:sp>
+    </p:spTree>
+    <p:custDataLst>
+      <p:tags r:id="rId1"/>
+    </p:custDataLst>
+  </p:cSld>
+  <p:clrMapOvr>
+    <a:masterClrMapping/>
+  </p:clrMapOvr>
+</p:sld>
+</file>
+
+<file path=ppt/slides/slide8.xml><?xml version="1.0" encoding="utf-8"?>
 <p:sld xmlns:a="http://schemas.openxmlformats.org/drawingml/2006/main" xmlns:r="http://schemas.openxmlformats.org/officeDocument/2006/relationships" xmlns:p="http://schemas.openxmlformats.org/presentationml/2006/main">
   <p:cSld>
     <p:spTree>
@@ -4147,6 +4496,30 @@
 </file>
 
 <file path=ppt/tags/tag10.xml><?xml version="1.0" encoding="utf-8"?>
+<p:tagLst xmlns:p="http://schemas.openxmlformats.org/presentationml/2006/main">
+  <p:tag name="KSO_WM_BEAUTIFY_FLAG" val="#wm#"/>
+  <p:tag name="KSO_WM_TEMPLATE_CATEGORY" val="custom"/>
+  <p:tag name="KSO_WM_TEMPLATE_INDEX" val="160402"/>
+</p:tagLst>
+</file>
+
+<file path=ppt/tags/tag11.xml><?xml version="1.0" encoding="utf-8"?>
+<p:tagLst xmlns:p="http://schemas.openxmlformats.org/presentationml/2006/main">
+  <p:tag name="KSO_WM_BEAUTIFY_FLAG" val="#wm#"/>
+  <p:tag name="KSO_WM_TEMPLATE_CATEGORY" val="custom"/>
+  <p:tag name="KSO_WM_TEMPLATE_INDEX" val="160402"/>
+</p:tagLst>
+</file>
+
+<file path=ppt/tags/tag12.xml><?xml version="1.0" encoding="utf-8"?>
+<p:tagLst xmlns:p="http://schemas.openxmlformats.org/presentationml/2006/main">
+  <p:tag name="KSO_WM_BEAUTIFY_FLAG" val="#wm#"/>
+  <p:tag name="KSO_WM_TEMPLATE_CATEGORY" val="custom"/>
+  <p:tag name="KSO_WM_TEMPLATE_INDEX" val="160402"/>
+</p:tagLst>
+</file>
+
+<file path=ppt/tags/tag13.xml><?xml version="1.0" encoding="utf-8"?>
 <p:tagLst xmlns:p="http://schemas.openxmlformats.org/presentationml/2006/main">
   <p:tag name="KSO_WM_BEAUTIFY_FLAG" val="#wm#"/>
   <p:tag name="KSO_WM_TEMPLATE_CATEGORY" val="custom"/>

--- a/Web/ThreeJS-Notes.pptx
+++ b/Web/ThreeJS-Notes.pptx
@@ -8,17 +8,21 @@
     <p:notesMasterId r:id="rId4"/>
   </p:notesMasterIdLst>
   <p:handoutMasterIdLst>
-    <p:handoutMasterId r:id="rId12"/>
+    <p:handoutMasterId r:id="rId16"/>
   </p:handoutMasterIdLst>
   <p:sldIdLst>
     <p:sldId id="256" r:id="rId3"/>
     <p:sldId id="259" r:id="rId5"/>
     <p:sldId id="265" r:id="rId6"/>
     <p:sldId id="260" r:id="rId7"/>
-    <p:sldId id="258" r:id="rId8"/>
-    <p:sldId id="263" r:id="rId9"/>
-    <p:sldId id="266" r:id="rId10"/>
-    <p:sldId id="261" r:id="rId11"/>
+    <p:sldId id="278" r:id="rId8"/>
+    <p:sldId id="258" r:id="rId9"/>
+    <p:sldId id="263" r:id="rId10"/>
+    <p:sldId id="277" r:id="rId11"/>
+    <p:sldId id="273" r:id="rId12"/>
+    <p:sldId id="266" r:id="rId13"/>
+    <p:sldId id="271" r:id="rId14"/>
+    <p:sldId id="261" r:id="rId15"/>
   </p:sldIdLst>
   <p:sldSz cx="12192000" cy="6858000"/>
   <p:notesSz cx="6858000" cy="9144000"/>
@@ -3756,7 +3760,7 @@
             <a:pPr algn="ctr"/>
             <a:r>
               <a:rPr lang="en-US" altLang="zh-CN" dirty="0"/>
-              <a:t>Last updated: 2/6/2020</a:t>
+              <a:t>Last updated: 4/25/2021</a:t>
             </a:r>
             <a:endParaRPr lang="en-US" altLang="zh-CN" dirty="0"/>
           </a:p>
@@ -3765,6 +3769,315 @@
     </p:spTree>
     <p:custDataLst>
       <p:tags r:id="rId3"/>
+    </p:custDataLst>
+  </p:cSld>
+  <p:clrMapOvr>
+    <a:masterClrMapping/>
+  </p:clrMapOvr>
+</p:sld>
+</file>
+
+<file path=ppt/slides/slide10.xml><?xml version="1.0" encoding="utf-8"?>
+<p:sld xmlns:a="http://schemas.openxmlformats.org/drawingml/2006/main" xmlns:r="http://schemas.openxmlformats.org/officeDocument/2006/relationships" xmlns:p="http://schemas.openxmlformats.org/presentationml/2006/main">
+  <p:cSld>
+    <p:spTree>
+      <p:nvGrpSpPr>
+        <p:cNvPr id="1" name=""/>
+        <p:cNvGrpSpPr/>
+        <p:nvPr/>
+      </p:nvGrpSpPr>
+      <p:grpSpPr/>
+      <p:sp>
+        <p:nvSpPr>
+          <p:cNvPr id="2" name="标题 1"/>
+          <p:cNvSpPr>
+            <a:spLocks noGrp="1"/>
+          </p:cNvSpPr>
+          <p:nvPr>
+            <p:ph type="title"/>
+          </p:nvPr>
+        </p:nvSpPr>
+        <p:spPr/>
+        <p:txBody>
+          <a:bodyPr/>
+          <a:p>
+            <a:r>
+              <a:rPr lang="en-US" altLang="zh-CN"/>
+              <a:t>Raycaster</a:t>
+            </a:r>
+            <a:endParaRPr lang="en-US" altLang="zh-CN"/>
+          </a:p>
+        </p:txBody>
+      </p:sp>
+      <p:sp>
+        <p:nvSpPr>
+          <p:cNvPr id="3" name="内容占位符 2"/>
+          <p:cNvSpPr>
+            <a:spLocks noGrp="1"/>
+          </p:cNvSpPr>
+          <p:nvPr>
+            <p:ph idx="1"/>
+          </p:nvPr>
+        </p:nvSpPr>
+        <p:spPr/>
+        <p:txBody>
+          <a:bodyPr/>
+          <a:p>
+            <a:r>
+              <a:rPr lang="en-US" altLang="zh-CN"/>
+              <a:t>Code Snippets</a:t>
+            </a:r>
+            <a:endParaRPr lang="en-US" altLang="zh-CN"/>
+          </a:p>
+          <a:p>
+            <a:pPr lvl="1"/>
+            <a:r>
+              <a:rPr lang="en-US" altLang="zh-CN"/>
+              <a:t>var rc = new Three.Raycaster()</a:t>
+            </a:r>
+            <a:endParaRPr lang="en-US" altLang="zh-CN"/>
+          </a:p>
+          <a:p>
+            <a:pPr lvl="1"/>
+            <a:r>
+              <a:rPr lang="en-US" altLang="zh-CN"/>
+              <a:t>rc.setFromCamera(mousePos, camera)</a:t>
+            </a:r>
+            <a:endParaRPr lang="en-US" altLang="zh-CN"/>
+          </a:p>
+          <a:p>
+            <a:pPr lvl="1"/>
+            <a:r>
+              <a:rPr lang="en-US" altLang="zh-CN"/>
+              <a:t>rc.ray</a:t>
+            </a:r>
+            <a:endParaRPr lang="en-US" altLang="zh-CN"/>
+          </a:p>
+          <a:p>
+            <a:pPr lvl="2"/>
+            <a:r>
+              <a:rPr lang="en-US" altLang="zh-CN"/>
+              <a:t>direction</a:t>
+            </a:r>
+            <a:endParaRPr lang="en-US" altLang="zh-CN"/>
+          </a:p>
+        </p:txBody>
+      </p:sp>
+    </p:spTree>
+    <p:custDataLst>
+      <p:tags r:id="rId1"/>
+    </p:custDataLst>
+  </p:cSld>
+  <p:clrMapOvr>
+    <a:masterClrMapping/>
+  </p:clrMapOvr>
+</p:sld>
+</file>
+
+<file path=ppt/slides/slide11.xml><?xml version="1.0" encoding="utf-8"?>
+<p:sld xmlns:a="http://schemas.openxmlformats.org/drawingml/2006/main" xmlns:r="http://schemas.openxmlformats.org/officeDocument/2006/relationships" xmlns:p="http://schemas.openxmlformats.org/presentationml/2006/main">
+  <p:cSld>
+    <p:spTree>
+      <p:nvGrpSpPr>
+        <p:cNvPr id="1" name=""/>
+        <p:cNvGrpSpPr/>
+        <p:nvPr/>
+      </p:nvGrpSpPr>
+      <p:grpSpPr/>
+      <p:sp>
+        <p:nvSpPr>
+          <p:cNvPr id="2" name="标题 1"/>
+          <p:cNvSpPr>
+            <a:spLocks noGrp="1"/>
+          </p:cNvSpPr>
+          <p:nvPr>
+            <p:ph type="title"/>
+          </p:nvPr>
+        </p:nvSpPr>
+        <p:spPr/>
+        <p:txBody>
+          <a:bodyPr/>
+          <a:p>
+            <a:r>
+              <a:rPr lang="en-US" altLang="zh-CN"/>
+              <a:t>Post Processing</a:t>
+            </a:r>
+            <a:endParaRPr lang="en-US" altLang="zh-CN"/>
+          </a:p>
+        </p:txBody>
+      </p:sp>
+      <p:sp>
+        <p:nvSpPr>
+          <p:cNvPr id="3" name="内容占位符 2"/>
+          <p:cNvSpPr>
+            <a:spLocks noGrp="1"/>
+          </p:cNvSpPr>
+          <p:nvPr>
+            <p:ph idx="1"/>
+          </p:nvPr>
+        </p:nvSpPr>
+        <p:spPr>
+          <a:xfrm>
+            <a:off x="838200" y="1211580"/>
+            <a:ext cx="6431915" cy="4549140"/>
+          </a:xfrm>
+        </p:spPr>
+        <p:txBody>
+          <a:bodyPr/>
+          <a:p>
+            <a:r>
+              <a:rPr lang="en-US" altLang="zh-CN"/>
+              <a:t>Refer</a:t>
+            </a:r>
+            <a:endParaRPr lang="en-US" altLang="zh-CN"/>
+          </a:p>
+          <a:p>
+            <a:pPr lvl="1"/>
+            <a:r>
+              <a:rPr lang="en-US" altLang="zh-CN"/>
+              <a:t>https://threejsfundamentals.org/threejs/lessons/threejs-post-processing.html</a:t>
+            </a:r>
+            <a:endParaRPr lang="en-US" altLang="zh-CN"/>
+          </a:p>
+        </p:txBody>
+      </p:sp>
+      <p:pic>
+        <p:nvPicPr>
+          <p:cNvPr id="7" name="图片 6" descr="threejs-postprocessing"/>
+          <p:cNvPicPr>
+            <a:picLocks noChangeAspect="1"/>
+          </p:cNvPicPr>
+          <p:nvPr/>
+        </p:nvPicPr>
+        <p:blipFill>
+          <a:blip r:embed="rId1">
+            <a:extLst>
+              <a:ext uri="{96DAC541-7B7A-43D3-8B79-37D633B846F1}">
+                <asvg:svgBlip xmlns:asvg="http://schemas.microsoft.com/office/drawing/2016/SVG/main" r:embed="rId2"/>
+              </a:ext>
+            </a:extLst>
+          </a:blip>
+          <a:stretch>
+            <a:fillRect/>
+          </a:stretch>
+        </p:blipFill>
+        <p:spPr>
+          <a:xfrm>
+            <a:off x="7270750" y="1211580"/>
+            <a:ext cx="4762500" cy="4762500"/>
+          </a:xfrm>
+          <a:prstGeom prst="rect">
+            <a:avLst/>
+          </a:prstGeom>
+        </p:spPr>
+      </p:pic>
+    </p:spTree>
+    <p:custDataLst>
+      <p:tags r:id="rId3"/>
+    </p:custDataLst>
+  </p:cSld>
+  <p:clrMapOvr>
+    <a:masterClrMapping/>
+  </p:clrMapOvr>
+</p:sld>
+</file>
+
+<file path=ppt/slides/slide12.xml><?xml version="1.0" encoding="utf-8"?>
+<p:sld xmlns:a="http://schemas.openxmlformats.org/drawingml/2006/main" xmlns:r="http://schemas.openxmlformats.org/officeDocument/2006/relationships" xmlns:p="http://schemas.openxmlformats.org/presentationml/2006/main">
+  <p:cSld>
+    <p:spTree>
+      <p:nvGrpSpPr>
+        <p:cNvPr id="1" name=""/>
+        <p:cNvGrpSpPr/>
+        <p:nvPr/>
+      </p:nvGrpSpPr>
+      <p:grpSpPr/>
+      <p:sp>
+        <p:nvSpPr>
+          <p:cNvPr id="2" name="标题 1"/>
+          <p:cNvSpPr>
+            <a:spLocks noGrp="1"/>
+          </p:cNvSpPr>
+          <p:nvPr>
+            <p:ph type="title"/>
+          </p:nvPr>
+        </p:nvSpPr>
+        <p:spPr/>
+        <p:txBody>
+          <a:bodyPr/>
+          <a:p>
+            <a:r>
+              <a:rPr lang="en-US" altLang="zh-CN"/>
+              <a:t>Particle System</a:t>
+            </a:r>
+            <a:endParaRPr lang="en-US" altLang="zh-CN"/>
+          </a:p>
+        </p:txBody>
+      </p:sp>
+      <p:sp>
+        <p:nvSpPr>
+          <p:cNvPr id="3" name="内容占位符 2"/>
+          <p:cNvSpPr>
+            <a:spLocks noGrp="1"/>
+          </p:cNvSpPr>
+          <p:nvPr>
+            <p:ph idx="1"/>
+          </p:nvPr>
+        </p:nvSpPr>
+        <p:spPr/>
+        <p:txBody>
+          <a:bodyPr/>
+          <a:p>
+            <a:r>
+              <a:rPr lang="zh-CN" altLang="en-US"/>
+              <a:t>https://redstapler.co/space-warp-background-effect-three-js/</a:t>
+            </a:r>
+            <a:endParaRPr lang="zh-CN" altLang="en-US"/>
+          </a:p>
+          <a:p>
+            <a:r>
+              <a:rPr lang="en-US" altLang="zh-CN"/>
+              <a:t>Fog</a:t>
+            </a:r>
+            <a:endParaRPr lang="en-US" altLang="zh-CN"/>
+          </a:p>
+          <a:p>
+            <a:pPr lvl="1"/>
+            <a:r>
+              <a:rPr lang="en-US" altLang="zh-CN"/>
+              <a:t>https://dustinpfister.github.io/2018/04/16/threejs-fog/</a:t>
+            </a:r>
+            <a:endParaRPr lang="en-US" altLang="zh-CN"/>
+          </a:p>
+          <a:p>
+            <a:pPr lvl="1"/>
+            <a:r>
+              <a:rPr lang="en-US" altLang="zh-CN"/>
+              <a:t>scene.fog = THREE.fog(fogColor, nearDistance, farDistance)</a:t>
+            </a:r>
+            <a:endParaRPr lang="en-US" altLang="zh-CN"/>
+          </a:p>
+          <a:p>
+            <a:pPr lvl="0"/>
+            <a:r>
+              <a:rPr lang="en-US" altLang="zh-CN"/>
+              <a:t>Rain</a:t>
+            </a:r>
+            <a:endParaRPr lang="en-US" altLang="zh-CN"/>
+          </a:p>
+          <a:p>
+            <a:pPr lvl="1"/>
+            <a:r>
+              <a:rPr lang="en-US" altLang="zh-CN"/>
+              <a:t>https://redstapler.co/three-js-realistic-rain-tutorial/</a:t>
+            </a:r>
+            <a:endParaRPr lang="en-US" altLang="zh-CN"/>
+          </a:p>
+        </p:txBody>
+      </p:sp>
+    </p:spTree>
+    <p:custDataLst>
+      <p:tags r:id="rId1"/>
     </p:custDataLst>
   </p:cSld>
   <p:clrMapOvr>
@@ -3822,6 +4135,13 @@
             <a:r>
               <a:rPr lang="zh-CN" altLang="en-US"/>
               <a:t>https://threejsfundamentals.org/threejs/lessons/threejs-textures.html</a:t>
+            </a:r>
+            <a:endParaRPr lang="zh-CN" altLang="en-US"/>
+          </a:p>
+          <a:p>
+            <a:r>
+              <a:rPr lang="zh-CN" altLang="en-US"/>
+              <a:t>https://discoverthreejs.com/tips-and-tricks/</a:t>
             </a:r>
             <a:endParaRPr lang="zh-CN" altLang="en-US"/>
           </a:p>
@@ -4031,7 +4351,7 @@
           <a:p>
             <a:r>
               <a:rPr lang="en-US" altLang="zh-CN"/>
-              <a:t>Texture</a:t>
+              <a:t>Material</a:t>
             </a:r>
             <a:endParaRPr lang="en-US" altLang="zh-CN"/>
           </a:p>
@@ -4050,17 +4370,171 @@
         <p:spPr>
           <a:xfrm>
             <a:off x="838200" y="1211580"/>
-            <a:ext cx="6422390" cy="4549140"/>
+            <a:ext cx="6435090" cy="4549140"/>
           </a:xfrm>
         </p:spPr>
         <p:txBody>
+          <a:bodyPr/>
+          <a:p>
+            <a:r>
+              <a:rPr lang="en-US" altLang="zh-CN"/>
+              <a:t>Material</a:t>
+            </a:r>
+            <a:endParaRPr lang="en-US" altLang="zh-CN"/>
+          </a:p>
+          <a:p>
+            <a:pPr lvl="1"/>
+            <a:r>
+              <a:rPr lang="en-US" altLang="zh-CN"/>
+              <a:t>Properties</a:t>
+            </a:r>
+            <a:endParaRPr lang="en-US" altLang="zh-CN"/>
+          </a:p>
+          <a:p>
+            <a:pPr lvl="2"/>
+            <a:r>
+              <a:rPr lang="en-US" altLang="zh-CN"/>
+              <a:t>transparent: true/false, default false</a:t>
+            </a:r>
+            <a:endParaRPr lang="en-US" altLang="zh-CN"/>
+          </a:p>
+          <a:p>
+            <a:pPr lvl="2"/>
+            <a:r>
+              <a:rPr lang="en-US" altLang="zh-CN"/>
+              <a:t>opacity: 0.0~1.0, default 1.0</a:t>
+            </a:r>
+            <a:endParaRPr lang="en-US" altLang="zh-CN"/>
+          </a:p>
+        </p:txBody>
+      </p:sp>
+      <p:sp>
+        <p:nvSpPr>
+          <p:cNvPr id="4" name="圆角矩形 3"/>
+          <p:cNvSpPr/>
+          <p:nvPr/>
+        </p:nvSpPr>
+        <p:spPr>
+          <a:xfrm>
+            <a:off x="8926195" y="2138045"/>
+            <a:ext cx="2441575" cy="843915"/>
+          </a:xfrm>
+          <a:prstGeom prst="roundRect">
+            <a:avLst/>
+          </a:prstGeom>
+        </p:spPr>
+        <p:style>
+          <a:lnRef idx="2">
+            <a:schemeClr val="accent1">
+              <a:shade val="50000"/>
+            </a:schemeClr>
+          </a:lnRef>
+          <a:fillRef idx="1">
+            <a:schemeClr val="accent1"/>
+          </a:fillRef>
+          <a:effectRef idx="0">
+            <a:schemeClr val="accent1"/>
+          </a:effectRef>
+          <a:fontRef idx="minor">
+            <a:schemeClr val="lt1"/>
+          </a:fontRef>
+        </p:style>
+        <p:txBody>
+          <a:bodyPr rtlCol="0" anchor="ctr"/>
+          <a:p>
+            <a:pPr algn="ctr"/>
+            <a:r>
+              <a:rPr lang="en-US" altLang="zh-CN"/>
+              <a:t>Material</a:t>
+            </a:r>
+            <a:endParaRPr lang="en-US" altLang="zh-CN"/>
+          </a:p>
+          <a:p>
+            <a:pPr algn="ctr"/>
+            <a:r>
+              <a:rPr lang="en-US" altLang="zh-CN"/>
+              <a:t>- opacity</a:t>
+            </a:r>
+            <a:endParaRPr lang="en-US" altLang="zh-CN"/>
+          </a:p>
+          <a:p>
+            <a:pPr algn="ctr"/>
+            <a:r>
+              <a:rPr lang="en-US" altLang="zh-CN"/>
+              <a:t>- </a:t>
+            </a:r>
+            <a:endParaRPr lang="en-US" altLang="zh-CN"/>
+          </a:p>
+        </p:txBody>
+      </p:sp>
+    </p:spTree>
+    <p:custDataLst>
+      <p:tags r:id="rId1"/>
+    </p:custDataLst>
+  </p:cSld>
+  <p:clrMapOvr>
+    <a:masterClrMapping/>
+  </p:clrMapOvr>
+</p:sld>
+</file>
+
+<file path=ppt/slides/slide6.xml><?xml version="1.0" encoding="utf-8"?>
+<p:sld xmlns:a="http://schemas.openxmlformats.org/drawingml/2006/main" xmlns:r="http://schemas.openxmlformats.org/officeDocument/2006/relationships" xmlns:p="http://schemas.openxmlformats.org/presentationml/2006/main">
+  <p:cSld>
+    <p:spTree>
+      <p:nvGrpSpPr>
+        <p:cNvPr id="1" name=""/>
+        <p:cNvGrpSpPr/>
+        <p:nvPr/>
+      </p:nvGrpSpPr>
+      <p:grpSpPr/>
+      <p:sp>
+        <p:nvSpPr>
+          <p:cNvPr id="2" name="标题 1"/>
+          <p:cNvSpPr>
+            <a:spLocks noGrp="1"/>
+          </p:cNvSpPr>
+          <p:nvPr>
+            <p:ph type="title"/>
+          </p:nvPr>
+        </p:nvSpPr>
+        <p:spPr/>
+        <p:txBody>
+          <a:bodyPr/>
+          <a:p>
+            <a:r>
+              <a:rPr lang="en-US" altLang="zh-CN"/>
+              <a:t>Texture - Mipmap</a:t>
+            </a:r>
+            <a:endParaRPr lang="en-US" altLang="zh-CN"/>
+          </a:p>
+        </p:txBody>
+      </p:sp>
+      <p:sp>
+        <p:nvSpPr>
+          <p:cNvPr id="3" name="内容占位符 2"/>
+          <p:cNvSpPr>
+            <a:spLocks noGrp="1"/>
+          </p:cNvSpPr>
+          <p:nvPr>
+            <p:ph idx="1"/>
+          </p:nvPr>
+        </p:nvSpPr>
+        <p:spPr>
+          <a:xfrm>
+            <a:off x="838200" y="1211580"/>
+            <a:ext cx="6422390" cy="5389245"/>
+          </a:xfrm>
+        </p:spPr>
+        <p:txBody>
           <a:bodyPr>
-            <a:normAutofit lnSpcReduction="10000"/>
+            <a:normAutofit fontScale="80000"/>
           </a:bodyPr>
           <a:p>
-            <a:r>
-              <a:rPr lang="en-US" altLang="zh-CN"/>
-              <a:t>Cube texture</a:t>
+            <a:pPr lvl="0"/>
+            <a:r>
+              <a:rPr lang="en-US" altLang="zh-CN"/>
+              <a:t>Mipmap</a:t>
             </a:r>
             <a:endParaRPr lang="en-US" altLang="zh-CN"/>
           </a:p>
@@ -4068,7 +4542,7 @@
             <a:pPr lvl="1"/>
             <a:r>
               <a:rPr lang="en-US" altLang="zh-CN"/>
-              <a:t>In order of px, nx, py, ny, pz, nz (right, left, top, bottom, front, back)</a:t>
+              <a:t>mip: copies of the texture, each one half as wide and half as tall as the previous mip</a:t>
             </a:r>
             <a:endParaRPr lang="en-US" altLang="zh-CN"/>
           </a:p>
@@ -4076,7 +4550,7 @@
             <a:pPr lvl="0"/>
             <a:r>
               <a:rPr lang="en-US" altLang="zh-CN"/>
-              <a:t>Mipmap</a:t>
+              <a:t>Options</a:t>
             </a:r>
             <a:endParaRPr lang="en-US" altLang="zh-CN"/>
           </a:p>
@@ -4084,15 +4558,47 @@
             <a:pPr lvl="1"/>
             <a:r>
               <a:rPr lang="en-US" altLang="zh-CN"/>
-              <a:t>mip: copies of the texture, each one half as wide and half as tall as the previous mip</a:t>
-            </a:r>
-            <a:endParaRPr lang="en-US" altLang="zh-CN"/>
-          </a:p>
-          <a:p>
-            <a:pPr lvl="0"/>
-            <a:r>
-              <a:rPr lang="en-US" altLang="zh-CN"/>
-              <a:t>Texture</a:t>
+              <a:t>Nearest: choose the closest pixel in the texture</a:t>
+            </a:r>
+            <a:endParaRPr lang="en-US" altLang="zh-CN"/>
+          </a:p>
+          <a:p>
+            <a:pPr lvl="1"/>
+            <a:r>
+              <a:rPr lang="en-US" altLang="zh-CN"/>
+              <a:t>Linear: choose 4 pixels from the texture and blend them</a:t>
+            </a:r>
+            <a:endParaRPr lang="en-US" altLang="zh-CN"/>
+          </a:p>
+          <a:p>
+            <a:pPr lvl="1"/>
+            <a:r>
+              <a:rPr lang="en-US" altLang="zh-CN"/>
+              <a:t>NearestMipmapNearestFilter: choose the nearest mip then choose one pixel</a:t>
+            </a:r>
+            <a:endParaRPr lang="en-US" altLang="zh-CN"/>
+          </a:p>
+          <a:p>
+            <a:pPr lvl="1"/>
+            <a:r>
+              <a:rPr lang="en-US" altLang="zh-CN"/>
+              <a:t>NearestMipmapLinearFilter: choose 2 mips, choose one pixel from each, blend the 2 pixels</a:t>
+            </a:r>
+            <a:endParaRPr lang="en-US" altLang="zh-CN"/>
+          </a:p>
+          <a:p>
+            <a:pPr lvl="1"/>
+            <a:r>
+              <a:rPr lang="en-US" altLang="zh-CN"/>
+              <a:t>LinearMipmapNearestFilter: chose the nearest mip then choose 4 pixels and blend them</a:t>
+            </a:r>
+            <a:endParaRPr lang="en-US" altLang="zh-CN"/>
+          </a:p>
+          <a:p>
+            <a:pPr lvl="1"/>
+            <a:r>
+              <a:rPr lang="en-US" altLang="zh-CN"/>
+              <a:t>LinearMipmapLinearFilter: choose 2 mips, choose 4 pixels from each and blend all 8 into 1 pixel</a:t>
             </a:r>
             <a:endParaRPr lang="en-US" altLang="zh-CN"/>
           </a:p>
@@ -4138,9 +4644,33 @@
           </a:prstGeom>
         </p:spPr>
       </p:pic>
+      <p:pic>
+        <p:nvPicPr>
+          <p:cNvPr id="7" name="图片 6"/>
+          <p:cNvPicPr>
+            <a:picLocks noChangeAspect="1"/>
+          </p:cNvPicPr>
+          <p:nvPr/>
+        </p:nvPicPr>
+        <p:blipFill>
+          <a:blip r:embed="rId2"/>
+          <a:stretch>
+            <a:fillRect/>
+          </a:stretch>
+        </p:blipFill>
+        <p:spPr>
+          <a:xfrm>
+            <a:off x="7374890" y="3602990"/>
+            <a:ext cx="4505960" cy="2914650"/>
+          </a:xfrm>
+          <a:prstGeom prst="rect">
+            <a:avLst/>
+          </a:prstGeom>
+        </p:spPr>
+      </p:pic>
     </p:spTree>
     <p:custDataLst>
-      <p:tags r:id="rId2"/>
+      <p:tags r:id="rId3"/>
     </p:custDataLst>
   </p:cSld>
   <p:clrMapOvr>
@@ -4149,7 +4679,7 @@
 </p:sld>
 </file>
 
-<file path=ppt/slides/slide6.xml><?xml version="1.0" encoding="utf-8"?>
+<file path=ppt/slides/slide7.xml><?xml version="1.0" encoding="utf-8"?>
 <p:sld xmlns:a="http://schemas.openxmlformats.org/drawingml/2006/main" xmlns:r="http://schemas.openxmlformats.org/officeDocument/2006/relationships" xmlns:p="http://schemas.openxmlformats.org/presentationml/2006/main">
   <p:cSld>
     <p:spTree>
@@ -4194,11 +4724,13 @@
         <p:spPr>
           <a:xfrm>
             <a:off x="838200" y="1211580"/>
-            <a:ext cx="6304280" cy="4549140"/>
+            <a:ext cx="7541260" cy="4549140"/>
           </a:xfrm>
         </p:spPr>
         <p:txBody>
-          <a:bodyPr/>
+          <a:bodyPr>
+            <a:normAutofit fontScale="90000" lnSpcReduction="20000"/>
+          </a:bodyPr>
           <a:p>
             <a:r>
               <a:rPr lang="en-US" altLang="zh-CN"/>
@@ -4220,7 +4752,123 @@
               <a:rPr lang="en-US" altLang="zh-CN"/>
               <a:t>loader.load(url, onLoadCallback, onProgressCallback, onErrorCallback)</a:t>
             </a:r>
-            <a:endParaRPr lang="zh-CN" altLang="en-US"/>
+            <a:endParaRPr lang="en-US" altLang="zh-CN"/>
+          </a:p>
+          <a:p>
+            <a:pPr lvl="0"/>
+            <a:r>
+              <a:rPr lang="en-US" altLang="zh-CN"/>
+              <a:t>Load cubemap</a:t>
+            </a:r>
+            <a:endParaRPr lang="en-US" altLang="zh-CN"/>
+          </a:p>
+          <a:p>
+            <a:pPr marL="457200" lvl="1" indent="0">
+              <a:buNone/>
+            </a:pPr>
+            <a:r>
+              <a:rPr lang="en-US" altLang="zh-CN"/>
+              <a:t>const loader =  new THREE.CubeTextureLoader()</a:t>
+            </a:r>
+            <a:endParaRPr lang="en-US" altLang="zh-CN"/>
+          </a:p>
+          <a:p>
+            <a:pPr marL="457200" lvl="1" indent="0">
+              <a:buNone/>
+            </a:pPr>
+            <a:r>
+              <a:rPr lang="en-US" altLang="zh-CN"/>
+              <a:t>const texture = loader.load([</a:t>
+            </a:r>
+            <a:endParaRPr lang="en-US" altLang="zh-CN"/>
+          </a:p>
+          <a:p>
+            <a:pPr marL="914400" lvl="2" indent="0">
+              <a:buNone/>
+            </a:pPr>
+            <a:r>
+              <a:rPr lang="en-US" altLang="zh-CN"/>
+              <a:t>pos-x.jpg, neg-x.jpg, pos-y.jpg, neg-y.jpg, pos-z.jpg neg-z.jpg])</a:t>
+            </a:r>
+            <a:endParaRPr lang="en-US" altLang="zh-CN"/>
+          </a:p>
+          <a:p>
+            <a:pPr marL="457200" lvl="1" indent="0">
+              <a:buNone/>
+            </a:pPr>
+            <a:r>
+              <a:rPr lang="en-US" altLang="zh-CN"/>
+              <a:t>scene.background = texture</a:t>
+            </a:r>
+            <a:endParaRPr lang="en-US" altLang="zh-CN"/>
+          </a:p>
+          <a:p>
+            <a:pPr lvl="0"/>
+            <a:r>
+              <a:rPr lang="en-US" altLang="zh-CN"/>
+              <a:t>Load equirectangular</a:t>
+            </a:r>
+            <a:endParaRPr lang="en-US" altLang="zh-CN"/>
+          </a:p>
+          <a:p>
+            <a:pPr marL="457200" lvl="1" indent="0">
+              <a:buNone/>
+            </a:pPr>
+            <a:r>
+              <a:rPr lang="en-US" altLang="zh-CN"/>
+              <a:t>const loader = new THREE.TextureLoader()</a:t>
+            </a:r>
+            <a:endParaRPr lang="en-US" altLang="zh-CN"/>
+          </a:p>
+          <a:p>
+            <a:pPr marL="457200" lvl="1" indent="0">
+              <a:buNone/>
+            </a:pPr>
+            <a:r>
+              <a:rPr lang="en-US" altLang="zh-CN"/>
+              <a:t>const texture = loader.load('equi.jpg', () =&gt; {</a:t>
+            </a:r>
+            <a:endParaRPr lang="en-US" altLang="zh-CN"/>
+          </a:p>
+          <a:p>
+            <a:pPr marL="914400" lvl="2" indent="0">
+              <a:buNone/>
+            </a:pPr>
+            <a:r>
+              <a:rPr lang="en-US" altLang="zh-CN"/>
+              <a:t>const rt = new THREE.WebGLCubeRenderTarget(texture.image.height)</a:t>
+            </a:r>
+            <a:endParaRPr lang="en-US" altLang="zh-CN"/>
+          </a:p>
+          <a:p>
+            <a:pPr marL="914400" lvl="2" indent="0">
+              <a:buNone/>
+            </a:pPr>
+            <a:r>
+              <a:rPr lang="en-US" altLang="zh-CN"/>
+              <a:t>rt.fromEquirectangularTexture(render, texture)</a:t>
+            </a:r>
+            <a:endParaRPr lang="en-US" altLang="zh-CN"/>
+          </a:p>
+          <a:p>
+            <a:pPr marL="914400" lvl="2" indent="0">
+              <a:buNone/>
+            </a:pPr>
+            <a:r>
+              <a:rPr lang="en-US" altLang="zh-CN"/>
+              <a:t>scene.background = rt</a:t>
+            </a:r>
+            <a:endParaRPr lang="en-US" altLang="zh-CN"/>
+          </a:p>
+          <a:p>
+            <a:pPr marL="457200" lvl="1" indent="0">
+              <a:buNone/>
+            </a:pPr>
+            <a:r>
+              <a:rPr lang="en-US" altLang="zh-CN"/>
+              <a:t>})</a:t>
+            </a:r>
+            <a:endParaRPr lang="en-US" altLang="zh-CN"/>
           </a:p>
         </p:txBody>
       </p:sp>
@@ -4260,10 +4908,10 @@
           <a:p>
             <a:pPr algn="ctr"/>
             <a:r>
-              <a:rPr lang="en-US" altLang="zh-CN"/>
+              <a:rPr lang="en-US" altLang="zh-CN" sz="1600"/>
               <a:t>TextureLoader</a:t>
             </a:r>
-            <a:endParaRPr lang="en-US" altLang="zh-CN"/>
+            <a:endParaRPr lang="en-US" altLang="zh-CN" sz="1600"/>
           </a:p>
         </p:txBody>
       </p:sp>
@@ -4303,111 +4951,10 @@
           <a:p>
             <a:pPr algn="ctr"/>
             <a:r>
-              <a:rPr lang="en-US" altLang="zh-CN"/>
-              <a:t>Cube</a:t>
-            </a:r>
-            <a:r>
-              <a:rPr lang="en-US" altLang="zh-CN"/>
-              <a:t>TextureLoader</a:t>
-            </a:r>
-            <a:endParaRPr lang="en-US" altLang="zh-CN"/>
-          </a:p>
-        </p:txBody>
-      </p:sp>
-    </p:spTree>
-    <p:custDataLst>
-      <p:tags r:id="rId1"/>
-    </p:custDataLst>
-  </p:cSld>
-  <p:clrMapOvr>
-    <a:masterClrMapping/>
-  </p:clrMapOvr>
-</p:sld>
-</file>
-
-<file path=ppt/slides/slide7.xml><?xml version="1.0" encoding="utf-8"?>
-<p:sld xmlns:a="http://schemas.openxmlformats.org/drawingml/2006/main" xmlns:r="http://schemas.openxmlformats.org/officeDocument/2006/relationships" xmlns:p="http://schemas.openxmlformats.org/presentationml/2006/main">
-  <p:cSld>
-    <p:spTree>
-      <p:nvGrpSpPr>
-        <p:cNvPr id="1" name=""/>
-        <p:cNvGrpSpPr/>
-        <p:nvPr/>
-      </p:nvGrpSpPr>
-      <p:grpSpPr/>
-      <p:sp>
-        <p:nvSpPr>
-          <p:cNvPr id="2" name="标题 1"/>
-          <p:cNvSpPr>
-            <a:spLocks noGrp="1"/>
-          </p:cNvSpPr>
-          <p:nvPr>
-            <p:ph type="title"/>
-          </p:nvPr>
-        </p:nvSpPr>
-        <p:spPr/>
-        <p:txBody>
-          <a:bodyPr/>
-          <a:p>
-            <a:r>
-              <a:rPr lang="en-US" altLang="zh-CN"/>
-              <a:t>Raycaster</a:t>
-            </a:r>
-            <a:endParaRPr lang="en-US" altLang="zh-CN"/>
-          </a:p>
-        </p:txBody>
-      </p:sp>
-      <p:sp>
-        <p:nvSpPr>
-          <p:cNvPr id="3" name="内容占位符 2"/>
-          <p:cNvSpPr>
-            <a:spLocks noGrp="1"/>
-          </p:cNvSpPr>
-          <p:nvPr>
-            <p:ph idx="1"/>
-          </p:nvPr>
-        </p:nvSpPr>
-        <p:spPr/>
-        <p:txBody>
-          <a:bodyPr/>
-          <a:p>
-            <a:r>
-              <a:rPr lang="en-US" altLang="zh-CN"/>
-              <a:t>Code Snippets</a:t>
-            </a:r>
-            <a:endParaRPr lang="en-US" altLang="zh-CN"/>
-          </a:p>
-          <a:p>
-            <a:pPr lvl="1"/>
-            <a:r>
-              <a:rPr lang="en-US" altLang="zh-CN"/>
-              <a:t>var rc = new Three.Raycaster()</a:t>
-            </a:r>
-            <a:endParaRPr lang="en-US" altLang="zh-CN"/>
-          </a:p>
-          <a:p>
-            <a:pPr lvl="1"/>
-            <a:r>
-              <a:rPr lang="en-US" altLang="zh-CN"/>
-              <a:t>rc.setFromCamera(mousePos, camera)</a:t>
-            </a:r>
-            <a:endParaRPr lang="en-US" altLang="zh-CN"/>
-          </a:p>
-          <a:p>
-            <a:pPr lvl="1"/>
-            <a:r>
-              <a:rPr lang="en-US" altLang="zh-CN"/>
-              <a:t>rc.ray</a:t>
-            </a:r>
-            <a:endParaRPr lang="en-US" altLang="zh-CN"/>
-          </a:p>
-          <a:p>
-            <a:pPr lvl="2"/>
-            <a:r>
-              <a:rPr lang="en-US" altLang="zh-CN"/>
-              <a:t>direction</a:t>
-            </a:r>
-            <a:endParaRPr lang="en-US" altLang="zh-CN"/>
+              <a:rPr lang="en-US" altLang="zh-CN" sz="1600"/>
+              <a:t>CubeTextureLoader</a:t>
+            </a:r>
+            <a:endParaRPr lang="en-US" altLang="zh-CN" sz="1600"/>
           </a:p>
         </p:txBody>
       </p:sp>
@@ -4448,7 +4995,7 @@
           <a:p>
             <a:r>
               <a:rPr lang="en-US" altLang="zh-CN"/>
-              <a:t>Particle System</a:t>
+              <a:t>Sprite</a:t>
             </a:r>
             <a:endParaRPr lang="en-US" altLang="zh-CN"/>
           </a:p>
@@ -4464,15 +5011,501 @@
             <p:ph idx="1"/>
           </p:nvPr>
         </p:nvSpPr>
+        <p:spPr>
+          <a:xfrm>
+            <a:off x="838200" y="1211580"/>
+            <a:ext cx="7279005" cy="4549140"/>
+          </a:xfrm>
+        </p:spPr>
+        <p:txBody>
+          <a:bodyPr/>
+          <a:p>
+            <a:r>
+              <a:rPr lang="en-US" altLang="zh-CN"/>
+              <a:t>SpriteMaterial</a:t>
+            </a:r>
+            <a:endParaRPr lang="en-US" altLang="zh-CN"/>
+          </a:p>
+          <a:p>
+            <a:pPr lvl="1"/>
+            <a:r>
+              <a:rPr lang="en-US" altLang="zh-CN"/>
+              <a:t>Properties</a:t>
+            </a:r>
+            <a:endParaRPr lang="en-US" altLang="zh-CN"/>
+          </a:p>
+          <a:p>
+            <a:pPr lvl="2"/>
+            <a:r>
+              <a:rPr lang="en-US" altLang="zh-CN"/>
+              <a:t>color: .map is multiplied by the color</a:t>
+            </a:r>
+            <a:endParaRPr lang="en-US" altLang="zh-CN"/>
+          </a:p>
+          <a:p>
+            <a:pPr lvl="2"/>
+            <a:r>
+              <a:rPr lang="en-US" altLang="zh-CN"/>
+              <a:t>map: texture</a:t>
+            </a:r>
+            <a:endParaRPr lang="en-US" altLang="zh-CN"/>
+          </a:p>
+          <a:p>
+            <a:pPr lvl="2"/>
+            <a:r>
+              <a:rPr lang="en-US" altLang="zh-CN"/>
+              <a:t>rotation</a:t>
+            </a:r>
+            <a:endParaRPr lang="en-US" altLang="zh-CN"/>
+          </a:p>
+          <a:p>
+            <a:pPr lvl="2"/>
+            <a:r>
+              <a:rPr lang="en-US" altLang="zh-CN"/>
+              <a:t>sizeAttenuation: whether or not size of sprite is attenuated by the camera depth, default true</a:t>
+            </a:r>
+            <a:endParaRPr lang="en-US" altLang="zh-CN"/>
+          </a:p>
+        </p:txBody>
+      </p:sp>
+      <p:sp>
+        <p:nvSpPr>
+          <p:cNvPr id="4" name="圆角矩形 3"/>
+          <p:cNvSpPr/>
+          <p:nvPr/>
+        </p:nvSpPr>
+        <p:spPr>
+          <a:xfrm>
+            <a:off x="8926195" y="2138045"/>
+            <a:ext cx="2441575" cy="843915"/>
+          </a:xfrm>
+          <a:prstGeom prst="roundRect">
+            <a:avLst/>
+          </a:prstGeom>
+        </p:spPr>
+        <p:style>
+          <a:lnRef idx="2">
+            <a:schemeClr val="accent1">
+              <a:shade val="50000"/>
+            </a:schemeClr>
+          </a:lnRef>
+          <a:fillRef idx="1">
+            <a:schemeClr val="accent1"/>
+          </a:fillRef>
+          <a:effectRef idx="0">
+            <a:schemeClr val="accent1"/>
+          </a:effectRef>
+          <a:fontRef idx="minor">
+            <a:schemeClr val="lt1"/>
+          </a:fontRef>
+        </p:style>
+        <p:txBody>
+          <a:bodyPr rtlCol="0" anchor="ctr"/>
+          <a:p>
+            <a:pPr algn="ctr"/>
+            <a:r>
+              <a:rPr lang="en-US" altLang="zh-CN"/>
+              <a:t>SpriteMaterial</a:t>
+            </a:r>
+            <a:endParaRPr lang="en-US" altLang="zh-CN"/>
+          </a:p>
+          <a:p>
+            <a:pPr algn="ctr"/>
+            <a:r>
+              <a:rPr lang="en-US" altLang="zh-CN"/>
+              <a:t>({map: texture,</a:t>
+            </a:r>
+            <a:endParaRPr lang="en-US" altLang="zh-CN"/>
+          </a:p>
+          <a:p>
+            <a:pPr algn="ctr"/>
+            <a:r>
+              <a:rPr lang="en-US" altLang="zh-CN"/>
+              <a:t>color: color})</a:t>
+            </a:r>
+            <a:endParaRPr lang="en-US" altLang="zh-CN"/>
+          </a:p>
+        </p:txBody>
+      </p:sp>
+      <p:sp>
+        <p:nvSpPr>
+          <p:cNvPr id="5" name="圆角矩形 4"/>
+          <p:cNvSpPr/>
+          <p:nvPr/>
+        </p:nvSpPr>
+        <p:spPr>
+          <a:xfrm>
+            <a:off x="8926195" y="3285490"/>
+            <a:ext cx="2441575" cy="843915"/>
+          </a:xfrm>
+          <a:prstGeom prst="roundRect">
+            <a:avLst/>
+          </a:prstGeom>
+        </p:spPr>
+        <p:style>
+          <a:lnRef idx="2">
+            <a:schemeClr val="accent1">
+              <a:shade val="50000"/>
+            </a:schemeClr>
+          </a:lnRef>
+          <a:fillRef idx="1">
+            <a:schemeClr val="accent1"/>
+          </a:fillRef>
+          <a:effectRef idx="0">
+            <a:schemeClr val="accent1"/>
+          </a:effectRef>
+          <a:fontRef idx="minor">
+            <a:schemeClr val="lt1"/>
+          </a:fontRef>
+        </p:style>
+        <p:txBody>
+          <a:bodyPr rtlCol="0" anchor="ctr"/>
+          <a:p>
+            <a:pPr algn="ctr"/>
+            <a:r>
+              <a:rPr lang="en-US" altLang="zh-CN"/>
+              <a:t>Sprite</a:t>
+            </a:r>
+            <a:endParaRPr lang="en-US" altLang="zh-CN"/>
+          </a:p>
+          <a:p>
+            <a:pPr algn="ctr"/>
+            <a:r>
+              <a:rPr lang="en-US" altLang="zh-CN"/>
+              <a:t>(spriteMaterial)</a:t>
+            </a:r>
+            <a:endParaRPr lang="en-US" altLang="zh-CN"/>
+          </a:p>
+          <a:p>
+            <a:pPr algn="ctr"/>
+            <a:r>
+              <a:rPr lang="en-US" altLang="zh-CN"/>
+              <a:t>- material</a:t>
+            </a:r>
+            <a:endParaRPr lang="en-US" altLang="zh-CN"/>
+          </a:p>
+        </p:txBody>
+      </p:sp>
+      <p:cxnSp>
+        <p:nvCxnSpPr>
+          <p:cNvPr id="6" name="直接箭头连接符 5"/>
+          <p:cNvCxnSpPr>
+            <a:stCxn id="5" idx="0"/>
+            <a:endCxn id="4" idx="2"/>
+          </p:cNvCxnSpPr>
+          <p:nvPr/>
+        </p:nvCxnSpPr>
+        <p:spPr>
+          <a:xfrm flipV="1">
+            <a:off x="10147300" y="2981960"/>
+            <a:ext cx="0" cy="303530"/>
+          </a:xfrm>
+          <a:prstGeom prst="straightConnector1">
+            <a:avLst/>
+          </a:prstGeom>
+          <a:ln>
+            <a:tailEnd type="arrow"/>
+          </a:ln>
+        </p:spPr>
+        <p:style>
+          <a:lnRef idx="1">
+            <a:schemeClr val="accent1"/>
+          </a:lnRef>
+          <a:fillRef idx="0">
+            <a:schemeClr val="accent1"/>
+          </a:fillRef>
+          <a:effectRef idx="0">
+            <a:schemeClr val="accent1"/>
+          </a:effectRef>
+          <a:fontRef idx="minor">
+            <a:schemeClr val="tx1"/>
+          </a:fontRef>
+        </p:style>
+      </p:cxnSp>
+    </p:spTree>
+    <p:custDataLst>
+      <p:tags r:id="rId1"/>
+    </p:custDataLst>
+  </p:cSld>
+  <p:clrMapOvr>
+    <a:masterClrMapping/>
+  </p:clrMapOvr>
+</p:sld>
+</file>
+
+<file path=ppt/slides/slide9.xml><?xml version="1.0" encoding="utf-8"?>
+<p:sld xmlns:a="http://schemas.openxmlformats.org/drawingml/2006/main" xmlns:r="http://schemas.openxmlformats.org/officeDocument/2006/relationships" xmlns:p="http://schemas.openxmlformats.org/presentationml/2006/main">
+  <p:cSld>
+    <p:spTree>
+      <p:nvGrpSpPr>
+        <p:cNvPr id="1" name=""/>
+        <p:cNvGrpSpPr/>
+        <p:nvPr/>
+      </p:nvGrpSpPr>
+      <p:grpSpPr/>
+      <p:sp>
+        <p:nvSpPr>
+          <p:cNvPr id="2" name="标题 1"/>
+          <p:cNvSpPr>
+            <a:spLocks noGrp="1"/>
+          </p:cNvSpPr>
+          <p:nvPr>
+            <p:ph type="title"/>
+          </p:nvPr>
+        </p:nvSpPr>
         <p:spPr/>
         <p:txBody>
           <a:bodyPr/>
           <a:p>
             <a:r>
-              <a:rPr lang="zh-CN" altLang="en-US"/>
-              <a:t>https://redstapler.co/space-warp-background-effect-three-js/</a:t>
-            </a:r>
-            <a:endParaRPr lang="zh-CN" altLang="en-US"/>
+              <a:rPr lang="en-US" altLang="zh-CN"/>
+              <a:t>Texts</a:t>
+            </a:r>
+            <a:endParaRPr lang="en-US" altLang="zh-CN"/>
+          </a:p>
+        </p:txBody>
+      </p:sp>
+      <p:sp>
+        <p:nvSpPr>
+          <p:cNvPr id="3" name="内容占位符 2"/>
+          <p:cNvSpPr>
+            <a:spLocks noGrp="1"/>
+          </p:cNvSpPr>
+          <p:nvPr>
+            <p:ph idx="1"/>
+          </p:nvPr>
+        </p:nvSpPr>
+        <p:spPr>
+          <a:xfrm>
+            <a:off x="838200" y="1211580"/>
+            <a:ext cx="7025640" cy="5121910"/>
+          </a:xfrm>
+        </p:spPr>
+        <p:txBody>
+          <a:bodyPr>
+            <a:normAutofit fontScale="60000"/>
+          </a:bodyPr>
+          <a:p>
+            <a:r>
+              <a:rPr lang="en-US" altLang="zh-CN"/>
+              <a:t>Refer</a:t>
+            </a:r>
+            <a:endParaRPr lang="en-US" altLang="zh-CN"/>
+          </a:p>
+          <a:p>
+            <a:pPr lvl="1"/>
+            <a:r>
+              <a:rPr lang="en-US" altLang="zh-CN"/>
+              <a:t>https://www.cnblogs.com/tengge/p/11979854.html</a:t>
+            </a:r>
+            <a:endParaRPr lang="en-US" altLang="zh-CN"/>
+          </a:p>
+          <a:p>
+            <a:pPr lvl="0"/>
+            <a:r>
+              <a:rPr lang="en-US" altLang="zh-CN"/>
+              <a:t>troika-three-text</a:t>
+            </a:r>
+            <a:endParaRPr lang="en-US" altLang="zh-CN"/>
+          </a:p>
+          <a:p>
+            <a:pPr lvl="1"/>
+            <a:r>
+              <a:rPr lang="en-US" altLang="zh-CN">
+                <a:sym typeface="+mn-ea"/>
+              </a:rPr>
+              <a:t>https://protectwise.github.io/troika/troika-three-text/</a:t>
+            </a:r>
+            <a:endParaRPr lang="en-US" altLang="zh-CN">
+              <a:sym typeface="+mn-ea"/>
+            </a:endParaRPr>
+          </a:p>
+          <a:p>
+            <a:pPr lvl="1"/>
+            <a:r>
+              <a:rPr lang="en-US" altLang="zh-CN" sz="2000"/>
+              <a:t>npm i troika-three-text</a:t>
+            </a:r>
+            <a:endParaRPr lang="en-US" altLang="zh-CN"/>
+          </a:p>
+          <a:p>
+            <a:pPr lvl="0"/>
+            <a:r>
+              <a:rPr lang="en-US" altLang="zh-CN" sz="2400">
+                <a:sym typeface="+mn-ea"/>
+              </a:rPr>
+              <a:t>SpriteText</a:t>
+            </a:r>
+            <a:endParaRPr lang="en-US" altLang="zh-CN" sz="2400"/>
+          </a:p>
+          <a:p>
+            <a:pPr lvl="1"/>
+            <a:r>
+              <a:rPr lang="en-US" altLang="zh-CN" sz="2400">
+                <a:sym typeface="+mn-ea"/>
+              </a:rPr>
+              <a:t>https://github.com/vasturiano/three-spritetext</a:t>
+            </a:r>
+            <a:endParaRPr lang="en-US" altLang="zh-CN" sz="2400"/>
+          </a:p>
+          <a:p>
+            <a:pPr lvl="1"/>
+            <a:r>
+              <a:rPr lang="en-US" altLang="zh-CN" sz="2400">
+                <a:sym typeface="+mn-ea"/>
+              </a:rPr>
+              <a:t>npm i three-spritetext</a:t>
+            </a:r>
+            <a:endParaRPr lang="en-US" altLang="zh-CN" sz="2400"/>
+          </a:p>
+          <a:p>
+            <a:pPr lvl="1"/>
+            <a:r>
+              <a:rPr lang="en-US" altLang="zh-CN" sz="2400">
+                <a:sym typeface="+mn-ea"/>
+              </a:rPr>
+              <a:t>import SpriteText from 'three-spritetext'</a:t>
+            </a:r>
+            <a:endParaRPr lang="en-US" altLang="zh-CN" sz="2400"/>
+          </a:p>
+          <a:p>
+            <a:pPr lvl="1"/>
+            <a:r>
+              <a:rPr lang="en-US" altLang="zh-CN" sz="2400">
+                <a:sym typeface="+mn-ea"/>
+              </a:rPr>
+              <a:t>var myText = new SpriteText('My text')</a:t>
+            </a:r>
+            <a:endParaRPr lang="en-US" altLang="zh-CN" sz="2400">
+              <a:sym typeface="+mn-ea"/>
+            </a:endParaRPr>
+          </a:p>
+          <a:p>
+            <a:pPr lvl="1"/>
+            <a:r>
+              <a:rPr lang="en-US" altLang="zh-CN" sz="2400"/>
+              <a:t>text is clear, not blurry</a:t>
+            </a:r>
+            <a:endParaRPr lang="en-US" altLang="zh-CN" sz="2400"/>
+          </a:p>
+          <a:p>
+            <a:pPr lvl="0"/>
+            <a:r>
+              <a:rPr lang="en-US" altLang="zh-CN" sz="2400">
+                <a:sym typeface="+mn-ea"/>
+              </a:rPr>
+              <a:t>TextSprite</a:t>
+            </a:r>
+            <a:endParaRPr lang="en-US" altLang="zh-CN" sz="2400"/>
+          </a:p>
+          <a:p>
+            <a:pPr lvl="1"/>
+            <a:r>
+              <a:rPr lang="en-US" altLang="zh-CN" sz="2400">
+                <a:sym typeface="+mn-ea"/>
+              </a:rPr>
+              <a:t>https://github.com/SeregPie/THREE.TextSprite</a:t>
+            </a:r>
+            <a:endParaRPr lang="en-US" altLang="zh-CN" sz="2400">
+              <a:sym typeface="+mn-ea"/>
+            </a:endParaRPr>
+          </a:p>
+          <a:p>
+            <a:pPr lvl="1"/>
+            <a:r>
+              <a:rPr lang="en-US" altLang="zh-CN" sz="2400">
+                <a:sym typeface="+mn-ea"/>
+              </a:rPr>
+              <a:t>npm i @seregpie/three.text-sprite</a:t>
+            </a:r>
+            <a:endParaRPr lang="en-US" altLang="zh-CN" sz="2400"/>
+          </a:p>
+          <a:p>
+            <a:pPr lvl="1"/>
+            <a:r>
+              <a:rPr lang="en-US" altLang="zh-CN" sz="2400">
+                <a:sym typeface="+mn-ea"/>
+              </a:rPr>
+              <a:t>import TextSprite from '@seregpie/three.text-sprite'</a:t>
+            </a:r>
+            <a:endParaRPr lang="en-US" altLang="zh-CN" sz="2400"/>
+          </a:p>
+          <a:p>
+            <a:pPr lvl="0"/>
+            <a:r>
+              <a:rPr lang="en-US" altLang="zh-CN"/>
+              <a:t>SpriteText2D</a:t>
+            </a:r>
+            <a:endParaRPr lang="en-US" altLang="zh-CN"/>
+          </a:p>
+          <a:p>
+            <a:pPr lvl="1"/>
+            <a:r>
+              <a:rPr lang="en-US" altLang="zh-CN">
+                <a:sym typeface="+mn-ea"/>
+              </a:rPr>
+              <a:t>https://github.com/gamestdio/three-text2d</a:t>
+            </a:r>
+            <a:endParaRPr lang="en-US" altLang="zh-CN"/>
+          </a:p>
+          <a:p>
+            <a:pPr lvl="1"/>
+            <a:r>
+              <a:rPr lang="en-US" altLang="zh-CN"/>
+              <a:t>three-text2d</a:t>
+            </a:r>
+            <a:endParaRPr lang="en-US" altLang="zh-CN"/>
+          </a:p>
+        </p:txBody>
+      </p:sp>
+      <p:sp>
+        <p:nvSpPr>
+          <p:cNvPr id="7" name="圆角矩形 6"/>
+          <p:cNvSpPr/>
+          <p:nvPr/>
+        </p:nvSpPr>
+        <p:spPr>
+          <a:xfrm>
+            <a:off x="8550275" y="1270000"/>
+            <a:ext cx="2441575" cy="843915"/>
+          </a:xfrm>
+          <a:prstGeom prst="roundRect">
+            <a:avLst/>
+          </a:prstGeom>
+        </p:spPr>
+        <p:style>
+          <a:lnRef idx="2">
+            <a:schemeClr val="accent1">
+              <a:shade val="50000"/>
+            </a:schemeClr>
+          </a:lnRef>
+          <a:fillRef idx="1">
+            <a:schemeClr val="accent1"/>
+          </a:fillRef>
+          <a:effectRef idx="0">
+            <a:schemeClr val="accent1"/>
+          </a:effectRef>
+          <a:fontRef idx="minor">
+            <a:schemeClr val="lt1"/>
+          </a:fontRef>
+        </p:style>
+        <p:txBody>
+          <a:bodyPr rtlCol="0" anchor="ctr"/>
+          <a:p>
+            <a:pPr algn="ctr"/>
+            <a:r>
+              <a:rPr lang="en-US" altLang="zh-CN"/>
+              <a:t>SpriteText2D</a:t>
+            </a:r>
+            <a:endParaRPr lang="en-US" altLang="zh-CN"/>
+          </a:p>
+          <a:p>
+            <a:pPr algn="ctr"/>
+            <a:r>
+              <a:rPr lang="en-US" altLang="zh-CN"/>
+              <a:t>(msg, {props})</a:t>
+            </a:r>
+            <a:endParaRPr lang="en-US" altLang="zh-CN"/>
           </a:p>
         </p:txBody>
       </p:sp>
@@ -4520,6 +5553,38 @@
 </file>
 
 <file path=ppt/tags/tag13.xml><?xml version="1.0" encoding="utf-8"?>
+<p:tagLst xmlns:p="http://schemas.openxmlformats.org/presentationml/2006/main">
+  <p:tag name="KSO_WM_BEAUTIFY_FLAG" val="#wm#"/>
+  <p:tag name="KSO_WM_TEMPLATE_CATEGORY" val="custom"/>
+  <p:tag name="KSO_WM_TEMPLATE_INDEX" val="160402"/>
+</p:tagLst>
+</file>
+
+<file path=ppt/tags/tag14.xml><?xml version="1.0" encoding="utf-8"?>
+<p:tagLst xmlns:p="http://schemas.openxmlformats.org/presentationml/2006/main">
+  <p:tag name="KSO_WM_BEAUTIFY_FLAG" val="#wm#"/>
+  <p:tag name="KSO_WM_TEMPLATE_CATEGORY" val="custom"/>
+  <p:tag name="KSO_WM_TEMPLATE_INDEX" val="160402"/>
+</p:tagLst>
+</file>
+
+<file path=ppt/tags/tag15.xml><?xml version="1.0" encoding="utf-8"?>
+<p:tagLst xmlns:p="http://schemas.openxmlformats.org/presentationml/2006/main">
+  <p:tag name="KSO_WM_BEAUTIFY_FLAG" val="#wm#"/>
+  <p:tag name="KSO_WM_TEMPLATE_CATEGORY" val="custom"/>
+  <p:tag name="KSO_WM_TEMPLATE_INDEX" val="160402"/>
+</p:tagLst>
+</file>
+
+<file path=ppt/tags/tag16.xml><?xml version="1.0" encoding="utf-8"?>
+<p:tagLst xmlns:p="http://schemas.openxmlformats.org/presentationml/2006/main">
+  <p:tag name="KSO_WM_BEAUTIFY_FLAG" val="#wm#"/>
+  <p:tag name="KSO_WM_TEMPLATE_CATEGORY" val="custom"/>
+  <p:tag name="KSO_WM_TEMPLATE_INDEX" val="160402"/>
+</p:tagLst>
+</file>
+
+<file path=ppt/tags/tag17.xml><?xml version="1.0" encoding="utf-8"?>
 <p:tagLst xmlns:p="http://schemas.openxmlformats.org/presentationml/2006/main">
   <p:tag name="KSO_WM_BEAUTIFY_FLAG" val="#wm#"/>
   <p:tag name="KSO_WM_TEMPLATE_CATEGORY" val="custom"/>

--- a/Web/ThreeJS-Notes.pptx
+++ b/Web/ThreeJS-Notes.pptx
@@ -8,21 +8,28 @@
     <p:notesMasterId r:id="rId4"/>
   </p:notesMasterIdLst>
   <p:handoutMasterIdLst>
-    <p:handoutMasterId r:id="rId16"/>
+    <p:handoutMasterId r:id="rId23"/>
   </p:handoutMasterIdLst>
   <p:sldIdLst>
     <p:sldId id="256" r:id="rId3"/>
     <p:sldId id="259" r:id="rId5"/>
-    <p:sldId id="265" r:id="rId6"/>
-    <p:sldId id="260" r:id="rId7"/>
-    <p:sldId id="278" r:id="rId8"/>
-    <p:sldId id="258" r:id="rId9"/>
-    <p:sldId id="263" r:id="rId10"/>
-    <p:sldId id="277" r:id="rId11"/>
-    <p:sldId id="273" r:id="rId12"/>
-    <p:sldId id="266" r:id="rId13"/>
-    <p:sldId id="271" r:id="rId14"/>
-    <p:sldId id="261" r:id="rId15"/>
+    <p:sldId id="286" r:id="rId6"/>
+    <p:sldId id="302" r:id="rId7"/>
+    <p:sldId id="287" r:id="rId8"/>
+    <p:sldId id="300" r:id="rId9"/>
+    <p:sldId id="260" r:id="rId10"/>
+    <p:sldId id="278" r:id="rId11"/>
+    <p:sldId id="289" r:id="rId12"/>
+    <p:sldId id="265" r:id="rId13"/>
+    <p:sldId id="263" r:id="rId14"/>
+    <p:sldId id="258" r:id="rId15"/>
+    <p:sldId id="277" r:id="rId16"/>
+    <p:sldId id="273" r:id="rId17"/>
+    <p:sldId id="301" r:id="rId18"/>
+    <p:sldId id="266" r:id="rId19"/>
+    <p:sldId id="271" r:id="rId20"/>
+    <p:sldId id="261" r:id="rId21"/>
+    <p:sldId id="288" r:id="rId22"/>
   </p:sldIdLst>
   <p:sldSz cx="12192000" cy="6858000"/>
   <p:notesSz cx="6858000" cy="9144000"/>
@@ -3803,7 +3810,7 @@
           <a:p>
             <a:r>
               <a:rPr lang="en-US" altLang="zh-CN"/>
-              <a:t>Raycaster</a:t>
+              <a:t>Coordinates</a:t>
             </a:r>
             <a:endParaRPr lang="en-US" altLang="zh-CN"/>
           </a:p>
@@ -3825,7 +3832,7 @@
           <a:p>
             <a:r>
               <a:rPr lang="en-US" altLang="zh-CN"/>
-              <a:t>Code Snippets</a:t>
+              <a:t>From screen space (normalized device coordinate) to world space</a:t>
             </a:r>
             <a:endParaRPr lang="en-US" altLang="zh-CN"/>
           </a:p>
@@ -3833,31 +3840,7 @@
             <a:pPr lvl="1"/>
             <a:r>
               <a:rPr lang="en-US" altLang="zh-CN"/>
-              <a:t>var rc = new Three.Raycaster()</a:t>
-            </a:r>
-            <a:endParaRPr lang="en-US" altLang="zh-CN"/>
-          </a:p>
-          <a:p>
-            <a:pPr lvl="1"/>
-            <a:r>
-              <a:rPr lang="en-US" altLang="zh-CN"/>
-              <a:t>rc.setFromCamera(mousePos, camera)</a:t>
-            </a:r>
-            <a:endParaRPr lang="en-US" altLang="zh-CN"/>
-          </a:p>
-          <a:p>
-            <a:pPr lvl="1"/>
-            <a:r>
-              <a:rPr lang="en-US" altLang="zh-CN"/>
-              <a:t>rc.ray</a:t>
-            </a:r>
-            <a:endParaRPr lang="en-US" altLang="zh-CN"/>
-          </a:p>
-          <a:p>
-            <a:pPr lvl="2"/>
-            <a:r>
-              <a:rPr lang="en-US" altLang="zh-CN"/>
-              <a:t>direction</a:t>
+              <a:t>Vector3.unproject(camera)</a:t>
             </a:r>
             <a:endParaRPr lang="en-US" altLang="zh-CN"/>
           </a:p>
@@ -3900,7 +3883,7 @@
           <a:p>
             <a:r>
               <a:rPr lang="en-US" altLang="zh-CN"/>
-              <a:t>Post Processing</a:t>
+              <a:t>Texture Loader</a:t>
             </a:r>
             <a:endParaRPr lang="en-US" altLang="zh-CN"/>
           </a:p>
@@ -3919,15 +3902,17 @@
         <p:spPr>
           <a:xfrm>
             <a:off x="838200" y="1211580"/>
-            <a:ext cx="6431915" cy="4549140"/>
+            <a:ext cx="7541260" cy="4549140"/>
           </a:xfrm>
         </p:spPr>
         <p:txBody>
-          <a:bodyPr/>
-          <a:p>
-            <a:r>
-              <a:rPr lang="en-US" altLang="zh-CN"/>
-              <a:t>Refer</a:t>
+          <a:bodyPr>
+            <a:normAutofit fontScale="90000" lnSpcReduction="20000"/>
+          </a:bodyPr>
+          <a:p>
+            <a:r>
+              <a:rPr lang="en-US" altLang="zh-CN"/>
+              <a:t>TextureLoader</a:t>
             </a:r>
             <a:endParaRPr lang="en-US" altLang="zh-CN"/>
           </a:p>
@@ -3935,109 +3920,7 @@
             <a:pPr lvl="1"/>
             <a:r>
               <a:rPr lang="en-US" altLang="zh-CN"/>
-              <a:t>https://threejsfundamentals.org/threejs/lessons/threejs-post-processing.html</a:t>
-            </a:r>
-            <a:endParaRPr lang="en-US" altLang="zh-CN"/>
-          </a:p>
-        </p:txBody>
-      </p:sp>
-      <p:pic>
-        <p:nvPicPr>
-          <p:cNvPr id="7" name="图片 6" descr="threejs-postprocessing"/>
-          <p:cNvPicPr>
-            <a:picLocks noChangeAspect="1"/>
-          </p:cNvPicPr>
-          <p:nvPr/>
-        </p:nvPicPr>
-        <p:blipFill>
-          <a:blip r:embed="rId1">
-            <a:extLst>
-              <a:ext uri="{96DAC541-7B7A-43D3-8B79-37D633B846F1}">
-                <asvg:svgBlip xmlns:asvg="http://schemas.microsoft.com/office/drawing/2016/SVG/main" r:embed="rId2"/>
-              </a:ext>
-            </a:extLst>
-          </a:blip>
-          <a:stretch>
-            <a:fillRect/>
-          </a:stretch>
-        </p:blipFill>
-        <p:spPr>
-          <a:xfrm>
-            <a:off x="7270750" y="1211580"/>
-            <a:ext cx="4762500" cy="4762500"/>
-          </a:xfrm>
-          <a:prstGeom prst="rect">
-            <a:avLst/>
-          </a:prstGeom>
-        </p:spPr>
-      </p:pic>
-    </p:spTree>
-    <p:custDataLst>
-      <p:tags r:id="rId3"/>
-    </p:custDataLst>
-  </p:cSld>
-  <p:clrMapOvr>
-    <a:masterClrMapping/>
-  </p:clrMapOvr>
-</p:sld>
-</file>
-
-<file path=ppt/slides/slide12.xml><?xml version="1.0" encoding="utf-8"?>
-<p:sld xmlns:a="http://schemas.openxmlformats.org/drawingml/2006/main" xmlns:r="http://schemas.openxmlformats.org/officeDocument/2006/relationships" xmlns:p="http://schemas.openxmlformats.org/presentationml/2006/main">
-  <p:cSld>
-    <p:spTree>
-      <p:nvGrpSpPr>
-        <p:cNvPr id="1" name=""/>
-        <p:cNvGrpSpPr/>
-        <p:nvPr/>
-      </p:nvGrpSpPr>
-      <p:grpSpPr/>
-      <p:sp>
-        <p:nvSpPr>
-          <p:cNvPr id="2" name="标题 1"/>
-          <p:cNvSpPr>
-            <a:spLocks noGrp="1"/>
-          </p:cNvSpPr>
-          <p:nvPr>
-            <p:ph type="title"/>
-          </p:nvPr>
-        </p:nvSpPr>
-        <p:spPr/>
-        <p:txBody>
-          <a:bodyPr/>
-          <a:p>
-            <a:r>
-              <a:rPr lang="en-US" altLang="zh-CN"/>
-              <a:t>Particle System</a:t>
-            </a:r>
-            <a:endParaRPr lang="en-US" altLang="zh-CN"/>
-          </a:p>
-        </p:txBody>
-      </p:sp>
-      <p:sp>
-        <p:nvSpPr>
-          <p:cNvPr id="3" name="内容占位符 2"/>
-          <p:cNvSpPr>
-            <a:spLocks noGrp="1"/>
-          </p:cNvSpPr>
-          <p:nvPr>
-            <p:ph idx="1"/>
-          </p:nvPr>
-        </p:nvSpPr>
-        <p:spPr/>
-        <p:txBody>
-          <a:bodyPr/>
-          <a:p>
-            <a:r>
-              <a:rPr lang="zh-CN" altLang="en-US"/>
-              <a:t>https://redstapler.co/space-warp-background-effect-three-js/</a:t>
-            </a:r>
-            <a:endParaRPr lang="zh-CN" altLang="en-US"/>
-          </a:p>
-          <a:p>
-            <a:r>
-              <a:rPr lang="en-US" altLang="zh-CN"/>
-              <a:t>Fog</a:t>
+              <a:t>var loader = new THREE.TextureLoader()</a:t>
             </a:r>
             <a:endParaRPr lang="en-US" altLang="zh-CN"/>
           </a:p>
@@ -4045,15 +3928,7 @@
             <a:pPr lvl="1"/>
             <a:r>
               <a:rPr lang="en-US" altLang="zh-CN"/>
-              <a:t>https://dustinpfister.github.io/2018/04/16/threejs-fog/</a:t>
-            </a:r>
-            <a:endParaRPr lang="en-US" altLang="zh-CN"/>
-          </a:p>
-          <a:p>
-            <a:pPr lvl="1"/>
-            <a:r>
-              <a:rPr lang="en-US" altLang="zh-CN"/>
-              <a:t>scene.fog = THREE.fog(fogColor, nearDistance, farDistance)</a:t>
+              <a:t>loader.load(url, onLoadCallback, onProgressCallback, onErrorCallback)</a:t>
             </a:r>
             <a:endParaRPr lang="en-US" altLang="zh-CN"/>
           </a:p>
@@ -4061,348 +3936,115 @@
             <a:pPr lvl="0"/>
             <a:r>
               <a:rPr lang="en-US" altLang="zh-CN"/>
-              <a:t>Rain</a:t>
-            </a:r>
-            <a:endParaRPr lang="en-US" altLang="zh-CN"/>
-          </a:p>
-          <a:p>
-            <a:pPr lvl="1"/>
-            <a:r>
-              <a:rPr lang="en-US" altLang="zh-CN"/>
-              <a:t>https://redstapler.co/three-js-realistic-rain-tutorial/</a:t>
-            </a:r>
-            <a:endParaRPr lang="en-US" altLang="zh-CN"/>
-          </a:p>
-        </p:txBody>
-      </p:sp>
-    </p:spTree>
-    <p:custDataLst>
-      <p:tags r:id="rId1"/>
-    </p:custDataLst>
-  </p:cSld>
-  <p:clrMapOvr>
-    <a:masterClrMapping/>
-  </p:clrMapOvr>
-</p:sld>
-</file>
-
-<file path=ppt/slides/slide2.xml><?xml version="1.0" encoding="utf-8"?>
-<p:sld xmlns:a="http://schemas.openxmlformats.org/drawingml/2006/main" xmlns:r="http://schemas.openxmlformats.org/officeDocument/2006/relationships" xmlns:p="http://schemas.openxmlformats.org/presentationml/2006/main">
-  <p:cSld>
-    <p:spTree>
-      <p:nvGrpSpPr>
-        <p:cNvPr id="1" name=""/>
-        <p:cNvGrpSpPr/>
-        <p:nvPr/>
-      </p:nvGrpSpPr>
-      <p:grpSpPr/>
-      <p:sp>
-        <p:nvSpPr>
-          <p:cNvPr id="2" name="标题 1"/>
-          <p:cNvSpPr>
-            <a:spLocks noGrp="1"/>
-          </p:cNvSpPr>
-          <p:nvPr>
-            <p:ph type="title"/>
-          </p:nvPr>
-        </p:nvSpPr>
-        <p:spPr/>
-        <p:txBody>
-          <a:bodyPr/>
-          <a:p>
-            <a:r>
-              <a:rPr lang="en-US" altLang="zh-CN"/>
-              <a:t>References</a:t>
-            </a:r>
-            <a:endParaRPr lang="en-US" altLang="zh-CN"/>
-          </a:p>
-        </p:txBody>
-      </p:sp>
-      <p:sp>
-        <p:nvSpPr>
-          <p:cNvPr id="3" name="内容占位符 2"/>
-          <p:cNvSpPr>
-            <a:spLocks noGrp="1"/>
-          </p:cNvSpPr>
-          <p:nvPr>
-            <p:ph idx="1"/>
-          </p:nvPr>
-        </p:nvSpPr>
-        <p:spPr/>
-        <p:txBody>
-          <a:bodyPr/>
-          <a:p>
-            <a:r>
-              <a:rPr lang="zh-CN" altLang="en-US"/>
-              <a:t>https://threejsfundamentals.org/threejs/lessons/threejs-textures.html</a:t>
-            </a:r>
-            <a:endParaRPr lang="zh-CN" altLang="en-US"/>
-          </a:p>
-          <a:p>
-            <a:r>
-              <a:rPr lang="zh-CN" altLang="en-US"/>
-              <a:t>https://discoverthreejs.com/tips-and-tricks/</a:t>
-            </a:r>
-            <a:endParaRPr lang="zh-CN" altLang="en-US"/>
-          </a:p>
-        </p:txBody>
-      </p:sp>
-    </p:spTree>
-    <p:custDataLst>
-      <p:tags r:id="rId1"/>
-    </p:custDataLst>
-  </p:cSld>
-  <p:clrMapOvr>
-    <a:masterClrMapping/>
-  </p:clrMapOvr>
-</p:sld>
-</file>
-
-<file path=ppt/slides/slide3.xml><?xml version="1.0" encoding="utf-8"?>
-<p:sld xmlns:a="http://schemas.openxmlformats.org/drawingml/2006/main" xmlns:r="http://schemas.openxmlformats.org/officeDocument/2006/relationships" xmlns:p="http://schemas.openxmlformats.org/presentationml/2006/main">
-  <p:cSld>
-    <p:spTree>
-      <p:nvGrpSpPr>
-        <p:cNvPr id="1" name=""/>
-        <p:cNvGrpSpPr/>
-        <p:nvPr/>
-      </p:nvGrpSpPr>
-      <p:grpSpPr/>
-      <p:sp>
-        <p:nvSpPr>
-          <p:cNvPr id="2" name="标题 1"/>
-          <p:cNvSpPr>
-            <a:spLocks noGrp="1"/>
-          </p:cNvSpPr>
-          <p:nvPr>
-            <p:ph type="title"/>
-          </p:nvPr>
-        </p:nvSpPr>
-        <p:spPr/>
-        <p:txBody>
-          <a:bodyPr/>
-          <a:p>
-            <a:r>
-              <a:rPr lang="en-US" altLang="zh-CN"/>
-              <a:t>Coordinates</a:t>
-            </a:r>
-            <a:endParaRPr lang="en-US" altLang="zh-CN"/>
-          </a:p>
-        </p:txBody>
-      </p:sp>
-      <p:sp>
-        <p:nvSpPr>
-          <p:cNvPr id="3" name="内容占位符 2"/>
-          <p:cNvSpPr>
-            <a:spLocks noGrp="1"/>
-          </p:cNvSpPr>
-          <p:nvPr>
-            <p:ph idx="1"/>
-          </p:nvPr>
-        </p:nvSpPr>
-        <p:spPr/>
-        <p:txBody>
-          <a:bodyPr/>
-          <a:p>
-            <a:r>
-              <a:rPr lang="en-US" altLang="zh-CN"/>
-              <a:t>From screen space (normalized device coordinate) to world space</a:t>
-            </a:r>
-            <a:endParaRPr lang="en-US" altLang="zh-CN"/>
-          </a:p>
-          <a:p>
-            <a:pPr lvl="1"/>
-            <a:r>
-              <a:rPr lang="en-US" altLang="zh-CN"/>
-              <a:t>Vector3.unproject(camera)</a:t>
-            </a:r>
-            <a:endParaRPr lang="en-US" altLang="zh-CN"/>
-          </a:p>
-        </p:txBody>
-      </p:sp>
-    </p:spTree>
-    <p:custDataLst>
-      <p:tags r:id="rId1"/>
-    </p:custDataLst>
-  </p:cSld>
-  <p:clrMapOvr>
-    <a:masterClrMapping/>
-  </p:clrMapOvr>
-</p:sld>
-</file>
-
-<file path=ppt/slides/slide4.xml><?xml version="1.0" encoding="utf-8"?>
-<p:sld xmlns:a="http://schemas.openxmlformats.org/drawingml/2006/main" xmlns:r="http://schemas.openxmlformats.org/officeDocument/2006/relationships" xmlns:p="http://schemas.openxmlformats.org/presentationml/2006/main">
-  <p:cSld>
-    <p:spTree>
-      <p:nvGrpSpPr>
-        <p:cNvPr id="1" name=""/>
-        <p:cNvGrpSpPr/>
-        <p:nvPr/>
-      </p:nvGrpSpPr>
-      <p:grpSpPr/>
-      <p:sp>
-        <p:nvSpPr>
-          <p:cNvPr id="2" name="标题 1"/>
-          <p:cNvSpPr>
-            <a:spLocks noGrp="1"/>
-          </p:cNvSpPr>
-          <p:nvPr>
-            <p:ph type="title"/>
-          </p:nvPr>
-        </p:nvSpPr>
-        <p:spPr/>
-        <p:txBody>
-          <a:bodyPr/>
-          <a:p>
-            <a:r>
-              <a:rPr lang="en-US" altLang="zh-CN"/>
-              <a:t>Camera</a:t>
-            </a:r>
-            <a:endParaRPr lang="en-US" altLang="zh-CN"/>
-          </a:p>
-        </p:txBody>
-      </p:sp>
-      <p:sp>
-        <p:nvSpPr>
-          <p:cNvPr id="3" name="内容占位符 2"/>
-          <p:cNvSpPr>
-            <a:spLocks noGrp="1"/>
-          </p:cNvSpPr>
-          <p:nvPr>
-            <p:ph idx="1"/>
-          </p:nvPr>
-        </p:nvSpPr>
-        <p:spPr>
-          <a:xfrm>
-            <a:off x="838200" y="1211580"/>
-            <a:ext cx="7386955" cy="4549140"/>
-          </a:xfrm>
-        </p:spPr>
-        <p:txBody>
-          <a:bodyPr/>
-          <a:p>
-            <a:r>
-              <a:rPr lang="en-US" altLang="zh-CN"/>
-              <a:t>Perspective camera</a:t>
-            </a:r>
-            <a:endParaRPr lang="en-US" altLang="zh-CN"/>
-          </a:p>
-        </p:txBody>
-      </p:sp>
-      <p:pic>
-        <p:nvPicPr>
-          <p:cNvPr id="4" name="图片 3"/>
-          <p:cNvPicPr>
-            <a:picLocks noChangeAspect="1"/>
-          </p:cNvPicPr>
-          <p:nvPr/>
-        </p:nvPicPr>
-        <p:blipFill>
-          <a:blip r:embed="rId1"/>
-          <a:stretch>
-            <a:fillRect/>
-          </a:stretch>
-        </p:blipFill>
-        <p:spPr>
-          <a:xfrm>
-            <a:off x="8309610" y="1332865"/>
-            <a:ext cx="3134360" cy="3561715"/>
-          </a:xfrm>
-          <a:prstGeom prst="rect">
-            <a:avLst/>
-          </a:prstGeom>
-        </p:spPr>
-      </p:pic>
-    </p:spTree>
-    <p:custDataLst>
-      <p:tags r:id="rId2"/>
-    </p:custDataLst>
-  </p:cSld>
-  <p:clrMapOvr>
-    <a:masterClrMapping/>
-  </p:clrMapOvr>
-</p:sld>
-</file>
-
-<file path=ppt/slides/slide5.xml><?xml version="1.0" encoding="utf-8"?>
-<p:sld xmlns:a="http://schemas.openxmlformats.org/drawingml/2006/main" xmlns:r="http://schemas.openxmlformats.org/officeDocument/2006/relationships" xmlns:p="http://schemas.openxmlformats.org/presentationml/2006/main">
-  <p:cSld>
-    <p:spTree>
-      <p:nvGrpSpPr>
-        <p:cNvPr id="1" name=""/>
-        <p:cNvGrpSpPr/>
-        <p:nvPr/>
-      </p:nvGrpSpPr>
-      <p:grpSpPr/>
-      <p:sp>
-        <p:nvSpPr>
-          <p:cNvPr id="2" name="标题 1"/>
-          <p:cNvSpPr>
-            <a:spLocks noGrp="1"/>
-          </p:cNvSpPr>
-          <p:nvPr>
-            <p:ph type="title"/>
-          </p:nvPr>
-        </p:nvSpPr>
-        <p:spPr/>
-        <p:txBody>
-          <a:bodyPr/>
-          <a:p>
-            <a:r>
-              <a:rPr lang="en-US" altLang="zh-CN"/>
-              <a:t>Material</a:t>
-            </a:r>
-            <a:endParaRPr lang="en-US" altLang="zh-CN"/>
-          </a:p>
-        </p:txBody>
-      </p:sp>
-      <p:sp>
-        <p:nvSpPr>
-          <p:cNvPr id="3" name="内容占位符 2"/>
-          <p:cNvSpPr>
-            <a:spLocks noGrp="1"/>
-          </p:cNvSpPr>
-          <p:nvPr>
-            <p:ph idx="1"/>
-          </p:nvPr>
-        </p:nvSpPr>
-        <p:spPr>
-          <a:xfrm>
-            <a:off x="838200" y="1211580"/>
-            <a:ext cx="6435090" cy="4549140"/>
-          </a:xfrm>
-        </p:spPr>
-        <p:txBody>
-          <a:bodyPr/>
-          <a:p>
-            <a:r>
-              <a:rPr lang="en-US" altLang="zh-CN"/>
-              <a:t>Material</a:t>
-            </a:r>
-            <a:endParaRPr lang="en-US" altLang="zh-CN"/>
-          </a:p>
-          <a:p>
-            <a:pPr lvl="1"/>
-            <a:r>
-              <a:rPr lang="en-US" altLang="zh-CN"/>
-              <a:t>Properties</a:t>
-            </a:r>
-            <a:endParaRPr lang="en-US" altLang="zh-CN"/>
-          </a:p>
-          <a:p>
-            <a:pPr lvl="2"/>
-            <a:r>
-              <a:rPr lang="en-US" altLang="zh-CN"/>
-              <a:t>transparent: true/false, default false</a:t>
-            </a:r>
-            <a:endParaRPr lang="en-US" altLang="zh-CN"/>
-          </a:p>
-          <a:p>
-            <a:pPr lvl="2"/>
-            <a:r>
-              <a:rPr lang="en-US" altLang="zh-CN"/>
-              <a:t>opacity: 0.0~1.0, default 1.0</a:t>
+              <a:t>Load cubemap</a:t>
+            </a:r>
+            <a:endParaRPr lang="en-US" altLang="zh-CN"/>
+          </a:p>
+          <a:p>
+            <a:pPr marL="457200" lvl="1" indent="0">
+              <a:buNone/>
+            </a:pPr>
+            <a:r>
+              <a:rPr lang="en-US" altLang="zh-CN"/>
+              <a:t>const loader =  new THREE.CubeTextureLoader()</a:t>
+            </a:r>
+            <a:endParaRPr lang="en-US" altLang="zh-CN"/>
+          </a:p>
+          <a:p>
+            <a:pPr marL="457200" lvl="1" indent="0">
+              <a:buNone/>
+            </a:pPr>
+            <a:r>
+              <a:rPr lang="en-US" altLang="zh-CN"/>
+              <a:t>const texture = loader.load([</a:t>
+            </a:r>
+            <a:endParaRPr lang="en-US" altLang="zh-CN"/>
+          </a:p>
+          <a:p>
+            <a:pPr marL="914400" lvl="2" indent="0">
+              <a:buNone/>
+            </a:pPr>
+            <a:r>
+              <a:rPr lang="en-US" altLang="zh-CN"/>
+              <a:t>pos-x.jpg, neg-x.jpg, pos-y.jpg, neg-y.jpg, pos-z.jpg neg-z.jpg])</a:t>
+            </a:r>
+            <a:endParaRPr lang="en-US" altLang="zh-CN"/>
+          </a:p>
+          <a:p>
+            <a:pPr marL="457200" lvl="1" indent="0">
+              <a:buNone/>
+            </a:pPr>
+            <a:r>
+              <a:rPr lang="en-US" altLang="zh-CN"/>
+              <a:t>scene.background = texture</a:t>
+            </a:r>
+            <a:endParaRPr lang="en-US" altLang="zh-CN"/>
+          </a:p>
+          <a:p>
+            <a:pPr lvl="0"/>
+            <a:r>
+              <a:rPr lang="en-US" altLang="zh-CN"/>
+              <a:t>Load equirectangular</a:t>
+            </a:r>
+            <a:endParaRPr lang="en-US" altLang="zh-CN"/>
+          </a:p>
+          <a:p>
+            <a:pPr marL="457200" lvl="1" indent="0">
+              <a:buNone/>
+            </a:pPr>
+            <a:r>
+              <a:rPr lang="en-US" altLang="zh-CN"/>
+              <a:t>const loader = new THREE.TextureLoader()</a:t>
+            </a:r>
+            <a:endParaRPr lang="en-US" altLang="zh-CN"/>
+          </a:p>
+          <a:p>
+            <a:pPr marL="457200" lvl="1" indent="0">
+              <a:buNone/>
+            </a:pPr>
+            <a:r>
+              <a:rPr lang="en-US" altLang="zh-CN"/>
+              <a:t>const texture = loader.load('equi.jpg', () =&gt; {</a:t>
+            </a:r>
+            <a:endParaRPr lang="en-US" altLang="zh-CN"/>
+          </a:p>
+          <a:p>
+            <a:pPr marL="914400" lvl="2" indent="0">
+              <a:buNone/>
+            </a:pPr>
+            <a:r>
+              <a:rPr lang="en-US" altLang="zh-CN"/>
+              <a:t>const rt = new THREE.WebGLCubeRenderTarget(texture.image.height)</a:t>
+            </a:r>
+            <a:endParaRPr lang="en-US" altLang="zh-CN"/>
+          </a:p>
+          <a:p>
+            <a:pPr marL="914400" lvl="2" indent="0">
+              <a:buNone/>
+            </a:pPr>
+            <a:r>
+              <a:rPr lang="en-US" altLang="zh-CN"/>
+              <a:t>rt.fromEquirectangularTexture(render, texture)</a:t>
+            </a:r>
+            <a:endParaRPr lang="en-US" altLang="zh-CN"/>
+          </a:p>
+          <a:p>
+            <a:pPr marL="914400" lvl="2" indent="0">
+              <a:buNone/>
+            </a:pPr>
+            <a:r>
+              <a:rPr lang="en-US" altLang="zh-CN"/>
+              <a:t>scene.background = rt</a:t>
+            </a:r>
+            <a:endParaRPr lang="en-US" altLang="zh-CN"/>
+          </a:p>
+          <a:p>
+            <a:pPr marL="457200" lvl="1" indent="0">
+              <a:buNone/>
+            </a:pPr>
+            <a:r>
+              <a:rPr lang="en-US" altLang="zh-CN"/>
+              <a:t>})</a:t>
             </a:r>
             <a:endParaRPr lang="en-US" altLang="zh-CN"/>
           </a:p>
@@ -4416,8 +4058,8 @@
         </p:nvSpPr>
         <p:spPr>
           <a:xfrm>
-            <a:off x="8926195" y="2138045"/>
-            <a:ext cx="2441575" cy="843915"/>
+            <a:off x="8644255" y="1485900"/>
+            <a:ext cx="2177415" cy="847090"/>
           </a:xfrm>
           <a:prstGeom prst="roundRect">
             <a:avLst/>
@@ -4444,26 +4086,53 @@
           <a:p>
             <a:pPr algn="ctr"/>
             <a:r>
-              <a:rPr lang="en-US" altLang="zh-CN"/>
-              <a:t>Material</a:t>
-            </a:r>
-            <a:endParaRPr lang="en-US" altLang="zh-CN"/>
-          </a:p>
+              <a:rPr lang="en-US" altLang="zh-CN" sz="1600"/>
+              <a:t>TextureLoader</a:t>
+            </a:r>
+            <a:endParaRPr lang="en-US" altLang="zh-CN" sz="1600"/>
+          </a:p>
+        </p:txBody>
+      </p:sp>
+      <p:sp>
+        <p:nvSpPr>
+          <p:cNvPr id="5" name="圆角矩形 4"/>
+          <p:cNvSpPr/>
+          <p:nvPr/>
+        </p:nvSpPr>
+        <p:spPr>
+          <a:xfrm>
+            <a:off x="8630920" y="2724785"/>
+            <a:ext cx="2177415" cy="847090"/>
+          </a:xfrm>
+          <a:prstGeom prst="roundRect">
+            <a:avLst/>
+          </a:prstGeom>
+        </p:spPr>
+        <p:style>
+          <a:lnRef idx="2">
+            <a:schemeClr val="accent1">
+              <a:shade val="50000"/>
+            </a:schemeClr>
+          </a:lnRef>
+          <a:fillRef idx="1">
+            <a:schemeClr val="accent1"/>
+          </a:fillRef>
+          <a:effectRef idx="0">
+            <a:schemeClr val="accent1"/>
+          </a:effectRef>
+          <a:fontRef idx="minor">
+            <a:schemeClr val="lt1"/>
+          </a:fontRef>
+        </p:style>
+        <p:txBody>
+          <a:bodyPr rtlCol="0" anchor="ctr"/>
           <a:p>
             <a:pPr algn="ctr"/>
             <a:r>
-              <a:rPr lang="en-US" altLang="zh-CN"/>
-              <a:t>- opacity</a:t>
-            </a:r>
-            <a:endParaRPr lang="en-US" altLang="zh-CN"/>
-          </a:p>
-          <a:p>
-            <a:pPr algn="ctr"/>
-            <a:r>
-              <a:rPr lang="en-US" altLang="zh-CN"/>
-              <a:t>- </a:t>
-            </a:r>
-            <a:endParaRPr lang="en-US" altLang="zh-CN"/>
+              <a:rPr lang="en-US" altLang="zh-CN" sz="1600"/>
+              <a:t>CubeTextureLoader</a:t>
+            </a:r>
+            <a:endParaRPr lang="en-US" altLang="zh-CN" sz="1600"/>
           </a:p>
         </p:txBody>
       </p:sp>
@@ -4478,7 +4147,7 @@
 </p:sld>
 </file>
 
-<file path=ppt/slides/slide6.xml><?xml version="1.0" encoding="utf-8"?>
+<file path=ppt/slides/slide12.xml><?xml version="1.0" encoding="utf-8"?>
 <p:sld xmlns:a="http://schemas.openxmlformats.org/drawingml/2006/main" xmlns:r="http://schemas.openxmlformats.org/officeDocument/2006/relationships" xmlns:p="http://schemas.openxmlformats.org/presentationml/2006/main">
   <p:cSld>
     <p:spTree>
@@ -4679,297 +4348,7 @@
 </p:sld>
 </file>
 
-<file path=ppt/slides/slide7.xml><?xml version="1.0" encoding="utf-8"?>
-<p:sld xmlns:a="http://schemas.openxmlformats.org/drawingml/2006/main" xmlns:r="http://schemas.openxmlformats.org/officeDocument/2006/relationships" xmlns:p="http://schemas.openxmlformats.org/presentationml/2006/main">
-  <p:cSld>
-    <p:spTree>
-      <p:nvGrpSpPr>
-        <p:cNvPr id="1" name=""/>
-        <p:cNvGrpSpPr/>
-        <p:nvPr/>
-      </p:nvGrpSpPr>
-      <p:grpSpPr/>
-      <p:sp>
-        <p:nvSpPr>
-          <p:cNvPr id="2" name="标题 1"/>
-          <p:cNvSpPr>
-            <a:spLocks noGrp="1"/>
-          </p:cNvSpPr>
-          <p:nvPr>
-            <p:ph type="title"/>
-          </p:nvPr>
-        </p:nvSpPr>
-        <p:spPr/>
-        <p:txBody>
-          <a:bodyPr/>
-          <a:p>
-            <a:r>
-              <a:rPr lang="en-US" altLang="zh-CN"/>
-              <a:t>Texture Loader</a:t>
-            </a:r>
-            <a:endParaRPr lang="en-US" altLang="zh-CN"/>
-          </a:p>
-        </p:txBody>
-      </p:sp>
-      <p:sp>
-        <p:nvSpPr>
-          <p:cNvPr id="3" name="内容占位符 2"/>
-          <p:cNvSpPr>
-            <a:spLocks noGrp="1"/>
-          </p:cNvSpPr>
-          <p:nvPr>
-            <p:ph idx="1"/>
-          </p:nvPr>
-        </p:nvSpPr>
-        <p:spPr>
-          <a:xfrm>
-            <a:off x="838200" y="1211580"/>
-            <a:ext cx="7541260" cy="4549140"/>
-          </a:xfrm>
-        </p:spPr>
-        <p:txBody>
-          <a:bodyPr>
-            <a:normAutofit fontScale="90000" lnSpcReduction="20000"/>
-          </a:bodyPr>
-          <a:p>
-            <a:r>
-              <a:rPr lang="en-US" altLang="zh-CN"/>
-              <a:t>TextureLoader</a:t>
-            </a:r>
-            <a:endParaRPr lang="en-US" altLang="zh-CN"/>
-          </a:p>
-          <a:p>
-            <a:pPr lvl="1"/>
-            <a:r>
-              <a:rPr lang="en-US" altLang="zh-CN"/>
-              <a:t>var loader = new THREE.TextureLoader()</a:t>
-            </a:r>
-            <a:endParaRPr lang="en-US" altLang="zh-CN"/>
-          </a:p>
-          <a:p>
-            <a:pPr lvl="1"/>
-            <a:r>
-              <a:rPr lang="en-US" altLang="zh-CN"/>
-              <a:t>loader.load(url, onLoadCallback, onProgressCallback, onErrorCallback)</a:t>
-            </a:r>
-            <a:endParaRPr lang="en-US" altLang="zh-CN"/>
-          </a:p>
-          <a:p>
-            <a:pPr lvl="0"/>
-            <a:r>
-              <a:rPr lang="en-US" altLang="zh-CN"/>
-              <a:t>Load cubemap</a:t>
-            </a:r>
-            <a:endParaRPr lang="en-US" altLang="zh-CN"/>
-          </a:p>
-          <a:p>
-            <a:pPr marL="457200" lvl="1" indent="0">
-              <a:buNone/>
-            </a:pPr>
-            <a:r>
-              <a:rPr lang="en-US" altLang="zh-CN"/>
-              <a:t>const loader =  new THREE.CubeTextureLoader()</a:t>
-            </a:r>
-            <a:endParaRPr lang="en-US" altLang="zh-CN"/>
-          </a:p>
-          <a:p>
-            <a:pPr marL="457200" lvl="1" indent="0">
-              <a:buNone/>
-            </a:pPr>
-            <a:r>
-              <a:rPr lang="en-US" altLang="zh-CN"/>
-              <a:t>const texture = loader.load([</a:t>
-            </a:r>
-            <a:endParaRPr lang="en-US" altLang="zh-CN"/>
-          </a:p>
-          <a:p>
-            <a:pPr marL="914400" lvl="2" indent="0">
-              <a:buNone/>
-            </a:pPr>
-            <a:r>
-              <a:rPr lang="en-US" altLang="zh-CN"/>
-              <a:t>pos-x.jpg, neg-x.jpg, pos-y.jpg, neg-y.jpg, pos-z.jpg neg-z.jpg])</a:t>
-            </a:r>
-            <a:endParaRPr lang="en-US" altLang="zh-CN"/>
-          </a:p>
-          <a:p>
-            <a:pPr marL="457200" lvl="1" indent="0">
-              <a:buNone/>
-            </a:pPr>
-            <a:r>
-              <a:rPr lang="en-US" altLang="zh-CN"/>
-              <a:t>scene.background = texture</a:t>
-            </a:r>
-            <a:endParaRPr lang="en-US" altLang="zh-CN"/>
-          </a:p>
-          <a:p>
-            <a:pPr lvl="0"/>
-            <a:r>
-              <a:rPr lang="en-US" altLang="zh-CN"/>
-              <a:t>Load equirectangular</a:t>
-            </a:r>
-            <a:endParaRPr lang="en-US" altLang="zh-CN"/>
-          </a:p>
-          <a:p>
-            <a:pPr marL="457200" lvl="1" indent="0">
-              <a:buNone/>
-            </a:pPr>
-            <a:r>
-              <a:rPr lang="en-US" altLang="zh-CN"/>
-              <a:t>const loader = new THREE.TextureLoader()</a:t>
-            </a:r>
-            <a:endParaRPr lang="en-US" altLang="zh-CN"/>
-          </a:p>
-          <a:p>
-            <a:pPr marL="457200" lvl="1" indent="0">
-              <a:buNone/>
-            </a:pPr>
-            <a:r>
-              <a:rPr lang="en-US" altLang="zh-CN"/>
-              <a:t>const texture = loader.load('equi.jpg', () =&gt; {</a:t>
-            </a:r>
-            <a:endParaRPr lang="en-US" altLang="zh-CN"/>
-          </a:p>
-          <a:p>
-            <a:pPr marL="914400" lvl="2" indent="0">
-              <a:buNone/>
-            </a:pPr>
-            <a:r>
-              <a:rPr lang="en-US" altLang="zh-CN"/>
-              <a:t>const rt = new THREE.WebGLCubeRenderTarget(texture.image.height)</a:t>
-            </a:r>
-            <a:endParaRPr lang="en-US" altLang="zh-CN"/>
-          </a:p>
-          <a:p>
-            <a:pPr marL="914400" lvl="2" indent="0">
-              <a:buNone/>
-            </a:pPr>
-            <a:r>
-              <a:rPr lang="en-US" altLang="zh-CN"/>
-              <a:t>rt.fromEquirectangularTexture(render, texture)</a:t>
-            </a:r>
-            <a:endParaRPr lang="en-US" altLang="zh-CN"/>
-          </a:p>
-          <a:p>
-            <a:pPr marL="914400" lvl="2" indent="0">
-              <a:buNone/>
-            </a:pPr>
-            <a:r>
-              <a:rPr lang="en-US" altLang="zh-CN"/>
-              <a:t>scene.background = rt</a:t>
-            </a:r>
-            <a:endParaRPr lang="en-US" altLang="zh-CN"/>
-          </a:p>
-          <a:p>
-            <a:pPr marL="457200" lvl="1" indent="0">
-              <a:buNone/>
-            </a:pPr>
-            <a:r>
-              <a:rPr lang="en-US" altLang="zh-CN"/>
-              <a:t>})</a:t>
-            </a:r>
-            <a:endParaRPr lang="en-US" altLang="zh-CN"/>
-          </a:p>
-        </p:txBody>
-      </p:sp>
-      <p:sp>
-        <p:nvSpPr>
-          <p:cNvPr id="4" name="圆角矩形 3"/>
-          <p:cNvSpPr/>
-          <p:nvPr/>
-        </p:nvSpPr>
-        <p:spPr>
-          <a:xfrm>
-            <a:off x="8644255" y="1485900"/>
-            <a:ext cx="2177415" cy="847090"/>
-          </a:xfrm>
-          <a:prstGeom prst="roundRect">
-            <a:avLst/>
-          </a:prstGeom>
-        </p:spPr>
-        <p:style>
-          <a:lnRef idx="2">
-            <a:schemeClr val="accent1">
-              <a:shade val="50000"/>
-            </a:schemeClr>
-          </a:lnRef>
-          <a:fillRef idx="1">
-            <a:schemeClr val="accent1"/>
-          </a:fillRef>
-          <a:effectRef idx="0">
-            <a:schemeClr val="accent1"/>
-          </a:effectRef>
-          <a:fontRef idx="minor">
-            <a:schemeClr val="lt1"/>
-          </a:fontRef>
-        </p:style>
-        <p:txBody>
-          <a:bodyPr rtlCol="0" anchor="ctr"/>
-          <a:p>
-            <a:pPr algn="ctr"/>
-            <a:r>
-              <a:rPr lang="en-US" altLang="zh-CN" sz="1600"/>
-              <a:t>TextureLoader</a:t>
-            </a:r>
-            <a:endParaRPr lang="en-US" altLang="zh-CN" sz="1600"/>
-          </a:p>
-        </p:txBody>
-      </p:sp>
-      <p:sp>
-        <p:nvSpPr>
-          <p:cNvPr id="5" name="圆角矩形 4"/>
-          <p:cNvSpPr/>
-          <p:nvPr/>
-        </p:nvSpPr>
-        <p:spPr>
-          <a:xfrm>
-            <a:off x="8630920" y="2724785"/>
-            <a:ext cx="2177415" cy="847090"/>
-          </a:xfrm>
-          <a:prstGeom prst="roundRect">
-            <a:avLst/>
-          </a:prstGeom>
-        </p:spPr>
-        <p:style>
-          <a:lnRef idx="2">
-            <a:schemeClr val="accent1">
-              <a:shade val="50000"/>
-            </a:schemeClr>
-          </a:lnRef>
-          <a:fillRef idx="1">
-            <a:schemeClr val="accent1"/>
-          </a:fillRef>
-          <a:effectRef idx="0">
-            <a:schemeClr val="accent1"/>
-          </a:effectRef>
-          <a:fontRef idx="minor">
-            <a:schemeClr val="lt1"/>
-          </a:fontRef>
-        </p:style>
-        <p:txBody>
-          <a:bodyPr rtlCol="0" anchor="ctr"/>
-          <a:p>
-            <a:pPr algn="ctr"/>
-            <a:r>
-              <a:rPr lang="en-US" altLang="zh-CN" sz="1600"/>
-              <a:t>CubeTextureLoader</a:t>
-            </a:r>
-            <a:endParaRPr lang="en-US" altLang="zh-CN" sz="1600"/>
-          </a:p>
-        </p:txBody>
-      </p:sp>
-    </p:spTree>
-    <p:custDataLst>
-      <p:tags r:id="rId1"/>
-    </p:custDataLst>
-  </p:cSld>
-  <p:clrMapOvr>
-    <a:masterClrMapping/>
-  </p:clrMapOvr>
-</p:sld>
-</file>
-
-<file path=ppt/slides/slide8.xml><?xml version="1.0" encoding="utf-8"?>
+<file path=ppt/slides/slide13.xml><?xml version="1.0" encoding="utf-8"?>
 <p:sld xmlns:a="http://schemas.openxmlformats.org/drawingml/2006/main" xmlns:r="http://schemas.openxmlformats.org/officeDocument/2006/relationships" xmlns:p="http://schemas.openxmlformats.org/presentationml/2006/main">
   <p:cSld>
     <p:spTree>
@@ -5233,7 +4612,7 @@
 </p:sld>
 </file>
 
-<file path=ppt/slides/slide9.xml><?xml version="1.0" encoding="utf-8"?>
+<file path=ppt/slides/slide14.xml><?xml version="1.0" encoding="utf-8"?>
 <p:sld xmlns:a="http://schemas.openxmlformats.org/drawingml/2006/main" xmlns:r="http://schemas.openxmlformats.org/officeDocument/2006/relationships" xmlns:p="http://schemas.openxmlformats.org/presentationml/2006/main">
   <p:cSld>
     <p:spTree>
@@ -5504,6 +4883,1949 @@
             <a:r>
               <a:rPr lang="en-US" altLang="zh-CN"/>
               <a:t>(msg, {props})</a:t>
+            </a:r>
+            <a:endParaRPr lang="en-US" altLang="zh-CN"/>
+          </a:p>
+        </p:txBody>
+      </p:sp>
+    </p:spTree>
+    <p:custDataLst>
+      <p:tags r:id="rId1"/>
+    </p:custDataLst>
+  </p:cSld>
+  <p:clrMapOvr>
+    <a:masterClrMapping/>
+  </p:clrMapOvr>
+</p:sld>
+</file>
+
+<file path=ppt/slides/slide15.xml><?xml version="1.0" encoding="utf-8"?>
+<p:sld xmlns:a="http://schemas.openxmlformats.org/drawingml/2006/main" xmlns:r="http://schemas.openxmlformats.org/officeDocument/2006/relationships" xmlns:p="http://schemas.openxmlformats.org/presentationml/2006/main">
+  <p:cSld>
+    <p:spTree>
+      <p:nvGrpSpPr>
+        <p:cNvPr id="1" name=""/>
+        <p:cNvGrpSpPr/>
+        <p:nvPr/>
+      </p:nvGrpSpPr>
+      <p:grpSpPr/>
+      <p:sp>
+        <p:nvSpPr>
+          <p:cNvPr id="2" name="标题 1"/>
+          <p:cNvSpPr>
+            <a:spLocks noGrp="1"/>
+          </p:cNvSpPr>
+          <p:nvPr>
+            <p:ph type="title"/>
+          </p:nvPr>
+        </p:nvSpPr>
+        <p:spPr/>
+        <p:txBody>
+          <a:bodyPr/>
+          <a:p>
+            <a:r>
+              <a:rPr lang="en-US" altLang="zh-CN"/>
+              <a:t>Animation</a:t>
+            </a:r>
+            <a:endParaRPr lang="en-US" altLang="zh-CN"/>
+          </a:p>
+        </p:txBody>
+      </p:sp>
+      <p:sp>
+        <p:nvSpPr>
+          <p:cNvPr id="3" name="内容占位符 2"/>
+          <p:cNvSpPr>
+            <a:spLocks noGrp="1"/>
+          </p:cNvSpPr>
+          <p:nvPr>
+            <p:ph idx="1"/>
+          </p:nvPr>
+        </p:nvSpPr>
+        <p:spPr/>
+        <p:txBody>
+          <a:bodyPr/>
+          <a:p>
+            <a:r>
+              <a:rPr lang="en-US" altLang="zh-CN"/>
+              <a:t>References</a:t>
+            </a:r>
+            <a:endParaRPr lang="en-US" altLang="zh-CN"/>
+          </a:p>
+          <a:p>
+            <a:pPr lvl="1"/>
+            <a:r>
+              <a:rPr lang="en-US" altLang="zh-CN"/>
+              <a:t>https://threejs.org/docs/#manual/en/introduction/Animation-system</a:t>
+            </a:r>
+            <a:endParaRPr lang="en-US" altLang="zh-CN"/>
+          </a:p>
+          <a:p>
+            <a:pPr lvl="0"/>
+            <a:r>
+              <a:rPr lang="en-US" altLang="zh-CN"/>
+              <a:t>Animated target</a:t>
+            </a:r>
+            <a:endParaRPr lang="en-US" altLang="zh-CN"/>
+          </a:p>
+          <a:p>
+            <a:pPr lvl="1"/>
+            <a:r>
+              <a:rPr lang="en-US" altLang="zh-CN"/>
+              <a:t>material properties, like colors, opacity, booleans</a:t>
+            </a:r>
+            <a:endParaRPr lang="en-US" altLang="zh-CN"/>
+          </a:p>
+          <a:p>
+            <a:pPr lvl="0"/>
+            <a:r>
+              <a:rPr lang="en-US" altLang="zh-CN"/>
+              <a:t>Components</a:t>
+            </a:r>
+            <a:endParaRPr lang="en-US" altLang="zh-CN"/>
+          </a:p>
+          <a:p>
+            <a:pPr lvl="1"/>
+            <a:r>
+              <a:rPr lang="en-US" altLang="zh-CN"/>
+              <a:t>animation clips</a:t>
+            </a:r>
+            <a:endParaRPr lang="en-US" altLang="zh-CN"/>
+          </a:p>
+          <a:p>
+            <a:pPr lvl="1"/>
+            <a:r>
+              <a:rPr lang="en-US" altLang="zh-CN"/>
+              <a:t>keyframe tracks</a:t>
+            </a:r>
+            <a:endParaRPr lang="en-US" altLang="zh-CN"/>
+          </a:p>
+          <a:p>
+            <a:pPr lvl="1"/>
+            <a:r>
+              <a:rPr lang="en-US" altLang="zh-CN"/>
+              <a:t>AnimationMixer: player for animations</a:t>
+            </a:r>
+            <a:endParaRPr lang="en-US" altLang="zh-CN"/>
+          </a:p>
+          <a:p>
+            <a:pPr lvl="1"/>
+            <a:r>
+              <a:rPr lang="en-US" altLang="zh-CN"/>
+              <a:t>AnimationAction</a:t>
+            </a:r>
+            <a:endParaRPr lang="en-US" altLang="zh-CN"/>
+          </a:p>
+        </p:txBody>
+      </p:sp>
+    </p:spTree>
+    <p:custDataLst>
+      <p:tags r:id="rId1"/>
+    </p:custDataLst>
+  </p:cSld>
+  <p:clrMapOvr>
+    <a:masterClrMapping/>
+  </p:clrMapOvr>
+</p:sld>
+</file>
+
+<file path=ppt/slides/slide16.xml><?xml version="1.0" encoding="utf-8"?>
+<p:sld xmlns:a="http://schemas.openxmlformats.org/drawingml/2006/main" xmlns:r="http://schemas.openxmlformats.org/officeDocument/2006/relationships" xmlns:p="http://schemas.openxmlformats.org/presentationml/2006/main">
+  <p:cSld>
+    <p:spTree>
+      <p:nvGrpSpPr>
+        <p:cNvPr id="1" name=""/>
+        <p:cNvGrpSpPr/>
+        <p:nvPr/>
+      </p:nvGrpSpPr>
+      <p:grpSpPr/>
+      <p:sp>
+        <p:nvSpPr>
+          <p:cNvPr id="2" name="标题 1"/>
+          <p:cNvSpPr>
+            <a:spLocks noGrp="1"/>
+          </p:cNvSpPr>
+          <p:nvPr>
+            <p:ph type="title"/>
+          </p:nvPr>
+        </p:nvSpPr>
+        <p:spPr/>
+        <p:txBody>
+          <a:bodyPr/>
+          <a:p>
+            <a:r>
+              <a:rPr lang="en-US" altLang="zh-CN"/>
+              <a:t>Raycaster</a:t>
+            </a:r>
+            <a:endParaRPr lang="en-US" altLang="zh-CN"/>
+          </a:p>
+        </p:txBody>
+      </p:sp>
+      <p:sp>
+        <p:nvSpPr>
+          <p:cNvPr id="3" name="内容占位符 2"/>
+          <p:cNvSpPr>
+            <a:spLocks noGrp="1"/>
+          </p:cNvSpPr>
+          <p:nvPr>
+            <p:ph idx="1"/>
+          </p:nvPr>
+        </p:nvSpPr>
+        <p:spPr/>
+        <p:txBody>
+          <a:bodyPr>
+            <a:normAutofit lnSpcReduction="10000"/>
+          </a:bodyPr>
+          <a:p>
+            <a:r>
+              <a:rPr lang="en-US" altLang="zh-CN"/>
+              <a:t>Code Snippets</a:t>
+            </a:r>
+            <a:endParaRPr lang="en-US" altLang="zh-CN"/>
+          </a:p>
+          <a:p>
+            <a:pPr lvl="1"/>
+            <a:r>
+              <a:rPr lang="en-US" altLang="zh-CN"/>
+              <a:t>var rc = new Three.Raycaster()</a:t>
+            </a:r>
+            <a:endParaRPr lang="en-US" altLang="zh-CN"/>
+          </a:p>
+          <a:p>
+            <a:pPr lvl="1"/>
+            <a:r>
+              <a:rPr lang="en-US" altLang="zh-CN"/>
+              <a:t>rc.setFromCamera(mousePos, camera)</a:t>
+            </a:r>
+            <a:endParaRPr lang="en-US" altLang="zh-CN"/>
+          </a:p>
+          <a:p>
+            <a:pPr lvl="1"/>
+            <a:r>
+              <a:rPr lang="en-US" altLang="zh-CN"/>
+              <a:t>intersects = rc.intersectObjects( scene.children )</a:t>
+            </a:r>
+            <a:endParaRPr lang="en-US" altLang="zh-CN"/>
+          </a:p>
+          <a:p>
+            <a:pPr lvl="1"/>
+            <a:r>
+              <a:rPr lang="en-US" altLang="zh-CN"/>
+              <a:t>rc.ray</a:t>
+            </a:r>
+            <a:endParaRPr lang="en-US" altLang="zh-CN"/>
+          </a:p>
+          <a:p>
+            <a:pPr lvl="2"/>
+            <a:r>
+              <a:rPr lang="en-US" altLang="zh-CN"/>
+              <a:t>direction</a:t>
+            </a:r>
+            <a:endParaRPr lang="en-US" altLang="zh-CN"/>
+          </a:p>
+          <a:p>
+            <a:pPr lvl="0"/>
+            <a:r>
+              <a:rPr lang="en-US" altLang="zh-CN"/>
+              <a:t>intersection</a:t>
+            </a:r>
+            <a:endParaRPr lang="en-US" altLang="zh-CN"/>
+          </a:p>
+          <a:p>
+            <a:pPr lvl="1"/>
+            <a:r>
+              <a:rPr lang="en-US" altLang="zh-CN"/>
+              <a:t>object : intersected object (THREE.Mesh)</a:t>
+            </a:r>
+            <a:endParaRPr lang="en-US" altLang="zh-CN"/>
+          </a:p>
+          <a:p>
+            <a:pPr lvl="1"/>
+            <a:r>
+              <a:rPr lang="en-US" altLang="zh-CN"/>
+              <a:t>distance : distance from camera to intersection (number)</a:t>
+            </a:r>
+            <a:endParaRPr lang="en-US" altLang="zh-CN"/>
+          </a:p>
+          <a:p>
+            <a:pPr lvl="1"/>
+            <a:r>
+              <a:rPr lang="en-US" altLang="zh-CN"/>
+              <a:t>face : intersected face (THREE.Face3)</a:t>
+            </a:r>
+            <a:endParaRPr lang="en-US" altLang="zh-CN"/>
+          </a:p>
+          <a:p>
+            <a:pPr lvl="1"/>
+            <a:r>
+              <a:rPr lang="en-US" altLang="zh-CN"/>
+              <a:t>faceIndex : intersected face index (number)</a:t>
+            </a:r>
+            <a:endParaRPr lang="en-US" altLang="zh-CN"/>
+          </a:p>
+          <a:p>
+            <a:pPr lvl="1"/>
+            <a:r>
+              <a:rPr lang="en-US" altLang="zh-CN"/>
+              <a:t>point : intersection point (THREE.Vector3)</a:t>
+            </a:r>
+            <a:endParaRPr lang="en-US" altLang="zh-CN"/>
+          </a:p>
+          <a:p>
+            <a:pPr lvl="1"/>
+            <a:r>
+              <a:rPr lang="en-US" altLang="zh-CN"/>
+              <a:t>uv : intersection point in the object's UV coordinates (THREE.Vector2)</a:t>
+            </a:r>
+            <a:endParaRPr lang="en-US" altLang="zh-CN"/>
+          </a:p>
+        </p:txBody>
+      </p:sp>
+    </p:spTree>
+    <p:custDataLst>
+      <p:tags r:id="rId1"/>
+    </p:custDataLst>
+  </p:cSld>
+  <p:clrMapOvr>
+    <a:masterClrMapping/>
+  </p:clrMapOvr>
+</p:sld>
+</file>
+
+<file path=ppt/slides/slide17.xml><?xml version="1.0" encoding="utf-8"?>
+<p:sld xmlns:a="http://schemas.openxmlformats.org/drawingml/2006/main" xmlns:r="http://schemas.openxmlformats.org/officeDocument/2006/relationships" xmlns:p="http://schemas.openxmlformats.org/presentationml/2006/main">
+  <p:cSld>
+    <p:spTree>
+      <p:nvGrpSpPr>
+        <p:cNvPr id="1" name=""/>
+        <p:cNvGrpSpPr/>
+        <p:nvPr/>
+      </p:nvGrpSpPr>
+      <p:grpSpPr/>
+      <p:sp>
+        <p:nvSpPr>
+          <p:cNvPr id="2" name="标题 1"/>
+          <p:cNvSpPr>
+            <a:spLocks noGrp="1"/>
+          </p:cNvSpPr>
+          <p:nvPr>
+            <p:ph type="title"/>
+          </p:nvPr>
+        </p:nvSpPr>
+        <p:spPr/>
+        <p:txBody>
+          <a:bodyPr/>
+          <a:p>
+            <a:r>
+              <a:rPr lang="en-US" altLang="zh-CN"/>
+              <a:t>Post Processing</a:t>
+            </a:r>
+            <a:endParaRPr lang="en-US" altLang="zh-CN"/>
+          </a:p>
+        </p:txBody>
+      </p:sp>
+      <p:sp>
+        <p:nvSpPr>
+          <p:cNvPr id="3" name="内容占位符 2"/>
+          <p:cNvSpPr>
+            <a:spLocks noGrp="1"/>
+          </p:cNvSpPr>
+          <p:nvPr>
+            <p:ph idx="1"/>
+          </p:nvPr>
+        </p:nvSpPr>
+        <p:spPr>
+          <a:xfrm>
+            <a:off x="838200" y="1211580"/>
+            <a:ext cx="6431915" cy="4549140"/>
+          </a:xfrm>
+        </p:spPr>
+        <p:txBody>
+          <a:bodyPr/>
+          <a:p>
+            <a:r>
+              <a:rPr lang="en-US" altLang="zh-CN"/>
+              <a:t>Refer</a:t>
+            </a:r>
+            <a:endParaRPr lang="en-US" altLang="zh-CN"/>
+          </a:p>
+          <a:p>
+            <a:pPr lvl="1"/>
+            <a:r>
+              <a:rPr lang="en-US" altLang="zh-CN"/>
+              <a:t>https://threejsfundamentals.org/threejs/lessons/threejs-post-processing.html</a:t>
+            </a:r>
+            <a:endParaRPr lang="en-US" altLang="zh-CN"/>
+          </a:p>
+        </p:txBody>
+      </p:sp>
+      <p:pic>
+        <p:nvPicPr>
+          <p:cNvPr id="7" name="图片 6" descr="threejs-postprocessing"/>
+          <p:cNvPicPr>
+            <a:picLocks noChangeAspect="1"/>
+          </p:cNvPicPr>
+          <p:nvPr/>
+        </p:nvPicPr>
+        <p:blipFill>
+          <a:blip r:embed="rId1">
+            <a:extLst>
+              <a:ext uri="{96DAC541-7B7A-43D3-8B79-37D633B846F1}">
+                <asvg:svgBlip xmlns:asvg="http://schemas.microsoft.com/office/drawing/2016/SVG/main" r:embed="rId2"/>
+              </a:ext>
+            </a:extLst>
+          </a:blip>
+          <a:stretch>
+            <a:fillRect/>
+          </a:stretch>
+        </p:blipFill>
+        <p:spPr>
+          <a:xfrm>
+            <a:off x="7270750" y="1211580"/>
+            <a:ext cx="4762500" cy="4762500"/>
+          </a:xfrm>
+          <a:prstGeom prst="rect">
+            <a:avLst/>
+          </a:prstGeom>
+        </p:spPr>
+      </p:pic>
+    </p:spTree>
+    <p:custDataLst>
+      <p:tags r:id="rId3"/>
+    </p:custDataLst>
+  </p:cSld>
+  <p:clrMapOvr>
+    <a:masterClrMapping/>
+  </p:clrMapOvr>
+</p:sld>
+</file>
+
+<file path=ppt/slides/slide18.xml><?xml version="1.0" encoding="utf-8"?>
+<p:sld xmlns:a="http://schemas.openxmlformats.org/drawingml/2006/main" xmlns:r="http://schemas.openxmlformats.org/officeDocument/2006/relationships" xmlns:p="http://schemas.openxmlformats.org/presentationml/2006/main">
+  <p:cSld>
+    <p:spTree>
+      <p:nvGrpSpPr>
+        <p:cNvPr id="1" name=""/>
+        <p:cNvGrpSpPr/>
+        <p:nvPr/>
+      </p:nvGrpSpPr>
+      <p:grpSpPr/>
+      <p:sp>
+        <p:nvSpPr>
+          <p:cNvPr id="2" name="标题 1"/>
+          <p:cNvSpPr>
+            <a:spLocks noGrp="1"/>
+          </p:cNvSpPr>
+          <p:nvPr>
+            <p:ph type="title"/>
+          </p:nvPr>
+        </p:nvSpPr>
+        <p:spPr/>
+        <p:txBody>
+          <a:bodyPr/>
+          <a:p>
+            <a:r>
+              <a:rPr lang="en-US" altLang="zh-CN"/>
+              <a:t>Particle System</a:t>
+            </a:r>
+            <a:endParaRPr lang="en-US" altLang="zh-CN"/>
+          </a:p>
+        </p:txBody>
+      </p:sp>
+      <p:sp>
+        <p:nvSpPr>
+          <p:cNvPr id="3" name="内容占位符 2"/>
+          <p:cNvSpPr>
+            <a:spLocks noGrp="1"/>
+          </p:cNvSpPr>
+          <p:nvPr>
+            <p:ph idx="1"/>
+          </p:nvPr>
+        </p:nvSpPr>
+        <p:spPr/>
+        <p:txBody>
+          <a:bodyPr/>
+          <a:p>
+            <a:r>
+              <a:rPr lang="zh-CN" altLang="en-US"/>
+              <a:t>https://redstapler.co/space-warp-background-effect-three-js/</a:t>
+            </a:r>
+            <a:endParaRPr lang="zh-CN" altLang="en-US"/>
+          </a:p>
+          <a:p>
+            <a:r>
+              <a:rPr lang="en-US" altLang="zh-CN"/>
+              <a:t>Fog</a:t>
+            </a:r>
+            <a:endParaRPr lang="en-US" altLang="zh-CN"/>
+          </a:p>
+          <a:p>
+            <a:pPr lvl="1"/>
+            <a:r>
+              <a:rPr lang="en-US" altLang="zh-CN"/>
+              <a:t>https://dustinpfister.github.io/2018/04/16/threejs-fog/</a:t>
+            </a:r>
+            <a:endParaRPr lang="en-US" altLang="zh-CN"/>
+          </a:p>
+          <a:p>
+            <a:pPr lvl="1"/>
+            <a:r>
+              <a:rPr lang="en-US" altLang="zh-CN"/>
+              <a:t>scene.fog = THREE.fog(fogColor, nearDistance, farDistance)</a:t>
+            </a:r>
+            <a:endParaRPr lang="en-US" altLang="zh-CN"/>
+          </a:p>
+          <a:p>
+            <a:pPr lvl="0"/>
+            <a:r>
+              <a:rPr lang="en-US" altLang="zh-CN"/>
+              <a:t>Rain</a:t>
+            </a:r>
+            <a:endParaRPr lang="en-US" altLang="zh-CN"/>
+          </a:p>
+          <a:p>
+            <a:pPr lvl="1"/>
+            <a:r>
+              <a:rPr lang="en-US" altLang="zh-CN"/>
+              <a:t>https://redstapler.co/three-js-realistic-rain-tutorial/</a:t>
+            </a:r>
+            <a:endParaRPr lang="en-US" altLang="zh-CN"/>
+          </a:p>
+        </p:txBody>
+      </p:sp>
+    </p:spTree>
+    <p:custDataLst>
+      <p:tags r:id="rId1"/>
+    </p:custDataLst>
+  </p:cSld>
+  <p:clrMapOvr>
+    <a:masterClrMapping/>
+  </p:clrMapOvr>
+</p:sld>
+</file>
+
+<file path=ppt/slides/slide19.xml><?xml version="1.0" encoding="utf-8"?>
+<p:sld xmlns:a="http://schemas.openxmlformats.org/drawingml/2006/main" xmlns:r="http://schemas.openxmlformats.org/officeDocument/2006/relationships" xmlns:p="http://schemas.openxmlformats.org/presentationml/2006/main">
+  <p:cSld>
+    <p:spTree>
+      <p:nvGrpSpPr>
+        <p:cNvPr id="1" name=""/>
+        <p:cNvGrpSpPr/>
+        <p:nvPr/>
+      </p:nvGrpSpPr>
+      <p:grpSpPr/>
+      <p:sp>
+        <p:nvSpPr>
+          <p:cNvPr id="2" name="标题 1"/>
+          <p:cNvSpPr>
+            <a:spLocks noGrp="1"/>
+          </p:cNvSpPr>
+          <p:nvPr>
+            <p:ph type="title"/>
+          </p:nvPr>
+        </p:nvSpPr>
+        <p:spPr/>
+        <p:txBody>
+          <a:bodyPr/>
+          <a:p>
+            <a:r>
+              <a:rPr lang="en-US" altLang="zh-CN"/>
+              <a:t>WebGL</a:t>
+            </a:r>
+            <a:endParaRPr lang="en-US" altLang="zh-CN"/>
+          </a:p>
+        </p:txBody>
+      </p:sp>
+      <p:sp>
+        <p:nvSpPr>
+          <p:cNvPr id="3" name="内容占位符 2"/>
+          <p:cNvSpPr>
+            <a:spLocks noGrp="1"/>
+          </p:cNvSpPr>
+          <p:nvPr>
+            <p:ph idx="1"/>
+          </p:nvPr>
+        </p:nvSpPr>
+        <p:spPr/>
+        <p:txBody>
+          <a:bodyPr/>
+          <a:p>
+            <a:r>
+              <a:rPr lang="en-US" altLang="zh-CN"/>
+              <a:t>References</a:t>
+            </a:r>
+            <a:endParaRPr lang="en-US" altLang="zh-CN"/>
+          </a:p>
+          <a:p>
+            <a:pPr lvl="1"/>
+            <a:r>
+              <a:rPr lang="en-US" altLang="zh-CN"/>
+              <a:t>https://developer.mozilla.org/en-US/docs/Web/API/WebGL_API/WebGL_best_practices</a:t>
+            </a:r>
+            <a:endParaRPr lang="en-US" altLang="zh-CN"/>
+          </a:p>
+        </p:txBody>
+      </p:sp>
+    </p:spTree>
+    <p:custDataLst>
+      <p:tags r:id="rId1"/>
+    </p:custDataLst>
+  </p:cSld>
+  <p:clrMapOvr>
+    <a:masterClrMapping/>
+  </p:clrMapOvr>
+</p:sld>
+</file>
+
+<file path=ppt/slides/slide2.xml><?xml version="1.0" encoding="utf-8"?>
+<p:sld xmlns:a="http://schemas.openxmlformats.org/drawingml/2006/main" xmlns:r="http://schemas.openxmlformats.org/officeDocument/2006/relationships" xmlns:p="http://schemas.openxmlformats.org/presentationml/2006/main">
+  <p:cSld>
+    <p:spTree>
+      <p:nvGrpSpPr>
+        <p:cNvPr id="1" name=""/>
+        <p:cNvGrpSpPr/>
+        <p:nvPr/>
+      </p:nvGrpSpPr>
+      <p:grpSpPr/>
+      <p:sp>
+        <p:nvSpPr>
+          <p:cNvPr id="2" name="标题 1"/>
+          <p:cNvSpPr>
+            <a:spLocks noGrp="1"/>
+          </p:cNvSpPr>
+          <p:nvPr>
+            <p:ph type="title"/>
+          </p:nvPr>
+        </p:nvSpPr>
+        <p:spPr/>
+        <p:txBody>
+          <a:bodyPr/>
+          <a:p>
+            <a:r>
+              <a:rPr lang="en-US" altLang="zh-CN"/>
+              <a:t>References</a:t>
+            </a:r>
+            <a:endParaRPr lang="en-US" altLang="zh-CN"/>
+          </a:p>
+        </p:txBody>
+      </p:sp>
+      <p:sp>
+        <p:nvSpPr>
+          <p:cNvPr id="3" name="内容占位符 2"/>
+          <p:cNvSpPr>
+            <a:spLocks noGrp="1"/>
+          </p:cNvSpPr>
+          <p:nvPr>
+            <p:ph idx="1"/>
+          </p:nvPr>
+        </p:nvSpPr>
+        <p:spPr/>
+        <p:txBody>
+          <a:bodyPr/>
+          <a:p>
+            <a:r>
+              <a:rPr lang="zh-CN" altLang="en-US"/>
+              <a:t>https://riptutorial.com/three-js</a:t>
+            </a:r>
+            <a:endParaRPr lang="zh-CN" altLang="en-US"/>
+          </a:p>
+          <a:p>
+            <a:r>
+              <a:rPr lang="zh-CN" altLang="en-US"/>
+              <a:t>https://threejsfundamentals.org/threejs/lessons/threejs-textures.html</a:t>
+            </a:r>
+            <a:endParaRPr lang="zh-CN" altLang="en-US"/>
+          </a:p>
+          <a:p>
+            <a:r>
+              <a:rPr lang="zh-CN" altLang="en-US"/>
+              <a:t>https://discoverthreejs.com/tips-and-tricks/</a:t>
+            </a:r>
+            <a:endParaRPr lang="zh-CN" altLang="en-US"/>
+          </a:p>
+          <a:p>
+            <a:r>
+              <a:rPr lang="zh-CN" altLang="en-US"/>
+              <a:t>https://sbcode.net/threejs/</a:t>
+            </a:r>
+            <a:endParaRPr lang="zh-CN" altLang="en-US"/>
+          </a:p>
+        </p:txBody>
+      </p:sp>
+    </p:spTree>
+    <p:custDataLst>
+      <p:tags r:id="rId1"/>
+    </p:custDataLst>
+  </p:cSld>
+  <p:clrMapOvr>
+    <a:masterClrMapping/>
+  </p:clrMapOvr>
+</p:sld>
+</file>
+
+<file path=ppt/slides/slide3.xml><?xml version="1.0" encoding="utf-8"?>
+<p:sld xmlns:a="http://schemas.openxmlformats.org/drawingml/2006/main" xmlns:r="http://schemas.openxmlformats.org/officeDocument/2006/relationships" xmlns:p="http://schemas.openxmlformats.org/presentationml/2006/main">
+  <p:cSld>
+    <p:spTree>
+      <p:nvGrpSpPr>
+        <p:cNvPr id="1" name=""/>
+        <p:cNvGrpSpPr/>
+        <p:nvPr/>
+      </p:nvGrpSpPr>
+      <p:grpSpPr/>
+      <p:sp>
+        <p:nvSpPr>
+          <p:cNvPr id="2" name="标题 1"/>
+          <p:cNvSpPr>
+            <a:spLocks noGrp="1"/>
+          </p:cNvSpPr>
+          <p:nvPr>
+            <p:ph type="title"/>
+          </p:nvPr>
+        </p:nvSpPr>
+        <p:spPr/>
+        <p:txBody>
+          <a:bodyPr/>
+          <a:p>
+            <a:r>
+              <a:rPr lang="en-US" altLang="zh-CN"/>
+              <a:t>Architecture</a:t>
+            </a:r>
+            <a:endParaRPr lang="en-US" altLang="zh-CN"/>
+          </a:p>
+        </p:txBody>
+      </p:sp>
+      <p:pic>
+        <p:nvPicPr>
+          <p:cNvPr id="104" name="图片 103"/>
+          <p:cNvPicPr/>
+          <p:nvPr/>
+        </p:nvPicPr>
+        <p:blipFill>
+          <a:blip r:embed="rId1"/>
+          <a:stretch>
+            <a:fillRect/>
+          </a:stretch>
+        </p:blipFill>
+        <p:spPr>
+          <a:xfrm>
+            <a:off x="3352800" y="1233488"/>
+            <a:ext cx="5486400" cy="4391025"/>
+          </a:xfrm>
+          <a:prstGeom prst="rect">
+            <a:avLst/>
+          </a:prstGeom>
+          <a:noFill/>
+          <a:ln w="9525">
+            <a:noFill/>
+          </a:ln>
+        </p:spPr>
+      </p:pic>
+    </p:spTree>
+    <p:custDataLst>
+      <p:tags r:id="rId2"/>
+    </p:custDataLst>
+  </p:cSld>
+  <p:clrMapOvr>
+    <a:masterClrMapping/>
+  </p:clrMapOvr>
+</p:sld>
+</file>
+
+<file path=ppt/slides/slide4.xml><?xml version="1.0" encoding="utf-8"?>
+<p:sld xmlns:a="http://schemas.openxmlformats.org/drawingml/2006/main" xmlns:r="http://schemas.openxmlformats.org/officeDocument/2006/relationships" xmlns:p="http://schemas.openxmlformats.org/presentationml/2006/main">
+  <p:cSld>
+    <p:spTree>
+      <p:nvGrpSpPr>
+        <p:cNvPr id="1" name=""/>
+        <p:cNvGrpSpPr/>
+        <p:nvPr/>
+      </p:nvGrpSpPr>
+      <p:grpSpPr/>
+      <p:sp>
+        <p:nvSpPr>
+          <p:cNvPr id="2" name="标题 1"/>
+          <p:cNvSpPr>
+            <a:spLocks noGrp="1"/>
+          </p:cNvSpPr>
+          <p:nvPr>
+            <p:ph type="title"/>
+          </p:nvPr>
+        </p:nvSpPr>
+        <p:spPr/>
+        <p:txBody>
+          <a:bodyPr/>
+          <a:p>
+            <a:r>
+              <a:rPr lang="en-US" altLang="zh-CN"/>
+              <a:t>Scene</a:t>
+            </a:r>
+            <a:endParaRPr lang="en-US" altLang="zh-CN"/>
+          </a:p>
+        </p:txBody>
+      </p:sp>
+      <p:sp>
+        <p:nvSpPr>
+          <p:cNvPr id="3" name="内容占位符 2"/>
+          <p:cNvSpPr>
+            <a:spLocks noGrp="1"/>
+          </p:cNvSpPr>
+          <p:nvPr>
+            <p:ph idx="1"/>
+          </p:nvPr>
+        </p:nvSpPr>
+        <p:spPr>
+          <a:xfrm>
+            <a:off x="838200" y="1211580"/>
+            <a:ext cx="5162550" cy="4549140"/>
+          </a:xfrm>
+        </p:spPr>
+        <p:txBody>
+          <a:bodyPr/>
+          <a:p>
+            <a:r>
+              <a:rPr lang="en-US" altLang="zh-CN"/>
+              <a:t>Scene</a:t>
+            </a:r>
+            <a:endParaRPr lang="en-US" altLang="zh-CN"/>
+          </a:p>
+        </p:txBody>
+      </p:sp>
+      <p:sp>
+        <p:nvSpPr>
+          <p:cNvPr id="4" name="文本框 3"/>
+          <p:cNvSpPr txBox="1"/>
+          <p:nvPr/>
+        </p:nvSpPr>
+        <p:spPr>
+          <a:xfrm>
+            <a:off x="8114030" y="1134745"/>
+            <a:ext cx="3061335" cy="3969385"/>
+          </a:xfrm>
+          <a:prstGeom prst="rect">
+            <a:avLst/>
+          </a:prstGeom>
+          <a:noFill/>
+          <a:ln>
+            <a:solidFill>
+              <a:srgbClr val="C00000"/>
+            </a:solidFill>
+          </a:ln>
+        </p:spPr>
+        <p:txBody>
+          <a:bodyPr wrap="square" rtlCol="0">
+            <a:spAutoFit/>
+          </a:bodyPr>
+          <a:p>
+            <a:r>
+              <a:rPr lang="en-US" altLang="zh-CN"/>
+              <a:t>- autoUpdate // default true</a:t>
+            </a:r>
+            <a:endParaRPr lang="en-US" altLang="zh-CN"/>
+          </a:p>
+          <a:p>
+            <a:r>
+              <a:rPr lang="en-US" altLang="zh-CN"/>
+              <a:t>- background</a:t>
+            </a:r>
+            <a:endParaRPr lang="en-US" altLang="zh-CN"/>
+          </a:p>
+          <a:p>
+            <a:r>
+              <a:rPr lang="en-US" altLang="zh-CN"/>
+              <a:t>- environment</a:t>
+            </a:r>
+            <a:endParaRPr lang="en-US" altLang="zh-CN"/>
+          </a:p>
+          <a:p>
+            <a:r>
+              <a:rPr lang="en-US" altLang="zh-CN"/>
+              <a:t>- fog</a:t>
+            </a:r>
+            <a:endParaRPr lang="en-US" altLang="zh-CN"/>
+          </a:p>
+          <a:p>
+            <a:endParaRPr lang="en-US" altLang="zh-CN"/>
+          </a:p>
+          <a:p>
+            <a:r>
+              <a:rPr lang="en-US" altLang="zh-CN"/>
+              <a:t>- clear()</a:t>
+            </a:r>
+            <a:endParaRPr lang="en-US" altLang="zh-CN"/>
+          </a:p>
+          <a:p>
+            <a:r>
+              <a:rPr lang="en-US" altLang="zh-CN"/>
+              <a:t>- getCurrentViewport()</a:t>
+            </a:r>
+            <a:endParaRPr lang="en-US" altLang="zh-CN"/>
+          </a:p>
+          <a:p>
+            <a:r>
+              <a:rPr lang="en-US" altLang="zh-CN"/>
+              <a:t>- getSize()</a:t>
+            </a:r>
+            <a:endParaRPr lang="en-US" altLang="zh-CN"/>
+          </a:p>
+          <a:p>
+            <a:r>
+              <a:rPr lang="en-US" altLang="zh-CN"/>
+              <a:t>- getViewport()</a:t>
+            </a:r>
+            <a:endParaRPr lang="en-US" altLang="zh-CN"/>
+          </a:p>
+          <a:p>
+            <a:r>
+              <a:rPr lang="en-US" altLang="zh-CN"/>
+              <a:t>- render()</a:t>
+            </a:r>
+            <a:endParaRPr lang="en-US" altLang="zh-CN"/>
+          </a:p>
+          <a:p>
+            <a:r>
+              <a:rPr lang="en-US" altLang="zh-CN"/>
+              <a:t>- setPixelRatio()</a:t>
+            </a:r>
+            <a:endParaRPr lang="en-US" altLang="zh-CN"/>
+          </a:p>
+          <a:p>
+            <a:r>
+              <a:rPr lang="en-US" altLang="zh-CN"/>
+              <a:t>- setScissor()</a:t>
+            </a:r>
+            <a:endParaRPr lang="en-US" altLang="zh-CN"/>
+          </a:p>
+          <a:p>
+            <a:r>
+              <a:rPr lang="en-US" altLang="zh-CN"/>
+              <a:t>- setScissorTest()</a:t>
+            </a:r>
+            <a:endParaRPr lang="en-US" altLang="zh-CN"/>
+          </a:p>
+          <a:p>
+            <a:r>
+              <a:rPr lang="en-US" altLang="zh-CN"/>
+              <a:t>- setSize()</a:t>
+            </a:r>
+            <a:endParaRPr lang="en-US" altLang="zh-CN"/>
+          </a:p>
+        </p:txBody>
+      </p:sp>
+    </p:spTree>
+    <p:custDataLst>
+      <p:tags r:id="rId1"/>
+    </p:custDataLst>
+  </p:cSld>
+  <p:clrMapOvr>
+    <a:masterClrMapping/>
+  </p:clrMapOvr>
+</p:sld>
+</file>
+
+<file path=ppt/slides/slide5.xml><?xml version="1.0" encoding="utf-8"?>
+<p:sld xmlns:a="http://schemas.openxmlformats.org/drawingml/2006/main" xmlns:r="http://schemas.openxmlformats.org/officeDocument/2006/relationships" xmlns:p="http://schemas.openxmlformats.org/presentationml/2006/main">
+  <p:cSld>
+    <p:spTree>
+      <p:nvGrpSpPr>
+        <p:cNvPr id="1" name=""/>
+        <p:cNvGrpSpPr/>
+        <p:nvPr/>
+      </p:nvGrpSpPr>
+      <p:grpSpPr/>
+      <p:sp>
+        <p:nvSpPr>
+          <p:cNvPr id="2" name="标题 1"/>
+          <p:cNvSpPr>
+            <a:spLocks noGrp="1"/>
+          </p:cNvSpPr>
+          <p:nvPr>
+            <p:ph type="title"/>
+          </p:nvPr>
+        </p:nvSpPr>
+        <p:spPr/>
+        <p:txBody>
+          <a:bodyPr/>
+          <a:p>
+            <a:r>
+              <a:rPr lang="en-US" altLang="zh-CN"/>
+              <a:t>WebGLRenderer</a:t>
+            </a:r>
+            <a:endParaRPr lang="en-US" altLang="zh-CN"/>
+          </a:p>
+        </p:txBody>
+      </p:sp>
+      <p:sp>
+        <p:nvSpPr>
+          <p:cNvPr id="4" name="文本框 3"/>
+          <p:cNvSpPr txBox="1"/>
+          <p:nvPr/>
+        </p:nvSpPr>
+        <p:spPr>
+          <a:xfrm>
+            <a:off x="1307465" y="1675765"/>
+            <a:ext cx="2778760" cy="4246245"/>
+          </a:xfrm>
+          <a:prstGeom prst="rect">
+            <a:avLst/>
+          </a:prstGeom>
+          <a:noFill/>
+          <a:ln>
+            <a:solidFill>
+              <a:srgbClr val="C00000"/>
+            </a:solidFill>
+          </a:ln>
+        </p:spPr>
+        <p:txBody>
+          <a:bodyPr wrap="square" rtlCol="0">
+            <a:spAutoFit/>
+          </a:bodyPr>
+          <a:p>
+            <a:r>
+              <a:rPr lang="en-US" altLang="zh-CN"/>
+              <a:t>- alpha (default: false)</a:t>
+            </a:r>
+            <a:endParaRPr lang="en-US" altLang="zh-CN"/>
+          </a:p>
+          <a:p>
+            <a:r>
+              <a:rPr lang="en-US" altLang="zh-CN"/>
+              <a:t>- antialias (default: false)</a:t>
+            </a:r>
+            <a:endParaRPr lang="en-US" altLang="zh-CN"/>
+          </a:p>
+          <a:p>
+            <a:r>
+              <a:rPr lang="en-US" altLang="zh-CN"/>
+              <a:t>- autoClear</a:t>
+            </a:r>
+            <a:endParaRPr lang="en-US" altLang="zh-CN"/>
+          </a:p>
+          <a:p>
+            <a:r>
+              <a:rPr lang="en-US" altLang="zh-CN"/>
+              <a:t>- domElement</a:t>
+            </a:r>
+            <a:endParaRPr lang="en-US" altLang="zh-CN"/>
+          </a:p>
+          <a:p>
+            <a:endParaRPr lang="en-US" altLang="zh-CN"/>
+          </a:p>
+          <a:p>
+            <a:r>
+              <a:rPr lang="en-US" altLang="zh-CN"/>
+              <a:t>- clear()</a:t>
+            </a:r>
+            <a:endParaRPr lang="en-US" altLang="zh-CN"/>
+          </a:p>
+          <a:p>
+            <a:r>
+              <a:rPr lang="en-US" altLang="zh-CN"/>
+              <a:t>- getCurrentViewport()</a:t>
+            </a:r>
+            <a:endParaRPr lang="en-US" altLang="zh-CN"/>
+          </a:p>
+          <a:p>
+            <a:r>
+              <a:rPr lang="en-US" altLang="zh-CN"/>
+              <a:t>- getSize()</a:t>
+            </a:r>
+            <a:endParaRPr lang="en-US" altLang="zh-CN"/>
+          </a:p>
+          <a:p>
+            <a:r>
+              <a:rPr lang="en-US" altLang="zh-CN"/>
+              <a:t>- getViewport()</a:t>
+            </a:r>
+            <a:endParaRPr lang="en-US" altLang="zh-CN"/>
+          </a:p>
+          <a:p>
+            <a:r>
+              <a:rPr lang="en-US" altLang="zh-CN"/>
+              <a:t>- render()</a:t>
+            </a:r>
+            <a:endParaRPr lang="en-US" altLang="zh-CN"/>
+          </a:p>
+          <a:p>
+            <a:r>
+              <a:rPr lang="en-US" altLang="zh-CN"/>
+              <a:t>- setClearAlpha(alpha)</a:t>
+            </a:r>
+            <a:endParaRPr lang="en-US" altLang="zh-CN"/>
+          </a:p>
+          <a:p>
+            <a:r>
+              <a:rPr lang="en-US" altLang="zh-CN"/>
+              <a:t>- setPixelRatio()</a:t>
+            </a:r>
+            <a:endParaRPr lang="en-US" altLang="zh-CN"/>
+          </a:p>
+          <a:p>
+            <a:r>
+              <a:rPr lang="en-US" altLang="zh-CN"/>
+              <a:t>- setScissor()</a:t>
+            </a:r>
+            <a:endParaRPr lang="en-US" altLang="zh-CN"/>
+          </a:p>
+          <a:p>
+            <a:r>
+              <a:rPr lang="en-US" altLang="zh-CN"/>
+              <a:t>- setScissorTest()</a:t>
+            </a:r>
+            <a:endParaRPr lang="en-US" altLang="zh-CN"/>
+          </a:p>
+          <a:p>
+            <a:r>
+              <a:rPr lang="en-US" altLang="zh-CN"/>
+              <a:t>- setSize()</a:t>
+            </a:r>
+            <a:endParaRPr lang="en-US" altLang="zh-CN"/>
+          </a:p>
+        </p:txBody>
+      </p:sp>
+      <p:sp>
+        <p:nvSpPr>
+          <p:cNvPr id="3" name="文本框 2"/>
+          <p:cNvSpPr txBox="1"/>
+          <p:nvPr/>
+        </p:nvSpPr>
+        <p:spPr>
+          <a:xfrm>
+            <a:off x="6035675" y="1812290"/>
+            <a:ext cx="5634990" cy="1076325"/>
+          </a:xfrm>
+          <a:prstGeom prst="rect">
+            <a:avLst/>
+          </a:prstGeom>
+          <a:noFill/>
+          <a:ln>
+            <a:solidFill>
+              <a:srgbClr val="C00000"/>
+            </a:solidFill>
+          </a:ln>
+        </p:spPr>
+        <p:txBody>
+          <a:bodyPr wrap="square" rtlCol="0">
+            <a:spAutoFit/>
+          </a:bodyPr>
+          <a:p>
+            <a:r>
+              <a:rPr lang="zh-CN" altLang="en-US" sz="1600"/>
+              <a:t>renderer = new THREE.WebGLRenderer();</a:t>
+            </a:r>
+            <a:endParaRPr lang="zh-CN" altLang="en-US" sz="1600"/>
+          </a:p>
+          <a:p>
+            <a:r>
+              <a:rPr lang="zh-CN" altLang="en-US" sz="1600"/>
+              <a:t>renderer.setPixelRatio( window.devicePixelRatio );</a:t>
+            </a:r>
+            <a:endParaRPr lang="zh-CN" altLang="en-US" sz="1600"/>
+          </a:p>
+          <a:p>
+            <a:r>
+              <a:rPr lang="zh-CN" altLang="en-US" sz="1600"/>
+              <a:t>renderer.setSize( window.innerWidth, window.innerHeight );</a:t>
+            </a:r>
+            <a:endParaRPr lang="zh-CN" altLang="en-US" sz="1600"/>
+          </a:p>
+          <a:p>
+            <a:r>
+              <a:rPr lang="zh-CN" altLang="en-US" sz="1600"/>
+              <a:t>container.appendChild( renderer.domElement );</a:t>
+            </a:r>
+            <a:endParaRPr lang="zh-CN" altLang="en-US" sz="1600"/>
+          </a:p>
+        </p:txBody>
+      </p:sp>
+    </p:spTree>
+    <p:custDataLst>
+      <p:tags r:id="rId1"/>
+    </p:custDataLst>
+  </p:cSld>
+  <p:clrMapOvr>
+    <a:masterClrMapping/>
+  </p:clrMapOvr>
+</p:sld>
+</file>
+
+<file path=ppt/slides/slide6.xml><?xml version="1.0" encoding="utf-8"?>
+<p:sld xmlns:a="http://schemas.openxmlformats.org/drawingml/2006/main" xmlns:r="http://schemas.openxmlformats.org/officeDocument/2006/relationships" xmlns:p="http://schemas.openxmlformats.org/presentationml/2006/main">
+  <p:cSld>
+    <p:spTree>
+      <p:nvGrpSpPr>
+        <p:cNvPr id="1" name=""/>
+        <p:cNvGrpSpPr/>
+        <p:nvPr/>
+      </p:nvGrpSpPr>
+      <p:grpSpPr/>
+      <p:sp>
+        <p:nvSpPr>
+          <p:cNvPr id="2" name="标题 1"/>
+          <p:cNvSpPr>
+            <a:spLocks noGrp="1"/>
+          </p:cNvSpPr>
+          <p:nvPr>
+            <p:ph type="title"/>
+          </p:nvPr>
+        </p:nvSpPr>
+        <p:spPr/>
+        <p:txBody>
+          <a:bodyPr/>
+          <a:p>
+            <a:r>
+              <a:rPr lang="en-US" altLang="zh-CN"/>
+              <a:t>Geometry</a:t>
+            </a:r>
+            <a:endParaRPr lang="en-US" altLang="zh-CN"/>
+          </a:p>
+        </p:txBody>
+      </p:sp>
+      <p:sp>
+        <p:nvSpPr>
+          <p:cNvPr id="3" name="内容占位符 2"/>
+          <p:cNvSpPr>
+            <a:spLocks noGrp="1"/>
+          </p:cNvSpPr>
+          <p:nvPr>
+            <p:ph idx="1"/>
+          </p:nvPr>
+        </p:nvSpPr>
+        <p:spPr>
+          <a:xfrm>
+            <a:off x="838200" y="1211580"/>
+            <a:ext cx="5410835" cy="4549140"/>
+          </a:xfrm>
+        </p:spPr>
+        <p:txBody>
+          <a:bodyPr/>
+          <a:p>
+            <a:r>
+              <a:rPr lang="en-US" altLang="zh-CN"/>
+              <a:t>BufferGeometry</a:t>
+            </a:r>
+            <a:endParaRPr lang="en-US" altLang="zh-CN"/>
+          </a:p>
+          <a:p>
+            <a:r>
+              <a:rPr lang="en-US" altLang="zh-CN"/>
+              <a:t>BoxGeometry(width, height, depth)</a:t>
+            </a:r>
+            <a:endParaRPr lang="en-US" altLang="zh-CN"/>
+          </a:p>
+          <a:p>
+            <a:r>
+              <a:rPr lang="en-US" altLang="zh-CN"/>
+              <a:t>CircleGeometry(radius, numSegments)</a:t>
+            </a:r>
+            <a:endParaRPr lang="en-US" altLang="zh-CN"/>
+          </a:p>
+          <a:p>
+            <a:r>
+              <a:rPr lang="en-US" altLang="zh-CN"/>
+              <a:t>SphereGeometry(radius, widthSegments, heightSegments)</a:t>
+            </a:r>
+            <a:endParaRPr lang="en-US" altLang="zh-CN"/>
+          </a:p>
+        </p:txBody>
+      </p:sp>
+      <p:sp>
+        <p:nvSpPr>
+          <p:cNvPr id="4" name="圆角矩形 3"/>
+          <p:cNvSpPr/>
+          <p:nvPr/>
+        </p:nvSpPr>
+        <p:spPr>
+          <a:xfrm>
+            <a:off x="8216265" y="1504315"/>
+            <a:ext cx="2522855" cy="2794635"/>
+          </a:xfrm>
+          <a:prstGeom prst="roundRect">
+            <a:avLst/>
+          </a:prstGeom>
+        </p:spPr>
+        <p:style>
+          <a:lnRef idx="2">
+            <a:schemeClr val="accent1">
+              <a:shade val="50000"/>
+            </a:schemeClr>
+          </a:lnRef>
+          <a:fillRef idx="1">
+            <a:schemeClr val="accent1"/>
+          </a:fillRef>
+          <a:effectRef idx="0">
+            <a:schemeClr val="accent1"/>
+          </a:effectRef>
+          <a:fontRef idx="minor">
+            <a:schemeClr val="lt1"/>
+          </a:fontRef>
+        </p:style>
+        <p:txBody>
+          <a:bodyPr rtlCol="0" anchor="ctr"/>
+          <a:p>
+            <a:pPr algn="ctr"/>
+            <a:r>
+              <a:rPr lang="en-US" altLang="zh-CN" sz="2000"/>
+              <a:t>BufferGeometry</a:t>
+            </a:r>
+            <a:endParaRPr lang="en-US" altLang="zh-CN" sz="2000"/>
+          </a:p>
+          <a:p>
+            <a:pPr algn="ctr"/>
+            <a:r>
+              <a:rPr lang="en-US" altLang="zh-CN" sz="1600"/>
+              <a:t>- position.set(x, y, z)</a:t>
+            </a:r>
+            <a:endParaRPr lang="en-US" altLang="zh-CN" sz="1600"/>
+          </a:p>
+          <a:p>
+            <a:pPr algn="ctr"/>
+            <a:r>
+              <a:rPr lang="en-US" altLang="zh-CN" sz="1600"/>
+              <a:t>- clone()</a:t>
+            </a:r>
+            <a:endParaRPr lang="en-US" altLang="zh-CN" sz="1600"/>
+          </a:p>
+          <a:p>
+            <a:pPr algn="ctr"/>
+            <a:r>
+              <a:rPr lang="en-US" altLang="zh-CN" sz="1600"/>
+              <a:t>- dispose()</a:t>
+            </a:r>
+            <a:endParaRPr lang="en-US" altLang="zh-CN" sz="1600"/>
+          </a:p>
+          <a:p>
+            <a:pPr algn="ctr"/>
+            <a:r>
+              <a:rPr lang="en-US" altLang="zh-CN" sz="1600"/>
+              <a:t>- lookAt(vector3)</a:t>
+            </a:r>
+            <a:endParaRPr lang="en-US" altLang="zh-CN" sz="1600"/>
+          </a:p>
+          <a:p>
+            <a:pPr algn="ctr"/>
+            <a:r>
+              <a:rPr lang="en-US" altLang="zh-CN" sz="1600"/>
+              <a:t>- rotateX(radian)</a:t>
+            </a:r>
+            <a:endParaRPr lang="en-US" altLang="zh-CN" sz="1600"/>
+          </a:p>
+          <a:p>
+            <a:pPr algn="ctr"/>
+            <a:r>
+              <a:rPr lang="en-US" altLang="zh-CN" sz="1600"/>
+              <a:t>- rotateY(radian)</a:t>
+            </a:r>
+            <a:endParaRPr lang="en-US" altLang="zh-CN" sz="1600"/>
+          </a:p>
+          <a:p>
+            <a:pPr algn="ctr"/>
+            <a:r>
+              <a:rPr lang="en-US" altLang="zh-CN" sz="1600"/>
+              <a:t>- rotateZ(radian)</a:t>
+            </a:r>
+            <a:endParaRPr lang="en-US" altLang="zh-CN" sz="1600"/>
+          </a:p>
+          <a:p>
+            <a:pPr algn="ctr"/>
+            <a:r>
+              <a:rPr lang="en-US" altLang="zh-CN" sz="1600"/>
+              <a:t>- scale(x, y, z)</a:t>
+            </a:r>
+            <a:endParaRPr lang="en-US" altLang="zh-CN" sz="1600"/>
+          </a:p>
+          <a:p>
+            <a:pPr algn="ctr"/>
+            <a:r>
+              <a:rPr lang="en-US" altLang="zh-CN" sz="1600"/>
+              <a:t>- translate(x, y, z)</a:t>
+            </a:r>
+            <a:endParaRPr lang="en-US" altLang="zh-CN" sz="1600"/>
+          </a:p>
+        </p:txBody>
+      </p:sp>
+      <p:sp>
+        <p:nvSpPr>
+          <p:cNvPr id="5" name="圆角矩形 4"/>
+          <p:cNvSpPr/>
+          <p:nvPr/>
+        </p:nvSpPr>
+        <p:spPr>
+          <a:xfrm>
+            <a:off x="7044690" y="4419600"/>
+            <a:ext cx="2044065" cy="735330"/>
+          </a:xfrm>
+          <a:prstGeom prst="roundRect">
+            <a:avLst/>
+          </a:prstGeom>
+        </p:spPr>
+        <p:style>
+          <a:lnRef idx="2">
+            <a:schemeClr val="accent1">
+              <a:shade val="50000"/>
+            </a:schemeClr>
+          </a:lnRef>
+          <a:fillRef idx="1">
+            <a:schemeClr val="accent1"/>
+          </a:fillRef>
+          <a:effectRef idx="0">
+            <a:schemeClr val="accent1"/>
+          </a:effectRef>
+          <a:fontRef idx="minor">
+            <a:schemeClr val="lt1"/>
+          </a:fontRef>
+        </p:style>
+        <p:txBody>
+          <a:bodyPr rtlCol="0" anchor="ctr"/>
+          <a:p>
+            <a:pPr algn="ctr"/>
+            <a:r>
+              <a:rPr lang="en-US" altLang="zh-CN"/>
+              <a:t>B</a:t>
+            </a:r>
+            <a:r>
+              <a:rPr lang="en-US" altLang="zh-CN"/>
+              <a:t>oxGeometry</a:t>
+            </a:r>
+            <a:endParaRPr lang="en-US" altLang="zh-CN"/>
+          </a:p>
+        </p:txBody>
+      </p:sp>
+      <p:sp>
+        <p:nvSpPr>
+          <p:cNvPr id="6" name="圆角矩形 5"/>
+          <p:cNvSpPr/>
+          <p:nvPr/>
+        </p:nvSpPr>
+        <p:spPr>
+          <a:xfrm>
+            <a:off x="9216390" y="4428490"/>
+            <a:ext cx="2044065" cy="735330"/>
+          </a:xfrm>
+          <a:prstGeom prst="roundRect">
+            <a:avLst/>
+          </a:prstGeom>
+        </p:spPr>
+        <p:style>
+          <a:lnRef idx="2">
+            <a:schemeClr val="accent1">
+              <a:shade val="50000"/>
+            </a:schemeClr>
+          </a:lnRef>
+          <a:fillRef idx="1">
+            <a:schemeClr val="accent1"/>
+          </a:fillRef>
+          <a:effectRef idx="0">
+            <a:schemeClr val="accent1"/>
+          </a:effectRef>
+          <a:fontRef idx="minor">
+            <a:schemeClr val="lt1"/>
+          </a:fontRef>
+        </p:style>
+        <p:txBody>
+          <a:bodyPr rtlCol="0" anchor="ctr"/>
+          <a:p>
+            <a:pPr algn="ctr"/>
+            <a:r>
+              <a:rPr lang="en-US" altLang="zh-CN"/>
+              <a:t>CircleGeometry</a:t>
+            </a:r>
+            <a:endParaRPr lang="en-US" altLang="zh-CN"/>
+          </a:p>
+        </p:txBody>
+      </p:sp>
+    </p:spTree>
+    <p:custDataLst>
+      <p:tags r:id="rId1"/>
+    </p:custDataLst>
+  </p:cSld>
+  <p:clrMapOvr>
+    <a:masterClrMapping/>
+  </p:clrMapOvr>
+</p:sld>
+</file>
+
+<file path=ppt/slides/slide7.xml><?xml version="1.0" encoding="utf-8"?>
+<p:sld xmlns:a="http://schemas.openxmlformats.org/drawingml/2006/main" xmlns:r="http://schemas.openxmlformats.org/officeDocument/2006/relationships" xmlns:p="http://schemas.openxmlformats.org/presentationml/2006/main">
+  <p:cSld>
+    <p:spTree>
+      <p:nvGrpSpPr>
+        <p:cNvPr id="1" name=""/>
+        <p:cNvGrpSpPr/>
+        <p:nvPr/>
+      </p:nvGrpSpPr>
+      <p:grpSpPr/>
+      <p:sp>
+        <p:nvSpPr>
+          <p:cNvPr id="2" name="标题 1"/>
+          <p:cNvSpPr>
+            <a:spLocks noGrp="1"/>
+          </p:cNvSpPr>
+          <p:nvPr>
+            <p:ph type="title"/>
+          </p:nvPr>
+        </p:nvSpPr>
+        <p:spPr/>
+        <p:txBody>
+          <a:bodyPr/>
+          <a:p>
+            <a:r>
+              <a:rPr lang="en-US" altLang="zh-CN"/>
+              <a:t>Camera</a:t>
+            </a:r>
+            <a:endParaRPr lang="en-US" altLang="zh-CN"/>
+          </a:p>
+        </p:txBody>
+      </p:sp>
+      <p:sp>
+        <p:nvSpPr>
+          <p:cNvPr id="3" name="内容占位符 2"/>
+          <p:cNvSpPr>
+            <a:spLocks noGrp="1"/>
+          </p:cNvSpPr>
+          <p:nvPr>
+            <p:ph idx="1"/>
+          </p:nvPr>
+        </p:nvSpPr>
+        <p:spPr>
+          <a:xfrm>
+            <a:off x="838200" y="1211580"/>
+            <a:ext cx="7386955" cy="4549140"/>
+          </a:xfrm>
+        </p:spPr>
+        <p:txBody>
+          <a:bodyPr/>
+          <a:p>
+            <a:r>
+              <a:rPr lang="en-US" altLang="zh-CN"/>
+              <a:t>Perspective camera</a:t>
+            </a:r>
+            <a:endParaRPr lang="en-US" altLang="zh-CN"/>
+          </a:p>
+        </p:txBody>
+      </p:sp>
+      <p:pic>
+        <p:nvPicPr>
+          <p:cNvPr id="4" name="图片 3"/>
+          <p:cNvPicPr>
+            <a:picLocks noChangeAspect="1"/>
+          </p:cNvPicPr>
+          <p:nvPr/>
+        </p:nvPicPr>
+        <p:blipFill>
+          <a:blip r:embed="rId1"/>
+          <a:stretch>
+            <a:fillRect/>
+          </a:stretch>
+        </p:blipFill>
+        <p:spPr>
+          <a:xfrm>
+            <a:off x="8309610" y="1332865"/>
+            <a:ext cx="3134360" cy="3561715"/>
+          </a:xfrm>
+          <a:prstGeom prst="rect">
+            <a:avLst/>
+          </a:prstGeom>
+        </p:spPr>
+      </p:pic>
+    </p:spTree>
+    <p:custDataLst>
+      <p:tags r:id="rId2"/>
+    </p:custDataLst>
+  </p:cSld>
+  <p:clrMapOvr>
+    <a:masterClrMapping/>
+  </p:clrMapOvr>
+</p:sld>
+</file>
+
+<file path=ppt/slides/slide8.xml><?xml version="1.0" encoding="utf-8"?>
+<p:sld xmlns:a="http://schemas.openxmlformats.org/drawingml/2006/main" xmlns:r="http://schemas.openxmlformats.org/officeDocument/2006/relationships" xmlns:p="http://schemas.openxmlformats.org/presentationml/2006/main">
+  <p:cSld>
+    <p:spTree>
+      <p:nvGrpSpPr>
+        <p:cNvPr id="1" name=""/>
+        <p:cNvGrpSpPr/>
+        <p:nvPr/>
+      </p:nvGrpSpPr>
+      <p:grpSpPr/>
+      <p:sp>
+        <p:nvSpPr>
+          <p:cNvPr id="2" name="标题 1"/>
+          <p:cNvSpPr>
+            <a:spLocks noGrp="1"/>
+          </p:cNvSpPr>
+          <p:nvPr>
+            <p:ph type="title"/>
+          </p:nvPr>
+        </p:nvSpPr>
+        <p:spPr/>
+        <p:txBody>
+          <a:bodyPr/>
+          <a:p>
+            <a:r>
+              <a:rPr lang="en-US" altLang="zh-CN"/>
+              <a:t>Material</a:t>
+            </a:r>
+            <a:endParaRPr lang="en-US" altLang="zh-CN"/>
+          </a:p>
+        </p:txBody>
+      </p:sp>
+      <p:sp>
+        <p:nvSpPr>
+          <p:cNvPr id="3" name="内容占位符 2"/>
+          <p:cNvSpPr>
+            <a:spLocks noGrp="1"/>
+          </p:cNvSpPr>
+          <p:nvPr>
+            <p:ph idx="1"/>
+          </p:nvPr>
+        </p:nvSpPr>
+        <p:spPr>
+          <a:xfrm>
+            <a:off x="838200" y="1211580"/>
+            <a:ext cx="6435090" cy="4549140"/>
+          </a:xfrm>
+        </p:spPr>
+        <p:txBody>
+          <a:bodyPr/>
+          <a:p>
+            <a:r>
+              <a:rPr lang="en-US" altLang="zh-CN"/>
+              <a:t>Material</a:t>
+            </a:r>
+            <a:endParaRPr lang="en-US" altLang="zh-CN"/>
+          </a:p>
+          <a:p>
+            <a:pPr lvl="1"/>
+            <a:r>
+              <a:rPr lang="en-US" altLang="zh-CN"/>
+              <a:t>Properties</a:t>
+            </a:r>
+            <a:endParaRPr lang="en-US" altLang="zh-CN"/>
+          </a:p>
+          <a:p>
+            <a:pPr lvl="2"/>
+            <a:r>
+              <a:rPr lang="en-US" altLang="zh-CN"/>
+              <a:t>transparent: true/false, default false</a:t>
+            </a:r>
+            <a:endParaRPr lang="en-US" altLang="zh-CN"/>
+          </a:p>
+          <a:p>
+            <a:pPr lvl="2"/>
+            <a:r>
+              <a:rPr lang="en-US" altLang="zh-CN"/>
+              <a:t>opacity: 0.0~1.0, default 1.0</a:t>
+            </a:r>
+            <a:endParaRPr lang="en-US" altLang="zh-CN"/>
+          </a:p>
+          <a:p>
+            <a:pPr lvl="0"/>
+            <a:r>
+              <a:rPr lang="en-US" altLang="zh-CN"/>
+              <a:t>MeshBasicMaterial</a:t>
+            </a:r>
+            <a:endParaRPr lang="en-US" altLang="zh-CN"/>
+          </a:p>
+          <a:p>
+            <a:pPr lvl="1"/>
+            <a:r>
+              <a:rPr lang="en-US" altLang="zh-CN"/>
+              <a:t>simple shaded way, not affected by lights</a:t>
+            </a:r>
+            <a:endParaRPr lang="en-US" altLang="zh-CN"/>
+          </a:p>
+          <a:p>
+            <a:pPr lvl="0"/>
+            <a:r>
+              <a:rPr lang="en-US" altLang="zh-CN"/>
+              <a:t>MeshDepthMaterial</a:t>
+            </a:r>
+            <a:endParaRPr lang="en-US" altLang="zh-CN"/>
+          </a:p>
+          <a:p>
+            <a:pPr lvl="1"/>
+            <a:r>
+              <a:rPr lang="en-US" altLang="zh-CN"/>
+              <a:t>drawing material based on depth, white is nearest, black is farest</a:t>
+            </a:r>
+            <a:endParaRPr lang="en-US" altLang="zh-CN"/>
+          </a:p>
+        </p:txBody>
+      </p:sp>
+      <p:sp>
+        <p:nvSpPr>
+          <p:cNvPr id="4" name="圆角矩形 3"/>
+          <p:cNvSpPr/>
+          <p:nvPr/>
+        </p:nvSpPr>
+        <p:spPr>
+          <a:xfrm>
+            <a:off x="8130540" y="1009015"/>
+            <a:ext cx="2441575" cy="843915"/>
+          </a:xfrm>
+          <a:prstGeom prst="roundRect">
+            <a:avLst/>
+          </a:prstGeom>
+        </p:spPr>
+        <p:style>
+          <a:lnRef idx="2">
+            <a:schemeClr val="accent1">
+              <a:shade val="50000"/>
+            </a:schemeClr>
+          </a:lnRef>
+          <a:fillRef idx="1">
+            <a:schemeClr val="accent1"/>
+          </a:fillRef>
+          <a:effectRef idx="0">
+            <a:schemeClr val="accent1"/>
+          </a:effectRef>
+          <a:fontRef idx="minor">
+            <a:schemeClr val="lt1"/>
+          </a:fontRef>
+        </p:style>
+        <p:txBody>
+          <a:bodyPr rtlCol="0" anchor="ctr"/>
+          <a:p>
+            <a:pPr algn="ctr"/>
+            <a:r>
+              <a:rPr lang="en-US" altLang="zh-CN"/>
+              <a:t>Material</a:t>
+            </a:r>
+            <a:endParaRPr lang="en-US" altLang="zh-CN"/>
+          </a:p>
+          <a:p>
+            <a:pPr algn="ctr"/>
+            <a:r>
+              <a:rPr lang="en-US" altLang="zh-CN"/>
+              <a:t>- opacity</a:t>
+            </a:r>
+            <a:endParaRPr lang="en-US" altLang="zh-CN"/>
+          </a:p>
+        </p:txBody>
+      </p:sp>
+      <p:sp>
+        <p:nvSpPr>
+          <p:cNvPr id="5" name="圆角矩形 4"/>
+          <p:cNvSpPr/>
+          <p:nvPr/>
+        </p:nvSpPr>
+        <p:spPr>
+          <a:xfrm>
+            <a:off x="8130540" y="2077720"/>
+            <a:ext cx="2441575" cy="2083435"/>
+          </a:xfrm>
+          <a:prstGeom prst="roundRect">
+            <a:avLst/>
+          </a:prstGeom>
+        </p:spPr>
+        <p:style>
+          <a:lnRef idx="2">
+            <a:schemeClr val="accent1">
+              <a:shade val="50000"/>
+            </a:schemeClr>
+          </a:lnRef>
+          <a:fillRef idx="1">
+            <a:schemeClr val="accent1"/>
+          </a:fillRef>
+          <a:effectRef idx="0">
+            <a:schemeClr val="accent1"/>
+          </a:effectRef>
+          <a:fontRef idx="minor">
+            <a:schemeClr val="lt1"/>
+          </a:fontRef>
+        </p:style>
+        <p:txBody>
+          <a:bodyPr rtlCol="0" anchor="ctr"/>
+          <a:p>
+            <a:pPr algn="ctr"/>
+            <a:r>
+              <a:rPr lang="en-US" altLang="zh-CN"/>
+              <a:t>MeshBasicMaterial</a:t>
+            </a:r>
+            <a:endParaRPr lang="en-US" altLang="zh-CN"/>
+          </a:p>
+          <a:p>
+            <a:pPr algn="ctr"/>
+            <a:r>
+              <a:rPr lang="en-US" altLang="zh-CN"/>
+              <a:t>- alphaMap</a:t>
+            </a:r>
+            <a:endParaRPr lang="en-US" altLang="zh-CN"/>
+          </a:p>
+          <a:p>
+            <a:pPr algn="ctr"/>
+            <a:r>
+              <a:rPr lang="en-US" altLang="zh-CN"/>
+              <a:t>- aoMap</a:t>
+            </a:r>
+            <a:endParaRPr lang="en-US" altLang="zh-CN"/>
+          </a:p>
+          <a:p>
+            <a:pPr algn="ctr"/>
+            <a:r>
+              <a:rPr lang="en-US" altLang="zh-CN"/>
+              <a:t>- color</a:t>
+            </a:r>
+            <a:endParaRPr lang="en-US" altLang="zh-CN"/>
+          </a:p>
+          <a:p>
+            <a:pPr algn="ctr"/>
+            <a:r>
+              <a:rPr lang="en-US" altLang="zh-CN"/>
+              <a:t>- envMap</a:t>
+            </a:r>
+            <a:endParaRPr lang="en-US" altLang="zh-CN"/>
+          </a:p>
+          <a:p>
+            <a:pPr algn="ctr"/>
+            <a:r>
+              <a:rPr lang="en-US" altLang="zh-CN"/>
+              <a:t>- lightMap</a:t>
+            </a:r>
+            <a:endParaRPr lang="en-US" altLang="zh-CN"/>
+          </a:p>
+          <a:p>
+            <a:pPr algn="ctr"/>
+            <a:r>
+              <a:rPr lang="en-US" altLang="zh-CN"/>
+              <a:t>- specularMap</a:t>
+            </a:r>
+            <a:endParaRPr lang="en-US" altLang="zh-CN"/>
+          </a:p>
+        </p:txBody>
+      </p:sp>
+    </p:spTree>
+    <p:custDataLst>
+      <p:tags r:id="rId1"/>
+    </p:custDataLst>
+  </p:cSld>
+  <p:clrMapOvr>
+    <a:masterClrMapping/>
+  </p:clrMapOvr>
+</p:sld>
+</file>
+
+<file path=ppt/slides/slide9.xml><?xml version="1.0" encoding="utf-8"?>
+<p:sld xmlns:a="http://schemas.openxmlformats.org/drawingml/2006/main" xmlns:r="http://schemas.openxmlformats.org/officeDocument/2006/relationships" xmlns:p="http://schemas.openxmlformats.org/presentationml/2006/main">
+  <p:cSld>
+    <p:spTree>
+      <p:nvGrpSpPr>
+        <p:cNvPr id="1" name=""/>
+        <p:cNvGrpSpPr/>
+        <p:nvPr/>
+      </p:nvGrpSpPr>
+      <p:grpSpPr/>
+      <p:sp>
+        <p:nvSpPr>
+          <p:cNvPr id="2" name="标题 1"/>
+          <p:cNvSpPr>
+            <a:spLocks noGrp="1"/>
+          </p:cNvSpPr>
+          <p:nvPr>
+            <p:ph type="title"/>
+          </p:nvPr>
+        </p:nvSpPr>
+        <p:spPr/>
+        <p:txBody>
+          <a:bodyPr/>
+          <a:p>
+            <a:r>
+              <a:rPr lang="en-US" altLang="zh-CN"/>
+              <a:t>Texture, Texture Loader</a:t>
+            </a:r>
+            <a:endParaRPr lang="en-US" altLang="zh-CN"/>
+          </a:p>
+        </p:txBody>
+      </p:sp>
+      <p:sp>
+        <p:nvSpPr>
+          <p:cNvPr id="4" name="文本框 3"/>
+          <p:cNvSpPr txBox="1"/>
+          <p:nvPr/>
+        </p:nvSpPr>
+        <p:spPr>
+          <a:xfrm>
+            <a:off x="1221740" y="1226820"/>
+            <a:ext cx="4368800" cy="3415030"/>
+          </a:xfrm>
+          <a:prstGeom prst="rect">
+            <a:avLst/>
+          </a:prstGeom>
+          <a:noFill/>
+          <a:ln>
+            <a:solidFill>
+              <a:srgbClr val="C00000"/>
+            </a:solidFill>
+          </a:ln>
+        </p:spPr>
+        <p:txBody>
+          <a:bodyPr wrap="square" rtlCol="0">
+            <a:spAutoFit/>
+          </a:bodyPr>
+          <a:p>
+            <a:r>
+              <a:rPr lang="en-US" altLang="zh-CN"/>
+              <a:t>- id</a:t>
+            </a:r>
+            <a:endParaRPr lang="en-US" altLang="zh-CN"/>
+          </a:p>
+          <a:p>
+            <a:r>
+              <a:rPr lang="en-US" altLang="zh-CN"/>
+              <a:t>- uuid</a:t>
+            </a:r>
+            <a:endParaRPr lang="en-US" altLang="zh-CN"/>
+          </a:p>
+          <a:p>
+            <a:r>
+              <a:rPr lang="en-US" altLang="zh-CN"/>
+              <a:t>- image // image or video loaded using TextureLoader.load() </a:t>
+            </a:r>
+            <a:endParaRPr lang="en-US" altLang="zh-CN"/>
+          </a:p>
+          <a:p>
+            <a:r>
+              <a:rPr lang="en-US" altLang="zh-CN"/>
+              <a:t>- wrapS // how to wrap horizontally</a:t>
+            </a:r>
+            <a:endParaRPr lang="en-US" altLang="zh-CN"/>
+          </a:p>
+          <a:p>
+            <a:r>
+              <a:rPr lang="en-US" altLang="zh-CN"/>
+              <a:t>- wrapT // how to wrap vertically</a:t>
+            </a:r>
+            <a:endParaRPr lang="en-US" altLang="zh-CN"/>
+          </a:p>
+          <a:p>
+            <a:r>
+              <a:rPr lang="en-US" altLang="zh-CN"/>
+              <a:t>- format // default: THREE.RGBAFormat</a:t>
+            </a:r>
+            <a:endParaRPr lang="en-US" altLang="zh-CN"/>
+          </a:p>
+          <a:p>
+            <a:r>
+              <a:rPr lang="en-US" altLang="zh-CN"/>
+              <a:t>- offset // 0.0~1.0</a:t>
+            </a:r>
+            <a:endParaRPr lang="en-US" altLang="zh-CN"/>
+          </a:p>
+          <a:p>
+            <a:r>
+              <a:rPr lang="en-US" altLang="zh-CN"/>
+              <a:t>- repeat // Vector2, how many times to repeat</a:t>
+            </a:r>
+            <a:endParaRPr lang="en-US" altLang="zh-CN"/>
+          </a:p>
+          <a:p>
+            <a:endParaRPr lang="en-US" altLang="zh-CN"/>
+          </a:p>
+          <a:p>
+            <a:r>
+              <a:rPr lang="en-US" altLang="zh-CN"/>
+              <a:t>- dispose()</a:t>
             </a:r>
             <a:endParaRPr lang="en-US" altLang="zh-CN"/>
           </a:p>
@@ -5592,9 +6914,65 @@
 </p:tagLst>
 </file>
 
+<file path=ppt/tags/tag18.xml><?xml version="1.0" encoding="utf-8"?>
+<p:tagLst xmlns:p="http://schemas.openxmlformats.org/presentationml/2006/main">
+  <p:tag name="KSO_WM_BEAUTIFY_FLAG" val="#wm#"/>
+  <p:tag name="KSO_WM_TEMPLATE_CATEGORY" val="custom"/>
+  <p:tag name="KSO_WM_TEMPLATE_INDEX" val="160402"/>
+</p:tagLst>
+</file>
+
+<file path=ppt/tags/tag19.xml><?xml version="1.0" encoding="utf-8"?>
+<p:tagLst xmlns:p="http://schemas.openxmlformats.org/presentationml/2006/main">
+  <p:tag name="KSO_WM_BEAUTIFY_FLAG" val="#wm#"/>
+  <p:tag name="KSO_WM_TEMPLATE_CATEGORY" val="custom"/>
+  <p:tag name="KSO_WM_TEMPLATE_INDEX" val="160402"/>
+</p:tagLst>
+</file>
+
 <file path=ppt/tags/tag2.xml><?xml version="1.0" encoding="utf-8"?>
 <p:tagLst xmlns:p="http://schemas.openxmlformats.org/presentationml/2006/main">
   <p:tag name="KSO_WM_TAG_VERSION" val="1.0"/>
+  <p:tag name="KSO_WM_TEMPLATE_CATEGORY" val="custom"/>
+  <p:tag name="KSO_WM_TEMPLATE_INDEX" val="160402"/>
+</p:tagLst>
+</file>
+
+<file path=ppt/tags/tag20.xml><?xml version="1.0" encoding="utf-8"?>
+<p:tagLst xmlns:p="http://schemas.openxmlformats.org/presentationml/2006/main">
+  <p:tag name="KSO_WM_BEAUTIFY_FLAG" val="#wm#"/>
+  <p:tag name="KSO_WM_TEMPLATE_CATEGORY" val="custom"/>
+  <p:tag name="KSO_WM_TEMPLATE_INDEX" val="160402"/>
+</p:tagLst>
+</file>
+
+<file path=ppt/tags/tag21.xml><?xml version="1.0" encoding="utf-8"?>
+<p:tagLst xmlns:p="http://schemas.openxmlformats.org/presentationml/2006/main">
+  <p:tag name="KSO_WM_BEAUTIFY_FLAG" val="#wm#"/>
+  <p:tag name="KSO_WM_TEMPLATE_CATEGORY" val="custom"/>
+  <p:tag name="KSO_WM_TEMPLATE_INDEX" val="160402"/>
+</p:tagLst>
+</file>
+
+<file path=ppt/tags/tag22.xml><?xml version="1.0" encoding="utf-8"?>
+<p:tagLst xmlns:p="http://schemas.openxmlformats.org/presentationml/2006/main">
+  <p:tag name="KSO_WM_BEAUTIFY_FLAG" val="#wm#"/>
+  <p:tag name="KSO_WM_TEMPLATE_CATEGORY" val="custom"/>
+  <p:tag name="KSO_WM_TEMPLATE_INDEX" val="160402"/>
+</p:tagLst>
+</file>
+
+<file path=ppt/tags/tag23.xml><?xml version="1.0" encoding="utf-8"?>
+<p:tagLst xmlns:p="http://schemas.openxmlformats.org/presentationml/2006/main">
+  <p:tag name="KSO_WM_BEAUTIFY_FLAG" val="#wm#"/>
+  <p:tag name="KSO_WM_TEMPLATE_CATEGORY" val="custom"/>
+  <p:tag name="KSO_WM_TEMPLATE_INDEX" val="160402"/>
+</p:tagLst>
+</file>
+
+<file path=ppt/tags/tag24.xml><?xml version="1.0" encoding="utf-8"?>
+<p:tagLst xmlns:p="http://schemas.openxmlformats.org/presentationml/2006/main">
+  <p:tag name="KSO_WM_BEAUTIFY_FLAG" val="#wm#"/>
   <p:tag name="KSO_WM_TEMPLATE_CATEGORY" val="custom"/>
   <p:tag name="KSO_WM_TEMPLATE_INDEX" val="160402"/>
 </p:tagLst>

--- a/Web/ThreeJS-Notes.pptx
+++ b/Web/ThreeJS-Notes.pptx
@@ -8,31 +8,38 @@
     <p:notesMasterId r:id="rId4"/>
   </p:notesMasterIdLst>
   <p:handoutMasterIdLst>
-    <p:handoutMasterId r:id="rId23"/>
+    <p:handoutMasterId r:id="rId27"/>
   </p:handoutMasterIdLst>
   <p:sldIdLst>
     <p:sldId id="256" r:id="rId3"/>
     <p:sldId id="259" r:id="rId5"/>
     <p:sldId id="286" r:id="rId6"/>
-    <p:sldId id="302" r:id="rId7"/>
-    <p:sldId id="287" r:id="rId8"/>
-    <p:sldId id="300" r:id="rId9"/>
-    <p:sldId id="260" r:id="rId10"/>
-    <p:sldId id="278" r:id="rId11"/>
-    <p:sldId id="289" r:id="rId12"/>
-    <p:sldId id="265" r:id="rId13"/>
-    <p:sldId id="263" r:id="rId14"/>
-    <p:sldId id="258" r:id="rId15"/>
-    <p:sldId id="277" r:id="rId16"/>
-    <p:sldId id="273" r:id="rId17"/>
-    <p:sldId id="301" r:id="rId18"/>
-    <p:sldId id="266" r:id="rId19"/>
-    <p:sldId id="271" r:id="rId20"/>
-    <p:sldId id="261" r:id="rId21"/>
-    <p:sldId id="288" r:id="rId22"/>
+    <p:sldId id="318" r:id="rId7"/>
+    <p:sldId id="302" r:id="rId8"/>
+    <p:sldId id="260" r:id="rId9"/>
+    <p:sldId id="287" r:id="rId10"/>
+    <p:sldId id="320" r:id="rId11"/>
+    <p:sldId id="319" r:id="rId12"/>
+    <p:sldId id="300" r:id="rId13"/>
+    <p:sldId id="278" r:id="rId14"/>
+    <p:sldId id="289" r:id="rId15"/>
+    <p:sldId id="265" r:id="rId16"/>
+    <p:sldId id="263" r:id="rId17"/>
+    <p:sldId id="258" r:id="rId18"/>
+    <p:sldId id="321" r:id="rId19"/>
+    <p:sldId id="277" r:id="rId20"/>
+    <p:sldId id="273" r:id="rId21"/>
+    <p:sldId id="301" r:id="rId22"/>
+    <p:sldId id="266" r:id="rId23"/>
+    <p:sldId id="271" r:id="rId24"/>
+    <p:sldId id="261" r:id="rId25"/>
+    <p:sldId id="288" r:id="rId26"/>
   </p:sldIdLst>
   <p:sldSz cx="12192000" cy="6858000"/>
   <p:notesSz cx="6858000" cy="9144000"/>
+  <p:custDataLst>
+    <p:tags r:id="rId32"/>
+  </p:custDataLst>
   <p:defaultTextStyle>
     <a:defPPr>
       <a:defRPr lang="zh-CN"/>
@@ -129,6 +136,12 @@
     </a:lvl9pPr>
   </p:defaultTextStyle>
 </p:presentation>
+</file>
+
+<file path=ppt/commentAuthors.xml><?xml version="1.0" encoding="utf-8"?>
+<p:cmAuthorLst xmlns:a="http://schemas.openxmlformats.org/drawingml/2006/main" xmlns:r="http://schemas.openxmlformats.org/officeDocument/2006/relationships" xmlns:p="http://schemas.openxmlformats.org/presentationml/2006/main">
+  <p:cmAuthor id="1" name="Sparks Lu" initials="S" lastIdx="1" clrIdx="0"/>
+</p:cmAuthorLst>
 </file>
 
 <file path=ppt/handoutMasters/handoutMaster1.xml><?xml version="1.0" encoding="utf-8"?>
@@ -3810,7 +3823,7 @@
           <a:p>
             <a:r>
               <a:rPr lang="en-US" altLang="zh-CN"/>
-              <a:t>Coordinates</a:t>
+              <a:t>Geometry</a:t>
             </a:r>
             <a:endParaRPr lang="en-US" altLang="zh-CN"/>
           </a:p>
@@ -3826,21 +3839,251 @@
             <p:ph idx="1"/>
           </p:nvPr>
         </p:nvSpPr>
-        <p:spPr/>
+        <p:spPr>
+          <a:xfrm>
+            <a:off x="838200" y="1211580"/>
+            <a:ext cx="5410835" cy="4549140"/>
+          </a:xfrm>
+        </p:spPr>
         <p:txBody>
           <a:bodyPr/>
           <a:p>
             <a:r>
               <a:rPr lang="en-US" altLang="zh-CN"/>
-              <a:t>From screen space (normalized device coordinate) to world space</a:t>
-            </a:r>
-            <a:endParaRPr lang="en-US" altLang="zh-CN"/>
-          </a:p>
-          <a:p>
-            <a:pPr lvl="1"/>
-            <a:r>
-              <a:rPr lang="en-US" altLang="zh-CN"/>
-              <a:t>Vector3.unproject(camera)</a:t>
+              <a:t>BufferGeometry</a:t>
+            </a:r>
+            <a:endParaRPr lang="en-US" altLang="zh-CN"/>
+          </a:p>
+          <a:p>
+            <a:r>
+              <a:rPr lang="en-US" altLang="zh-CN"/>
+              <a:t>BoxGeometry(width, height, depth)</a:t>
+            </a:r>
+            <a:endParaRPr lang="en-US" altLang="zh-CN"/>
+          </a:p>
+          <a:p>
+            <a:r>
+              <a:rPr lang="en-US" altLang="zh-CN"/>
+              <a:t>PlaneGeometry(width, height)</a:t>
+            </a:r>
+            <a:endParaRPr lang="en-US" altLang="zh-CN"/>
+          </a:p>
+          <a:p>
+            <a:r>
+              <a:rPr lang="en-US" altLang="zh-CN"/>
+              <a:t>CircleGeometry(radius, numSegments)</a:t>
+            </a:r>
+            <a:endParaRPr lang="en-US" altLang="zh-CN"/>
+          </a:p>
+          <a:p>
+            <a:r>
+              <a:rPr lang="en-US" altLang="zh-CN"/>
+              <a:t>SphereGeometry(radius, widthSegments, heightSegments)</a:t>
+            </a:r>
+            <a:endParaRPr lang="en-US" altLang="zh-CN"/>
+          </a:p>
+        </p:txBody>
+      </p:sp>
+      <p:sp>
+        <p:nvSpPr>
+          <p:cNvPr id="4" name="圆角矩形 3"/>
+          <p:cNvSpPr/>
+          <p:nvPr/>
+        </p:nvSpPr>
+        <p:spPr>
+          <a:xfrm>
+            <a:off x="8216265" y="1504315"/>
+            <a:ext cx="2522855" cy="2794635"/>
+          </a:xfrm>
+          <a:prstGeom prst="roundRect">
+            <a:avLst/>
+          </a:prstGeom>
+        </p:spPr>
+        <p:style>
+          <a:lnRef idx="2">
+            <a:schemeClr val="accent1">
+              <a:shade val="50000"/>
+            </a:schemeClr>
+          </a:lnRef>
+          <a:fillRef idx="1">
+            <a:schemeClr val="accent1"/>
+          </a:fillRef>
+          <a:effectRef idx="0">
+            <a:schemeClr val="accent1"/>
+          </a:effectRef>
+          <a:fontRef idx="minor">
+            <a:schemeClr val="lt1"/>
+          </a:fontRef>
+        </p:style>
+        <p:txBody>
+          <a:bodyPr rtlCol="0" anchor="ctr"/>
+          <a:p>
+            <a:pPr algn="ctr"/>
+            <a:r>
+              <a:rPr lang="en-US" altLang="zh-CN" sz="2000"/>
+              <a:t>BufferGeometry</a:t>
+            </a:r>
+            <a:endParaRPr lang="en-US" altLang="zh-CN" sz="2000"/>
+          </a:p>
+          <a:p>
+            <a:pPr algn="ctr"/>
+            <a:r>
+              <a:rPr lang="en-US" altLang="zh-CN" sz="1600"/>
+              <a:t>- position.set(x, y, z)</a:t>
+            </a:r>
+            <a:endParaRPr lang="en-US" altLang="zh-CN" sz="1600"/>
+          </a:p>
+          <a:p>
+            <a:pPr algn="ctr"/>
+            <a:r>
+              <a:rPr lang="en-US" altLang="zh-CN" sz="1600"/>
+              <a:t>- clone()</a:t>
+            </a:r>
+            <a:endParaRPr lang="en-US" altLang="zh-CN" sz="1600"/>
+          </a:p>
+          <a:p>
+            <a:pPr algn="ctr"/>
+            <a:r>
+              <a:rPr lang="en-US" altLang="zh-CN" sz="1600"/>
+              <a:t>- dispose()</a:t>
+            </a:r>
+            <a:endParaRPr lang="en-US" altLang="zh-CN" sz="1600"/>
+          </a:p>
+          <a:p>
+            <a:pPr algn="ctr"/>
+            <a:r>
+              <a:rPr lang="en-US" altLang="zh-CN" sz="1600"/>
+              <a:t>- lookAt(vector3)</a:t>
+            </a:r>
+            <a:endParaRPr lang="en-US" altLang="zh-CN" sz="1600"/>
+          </a:p>
+          <a:p>
+            <a:pPr algn="ctr"/>
+            <a:r>
+              <a:rPr lang="en-US" altLang="zh-CN" sz="1600"/>
+              <a:t>- rotateX(radian)</a:t>
+            </a:r>
+            <a:endParaRPr lang="en-US" altLang="zh-CN" sz="1600"/>
+          </a:p>
+          <a:p>
+            <a:pPr algn="ctr"/>
+            <a:r>
+              <a:rPr lang="en-US" altLang="zh-CN" sz="1600"/>
+              <a:t>- rotateY(radian)</a:t>
+            </a:r>
+            <a:endParaRPr lang="en-US" altLang="zh-CN" sz="1600"/>
+          </a:p>
+          <a:p>
+            <a:pPr algn="ctr"/>
+            <a:r>
+              <a:rPr lang="en-US" altLang="zh-CN" sz="1600"/>
+              <a:t>- rotateZ(radian)</a:t>
+            </a:r>
+            <a:endParaRPr lang="en-US" altLang="zh-CN" sz="1600"/>
+          </a:p>
+          <a:p>
+            <a:pPr algn="ctr"/>
+            <a:r>
+              <a:rPr lang="en-US" altLang="zh-CN" sz="1600"/>
+              <a:t>- scale(x, y, z)</a:t>
+            </a:r>
+            <a:endParaRPr lang="en-US" altLang="zh-CN" sz="1600"/>
+          </a:p>
+          <a:p>
+            <a:pPr algn="ctr"/>
+            <a:r>
+              <a:rPr lang="en-US" altLang="zh-CN" sz="1600"/>
+              <a:t>- translate(x, y, z)</a:t>
+            </a:r>
+            <a:endParaRPr lang="en-US" altLang="zh-CN" sz="1600"/>
+          </a:p>
+        </p:txBody>
+      </p:sp>
+      <p:sp>
+        <p:nvSpPr>
+          <p:cNvPr id="5" name="圆角矩形 4"/>
+          <p:cNvSpPr/>
+          <p:nvPr/>
+        </p:nvSpPr>
+        <p:spPr>
+          <a:xfrm>
+            <a:off x="7044690" y="4419600"/>
+            <a:ext cx="2044065" cy="735330"/>
+          </a:xfrm>
+          <a:prstGeom prst="roundRect">
+            <a:avLst/>
+          </a:prstGeom>
+        </p:spPr>
+        <p:style>
+          <a:lnRef idx="2">
+            <a:schemeClr val="accent1">
+              <a:shade val="50000"/>
+            </a:schemeClr>
+          </a:lnRef>
+          <a:fillRef idx="1">
+            <a:schemeClr val="accent1"/>
+          </a:fillRef>
+          <a:effectRef idx="0">
+            <a:schemeClr val="accent1"/>
+          </a:effectRef>
+          <a:fontRef idx="minor">
+            <a:schemeClr val="lt1"/>
+          </a:fontRef>
+        </p:style>
+        <p:txBody>
+          <a:bodyPr rtlCol="0" anchor="ctr"/>
+          <a:p>
+            <a:pPr algn="ctr"/>
+            <a:r>
+              <a:rPr lang="en-US" altLang="zh-CN"/>
+              <a:t>B</a:t>
+            </a:r>
+            <a:r>
+              <a:rPr lang="en-US" altLang="zh-CN"/>
+              <a:t>oxGeometry</a:t>
+            </a:r>
+            <a:endParaRPr lang="en-US" altLang="zh-CN"/>
+          </a:p>
+        </p:txBody>
+      </p:sp>
+      <p:sp>
+        <p:nvSpPr>
+          <p:cNvPr id="6" name="圆角矩形 5"/>
+          <p:cNvSpPr/>
+          <p:nvPr/>
+        </p:nvSpPr>
+        <p:spPr>
+          <a:xfrm>
+            <a:off x="9216390" y="4428490"/>
+            <a:ext cx="2044065" cy="735330"/>
+          </a:xfrm>
+          <a:prstGeom prst="roundRect">
+            <a:avLst/>
+          </a:prstGeom>
+        </p:spPr>
+        <p:style>
+          <a:lnRef idx="2">
+            <a:schemeClr val="accent1">
+              <a:shade val="50000"/>
+            </a:schemeClr>
+          </a:lnRef>
+          <a:fillRef idx="1">
+            <a:schemeClr val="accent1"/>
+          </a:fillRef>
+          <a:effectRef idx="0">
+            <a:schemeClr val="accent1"/>
+          </a:effectRef>
+          <a:fontRef idx="minor">
+            <a:schemeClr val="lt1"/>
+          </a:fontRef>
+        </p:style>
+        <p:txBody>
+          <a:bodyPr rtlCol="0" anchor="ctr"/>
+          <a:p>
+            <a:pPr algn="ctr"/>
+            <a:r>
+              <a:rPr lang="en-US" altLang="zh-CN"/>
+              <a:t>CircleGeometry</a:t>
             </a:r>
             <a:endParaRPr lang="en-US" altLang="zh-CN"/>
           </a:p>
@@ -3858,6 +4101,612 @@
 </file>
 
 <file path=ppt/slides/slide11.xml><?xml version="1.0" encoding="utf-8"?>
+<p:sld xmlns:a="http://schemas.openxmlformats.org/drawingml/2006/main" xmlns:r="http://schemas.openxmlformats.org/officeDocument/2006/relationships" xmlns:p="http://schemas.openxmlformats.org/presentationml/2006/main">
+  <p:cSld>
+    <p:spTree>
+      <p:nvGrpSpPr>
+        <p:cNvPr id="1" name=""/>
+        <p:cNvGrpSpPr/>
+        <p:nvPr/>
+      </p:nvGrpSpPr>
+      <p:grpSpPr/>
+      <p:sp>
+        <p:nvSpPr>
+          <p:cNvPr id="2" name="标题 1"/>
+          <p:cNvSpPr>
+            <a:spLocks noGrp="1"/>
+          </p:cNvSpPr>
+          <p:nvPr>
+            <p:ph type="title"/>
+          </p:nvPr>
+        </p:nvSpPr>
+        <p:spPr/>
+        <p:txBody>
+          <a:bodyPr/>
+          <a:p>
+            <a:r>
+              <a:rPr lang="en-US" altLang="zh-CN"/>
+              <a:t>Material</a:t>
+            </a:r>
+            <a:endParaRPr lang="en-US" altLang="zh-CN"/>
+          </a:p>
+        </p:txBody>
+      </p:sp>
+      <p:sp>
+        <p:nvSpPr>
+          <p:cNvPr id="3" name="内容占位符 2"/>
+          <p:cNvSpPr>
+            <a:spLocks noGrp="1"/>
+          </p:cNvSpPr>
+          <p:nvPr>
+            <p:ph idx="1"/>
+          </p:nvPr>
+        </p:nvSpPr>
+        <p:spPr>
+          <a:xfrm>
+            <a:off x="838200" y="1211580"/>
+            <a:ext cx="6435090" cy="4549140"/>
+          </a:xfrm>
+        </p:spPr>
+        <p:txBody>
+          <a:bodyPr>
+            <a:normAutofit lnSpcReduction="10000"/>
+          </a:bodyPr>
+          <a:p>
+            <a:r>
+              <a:rPr lang="en-US" altLang="zh-CN"/>
+              <a:t>Material</a:t>
+            </a:r>
+            <a:endParaRPr lang="en-US" altLang="zh-CN"/>
+          </a:p>
+          <a:p>
+            <a:pPr lvl="1"/>
+            <a:r>
+              <a:rPr lang="en-US" altLang="zh-CN"/>
+              <a:t>Properties</a:t>
+            </a:r>
+            <a:endParaRPr lang="en-US" altLang="zh-CN"/>
+          </a:p>
+          <a:p>
+            <a:pPr lvl="2"/>
+            <a:r>
+              <a:rPr lang="en-US" altLang="zh-CN"/>
+              <a:t>transparent: true/false, default false</a:t>
+            </a:r>
+            <a:endParaRPr lang="en-US" altLang="zh-CN"/>
+          </a:p>
+          <a:p>
+            <a:pPr lvl="2"/>
+            <a:r>
+              <a:rPr lang="en-US" altLang="zh-CN"/>
+              <a:t>opacity: 0.0~1.0, default 1.0</a:t>
+            </a:r>
+            <a:endParaRPr lang="en-US" altLang="zh-CN"/>
+          </a:p>
+          <a:p>
+            <a:pPr lvl="0"/>
+            <a:r>
+              <a:rPr lang="en-US" altLang="zh-CN"/>
+              <a:t>MeshBasicMaterial</a:t>
+            </a:r>
+            <a:endParaRPr lang="en-US" altLang="zh-CN"/>
+          </a:p>
+          <a:p>
+            <a:pPr lvl="1"/>
+            <a:r>
+              <a:rPr lang="en-US" altLang="zh-CN"/>
+              <a:t>simple shaded way, not affected by lights</a:t>
+            </a:r>
+            <a:endParaRPr lang="en-US" altLang="zh-CN"/>
+          </a:p>
+          <a:p>
+            <a:pPr lvl="0"/>
+            <a:r>
+              <a:rPr lang="en-US" altLang="zh-CN"/>
+              <a:t>MeshDepthMaterial</a:t>
+            </a:r>
+            <a:endParaRPr lang="en-US" altLang="zh-CN"/>
+          </a:p>
+          <a:p>
+            <a:pPr lvl="1"/>
+            <a:r>
+              <a:rPr lang="en-US" altLang="zh-CN"/>
+              <a:t>drawing material based on depth, white is nearest, black is farest</a:t>
+            </a:r>
+            <a:endParaRPr lang="en-US" altLang="zh-CN"/>
+          </a:p>
+          <a:p>
+            <a:pPr lvl="0"/>
+            <a:r>
+              <a:rPr lang="en-US" altLang="zh-CN"/>
+              <a:t>MeshLambertMaterial</a:t>
+            </a:r>
+            <a:endParaRPr lang="en-US" altLang="zh-CN"/>
+          </a:p>
+          <a:p>
+            <a:pPr lvl="1"/>
+            <a:r>
+              <a:rPr lang="en-US" altLang="zh-CN"/>
+              <a:t>const mat = new MeshLambertMaterial({</a:t>
+            </a:r>
+            <a:endParaRPr lang="en-US" altLang="zh-CN"/>
+          </a:p>
+          <a:p>
+            <a:pPr marL="457200" lvl="1" indent="0">
+              <a:buNone/>
+            </a:pPr>
+            <a:r>
+              <a:rPr lang="en-US" altLang="zh-CN"/>
+              <a:t>	map: texture</a:t>
+            </a:r>
+            <a:endParaRPr lang="en-US" altLang="zh-CN"/>
+          </a:p>
+          <a:p>
+            <a:pPr marL="457200" lvl="1" indent="0">
+              <a:buNone/>
+            </a:pPr>
+            <a:r>
+              <a:rPr lang="en-US" altLang="zh-CN"/>
+              <a:t>	})</a:t>
+            </a:r>
+            <a:endParaRPr lang="en-US" altLang="zh-CN"/>
+          </a:p>
+        </p:txBody>
+      </p:sp>
+      <p:sp>
+        <p:nvSpPr>
+          <p:cNvPr id="4" name="圆角矩形 3"/>
+          <p:cNvSpPr/>
+          <p:nvPr/>
+        </p:nvSpPr>
+        <p:spPr>
+          <a:xfrm>
+            <a:off x="8130540" y="1009015"/>
+            <a:ext cx="2441575" cy="843915"/>
+          </a:xfrm>
+          <a:prstGeom prst="roundRect">
+            <a:avLst/>
+          </a:prstGeom>
+        </p:spPr>
+        <p:style>
+          <a:lnRef idx="2">
+            <a:schemeClr val="accent1">
+              <a:shade val="50000"/>
+            </a:schemeClr>
+          </a:lnRef>
+          <a:fillRef idx="1">
+            <a:schemeClr val="accent1"/>
+          </a:fillRef>
+          <a:effectRef idx="0">
+            <a:schemeClr val="accent1"/>
+          </a:effectRef>
+          <a:fontRef idx="minor">
+            <a:schemeClr val="lt1"/>
+          </a:fontRef>
+        </p:style>
+        <p:txBody>
+          <a:bodyPr rtlCol="0" anchor="ctr"/>
+          <a:p>
+            <a:pPr algn="ctr"/>
+            <a:r>
+              <a:rPr lang="en-US" altLang="zh-CN"/>
+              <a:t>Material</a:t>
+            </a:r>
+            <a:endParaRPr lang="en-US" altLang="zh-CN"/>
+          </a:p>
+          <a:p>
+            <a:pPr algn="ctr"/>
+            <a:r>
+              <a:rPr lang="en-US" altLang="zh-CN"/>
+              <a:t>- opacity</a:t>
+            </a:r>
+            <a:endParaRPr lang="en-US" altLang="zh-CN"/>
+          </a:p>
+        </p:txBody>
+      </p:sp>
+      <p:sp>
+        <p:nvSpPr>
+          <p:cNvPr id="5" name="圆角矩形 4"/>
+          <p:cNvSpPr/>
+          <p:nvPr/>
+        </p:nvSpPr>
+        <p:spPr>
+          <a:xfrm>
+            <a:off x="8130540" y="2077720"/>
+            <a:ext cx="2441575" cy="2083435"/>
+          </a:xfrm>
+          <a:prstGeom prst="roundRect">
+            <a:avLst/>
+          </a:prstGeom>
+        </p:spPr>
+        <p:style>
+          <a:lnRef idx="2">
+            <a:schemeClr val="accent1">
+              <a:shade val="50000"/>
+            </a:schemeClr>
+          </a:lnRef>
+          <a:fillRef idx="1">
+            <a:schemeClr val="accent1"/>
+          </a:fillRef>
+          <a:effectRef idx="0">
+            <a:schemeClr val="accent1"/>
+          </a:effectRef>
+          <a:fontRef idx="minor">
+            <a:schemeClr val="lt1"/>
+          </a:fontRef>
+        </p:style>
+        <p:txBody>
+          <a:bodyPr rtlCol="0" anchor="ctr"/>
+          <a:p>
+            <a:pPr algn="ctr"/>
+            <a:r>
+              <a:rPr lang="en-US" altLang="zh-CN"/>
+              <a:t>MeshBasicMaterial</a:t>
+            </a:r>
+            <a:endParaRPr lang="en-US" altLang="zh-CN"/>
+          </a:p>
+          <a:p>
+            <a:pPr algn="ctr"/>
+            <a:r>
+              <a:rPr lang="en-US" altLang="zh-CN"/>
+              <a:t>- alphaMap</a:t>
+            </a:r>
+            <a:endParaRPr lang="en-US" altLang="zh-CN"/>
+          </a:p>
+          <a:p>
+            <a:pPr algn="ctr"/>
+            <a:r>
+              <a:rPr lang="en-US" altLang="zh-CN"/>
+              <a:t>- aoMap</a:t>
+            </a:r>
+            <a:endParaRPr lang="en-US" altLang="zh-CN"/>
+          </a:p>
+          <a:p>
+            <a:pPr algn="ctr"/>
+            <a:r>
+              <a:rPr lang="en-US" altLang="zh-CN"/>
+              <a:t>- color</a:t>
+            </a:r>
+            <a:endParaRPr lang="en-US" altLang="zh-CN"/>
+          </a:p>
+          <a:p>
+            <a:pPr algn="ctr"/>
+            <a:r>
+              <a:rPr lang="en-US" altLang="zh-CN"/>
+              <a:t>- envMap</a:t>
+            </a:r>
+            <a:endParaRPr lang="en-US" altLang="zh-CN"/>
+          </a:p>
+          <a:p>
+            <a:pPr algn="ctr"/>
+            <a:r>
+              <a:rPr lang="en-US" altLang="zh-CN"/>
+              <a:t>- lightMap</a:t>
+            </a:r>
+            <a:endParaRPr lang="en-US" altLang="zh-CN"/>
+          </a:p>
+          <a:p>
+            <a:pPr algn="ctr"/>
+            <a:r>
+              <a:rPr lang="en-US" altLang="zh-CN"/>
+              <a:t>- specularMap</a:t>
+            </a:r>
+            <a:endParaRPr lang="en-US" altLang="zh-CN"/>
+          </a:p>
+        </p:txBody>
+      </p:sp>
+    </p:spTree>
+    <p:custDataLst>
+      <p:tags r:id="rId1"/>
+    </p:custDataLst>
+  </p:cSld>
+  <p:clrMapOvr>
+    <a:masterClrMapping/>
+  </p:clrMapOvr>
+</p:sld>
+</file>
+
+<file path=ppt/slides/slide12.xml><?xml version="1.0" encoding="utf-8"?>
+<p:sld xmlns:a="http://schemas.openxmlformats.org/drawingml/2006/main" xmlns:r="http://schemas.openxmlformats.org/officeDocument/2006/relationships" xmlns:p="http://schemas.openxmlformats.org/presentationml/2006/main">
+  <p:cSld>
+    <p:spTree>
+      <p:nvGrpSpPr>
+        <p:cNvPr id="1" name=""/>
+        <p:cNvGrpSpPr/>
+        <p:nvPr/>
+      </p:nvGrpSpPr>
+      <p:grpSpPr/>
+      <p:sp>
+        <p:nvSpPr>
+          <p:cNvPr id="2" name="标题 1"/>
+          <p:cNvSpPr>
+            <a:spLocks noGrp="1"/>
+          </p:cNvSpPr>
+          <p:nvPr>
+            <p:ph type="title"/>
+          </p:nvPr>
+        </p:nvSpPr>
+        <p:spPr/>
+        <p:txBody>
+          <a:bodyPr/>
+          <a:p>
+            <a:r>
+              <a:rPr lang="en-US" altLang="zh-CN"/>
+              <a:t>Texture, Texture Loader</a:t>
+            </a:r>
+            <a:endParaRPr lang="en-US" altLang="zh-CN"/>
+          </a:p>
+        </p:txBody>
+      </p:sp>
+      <p:sp>
+        <p:nvSpPr>
+          <p:cNvPr id="3" name="内容占位符 2"/>
+          <p:cNvSpPr>
+            <a:spLocks noGrp="1"/>
+          </p:cNvSpPr>
+          <p:nvPr>
+            <p:ph idx="1"/>
+          </p:nvPr>
+        </p:nvSpPr>
+        <p:spPr/>
+        <p:txBody>
+          <a:bodyPr>
+            <a:normAutofit lnSpcReduction="10000"/>
+          </a:bodyPr>
+          <a:p>
+            <a:pPr marL="285750" indent="-285750">
+              <a:buFont typeface="Arial" panose="020B0604020202020204" pitchFamily="34" charset="0"/>
+              <a:buChar char="•"/>
+            </a:pPr>
+            <a:r>
+              <a:rPr lang="en-US" altLang="zh-CN" sz="2400">
+                <a:sym typeface="+mn-ea"/>
+              </a:rPr>
+              <a:t>let texture = TextureLoader.load() </a:t>
+            </a:r>
+            <a:endParaRPr lang="en-US" altLang="zh-CN" sz="2400">
+              <a:sym typeface="+mn-ea"/>
+            </a:endParaRPr>
+          </a:p>
+          <a:p>
+            <a:pPr marL="285750" indent="-285750">
+              <a:buFont typeface="Arial" panose="020B0604020202020204" pitchFamily="34" charset="0"/>
+              <a:buChar char="•"/>
+            </a:pPr>
+            <a:r>
+              <a:rPr lang="en-US" altLang="zh-CN" sz="2400">
+                <a:sym typeface="+mn-ea"/>
+              </a:rPr>
+              <a:t>Properties</a:t>
+            </a:r>
+            <a:endParaRPr lang="en-US" altLang="zh-CN" sz="2400">
+              <a:sym typeface="+mn-ea"/>
+            </a:endParaRPr>
+          </a:p>
+          <a:p>
+            <a:pPr marL="742950" lvl="1" indent="-285750">
+              <a:buFont typeface="Arial" panose="020B0604020202020204" pitchFamily="34" charset="0"/>
+              <a:buChar char="•"/>
+            </a:pPr>
+            <a:r>
+              <a:rPr lang="en-US" altLang="zh-CN" sz="2000">
+                <a:sym typeface="+mn-ea"/>
+              </a:rPr>
+              <a:t>- id</a:t>
+            </a:r>
+            <a:endParaRPr lang="en-US" altLang="zh-CN" sz="2000"/>
+          </a:p>
+          <a:p>
+            <a:pPr marL="742950" lvl="1" indent="-285750" algn="l">
+              <a:buClrTx/>
+              <a:buSzTx/>
+            </a:pPr>
+            <a:r>
+              <a:rPr lang="en-US" altLang="zh-CN" sz="2000">
+                <a:sym typeface="+mn-ea"/>
+              </a:rPr>
+              <a:t>- uuid</a:t>
+            </a:r>
+            <a:endParaRPr lang="en-US" altLang="zh-CN" sz="2000"/>
+          </a:p>
+          <a:p>
+            <a:pPr marL="742950" lvl="1" indent="-285750" algn="l">
+              <a:buClrTx/>
+              <a:buSzTx/>
+            </a:pPr>
+            <a:r>
+              <a:rPr lang="en-US" altLang="zh-CN" sz="2000">
+                <a:sym typeface="+mn-ea"/>
+              </a:rPr>
+              <a:t>- image // image or video loaded using</a:t>
+            </a:r>
+            <a:endParaRPr lang="en-US" altLang="zh-CN" sz="2000">
+              <a:sym typeface="+mn-ea"/>
+            </a:endParaRPr>
+          </a:p>
+          <a:p>
+            <a:pPr marL="742950" lvl="1" indent="-285750" algn="l">
+              <a:buClrTx/>
+              <a:buSzTx/>
+            </a:pPr>
+            <a:r>
+              <a:rPr lang="en-US" altLang="zh-CN" sz="2000">
+                <a:sym typeface="+mn-ea"/>
+              </a:rPr>
+              <a:t>- wrapS // how to wrap horizontally</a:t>
+            </a:r>
+            <a:endParaRPr lang="en-US" altLang="zh-CN" sz="2000"/>
+          </a:p>
+          <a:p>
+            <a:pPr marL="742950" lvl="1" indent="-285750" algn="l">
+              <a:buClrTx/>
+              <a:buSzTx/>
+            </a:pPr>
+            <a:r>
+              <a:rPr lang="en-US" altLang="zh-CN" sz="2000">
+                <a:sym typeface="+mn-ea"/>
+              </a:rPr>
+              <a:t>- wrapT // how to wrap vertically</a:t>
+            </a:r>
+            <a:endParaRPr lang="en-US" altLang="zh-CN" sz="2000"/>
+          </a:p>
+          <a:p>
+            <a:pPr marL="742950" lvl="1" indent="-285750" algn="l">
+              <a:buClrTx/>
+              <a:buSzTx/>
+            </a:pPr>
+            <a:r>
+              <a:rPr lang="en-US" altLang="zh-CN" sz="2000">
+                <a:sym typeface="+mn-ea"/>
+              </a:rPr>
+              <a:t>- format // default: THREE.RGBAFormat</a:t>
+            </a:r>
+            <a:endParaRPr lang="en-US" altLang="zh-CN" sz="2000"/>
+          </a:p>
+          <a:p>
+            <a:pPr marL="742950" lvl="1" indent="-285750" algn="l">
+              <a:buClrTx/>
+              <a:buSzTx/>
+            </a:pPr>
+            <a:r>
+              <a:rPr lang="en-US" altLang="zh-CN" sz="2000">
+                <a:sym typeface="+mn-ea"/>
+              </a:rPr>
+              <a:t>- offset // 0.0~1.0</a:t>
+            </a:r>
+            <a:endParaRPr lang="en-US" altLang="zh-CN" sz="2000"/>
+          </a:p>
+          <a:p>
+            <a:pPr marL="742950" lvl="1" indent="-285750" algn="l">
+              <a:buClrTx/>
+              <a:buSzTx/>
+            </a:pPr>
+            <a:r>
+              <a:rPr lang="en-US" altLang="zh-CN" sz="2000">
+                <a:sym typeface="+mn-ea"/>
+              </a:rPr>
+              <a:t>- repeat // Vector2, how many times to repeat</a:t>
+            </a:r>
+            <a:endParaRPr lang="en-US" altLang="zh-CN" sz="2000"/>
+          </a:p>
+          <a:p>
+            <a:pPr marL="285750" lvl="0" indent="-285750">
+              <a:buFont typeface="Arial" panose="020B0604020202020204" pitchFamily="34" charset="0"/>
+              <a:buChar char="•"/>
+            </a:pPr>
+            <a:r>
+              <a:rPr lang="en-US" altLang="zh-CN" sz="2400">
+                <a:sym typeface="+mn-ea"/>
+              </a:rPr>
+              <a:t>Methods</a:t>
+            </a:r>
+            <a:endParaRPr lang="en-US" altLang="zh-CN" sz="2400">
+              <a:sym typeface="+mn-ea"/>
+            </a:endParaRPr>
+          </a:p>
+          <a:p>
+            <a:pPr marL="742950" lvl="1" indent="-285750">
+              <a:buFont typeface="Arial" panose="020B0604020202020204" pitchFamily="34" charset="0"/>
+              <a:buChar char="•"/>
+            </a:pPr>
+            <a:r>
+              <a:rPr lang="en-US" altLang="zh-CN" sz="2000">
+                <a:sym typeface="+mn-ea"/>
+              </a:rPr>
+              <a:t>dispose()</a:t>
+            </a:r>
+            <a:endParaRPr lang="en-US" altLang="zh-CN" sz="2000"/>
+          </a:p>
+          <a:p>
+            <a:endParaRPr lang="zh-CN" altLang="en-US"/>
+          </a:p>
+        </p:txBody>
+      </p:sp>
+    </p:spTree>
+    <p:custDataLst>
+      <p:tags r:id="rId1"/>
+    </p:custDataLst>
+  </p:cSld>
+  <p:clrMapOvr>
+    <a:masterClrMapping/>
+  </p:clrMapOvr>
+</p:sld>
+</file>
+
+<file path=ppt/slides/slide13.xml><?xml version="1.0" encoding="utf-8"?>
+<p:sld xmlns:a="http://schemas.openxmlformats.org/drawingml/2006/main" xmlns:r="http://schemas.openxmlformats.org/officeDocument/2006/relationships" xmlns:p="http://schemas.openxmlformats.org/presentationml/2006/main">
+  <p:cSld>
+    <p:spTree>
+      <p:nvGrpSpPr>
+        <p:cNvPr id="1" name=""/>
+        <p:cNvGrpSpPr/>
+        <p:nvPr/>
+      </p:nvGrpSpPr>
+      <p:grpSpPr/>
+      <p:sp>
+        <p:nvSpPr>
+          <p:cNvPr id="2" name="标题 1"/>
+          <p:cNvSpPr>
+            <a:spLocks noGrp="1"/>
+          </p:cNvSpPr>
+          <p:nvPr>
+            <p:ph type="title"/>
+          </p:nvPr>
+        </p:nvSpPr>
+        <p:spPr/>
+        <p:txBody>
+          <a:bodyPr/>
+          <a:p>
+            <a:r>
+              <a:rPr lang="en-US" altLang="zh-CN"/>
+              <a:t>Coordinates</a:t>
+            </a:r>
+            <a:endParaRPr lang="en-US" altLang="zh-CN"/>
+          </a:p>
+        </p:txBody>
+      </p:sp>
+      <p:sp>
+        <p:nvSpPr>
+          <p:cNvPr id="3" name="内容占位符 2"/>
+          <p:cNvSpPr>
+            <a:spLocks noGrp="1"/>
+          </p:cNvSpPr>
+          <p:nvPr>
+            <p:ph idx="1"/>
+          </p:nvPr>
+        </p:nvSpPr>
+        <p:spPr/>
+        <p:txBody>
+          <a:bodyPr/>
+          <a:p>
+            <a:r>
+              <a:rPr lang="en-US" altLang="zh-CN"/>
+              <a:t>From screen space (normalized device coordinate) to world space</a:t>
+            </a:r>
+            <a:endParaRPr lang="en-US" altLang="zh-CN"/>
+          </a:p>
+          <a:p>
+            <a:pPr lvl="1"/>
+            <a:r>
+              <a:rPr lang="en-US" altLang="zh-CN"/>
+              <a:t>Vector3.unproject(camera)</a:t>
+            </a:r>
+            <a:endParaRPr lang="en-US" altLang="zh-CN"/>
+          </a:p>
+        </p:txBody>
+      </p:sp>
+    </p:spTree>
+    <p:custDataLst>
+      <p:tags r:id="rId1"/>
+    </p:custDataLst>
+  </p:cSld>
+  <p:clrMapOvr>
+    <a:masterClrMapping/>
+  </p:clrMapOvr>
+</p:sld>
+</file>
+
+<file path=ppt/slides/slide14.xml><?xml version="1.0" encoding="utf-8"?>
 <p:sld xmlns:a="http://schemas.openxmlformats.org/drawingml/2006/main" xmlns:r="http://schemas.openxmlformats.org/officeDocument/2006/relationships" xmlns:p="http://schemas.openxmlformats.org/presentationml/2006/main">
   <p:cSld>
     <p:spTree>
@@ -4147,7 +4996,7 @@
 </p:sld>
 </file>
 
-<file path=ppt/slides/slide12.xml><?xml version="1.0" encoding="utf-8"?>
+<file path=ppt/slides/slide15.xml><?xml version="1.0" encoding="utf-8"?>
 <p:sld xmlns:a="http://schemas.openxmlformats.org/drawingml/2006/main" xmlns:r="http://schemas.openxmlformats.org/officeDocument/2006/relationships" xmlns:p="http://schemas.openxmlformats.org/presentationml/2006/main">
   <p:cSld>
     <p:spTree>
@@ -4348,7 +5197,120 @@
 </p:sld>
 </file>
 
-<file path=ppt/slides/slide13.xml><?xml version="1.0" encoding="utf-8"?>
+<file path=ppt/slides/slide16.xml><?xml version="1.0" encoding="utf-8"?>
+<p:sld xmlns:a="http://schemas.openxmlformats.org/drawingml/2006/main" xmlns:r="http://schemas.openxmlformats.org/officeDocument/2006/relationships" xmlns:p="http://schemas.openxmlformats.org/presentationml/2006/main">
+  <p:cSld>
+    <p:spTree>
+      <p:nvGrpSpPr>
+        <p:cNvPr id="1" name=""/>
+        <p:cNvGrpSpPr/>
+        <p:nvPr/>
+      </p:nvGrpSpPr>
+      <p:grpSpPr/>
+      <p:sp>
+        <p:nvSpPr>
+          <p:cNvPr id="2" name="标题 1"/>
+          <p:cNvSpPr>
+            <a:spLocks noGrp="1"/>
+          </p:cNvSpPr>
+          <p:nvPr>
+            <p:ph type="title"/>
+          </p:nvPr>
+        </p:nvSpPr>
+        <p:spPr/>
+        <p:txBody>
+          <a:bodyPr/>
+          <a:p>
+            <a:r>
+              <a:rPr lang="en-US" altLang="zh-CN"/>
+              <a:t>Controls</a:t>
+            </a:r>
+            <a:endParaRPr lang="en-US" altLang="zh-CN"/>
+          </a:p>
+        </p:txBody>
+      </p:sp>
+      <p:sp>
+        <p:nvSpPr>
+          <p:cNvPr id="3" name="内容占位符 2"/>
+          <p:cNvSpPr>
+            <a:spLocks noGrp="1"/>
+          </p:cNvSpPr>
+          <p:nvPr>
+            <p:ph idx="1"/>
+          </p:nvPr>
+        </p:nvSpPr>
+        <p:spPr/>
+        <p:txBody>
+          <a:bodyPr/>
+          <a:p>
+            <a:r>
+              <a:rPr lang="en-US" altLang="zh-CN"/>
+              <a:t>Types</a:t>
+            </a:r>
+            <a:endParaRPr lang="en-US" altLang="zh-CN"/>
+          </a:p>
+          <a:p>
+            <a:pPr lvl="1"/>
+            <a:r>
+              <a:rPr lang="en-US" altLang="zh-CN"/>
+              <a:t>FirstPersonControls</a:t>
+            </a:r>
+            <a:endParaRPr lang="en-US" altLang="zh-CN"/>
+          </a:p>
+          <a:p>
+            <a:pPr lvl="2"/>
+            <a:r>
+              <a:rPr lang="en-US" altLang="zh-CN" sz="1800"/>
+              <a:t>keyboard to move, mouse to rotate</a:t>
+            </a:r>
+            <a:endParaRPr lang="en-US" altLang="zh-CN"/>
+          </a:p>
+          <a:p>
+            <a:pPr lvl="1"/>
+            <a:r>
+              <a:rPr lang="en-US" altLang="zh-CN"/>
+              <a:t>FlyControls</a:t>
+            </a:r>
+            <a:endParaRPr lang="en-US" altLang="zh-CN"/>
+          </a:p>
+          <a:p>
+            <a:pPr lvl="1"/>
+            <a:r>
+              <a:rPr lang="en-US" altLang="zh-CN"/>
+              <a:t>RollControls</a:t>
+            </a:r>
+            <a:endParaRPr lang="en-US" altLang="zh-CN"/>
+          </a:p>
+          <a:p>
+            <a:pPr lvl="1"/>
+            <a:r>
+              <a:rPr lang="en-US" altLang="zh-CN"/>
+              <a:t>TrackBallControls</a:t>
+            </a:r>
+            <a:endParaRPr lang="en-US" altLang="zh-CN"/>
+          </a:p>
+          <a:p>
+            <a:pPr lvl="1"/>
+            <a:r>
+              <a:rPr lang="en-US" altLang="zh-CN"/>
+              <a:t>OrbitControls</a:t>
+            </a:r>
+            <a:endParaRPr lang="en-US" altLang="zh-CN"/>
+          </a:p>
+        </p:txBody>
+      </p:sp>
+    </p:spTree>
+    <p:custDataLst>
+      <p:tags r:id="rId1"/>
+    </p:custDataLst>
+  </p:cSld>
+  <p:clrMapOvr>
+    <a:masterClrMapping/>
+  </p:clrMapOvr>
+</p:sld>
+</file>
+
+<file path=ppt/slides/slide17.xml><?xml version="1.0" encoding="utf-8"?>
 <p:sld xmlns:a="http://schemas.openxmlformats.org/drawingml/2006/main" xmlns:r="http://schemas.openxmlformats.org/officeDocument/2006/relationships" xmlns:p="http://schemas.openxmlformats.org/presentationml/2006/main">
   <p:cSld>
     <p:spTree>
@@ -4612,7 +5574,7 @@
 </p:sld>
 </file>
 
-<file path=ppt/slides/slide14.xml><?xml version="1.0" encoding="utf-8"?>
+<file path=ppt/slides/slide18.xml><?xml version="1.0" encoding="utf-8"?>
 <p:sld xmlns:a="http://schemas.openxmlformats.org/drawingml/2006/main" xmlns:r="http://schemas.openxmlformats.org/officeDocument/2006/relationships" xmlns:p="http://schemas.openxmlformats.org/presentationml/2006/main">
   <p:cSld>
     <p:spTree>
@@ -4899,7 +5861,7 @@
 </p:sld>
 </file>
 
-<file path=ppt/slides/slide15.xml><?xml version="1.0" encoding="utf-8"?>
+<file path=ppt/slides/slide19.xml><?xml version="1.0" encoding="utf-8"?>
 <p:sld xmlns:a="http://schemas.openxmlformats.org/drawingml/2006/main" xmlns:r="http://schemas.openxmlformats.org/officeDocument/2006/relationships" xmlns:p="http://schemas.openxmlformats.org/presentationml/2006/main">
   <p:cSld>
     <p:spTree>
@@ -5028,7 +5990,7 @@
 </p:sld>
 </file>
 
-<file path=ppt/slides/slide16.xml><?xml version="1.0" encoding="utf-8"?>
+<file path=ppt/slides/slide2.xml><?xml version="1.0" encoding="utf-8"?>
 <p:sld xmlns:a="http://schemas.openxmlformats.org/drawingml/2006/main" xmlns:r="http://schemas.openxmlformats.org/officeDocument/2006/relationships" xmlns:p="http://schemas.openxmlformats.org/presentationml/2006/main">
   <p:cSld>
     <p:spTree>
@@ -5054,7 +6016,7 @@
           <a:p>
             <a:r>
               <a:rPr lang="en-US" altLang="zh-CN"/>
-              <a:t>Raycaster</a:t>
+              <a:t>References</a:t>
             </a:r>
             <a:endParaRPr lang="en-US" altLang="zh-CN"/>
           </a:p>
@@ -5072,111 +6034,34 @@
         </p:nvSpPr>
         <p:spPr/>
         <p:txBody>
-          <a:bodyPr>
-            <a:normAutofit lnSpcReduction="10000"/>
-          </a:bodyPr>
-          <a:p>
-            <a:r>
-              <a:rPr lang="en-US" altLang="zh-CN"/>
-              <a:t>Code Snippets</a:t>
-            </a:r>
-            <a:endParaRPr lang="en-US" altLang="zh-CN"/>
-          </a:p>
-          <a:p>
-            <a:pPr lvl="1"/>
-            <a:r>
-              <a:rPr lang="en-US" altLang="zh-CN"/>
-              <a:t>var rc = new Three.Raycaster()</a:t>
-            </a:r>
-            <a:endParaRPr lang="en-US" altLang="zh-CN"/>
-          </a:p>
-          <a:p>
-            <a:pPr lvl="1"/>
-            <a:r>
-              <a:rPr lang="en-US" altLang="zh-CN"/>
-              <a:t>rc.setFromCamera(mousePos, camera)</a:t>
-            </a:r>
-            <a:endParaRPr lang="en-US" altLang="zh-CN"/>
-          </a:p>
-          <a:p>
-            <a:pPr lvl="1"/>
-            <a:r>
-              <a:rPr lang="en-US" altLang="zh-CN"/>
-              <a:t>intersects = rc.intersectObjects( scene.children )</a:t>
-            </a:r>
-            <a:endParaRPr lang="en-US" altLang="zh-CN"/>
-          </a:p>
-          <a:p>
-            <a:pPr lvl="1"/>
-            <a:r>
-              <a:rPr lang="en-US" altLang="zh-CN"/>
-              <a:t>rc.ray</a:t>
-            </a:r>
-            <a:endParaRPr lang="en-US" altLang="zh-CN"/>
-          </a:p>
-          <a:p>
-            <a:pPr lvl="2"/>
-            <a:r>
-              <a:rPr lang="en-US" altLang="zh-CN"/>
-              <a:t>direction</a:t>
-            </a:r>
-            <a:endParaRPr lang="en-US" altLang="zh-CN"/>
-          </a:p>
-          <a:p>
-            <a:pPr lvl="0"/>
-            <a:r>
-              <a:rPr lang="en-US" altLang="zh-CN"/>
-              <a:t>intersection</a:t>
-            </a:r>
-            <a:endParaRPr lang="en-US" altLang="zh-CN"/>
-          </a:p>
-          <a:p>
-            <a:pPr lvl="1"/>
-            <a:r>
-              <a:rPr lang="en-US" altLang="zh-CN"/>
-              <a:t>object : intersected object (THREE.Mesh)</a:t>
-            </a:r>
-            <a:endParaRPr lang="en-US" altLang="zh-CN"/>
-          </a:p>
-          <a:p>
-            <a:pPr lvl="1"/>
-            <a:r>
-              <a:rPr lang="en-US" altLang="zh-CN"/>
-              <a:t>distance : distance from camera to intersection (number)</a:t>
-            </a:r>
-            <a:endParaRPr lang="en-US" altLang="zh-CN"/>
-          </a:p>
-          <a:p>
-            <a:pPr lvl="1"/>
-            <a:r>
-              <a:rPr lang="en-US" altLang="zh-CN"/>
-              <a:t>face : intersected face (THREE.Face3)</a:t>
-            </a:r>
-            <a:endParaRPr lang="en-US" altLang="zh-CN"/>
-          </a:p>
-          <a:p>
-            <a:pPr lvl="1"/>
-            <a:r>
-              <a:rPr lang="en-US" altLang="zh-CN"/>
-              <a:t>faceIndex : intersected face index (number)</a:t>
-            </a:r>
-            <a:endParaRPr lang="en-US" altLang="zh-CN"/>
-          </a:p>
-          <a:p>
-            <a:pPr lvl="1"/>
-            <a:r>
-              <a:rPr lang="en-US" altLang="zh-CN"/>
-              <a:t>point : intersection point (THREE.Vector3)</a:t>
-            </a:r>
-            <a:endParaRPr lang="en-US" altLang="zh-CN"/>
-          </a:p>
-          <a:p>
-            <a:pPr lvl="1"/>
-            <a:r>
-              <a:rPr lang="en-US" altLang="zh-CN"/>
-              <a:t>uv : intersection point in the object's UV coordinates (THREE.Vector2)</a:t>
-            </a:r>
-            <a:endParaRPr lang="en-US" altLang="zh-CN"/>
+          <a:bodyPr/>
+          <a:p>
+            <a:r>
+              <a:rPr lang="zh-CN" altLang="en-US"/>
+              <a:t>https://riptutorial.com/three-js</a:t>
+            </a:r>
+            <a:endParaRPr lang="zh-CN" altLang="en-US"/>
+          </a:p>
+          <a:p>
+            <a:r>
+              <a:rPr lang="zh-CN" altLang="en-US"/>
+              <a:t>https://threejsfundamentals.org/threejs/lessons/threejs-textures.html</a:t>
+            </a:r>
+            <a:endParaRPr lang="zh-CN" altLang="en-US"/>
+          </a:p>
+          <a:p>
+            <a:r>
+              <a:rPr lang="zh-CN" altLang="en-US"/>
+              <a:t>https://discoverthreejs.com/tips-and-tricks/</a:t>
+            </a:r>
+            <a:endParaRPr lang="zh-CN" altLang="en-US"/>
+          </a:p>
+          <a:p>
+            <a:r>
+              <a:rPr lang="zh-CN" altLang="en-US"/>
+              <a:t>https://sbcode.net/threejs/</a:t>
+            </a:r>
+            <a:endParaRPr lang="zh-CN" altLang="en-US"/>
           </a:p>
         </p:txBody>
       </p:sp>
@@ -5191,7 +6076,170 @@
 </p:sld>
 </file>
 
-<file path=ppt/slides/slide17.xml><?xml version="1.0" encoding="utf-8"?>
+<file path=ppt/slides/slide20.xml><?xml version="1.0" encoding="utf-8"?>
+<p:sld xmlns:a="http://schemas.openxmlformats.org/drawingml/2006/main" xmlns:r="http://schemas.openxmlformats.org/officeDocument/2006/relationships" xmlns:p="http://schemas.openxmlformats.org/presentationml/2006/main">
+  <p:cSld>
+    <p:spTree>
+      <p:nvGrpSpPr>
+        <p:cNvPr id="1" name=""/>
+        <p:cNvGrpSpPr/>
+        <p:nvPr/>
+      </p:nvGrpSpPr>
+      <p:grpSpPr/>
+      <p:sp>
+        <p:nvSpPr>
+          <p:cNvPr id="2" name="标题 1"/>
+          <p:cNvSpPr>
+            <a:spLocks noGrp="1"/>
+          </p:cNvSpPr>
+          <p:nvPr>
+            <p:ph type="title"/>
+          </p:nvPr>
+        </p:nvSpPr>
+        <p:spPr/>
+        <p:txBody>
+          <a:bodyPr/>
+          <a:p>
+            <a:r>
+              <a:rPr lang="en-US" altLang="zh-CN"/>
+              <a:t>Raycaster</a:t>
+            </a:r>
+            <a:endParaRPr lang="en-US" altLang="zh-CN"/>
+          </a:p>
+        </p:txBody>
+      </p:sp>
+      <p:sp>
+        <p:nvSpPr>
+          <p:cNvPr id="3" name="内容占位符 2"/>
+          <p:cNvSpPr>
+            <a:spLocks noGrp="1"/>
+          </p:cNvSpPr>
+          <p:nvPr>
+            <p:ph idx="1"/>
+          </p:nvPr>
+        </p:nvSpPr>
+        <p:spPr/>
+        <p:txBody>
+          <a:bodyPr>
+            <a:normAutofit lnSpcReduction="10000"/>
+          </a:bodyPr>
+          <a:p>
+            <a:r>
+              <a:rPr lang="en-US" altLang="zh-CN"/>
+              <a:t>Code Snippets</a:t>
+            </a:r>
+            <a:endParaRPr lang="en-US" altLang="zh-CN"/>
+          </a:p>
+          <a:p>
+            <a:pPr lvl="1"/>
+            <a:r>
+              <a:rPr lang="en-US" altLang="zh-CN"/>
+              <a:t>var rc = new Three.Raycaster()</a:t>
+            </a:r>
+            <a:endParaRPr lang="en-US" altLang="zh-CN"/>
+          </a:p>
+          <a:p>
+            <a:pPr lvl="1"/>
+            <a:r>
+              <a:rPr lang="en-US" altLang="zh-CN"/>
+              <a:t>rc.setFromCamera(mousePos, camera)</a:t>
+            </a:r>
+            <a:endParaRPr lang="en-US" altLang="zh-CN"/>
+          </a:p>
+          <a:p>
+            <a:pPr lvl="1"/>
+            <a:r>
+              <a:rPr lang="en-US" altLang="zh-CN"/>
+              <a:t>intersects = rc.intersectObjects( scene.children )</a:t>
+            </a:r>
+            <a:endParaRPr lang="en-US" altLang="zh-CN"/>
+          </a:p>
+          <a:p>
+            <a:pPr lvl="1"/>
+            <a:r>
+              <a:rPr lang="en-US" altLang="zh-CN"/>
+              <a:t>rc.ray</a:t>
+            </a:r>
+            <a:endParaRPr lang="en-US" altLang="zh-CN"/>
+          </a:p>
+          <a:p>
+            <a:pPr lvl="2"/>
+            <a:r>
+              <a:rPr lang="en-US" altLang="zh-CN"/>
+              <a:t>direction</a:t>
+            </a:r>
+            <a:endParaRPr lang="en-US" altLang="zh-CN"/>
+          </a:p>
+          <a:p>
+            <a:pPr lvl="0"/>
+            <a:r>
+              <a:rPr lang="en-US" altLang="zh-CN"/>
+              <a:t>intersection</a:t>
+            </a:r>
+            <a:endParaRPr lang="en-US" altLang="zh-CN"/>
+          </a:p>
+          <a:p>
+            <a:pPr lvl="1"/>
+            <a:r>
+              <a:rPr lang="en-US" altLang="zh-CN"/>
+              <a:t>object : intersected object (THREE.Mesh)</a:t>
+            </a:r>
+            <a:endParaRPr lang="en-US" altLang="zh-CN"/>
+          </a:p>
+          <a:p>
+            <a:pPr lvl="1"/>
+            <a:r>
+              <a:rPr lang="en-US" altLang="zh-CN"/>
+              <a:t>distance : distance from camera to intersection (number)</a:t>
+            </a:r>
+            <a:endParaRPr lang="en-US" altLang="zh-CN"/>
+          </a:p>
+          <a:p>
+            <a:pPr lvl="1"/>
+            <a:r>
+              <a:rPr lang="en-US" altLang="zh-CN"/>
+              <a:t>face : intersected face (THREE.Face3)</a:t>
+            </a:r>
+            <a:endParaRPr lang="en-US" altLang="zh-CN"/>
+          </a:p>
+          <a:p>
+            <a:pPr lvl="1"/>
+            <a:r>
+              <a:rPr lang="en-US" altLang="zh-CN"/>
+              <a:t>faceIndex : intersected face index (number)</a:t>
+            </a:r>
+            <a:endParaRPr lang="en-US" altLang="zh-CN"/>
+          </a:p>
+          <a:p>
+            <a:pPr lvl="1"/>
+            <a:r>
+              <a:rPr lang="en-US" altLang="zh-CN"/>
+              <a:t>point : intersection point (THREE.Vector3)</a:t>
+            </a:r>
+            <a:endParaRPr lang="en-US" altLang="zh-CN"/>
+          </a:p>
+          <a:p>
+            <a:pPr lvl="1"/>
+            <a:r>
+              <a:rPr lang="en-US" altLang="zh-CN"/>
+              <a:t>uv : intersection point in the object's UV coordinates (THREE.Vector2)</a:t>
+            </a:r>
+            <a:endParaRPr lang="en-US" altLang="zh-CN"/>
+          </a:p>
+        </p:txBody>
+      </p:sp>
+    </p:spTree>
+    <p:custDataLst>
+      <p:tags r:id="rId1"/>
+    </p:custDataLst>
+  </p:cSld>
+  <p:clrMapOvr>
+    <a:masterClrMapping/>
+  </p:clrMapOvr>
+</p:sld>
+</file>
+
+<file path=ppt/slides/slide21.xml><?xml version="1.0" encoding="utf-8"?>
 <p:sld xmlns:a="http://schemas.openxmlformats.org/drawingml/2006/main" xmlns:r="http://schemas.openxmlformats.org/officeDocument/2006/relationships" xmlns:p="http://schemas.openxmlformats.org/presentationml/2006/main">
   <p:cSld>
     <p:spTree>
@@ -5299,7 +6347,7 @@
 </p:sld>
 </file>
 
-<file path=ppt/slides/slide18.xml><?xml version="1.0" encoding="utf-8"?>
+<file path=ppt/slides/slide22.xml><?xml version="1.0" encoding="utf-8"?>
 <p:sld xmlns:a="http://schemas.openxmlformats.org/drawingml/2006/main" xmlns:r="http://schemas.openxmlformats.org/officeDocument/2006/relationships" xmlns:p="http://schemas.openxmlformats.org/presentationml/2006/main">
   <p:cSld>
     <p:spTree>
@@ -5403,7 +6451,7 @@
 </p:sld>
 </file>
 
-<file path=ppt/slides/slide19.xml><?xml version="1.0" encoding="utf-8"?>
+<file path=ppt/slides/slide23.xml><?xml version="1.0" encoding="utf-8"?>
 <p:sld xmlns:a="http://schemas.openxmlformats.org/drawingml/2006/main" xmlns:r="http://schemas.openxmlformats.org/officeDocument/2006/relationships" xmlns:p="http://schemas.openxmlformats.org/presentationml/2006/main">
   <p:cSld>
     <p:spTree>
@@ -5462,92 +6510,6 @@
               <a:t>https://developer.mozilla.org/en-US/docs/Web/API/WebGL_API/WebGL_best_practices</a:t>
             </a:r>
             <a:endParaRPr lang="en-US" altLang="zh-CN"/>
-          </a:p>
-        </p:txBody>
-      </p:sp>
-    </p:spTree>
-    <p:custDataLst>
-      <p:tags r:id="rId1"/>
-    </p:custDataLst>
-  </p:cSld>
-  <p:clrMapOvr>
-    <a:masterClrMapping/>
-  </p:clrMapOvr>
-</p:sld>
-</file>
-
-<file path=ppt/slides/slide2.xml><?xml version="1.0" encoding="utf-8"?>
-<p:sld xmlns:a="http://schemas.openxmlformats.org/drawingml/2006/main" xmlns:r="http://schemas.openxmlformats.org/officeDocument/2006/relationships" xmlns:p="http://schemas.openxmlformats.org/presentationml/2006/main">
-  <p:cSld>
-    <p:spTree>
-      <p:nvGrpSpPr>
-        <p:cNvPr id="1" name=""/>
-        <p:cNvGrpSpPr/>
-        <p:nvPr/>
-      </p:nvGrpSpPr>
-      <p:grpSpPr/>
-      <p:sp>
-        <p:nvSpPr>
-          <p:cNvPr id="2" name="标题 1"/>
-          <p:cNvSpPr>
-            <a:spLocks noGrp="1"/>
-          </p:cNvSpPr>
-          <p:nvPr>
-            <p:ph type="title"/>
-          </p:nvPr>
-        </p:nvSpPr>
-        <p:spPr/>
-        <p:txBody>
-          <a:bodyPr/>
-          <a:p>
-            <a:r>
-              <a:rPr lang="en-US" altLang="zh-CN"/>
-              <a:t>References</a:t>
-            </a:r>
-            <a:endParaRPr lang="en-US" altLang="zh-CN"/>
-          </a:p>
-        </p:txBody>
-      </p:sp>
-      <p:sp>
-        <p:nvSpPr>
-          <p:cNvPr id="3" name="内容占位符 2"/>
-          <p:cNvSpPr>
-            <a:spLocks noGrp="1"/>
-          </p:cNvSpPr>
-          <p:nvPr>
-            <p:ph idx="1"/>
-          </p:nvPr>
-        </p:nvSpPr>
-        <p:spPr/>
-        <p:txBody>
-          <a:bodyPr/>
-          <a:p>
-            <a:r>
-              <a:rPr lang="zh-CN" altLang="en-US"/>
-              <a:t>https://riptutorial.com/three-js</a:t>
-            </a:r>
-            <a:endParaRPr lang="zh-CN" altLang="en-US"/>
-          </a:p>
-          <a:p>
-            <a:r>
-              <a:rPr lang="zh-CN" altLang="en-US"/>
-              <a:t>https://threejsfundamentals.org/threejs/lessons/threejs-textures.html</a:t>
-            </a:r>
-            <a:endParaRPr lang="zh-CN" altLang="en-US"/>
-          </a:p>
-          <a:p>
-            <a:r>
-              <a:rPr lang="zh-CN" altLang="en-US"/>
-              <a:t>https://discoverthreejs.com/tips-and-tricks/</a:t>
-            </a:r>
-            <a:endParaRPr lang="zh-CN" altLang="en-US"/>
-          </a:p>
-          <a:p>
-            <a:r>
-              <a:rPr lang="zh-CN" altLang="en-US"/>
-              <a:t>https://sbcode.net/threejs/</a:t>
-            </a:r>
-            <a:endParaRPr lang="zh-CN" altLang="en-US"/>
           </a:p>
         </p:txBody>
       </p:sp>
@@ -5657,34 +6619,7 @@
           <a:p>
             <a:r>
               <a:rPr lang="en-US" altLang="zh-CN"/>
-              <a:t>Scene</a:t>
-            </a:r>
-            <a:endParaRPr lang="en-US" altLang="zh-CN"/>
-          </a:p>
-        </p:txBody>
-      </p:sp>
-      <p:sp>
-        <p:nvSpPr>
-          <p:cNvPr id="3" name="内容占位符 2"/>
-          <p:cNvSpPr>
-            <a:spLocks noGrp="1"/>
-          </p:cNvSpPr>
-          <p:nvPr>
-            <p:ph idx="1"/>
-          </p:nvPr>
-        </p:nvSpPr>
-        <p:spPr>
-          <a:xfrm>
-            <a:off x="838200" y="1211580"/>
-            <a:ext cx="5162550" cy="4549140"/>
-          </a:xfrm>
-        </p:spPr>
-        <p:txBody>
-          <a:bodyPr/>
-          <a:p>
-            <a:r>
-              <a:rPr lang="en-US" altLang="zh-CN"/>
-              <a:t>Scene</a:t>
+              <a:t>Basic Demo</a:t>
             </a:r>
             <a:endParaRPr lang="en-US" altLang="zh-CN"/>
           </a:p>
@@ -5698,18 +6633,13 @@
         </p:nvSpPr>
         <p:spPr>
           <a:xfrm>
-            <a:off x="8114030" y="1134745"/>
-            <a:ext cx="3061335" cy="3969385"/>
+            <a:off x="691515" y="1299210"/>
+            <a:ext cx="5071110" cy="4707890"/>
           </a:xfrm>
           <a:prstGeom prst="rect">
             <a:avLst/>
           </a:prstGeom>
           <a:noFill/>
-          <a:ln>
-            <a:solidFill>
-              <a:srgbClr val="C00000"/>
-            </a:solidFill>
-          </a:ln>
         </p:spPr>
         <p:txBody>
           <a:bodyPr wrap="square" rtlCol="0">
@@ -5717,97 +6647,457 @@
           </a:bodyPr>
           <a:p>
             <a:r>
-              <a:rPr lang="en-US" altLang="zh-CN"/>
-              <a:t>- autoUpdate // default true</a:t>
-            </a:r>
-            <a:endParaRPr lang="en-US" altLang="zh-CN"/>
-          </a:p>
-          <a:p>
-            <a:r>
-              <a:rPr lang="en-US" altLang="zh-CN"/>
-              <a:t>- background</a:t>
-            </a:r>
-            <a:endParaRPr lang="en-US" altLang="zh-CN"/>
-          </a:p>
-          <a:p>
-            <a:r>
-              <a:rPr lang="en-US" altLang="zh-CN"/>
-              <a:t>- environment</a:t>
-            </a:r>
-            <a:endParaRPr lang="en-US" altLang="zh-CN"/>
-          </a:p>
-          <a:p>
-            <a:r>
-              <a:rPr lang="en-US" altLang="zh-CN"/>
-              <a:t>- fog</a:t>
-            </a:r>
-            <a:endParaRPr lang="en-US" altLang="zh-CN"/>
-          </a:p>
-          <a:p>
-            <a:endParaRPr lang="en-US" altLang="zh-CN"/>
-          </a:p>
-          <a:p>
-            <a:r>
-              <a:rPr lang="en-US" altLang="zh-CN"/>
-              <a:t>- clear()</a:t>
-            </a:r>
-            <a:endParaRPr lang="en-US" altLang="zh-CN"/>
-          </a:p>
-          <a:p>
-            <a:r>
-              <a:rPr lang="en-US" altLang="zh-CN"/>
-              <a:t>- getCurrentViewport()</a:t>
-            </a:r>
-            <a:endParaRPr lang="en-US" altLang="zh-CN"/>
-          </a:p>
-          <a:p>
-            <a:r>
-              <a:rPr lang="en-US" altLang="zh-CN"/>
-              <a:t>- getSize()</a:t>
-            </a:r>
-            <a:endParaRPr lang="en-US" altLang="zh-CN"/>
-          </a:p>
-          <a:p>
-            <a:r>
-              <a:rPr lang="en-US" altLang="zh-CN"/>
-              <a:t>- getViewport()</a:t>
-            </a:r>
-            <a:endParaRPr lang="en-US" altLang="zh-CN"/>
-          </a:p>
-          <a:p>
-            <a:r>
-              <a:rPr lang="en-US" altLang="zh-CN"/>
-              <a:t>- render()</a:t>
-            </a:r>
-            <a:endParaRPr lang="en-US" altLang="zh-CN"/>
-          </a:p>
-          <a:p>
-            <a:r>
-              <a:rPr lang="en-US" altLang="zh-CN"/>
-              <a:t>- setPixelRatio()</a:t>
-            </a:r>
-            <a:endParaRPr lang="en-US" altLang="zh-CN"/>
-          </a:p>
-          <a:p>
-            <a:r>
-              <a:rPr lang="en-US" altLang="zh-CN"/>
-              <a:t>- setScissor()</a:t>
-            </a:r>
-            <a:endParaRPr lang="en-US" altLang="zh-CN"/>
-          </a:p>
-          <a:p>
-            <a:r>
-              <a:rPr lang="en-US" altLang="zh-CN"/>
-              <a:t>- setScissorTest()</a:t>
-            </a:r>
-            <a:endParaRPr lang="en-US" altLang="zh-CN"/>
-          </a:p>
-          <a:p>
-            <a:r>
-              <a:rPr lang="en-US" altLang="zh-CN"/>
-              <a:t>- setSize()</a:t>
-            </a:r>
-            <a:endParaRPr lang="en-US" altLang="zh-CN"/>
+              <a:rPr lang="zh-CN" altLang="en-US" sz="1200"/>
+              <a:t>&lt;!DOCTYPE html&gt;</a:t>
+            </a:r>
+            <a:endParaRPr lang="zh-CN" altLang="en-US" sz="1200"/>
+          </a:p>
+          <a:p>
+            <a:r>
+              <a:rPr lang="zh-CN" altLang="en-US" sz="1200"/>
+              <a:t>&lt;html lang="en"&gt;</a:t>
+            </a:r>
+            <a:endParaRPr lang="zh-CN" altLang="en-US" sz="1200"/>
+          </a:p>
+          <a:p>
+            <a:r>
+              <a:rPr lang="zh-CN" altLang="en-US" sz="1200"/>
+              <a:t>&lt;head&gt;</a:t>
+            </a:r>
+            <a:endParaRPr lang="zh-CN" altLang="en-US" sz="1200"/>
+          </a:p>
+          <a:p>
+            <a:r>
+              <a:rPr lang="zh-CN" altLang="en-US" sz="1200"/>
+              <a:t>  &lt;meta charset="UTF-8"&gt;</a:t>
+            </a:r>
+            <a:endParaRPr lang="zh-CN" altLang="en-US" sz="1200"/>
+          </a:p>
+          <a:p>
+            <a:r>
+              <a:rPr lang="zh-CN" altLang="en-US" sz="1200"/>
+              <a:t>  &lt;meta http-equiv="X-UA-Compatible" content="IE=edge"&gt;</a:t>
+            </a:r>
+            <a:endParaRPr lang="zh-CN" altLang="en-US" sz="1200"/>
+          </a:p>
+          <a:p>
+            <a:r>
+              <a:rPr lang="zh-CN" altLang="en-US" sz="1200"/>
+              <a:t>  &lt;meta name="viewport" content="width=device-width, initial-scale=1.0"&gt;</a:t>
+            </a:r>
+            <a:endParaRPr lang="zh-CN" altLang="en-US" sz="1200"/>
+          </a:p>
+          <a:p>
+            <a:r>
+              <a:rPr lang="zh-CN" altLang="en-US" sz="1200"/>
+              <a:t>  &lt;title&gt;room&lt;/title&gt;</a:t>
+            </a:r>
+            <a:endParaRPr lang="zh-CN" altLang="en-US" sz="1200"/>
+          </a:p>
+          <a:p>
+            <a:r>
+              <a:rPr lang="zh-CN" altLang="en-US" sz="1200"/>
+              <a:t>&lt;/head&gt;</a:t>
+            </a:r>
+            <a:endParaRPr lang="zh-CN" altLang="en-US" sz="1200"/>
+          </a:p>
+          <a:p>
+            <a:r>
+              <a:rPr lang="zh-CN" altLang="en-US" sz="1200"/>
+              <a:t>&lt;body&gt;</a:t>
+            </a:r>
+            <a:endParaRPr lang="zh-CN" altLang="en-US" sz="1200"/>
+          </a:p>
+          <a:p>
+            <a:r>
+              <a:rPr lang="zh-CN" altLang="en-US" sz="1200"/>
+              <a:t>  &lt;div id="webgl-output"&gt;&lt;/div&gt;</a:t>
+            </a:r>
+            <a:endParaRPr lang="zh-CN" altLang="en-US" sz="1200"/>
+          </a:p>
+          <a:p>
+            <a:r>
+              <a:rPr lang="zh-CN" altLang="en-US" sz="1200"/>
+              <a:t>  &lt;script src="https://unpkg.com/three@0.119.0/build/three.js"&gt;&lt;/script&gt;</a:t>
+            </a:r>
+            <a:endParaRPr lang="zh-CN" altLang="en-US" sz="1200"/>
+          </a:p>
+          <a:p>
+            <a:r>
+              <a:rPr lang="zh-CN" altLang="en-US" sz="1200"/>
+              <a:t>  &lt;script&gt;</a:t>
+            </a:r>
+            <a:endParaRPr lang="zh-CN" altLang="en-US" sz="1200"/>
+          </a:p>
+          <a:p>
+            <a:r>
+              <a:rPr lang="zh-CN" altLang="en-US" sz="1200"/>
+              <a:t>    function init () {</a:t>
+            </a:r>
+            <a:endParaRPr lang="zh-CN" altLang="en-US" sz="1200"/>
+          </a:p>
+          <a:p>
+            <a:r>
+              <a:rPr lang="zh-CN" altLang="en-US" sz="1200"/>
+              <a:t>      const </a:t>
+            </a:r>
+            <a:r>
+              <a:rPr lang="zh-CN" altLang="en-US" sz="1200">
+                <a:solidFill>
+                  <a:schemeClr val="tx1"/>
+                </a:solidFill>
+              </a:rPr>
+              <a:t>scene </a:t>
+            </a:r>
+            <a:r>
+              <a:rPr lang="zh-CN" altLang="en-US" sz="1200"/>
+              <a:t>= new THREE.</a:t>
+            </a:r>
+            <a:r>
+              <a:rPr lang="zh-CN" altLang="en-US" sz="1200">
+                <a:solidFill>
+                  <a:srgbClr val="FF0000"/>
+                </a:solidFill>
+              </a:rPr>
+              <a:t>Scene</a:t>
+            </a:r>
+            <a:r>
+              <a:rPr lang="zh-CN" altLang="en-US" sz="1200"/>
+              <a:t>()</a:t>
+            </a:r>
+            <a:endParaRPr lang="zh-CN" altLang="en-US" sz="1200"/>
+          </a:p>
+          <a:p>
+            <a:endParaRPr lang="zh-CN" altLang="en-US" sz="1200"/>
+          </a:p>
+          <a:p>
+            <a:r>
+              <a:rPr lang="zh-CN" altLang="en-US" sz="1200"/>
+              <a:t>      const </a:t>
+            </a:r>
+            <a:r>
+              <a:rPr lang="zh-CN" altLang="en-US" sz="1200">
+                <a:solidFill>
+                  <a:schemeClr val="tx1"/>
+                </a:solidFill>
+              </a:rPr>
+              <a:t>camera </a:t>
+            </a:r>
+            <a:r>
+              <a:rPr lang="zh-CN" altLang="en-US" sz="1200"/>
+              <a:t>= new THREE.</a:t>
+            </a:r>
+            <a:r>
+              <a:rPr lang="zh-CN" altLang="en-US" sz="1200">
+                <a:solidFill>
+                  <a:srgbClr val="FF0000"/>
+                </a:solidFill>
+              </a:rPr>
+              <a:t>PerspectiveCamera</a:t>
+            </a:r>
+            <a:r>
+              <a:rPr lang="zh-CN" altLang="en-US" sz="1200"/>
+              <a:t>(45,</a:t>
+            </a:r>
+            <a:endParaRPr lang="zh-CN" altLang="en-US" sz="1200"/>
+          </a:p>
+          <a:p>
+            <a:r>
+              <a:rPr lang="zh-CN" altLang="en-US" sz="1200"/>
+              <a:t>        window.innerWidth / window.innerHeight,</a:t>
+            </a:r>
+            <a:endParaRPr lang="zh-CN" altLang="en-US" sz="1200"/>
+          </a:p>
+          <a:p>
+            <a:r>
+              <a:rPr lang="zh-CN" altLang="en-US" sz="1200"/>
+              <a:t>        0.1,</a:t>
+            </a:r>
+            <a:endParaRPr lang="zh-CN" altLang="en-US" sz="1200"/>
+          </a:p>
+          <a:p>
+            <a:r>
+              <a:rPr lang="zh-CN" altLang="en-US" sz="1200"/>
+              <a:t>        1000</a:t>
+            </a:r>
+            <a:endParaRPr lang="zh-CN" altLang="en-US" sz="1200"/>
+          </a:p>
+          <a:p>
+            <a:r>
+              <a:rPr lang="zh-CN" altLang="en-US" sz="1200"/>
+              <a:t>      )</a:t>
+            </a:r>
+            <a:endParaRPr lang="zh-CN" altLang="en-US" sz="1200"/>
+          </a:p>
+          <a:p>
+            <a:r>
+              <a:rPr lang="zh-CN" altLang="en-US" sz="1200"/>
+              <a:t>      camera.position.set(-30, 40, 30)</a:t>
+            </a:r>
+            <a:endParaRPr lang="zh-CN" altLang="en-US" sz="1200"/>
+          </a:p>
+          <a:p>
+            <a:r>
+              <a:rPr lang="zh-CN" altLang="en-US" sz="1200"/>
+              <a:t>      camera.lookAt(0,0,0)</a:t>
+            </a:r>
+            <a:endParaRPr lang="zh-CN" altLang="en-US" sz="1200"/>
+          </a:p>
+          <a:p>
+            <a:r>
+              <a:rPr lang="zh-CN" altLang="en-US" sz="1200"/>
+              <a:t>      scene.add(camera)</a:t>
+            </a:r>
+            <a:endParaRPr lang="zh-CN" altLang="en-US" sz="1200"/>
+          </a:p>
+          <a:p>
+            <a:endParaRPr lang="zh-CN" altLang="en-US" sz="1200"/>
+          </a:p>
+        </p:txBody>
+      </p:sp>
+      <p:sp>
+        <p:nvSpPr>
+          <p:cNvPr id="5" name="文本框 4"/>
+          <p:cNvSpPr txBox="1"/>
+          <p:nvPr/>
+        </p:nvSpPr>
+        <p:spPr>
+          <a:xfrm>
+            <a:off x="6282690" y="1324610"/>
+            <a:ext cx="5071110" cy="4892675"/>
+          </a:xfrm>
+          <a:prstGeom prst="rect">
+            <a:avLst/>
+          </a:prstGeom>
+          <a:noFill/>
+        </p:spPr>
+        <p:txBody>
+          <a:bodyPr wrap="square" rtlCol="0">
+            <a:spAutoFit/>
+          </a:bodyPr>
+          <a:p>
+            <a:r>
+              <a:rPr lang="en-US" altLang="zh-CN" sz="1200">
+                <a:sym typeface="+mn-ea"/>
+              </a:rPr>
+              <a:t> </a:t>
+            </a:r>
+            <a:r>
+              <a:rPr lang="zh-CN" altLang="en-US" sz="1200">
+                <a:sym typeface="+mn-ea"/>
+              </a:rPr>
+              <a:t>     const planeGeometry = new THREE.PlaneGeometry(60,20)</a:t>
+            </a:r>
+            <a:endParaRPr lang="zh-CN" altLang="en-US" sz="1200"/>
+          </a:p>
+          <a:p>
+            <a:r>
+              <a:rPr lang="zh-CN" altLang="en-US" sz="1200">
+                <a:sym typeface="+mn-ea"/>
+              </a:rPr>
+              <a:t>      const planeMaterial = new THREE.MeshLambertMaterial({</a:t>
+            </a:r>
+            <a:endParaRPr lang="zh-CN" altLang="en-US" sz="1200"/>
+          </a:p>
+          <a:p>
+            <a:r>
+              <a:rPr lang="zh-CN" altLang="en-US" sz="1200">
+                <a:sym typeface="+mn-ea"/>
+              </a:rPr>
+              <a:t>        color: 0xAAAAAA</a:t>
+            </a:r>
+            <a:endParaRPr lang="zh-CN" altLang="en-US" sz="1200"/>
+          </a:p>
+          <a:p>
+            <a:r>
+              <a:rPr lang="zh-CN" altLang="en-US" sz="1200">
+                <a:sym typeface="+mn-ea"/>
+              </a:rPr>
+              <a:t>      })</a:t>
+            </a:r>
+            <a:endParaRPr lang="zh-CN" altLang="en-US" sz="1200"/>
+          </a:p>
+          <a:p>
+            <a:r>
+              <a:rPr lang="zh-CN" altLang="en-US" sz="1200">
+                <a:sym typeface="+mn-ea"/>
+              </a:rPr>
+              <a:t>      const plane = new THREE.</a:t>
+            </a:r>
+            <a:r>
+              <a:rPr lang="zh-CN" altLang="en-US" sz="1200">
+                <a:solidFill>
+                  <a:srgbClr val="FF0000"/>
+                </a:solidFill>
+                <a:sym typeface="+mn-ea"/>
+              </a:rPr>
+              <a:t>Mesh</a:t>
+            </a:r>
+            <a:r>
+              <a:rPr lang="zh-CN" altLang="en-US" sz="1200">
+                <a:sym typeface="+mn-ea"/>
+              </a:rPr>
+              <a:t>(planeGeometry, planeMaterial)</a:t>
+            </a:r>
+            <a:endParaRPr lang="zh-CN" altLang="en-US" sz="1200"/>
+          </a:p>
+          <a:p>
+            <a:r>
+              <a:rPr lang="zh-CN" altLang="en-US" sz="1200">
+                <a:sym typeface="+mn-ea"/>
+              </a:rPr>
+              <a:t>      plane.rotation.x = -Math.PI / 2</a:t>
+            </a:r>
+            <a:endParaRPr lang="zh-CN" altLang="en-US" sz="1200"/>
+          </a:p>
+          <a:p>
+            <a:r>
+              <a:rPr lang="zh-CN" altLang="en-US" sz="1200">
+                <a:sym typeface="+mn-ea"/>
+              </a:rPr>
+              <a:t>      plane.position.set(15, 0, 0)</a:t>
+            </a:r>
+            <a:endParaRPr lang="zh-CN" altLang="en-US" sz="1200"/>
+          </a:p>
+          <a:p>
+            <a:r>
+              <a:rPr lang="zh-CN" altLang="en-US" sz="1200">
+                <a:sym typeface="+mn-ea"/>
+              </a:rPr>
+              <a:t>      scene.add(plane)</a:t>
+            </a:r>
+            <a:endParaRPr lang="zh-CN" altLang="en-US" sz="1200"/>
+          </a:p>
+          <a:p>
+            <a:endParaRPr lang="zh-CN" altLang="en-US" sz="1200"/>
+          </a:p>
+          <a:p>
+            <a:r>
+              <a:rPr lang="en-US" altLang="zh-CN" sz="1200"/>
+              <a:t>      </a:t>
+            </a:r>
+            <a:r>
+              <a:rPr lang="zh-CN" altLang="en-US" sz="1200"/>
+              <a:t>const spotLight = new THREE.</a:t>
+            </a:r>
+            <a:r>
+              <a:rPr lang="zh-CN" altLang="en-US" sz="1200">
+                <a:solidFill>
+                  <a:srgbClr val="FF0000"/>
+                </a:solidFill>
+              </a:rPr>
+              <a:t>SpotLight</a:t>
+            </a:r>
+            <a:r>
+              <a:rPr lang="zh-CN" altLang="en-US" sz="1200"/>
+              <a:t>(0xffffff)</a:t>
+            </a:r>
+            <a:endParaRPr lang="zh-CN" altLang="en-US" sz="1200"/>
+          </a:p>
+          <a:p>
+            <a:r>
+              <a:rPr lang="zh-CN" altLang="en-US" sz="1200"/>
+              <a:t>      spotLight.position.set(-20, 30, -15)</a:t>
+            </a:r>
+            <a:endParaRPr lang="zh-CN" altLang="en-US" sz="1200"/>
+          </a:p>
+          <a:p>
+            <a:r>
+              <a:rPr lang="zh-CN" altLang="en-US" sz="1200"/>
+              <a:t>      scene.add(spotLight)</a:t>
+            </a:r>
+            <a:endParaRPr lang="zh-CN" altLang="en-US" sz="1200"/>
+          </a:p>
+          <a:p>
+            <a:endParaRPr lang="zh-CN" altLang="en-US" sz="1200"/>
+          </a:p>
+          <a:p>
+            <a:r>
+              <a:rPr lang="zh-CN" altLang="en-US" sz="1200"/>
+              <a:t>      const renderer = new THREE.</a:t>
+            </a:r>
+            <a:r>
+              <a:rPr lang="zh-CN" altLang="en-US" sz="1200">
+                <a:solidFill>
+                  <a:srgbClr val="FF0000"/>
+                </a:solidFill>
+              </a:rPr>
+              <a:t>WebGLRenderer</a:t>
+            </a:r>
+            <a:r>
+              <a:rPr lang="zh-CN" altLang="en-US" sz="1200"/>
+              <a:t>()</a:t>
+            </a:r>
+            <a:endParaRPr lang="zh-CN" altLang="en-US" sz="1200"/>
+          </a:p>
+          <a:p>
+            <a:r>
+              <a:rPr lang="zh-CN" altLang="en-US" sz="1200"/>
+              <a:t>      renderer.setClearColor(new THREE.Color(0x000000))</a:t>
+            </a:r>
+            <a:endParaRPr lang="zh-CN" altLang="en-US" sz="1200"/>
+          </a:p>
+          <a:p>
+            <a:r>
+              <a:rPr lang="zh-CN" altLang="en-US" sz="1200"/>
+              <a:t>      renderer.setSize(window.innerWidth, window.innerHeight)</a:t>
+            </a:r>
+            <a:endParaRPr lang="zh-CN" altLang="en-US" sz="1200"/>
+          </a:p>
+          <a:p>
+            <a:r>
+              <a:rPr lang="zh-CN" altLang="en-US" sz="1200"/>
+              <a:t>      document.getElementById('webgl-output').appendChild(renderer.domElement)</a:t>
+            </a:r>
+            <a:endParaRPr lang="zh-CN" altLang="en-US" sz="1200"/>
+          </a:p>
+          <a:p>
+            <a:endParaRPr lang="zh-CN" altLang="en-US" sz="1200"/>
+          </a:p>
+          <a:p>
+            <a:r>
+              <a:rPr lang="zh-CN" altLang="en-US" sz="1200"/>
+              <a:t>      renderer.render(scene, camera)</a:t>
+            </a:r>
+            <a:endParaRPr lang="zh-CN" altLang="en-US" sz="1200"/>
+          </a:p>
+          <a:p>
+            <a:r>
+              <a:rPr lang="zh-CN" altLang="en-US" sz="1200"/>
+              <a:t>    }</a:t>
+            </a:r>
+            <a:endParaRPr lang="zh-CN" altLang="en-US" sz="1200"/>
+          </a:p>
+          <a:p>
+            <a:endParaRPr lang="zh-CN" altLang="en-US" sz="1200"/>
+          </a:p>
+          <a:p>
+            <a:r>
+              <a:rPr lang="zh-CN" altLang="en-US" sz="1200"/>
+              <a:t>    init()</a:t>
+            </a:r>
+            <a:endParaRPr lang="zh-CN" altLang="en-US" sz="1200"/>
+          </a:p>
+          <a:p>
+            <a:r>
+              <a:rPr lang="zh-CN" altLang="en-US" sz="1200"/>
+              <a:t>&lt;/script&gt;</a:t>
+            </a:r>
+            <a:endParaRPr lang="zh-CN" altLang="en-US" sz="1200"/>
+          </a:p>
+          <a:p>
+            <a:r>
+              <a:rPr lang="zh-CN" altLang="en-US" sz="1200"/>
+              <a:t>&lt;/body&gt;</a:t>
+            </a:r>
+            <a:endParaRPr lang="zh-CN" altLang="en-US" sz="1200"/>
+          </a:p>
+          <a:p>
+            <a:r>
+              <a:rPr lang="zh-CN" altLang="en-US" sz="1200"/>
+              <a:t>&lt;/html&gt;</a:t>
+            </a:r>
+            <a:endParaRPr lang="zh-CN" altLang="en-US" sz="1200"/>
           </a:p>
         </p:txBody>
       </p:sp>
@@ -5848,7 +7138,34 @@
           <a:p>
             <a:r>
               <a:rPr lang="en-US" altLang="zh-CN"/>
-              <a:t>WebGLRenderer</a:t>
+              <a:t>Scene</a:t>
+            </a:r>
+            <a:endParaRPr lang="en-US" altLang="zh-CN"/>
+          </a:p>
+        </p:txBody>
+      </p:sp>
+      <p:sp>
+        <p:nvSpPr>
+          <p:cNvPr id="3" name="内容占位符 2"/>
+          <p:cNvSpPr>
+            <a:spLocks noGrp="1"/>
+          </p:cNvSpPr>
+          <p:nvPr>
+            <p:ph idx="1"/>
+          </p:nvPr>
+        </p:nvSpPr>
+        <p:spPr>
+          <a:xfrm>
+            <a:off x="838200" y="1211580"/>
+            <a:ext cx="5162550" cy="4549140"/>
+          </a:xfrm>
+        </p:spPr>
+        <p:txBody>
+          <a:bodyPr/>
+          <a:p>
+            <a:r>
+              <a:rPr lang="en-US" altLang="zh-CN"/>
+              <a:t>Scene</a:t>
             </a:r>
             <a:endParaRPr lang="en-US" altLang="zh-CN"/>
           </a:p>
@@ -5862,8 +7179,8 @@
         </p:nvSpPr>
         <p:spPr>
           <a:xfrm>
-            <a:off x="1307465" y="1675765"/>
-            <a:ext cx="2778760" cy="4246245"/>
+            <a:off x="8114030" y="1134745"/>
+            <a:ext cx="3061335" cy="3969385"/>
           </a:xfrm>
           <a:prstGeom prst="rect">
             <a:avLst/>
@@ -5882,28 +7199,28 @@
           <a:p>
             <a:r>
               <a:rPr lang="en-US" altLang="zh-CN"/>
-              <a:t>- alpha (default: false)</a:t>
-            </a:r>
-            <a:endParaRPr lang="en-US" altLang="zh-CN"/>
-          </a:p>
-          <a:p>
-            <a:r>
-              <a:rPr lang="en-US" altLang="zh-CN"/>
-              <a:t>- antialias (default: false)</a:t>
-            </a:r>
-            <a:endParaRPr lang="en-US" altLang="zh-CN"/>
-          </a:p>
-          <a:p>
-            <a:r>
-              <a:rPr lang="en-US" altLang="zh-CN"/>
-              <a:t>- autoClear</a:t>
-            </a:r>
-            <a:endParaRPr lang="en-US" altLang="zh-CN"/>
-          </a:p>
-          <a:p>
-            <a:r>
-              <a:rPr lang="en-US" altLang="zh-CN"/>
-              <a:t>- domElement</a:t>
+              <a:t>- autoUpdate // default true</a:t>
+            </a:r>
+            <a:endParaRPr lang="en-US" altLang="zh-CN"/>
+          </a:p>
+          <a:p>
+            <a:r>
+              <a:rPr lang="en-US" altLang="zh-CN"/>
+              <a:t>- background</a:t>
+            </a:r>
+            <a:endParaRPr lang="en-US" altLang="zh-CN"/>
+          </a:p>
+          <a:p>
+            <a:r>
+              <a:rPr lang="en-US" altLang="zh-CN"/>
+              <a:t>- environment</a:t>
+            </a:r>
+            <a:endParaRPr lang="en-US" altLang="zh-CN"/>
+          </a:p>
+          <a:p>
+            <a:r>
+              <a:rPr lang="en-US" altLang="zh-CN"/>
+              <a:t>- fog</a:t>
             </a:r>
             <a:endParaRPr lang="en-US" altLang="zh-CN"/>
           </a:p>
@@ -5948,13 +7265,6 @@
           <a:p>
             <a:r>
               <a:rPr lang="en-US" altLang="zh-CN"/>
-              <a:t>- setClearAlpha(alpha)</a:t>
-            </a:r>
-            <a:endParaRPr lang="en-US" altLang="zh-CN"/>
-          </a:p>
-          <a:p>
-            <a:r>
-              <a:rPr lang="en-US" altLang="zh-CN"/>
               <a:t>- setPixelRatio()</a:t>
             </a:r>
             <a:endParaRPr lang="en-US" altLang="zh-CN"/>
@@ -5979,61 +7289,6 @@
               <a:t>- setSize()</a:t>
             </a:r>
             <a:endParaRPr lang="en-US" altLang="zh-CN"/>
-          </a:p>
-        </p:txBody>
-      </p:sp>
-      <p:sp>
-        <p:nvSpPr>
-          <p:cNvPr id="3" name="文本框 2"/>
-          <p:cNvSpPr txBox="1"/>
-          <p:nvPr/>
-        </p:nvSpPr>
-        <p:spPr>
-          <a:xfrm>
-            <a:off x="6035675" y="1812290"/>
-            <a:ext cx="5634990" cy="1076325"/>
-          </a:xfrm>
-          <a:prstGeom prst="rect">
-            <a:avLst/>
-          </a:prstGeom>
-          <a:noFill/>
-          <a:ln>
-            <a:solidFill>
-              <a:srgbClr val="C00000"/>
-            </a:solidFill>
-          </a:ln>
-        </p:spPr>
-        <p:txBody>
-          <a:bodyPr wrap="square" rtlCol="0">
-            <a:spAutoFit/>
-          </a:bodyPr>
-          <a:p>
-            <a:r>
-              <a:rPr lang="zh-CN" altLang="en-US" sz="1600"/>
-              <a:t>renderer = new THREE.WebGLRenderer();</a:t>
-            </a:r>
-            <a:endParaRPr lang="zh-CN" altLang="en-US" sz="1600"/>
-          </a:p>
-          <a:p>
-            <a:r>
-              <a:rPr lang="zh-CN" altLang="en-US" sz="1600"/>
-              <a:t>renderer.setPixelRatio( window.devicePixelRatio );</a:t>
-            </a:r>
-            <a:endParaRPr lang="zh-CN" altLang="en-US" sz="1600"/>
-          </a:p>
-          <a:p>
-            <a:r>
-              <a:rPr lang="zh-CN" altLang="en-US" sz="1600"/>
-              <a:t>renderer.setSize( window.innerWidth, window.innerHeight );</a:t>
-            </a:r>
-            <a:endParaRPr lang="zh-CN" altLang="en-US" sz="1600"/>
-          </a:p>
-          <a:p>
-            <a:r>
-              <a:rPr lang="zh-CN" altLang="en-US" sz="1600"/>
-              <a:t>container.appendChild( renderer.domElement );</a:t>
-            </a:r>
-            <a:endParaRPr lang="zh-CN" altLang="en-US" sz="1600"/>
           </a:p>
         </p:txBody>
       </p:sp>
@@ -6049,302 +7304,6 @@
 </file>
 
 <file path=ppt/slides/slide6.xml><?xml version="1.0" encoding="utf-8"?>
-<p:sld xmlns:a="http://schemas.openxmlformats.org/drawingml/2006/main" xmlns:r="http://schemas.openxmlformats.org/officeDocument/2006/relationships" xmlns:p="http://schemas.openxmlformats.org/presentationml/2006/main">
-  <p:cSld>
-    <p:spTree>
-      <p:nvGrpSpPr>
-        <p:cNvPr id="1" name=""/>
-        <p:cNvGrpSpPr/>
-        <p:nvPr/>
-      </p:nvGrpSpPr>
-      <p:grpSpPr/>
-      <p:sp>
-        <p:nvSpPr>
-          <p:cNvPr id="2" name="标题 1"/>
-          <p:cNvSpPr>
-            <a:spLocks noGrp="1"/>
-          </p:cNvSpPr>
-          <p:nvPr>
-            <p:ph type="title"/>
-          </p:nvPr>
-        </p:nvSpPr>
-        <p:spPr/>
-        <p:txBody>
-          <a:bodyPr/>
-          <a:p>
-            <a:r>
-              <a:rPr lang="en-US" altLang="zh-CN"/>
-              <a:t>Geometry</a:t>
-            </a:r>
-            <a:endParaRPr lang="en-US" altLang="zh-CN"/>
-          </a:p>
-        </p:txBody>
-      </p:sp>
-      <p:sp>
-        <p:nvSpPr>
-          <p:cNvPr id="3" name="内容占位符 2"/>
-          <p:cNvSpPr>
-            <a:spLocks noGrp="1"/>
-          </p:cNvSpPr>
-          <p:nvPr>
-            <p:ph idx="1"/>
-          </p:nvPr>
-        </p:nvSpPr>
-        <p:spPr>
-          <a:xfrm>
-            <a:off x="838200" y="1211580"/>
-            <a:ext cx="5410835" cy="4549140"/>
-          </a:xfrm>
-        </p:spPr>
-        <p:txBody>
-          <a:bodyPr/>
-          <a:p>
-            <a:r>
-              <a:rPr lang="en-US" altLang="zh-CN"/>
-              <a:t>BufferGeometry</a:t>
-            </a:r>
-            <a:endParaRPr lang="en-US" altLang="zh-CN"/>
-          </a:p>
-          <a:p>
-            <a:r>
-              <a:rPr lang="en-US" altLang="zh-CN"/>
-              <a:t>BoxGeometry(width, height, depth)</a:t>
-            </a:r>
-            <a:endParaRPr lang="en-US" altLang="zh-CN"/>
-          </a:p>
-          <a:p>
-            <a:r>
-              <a:rPr lang="en-US" altLang="zh-CN"/>
-              <a:t>CircleGeometry(radius, numSegments)</a:t>
-            </a:r>
-            <a:endParaRPr lang="en-US" altLang="zh-CN"/>
-          </a:p>
-          <a:p>
-            <a:r>
-              <a:rPr lang="en-US" altLang="zh-CN"/>
-              <a:t>SphereGeometry(radius, widthSegments, heightSegments)</a:t>
-            </a:r>
-            <a:endParaRPr lang="en-US" altLang="zh-CN"/>
-          </a:p>
-        </p:txBody>
-      </p:sp>
-      <p:sp>
-        <p:nvSpPr>
-          <p:cNvPr id="4" name="圆角矩形 3"/>
-          <p:cNvSpPr/>
-          <p:nvPr/>
-        </p:nvSpPr>
-        <p:spPr>
-          <a:xfrm>
-            <a:off x="8216265" y="1504315"/>
-            <a:ext cx="2522855" cy="2794635"/>
-          </a:xfrm>
-          <a:prstGeom prst="roundRect">
-            <a:avLst/>
-          </a:prstGeom>
-        </p:spPr>
-        <p:style>
-          <a:lnRef idx="2">
-            <a:schemeClr val="accent1">
-              <a:shade val="50000"/>
-            </a:schemeClr>
-          </a:lnRef>
-          <a:fillRef idx="1">
-            <a:schemeClr val="accent1"/>
-          </a:fillRef>
-          <a:effectRef idx="0">
-            <a:schemeClr val="accent1"/>
-          </a:effectRef>
-          <a:fontRef idx="minor">
-            <a:schemeClr val="lt1"/>
-          </a:fontRef>
-        </p:style>
-        <p:txBody>
-          <a:bodyPr rtlCol="0" anchor="ctr"/>
-          <a:p>
-            <a:pPr algn="ctr"/>
-            <a:r>
-              <a:rPr lang="en-US" altLang="zh-CN" sz="2000"/>
-              <a:t>BufferGeometry</a:t>
-            </a:r>
-            <a:endParaRPr lang="en-US" altLang="zh-CN" sz="2000"/>
-          </a:p>
-          <a:p>
-            <a:pPr algn="ctr"/>
-            <a:r>
-              <a:rPr lang="en-US" altLang="zh-CN" sz="1600"/>
-              <a:t>- position.set(x, y, z)</a:t>
-            </a:r>
-            <a:endParaRPr lang="en-US" altLang="zh-CN" sz="1600"/>
-          </a:p>
-          <a:p>
-            <a:pPr algn="ctr"/>
-            <a:r>
-              <a:rPr lang="en-US" altLang="zh-CN" sz="1600"/>
-              <a:t>- clone()</a:t>
-            </a:r>
-            <a:endParaRPr lang="en-US" altLang="zh-CN" sz="1600"/>
-          </a:p>
-          <a:p>
-            <a:pPr algn="ctr"/>
-            <a:r>
-              <a:rPr lang="en-US" altLang="zh-CN" sz="1600"/>
-              <a:t>- dispose()</a:t>
-            </a:r>
-            <a:endParaRPr lang="en-US" altLang="zh-CN" sz="1600"/>
-          </a:p>
-          <a:p>
-            <a:pPr algn="ctr"/>
-            <a:r>
-              <a:rPr lang="en-US" altLang="zh-CN" sz="1600"/>
-              <a:t>- lookAt(vector3)</a:t>
-            </a:r>
-            <a:endParaRPr lang="en-US" altLang="zh-CN" sz="1600"/>
-          </a:p>
-          <a:p>
-            <a:pPr algn="ctr"/>
-            <a:r>
-              <a:rPr lang="en-US" altLang="zh-CN" sz="1600"/>
-              <a:t>- rotateX(radian)</a:t>
-            </a:r>
-            <a:endParaRPr lang="en-US" altLang="zh-CN" sz="1600"/>
-          </a:p>
-          <a:p>
-            <a:pPr algn="ctr"/>
-            <a:r>
-              <a:rPr lang="en-US" altLang="zh-CN" sz="1600"/>
-              <a:t>- rotateY(radian)</a:t>
-            </a:r>
-            <a:endParaRPr lang="en-US" altLang="zh-CN" sz="1600"/>
-          </a:p>
-          <a:p>
-            <a:pPr algn="ctr"/>
-            <a:r>
-              <a:rPr lang="en-US" altLang="zh-CN" sz="1600"/>
-              <a:t>- rotateZ(radian)</a:t>
-            </a:r>
-            <a:endParaRPr lang="en-US" altLang="zh-CN" sz="1600"/>
-          </a:p>
-          <a:p>
-            <a:pPr algn="ctr"/>
-            <a:r>
-              <a:rPr lang="en-US" altLang="zh-CN" sz="1600"/>
-              <a:t>- scale(x, y, z)</a:t>
-            </a:r>
-            <a:endParaRPr lang="en-US" altLang="zh-CN" sz="1600"/>
-          </a:p>
-          <a:p>
-            <a:pPr algn="ctr"/>
-            <a:r>
-              <a:rPr lang="en-US" altLang="zh-CN" sz="1600"/>
-              <a:t>- translate(x, y, z)</a:t>
-            </a:r>
-            <a:endParaRPr lang="en-US" altLang="zh-CN" sz="1600"/>
-          </a:p>
-        </p:txBody>
-      </p:sp>
-      <p:sp>
-        <p:nvSpPr>
-          <p:cNvPr id="5" name="圆角矩形 4"/>
-          <p:cNvSpPr/>
-          <p:nvPr/>
-        </p:nvSpPr>
-        <p:spPr>
-          <a:xfrm>
-            <a:off x="7044690" y="4419600"/>
-            <a:ext cx="2044065" cy="735330"/>
-          </a:xfrm>
-          <a:prstGeom prst="roundRect">
-            <a:avLst/>
-          </a:prstGeom>
-        </p:spPr>
-        <p:style>
-          <a:lnRef idx="2">
-            <a:schemeClr val="accent1">
-              <a:shade val="50000"/>
-            </a:schemeClr>
-          </a:lnRef>
-          <a:fillRef idx="1">
-            <a:schemeClr val="accent1"/>
-          </a:fillRef>
-          <a:effectRef idx="0">
-            <a:schemeClr val="accent1"/>
-          </a:effectRef>
-          <a:fontRef idx="minor">
-            <a:schemeClr val="lt1"/>
-          </a:fontRef>
-        </p:style>
-        <p:txBody>
-          <a:bodyPr rtlCol="0" anchor="ctr"/>
-          <a:p>
-            <a:pPr algn="ctr"/>
-            <a:r>
-              <a:rPr lang="en-US" altLang="zh-CN"/>
-              <a:t>B</a:t>
-            </a:r>
-            <a:r>
-              <a:rPr lang="en-US" altLang="zh-CN"/>
-              <a:t>oxGeometry</a:t>
-            </a:r>
-            <a:endParaRPr lang="en-US" altLang="zh-CN"/>
-          </a:p>
-        </p:txBody>
-      </p:sp>
-      <p:sp>
-        <p:nvSpPr>
-          <p:cNvPr id="6" name="圆角矩形 5"/>
-          <p:cNvSpPr/>
-          <p:nvPr/>
-        </p:nvSpPr>
-        <p:spPr>
-          <a:xfrm>
-            <a:off x="9216390" y="4428490"/>
-            <a:ext cx="2044065" cy="735330"/>
-          </a:xfrm>
-          <a:prstGeom prst="roundRect">
-            <a:avLst/>
-          </a:prstGeom>
-        </p:spPr>
-        <p:style>
-          <a:lnRef idx="2">
-            <a:schemeClr val="accent1">
-              <a:shade val="50000"/>
-            </a:schemeClr>
-          </a:lnRef>
-          <a:fillRef idx="1">
-            <a:schemeClr val="accent1"/>
-          </a:fillRef>
-          <a:effectRef idx="0">
-            <a:schemeClr val="accent1"/>
-          </a:effectRef>
-          <a:fontRef idx="minor">
-            <a:schemeClr val="lt1"/>
-          </a:fontRef>
-        </p:style>
-        <p:txBody>
-          <a:bodyPr rtlCol="0" anchor="ctr"/>
-          <a:p>
-            <a:pPr algn="ctr"/>
-            <a:r>
-              <a:rPr lang="en-US" altLang="zh-CN"/>
-              <a:t>CircleGeometry</a:t>
-            </a:r>
-            <a:endParaRPr lang="en-US" altLang="zh-CN"/>
-          </a:p>
-        </p:txBody>
-      </p:sp>
-    </p:spTree>
-    <p:custDataLst>
-      <p:tags r:id="rId1"/>
-    </p:custDataLst>
-  </p:cSld>
-  <p:clrMapOvr>
-    <a:masterClrMapping/>
-  </p:clrMapOvr>
-</p:sld>
-</file>
-
-<file path=ppt/slides/slide7.xml><?xml version="1.0" encoding="utf-8"?>
 <p:sld xmlns:a="http://schemas.openxmlformats.org/drawingml/2006/main" xmlns:r="http://schemas.openxmlformats.org/officeDocument/2006/relationships" xmlns:p="http://schemas.openxmlformats.org/presentationml/2006/main">
   <p:cSld>
     <p:spTree>
@@ -6438,6 +7397,244 @@
 </p:sld>
 </file>
 
+<file path=ppt/slides/slide7.xml><?xml version="1.0" encoding="utf-8"?>
+<p:sld xmlns:a="http://schemas.openxmlformats.org/drawingml/2006/main" xmlns:r="http://schemas.openxmlformats.org/officeDocument/2006/relationships" xmlns:p="http://schemas.openxmlformats.org/presentationml/2006/main">
+  <p:cSld>
+    <p:spTree>
+      <p:nvGrpSpPr>
+        <p:cNvPr id="1" name=""/>
+        <p:cNvGrpSpPr/>
+        <p:nvPr/>
+      </p:nvGrpSpPr>
+      <p:grpSpPr/>
+      <p:sp>
+        <p:nvSpPr>
+          <p:cNvPr id="2" name="标题 1"/>
+          <p:cNvSpPr>
+            <a:spLocks noGrp="1"/>
+          </p:cNvSpPr>
+          <p:nvPr>
+            <p:ph type="title"/>
+          </p:nvPr>
+        </p:nvSpPr>
+        <p:spPr/>
+        <p:txBody>
+          <a:bodyPr/>
+          <a:p>
+            <a:r>
+              <a:rPr lang="en-US" altLang="zh-CN"/>
+              <a:t>WebGLRenderer</a:t>
+            </a:r>
+            <a:endParaRPr lang="en-US" altLang="zh-CN"/>
+          </a:p>
+        </p:txBody>
+      </p:sp>
+      <p:sp>
+        <p:nvSpPr>
+          <p:cNvPr id="4" name="文本框 3"/>
+          <p:cNvSpPr txBox="1"/>
+          <p:nvPr/>
+        </p:nvSpPr>
+        <p:spPr>
+          <a:xfrm>
+            <a:off x="1307465" y="1675765"/>
+            <a:ext cx="2778760" cy="4246245"/>
+          </a:xfrm>
+          <a:prstGeom prst="rect">
+            <a:avLst/>
+          </a:prstGeom>
+          <a:noFill/>
+          <a:ln>
+            <a:solidFill>
+              <a:srgbClr val="C00000"/>
+            </a:solidFill>
+          </a:ln>
+        </p:spPr>
+        <p:txBody>
+          <a:bodyPr wrap="square" rtlCol="0">
+            <a:spAutoFit/>
+          </a:bodyPr>
+          <a:p>
+            <a:r>
+              <a:rPr lang="en-US" altLang="zh-CN"/>
+              <a:t>- alpha (default: false)</a:t>
+            </a:r>
+            <a:endParaRPr lang="en-US" altLang="zh-CN"/>
+          </a:p>
+          <a:p>
+            <a:r>
+              <a:rPr lang="en-US" altLang="zh-CN"/>
+              <a:t>- antialias (default: false)</a:t>
+            </a:r>
+            <a:endParaRPr lang="en-US" altLang="zh-CN"/>
+          </a:p>
+          <a:p>
+            <a:r>
+              <a:rPr lang="en-US" altLang="zh-CN"/>
+              <a:t>- autoClear</a:t>
+            </a:r>
+            <a:endParaRPr lang="en-US" altLang="zh-CN"/>
+          </a:p>
+          <a:p>
+            <a:r>
+              <a:rPr lang="en-US" altLang="zh-CN"/>
+              <a:t>- domElement</a:t>
+            </a:r>
+            <a:endParaRPr lang="en-US" altLang="zh-CN"/>
+          </a:p>
+          <a:p>
+            <a:endParaRPr lang="en-US" altLang="zh-CN"/>
+          </a:p>
+          <a:p>
+            <a:r>
+              <a:rPr lang="en-US" altLang="zh-CN"/>
+              <a:t>- clear()</a:t>
+            </a:r>
+            <a:endParaRPr lang="en-US" altLang="zh-CN"/>
+          </a:p>
+          <a:p>
+            <a:r>
+              <a:rPr lang="en-US" altLang="zh-CN"/>
+              <a:t>- getCurrentViewport()</a:t>
+            </a:r>
+            <a:endParaRPr lang="en-US" altLang="zh-CN"/>
+          </a:p>
+          <a:p>
+            <a:r>
+              <a:rPr lang="en-US" altLang="zh-CN"/>
+              <a:t>- getSize()</a:t>
+            </a:r>
+            <a:endParaRPr lang="en-US" altLang="zh-CN"/>
+          </a:p>
+          <a:p>
+            <a:r>
+              <a:rPr lang="en-US" altLang="zh-CN"/>
+              <a:t>- getViewport()</a:t>
+            </a:r>
+            <a:endParaRPr lang="en-US" altLang="zh-CN"/>
+          </a:p>
+          <a:p>
+            <a:r>
+              <a:rPr lang="en-US" altLang="zh-CN"/>
+              <a:t>- render()</a:t>
+            </a:r>
+            <a:endParaRPr lang="en-US" altLang="zh-CN"/>
+          </a:p>
+          <a:p>
+            <a:r>
+              <a:rPr lang="en-US" altLang="zh-CN"/>
+              <a:t>- setClearAlpha(alpha)</a:t>
+            </a:r>
+            <a:endParaRPr lang="en-US" altLang="zh-CN"/>
+          </a:p>
+          <a:p>
+            <a:r>
+              <a:rPr lang="en-US" altLang="zh-CN"/>
+              <a:t>- setPixelRatio()</a:t>
+            </a:r>
+            <a:endParaRPr lang="en-US" altLang="zh-CN"/>
+          </a:p>
+          <a:p>
+            <a:r>
+              <a:rPr lang="en-US" altLang="zh-CN"/>
+              <a:t>- setScissor()</a:t>
+            </a:r>
+            <a:endParaRPr lang="en-US" altLang="zh-CN"/>
+          </a:p>
+          <a:p>
+            <a:r>
+              <a:rPr lang="en-US" altLang="zh-CN"/>
+              <a:t>- setScissorTest()</a:t>
+            </a:r>
+            <a:endParaRPr lang="en-US" altLang="zh-CN"/>
+          </a:p>
+          <a:p>
+            <a:r>
+              <a:rPr lang="en-US" altLang="zh-CN"/>
+              <a:t>- setSize()</a:t>
+            </a:r>
+            <a:endParaRPr lang="en-US" altLang="zh-CN"/>
+          </a:p>
+        </p:txBody>
+      </p:sp>
+      <p:sp>
+        <p:nvSpPr>
+          <p:cNvPr id="3" name="文本框 2"/>
+          <p:cNvSpPr txBox="1"/>
+          <p:nvPr/>
+        </p:nvSpPr>
+        <p:spPr>
+          <a:xfrm>
+            <a:off x="6035675" y="1812290"/>
+            <a:ext cx="5634990" cy="1076325"/>
+          </a:xfrm>
+          <a:prstGeom prst="rect">
+            <a:avLst/>
+          </a:prstGeom>
+          <a:noFill/>
+          <a:ln>
+            <a:solidFill>
+              <a:srgbClr val="C00000"/>
+            </a:solidFill>
+          </a:ln>
+        </p:spPr>
+        <p:txBody>
+          <a:bodyPr wrap="square" rtlCol="0">
+            <a:spAutoFit/>
+          </a:bodyPr>
+          <a:p>
+            <a:r>
+              <a:rPr lang="zh-CN" altLang="en-US" sz="1600"/>
+              <a:t>renderer = new THREE.WebGLRenderer();</a:t>
+            </a:r>
+            <a:endParaRPr lang="zh-CN" altLang="en-US" sz="1600"/>
+          </a:p>
+          <a:p>
+            <a:r>
+              <a:rPr lang="zh-CN" altLang="en-US" sz="1600"/>
+              <a:t>renderer.setPixelRatio( window.devicePixelRatio );</a:t>
+            </a:r>
+            <a:endParaRPr lang="zh-CN" altLang="en-US" sz="1600"/>
+          </a:p>
+          <a:p>
+            <a:r>
+              <a:rPr lang="zh-CN" altLang="en-US" sz="1600"/>
+              <a:t>renderer.setSize( window.innerWidth, window.innerHeight );</a:t>
+            </a:r>
+            <a:endParaRPr lang="zh-CN" altLang="en-US" sz="1600"/>
+          </a:p>
+          <a:p>
+            <a:r>
+              <a:rPr lang="zh-CN" altLang="en-US" sz="1600"/>
+              <a:t>container.appendChild( renderer.</a:t>
+            </a:r>
+            <a:r>
+              <a:rPr lang="zh-CN" altLang="en-US" sz="1600">
+                <a:solidFill>
+                  <a:srgbClr val="FF0000"/>
+                </a:solidFill>
+              </a:rPr>
+              <a:t>domElement </a:t>
+            </a:r>
+            <a:r>
+              <a:rPr lang="zh-CN" altLang="en-US" sz="1600"/>
+              <a:t>);</a:t>
+            </a:r>
+            <a:endParaRPr lang="zh-CN" altLang="en-US" sz="1600"/>
+          </a:p>
+        </p:txBody>
+      </p:sp>
+    </p:spTree>
+    <p:custDataLst>
+      <p:tags r:id="rId1"/>
+    </p:custDataLst>
+  </p:cSld>
+  <p:clrMapOvr>
+    <a:masterClrMapping/>
+  </p:clrMapOvr>
+</p:sld>
+</file>
+
 <file path=ppt/slides/slide8.xml><?xml version="1.0" encoding="utf-8"?>
 <p:sld xmlns:a="http://schemas.openxmlformats.org/drawingml/2006/main" xmlns:r="http://schemas.openxmlformats.org/officeDocument/2006/relationships" xmlns:p="http://schemas.openxmlformats.org/presentationml/2006/main">
   <p:cSld>
@@ -6464,7 +7661,7 @@
           <a:p>
             <a:r>
               <a:rPr lang="en-US" altLang="zh-CN"/>
-              <a:t>Material</a:t>
+              <a:t>Light</a:t>
             </a:r>
             <a:endParaRPr lang="en-US" altLang="zh-CN"/>
           </a:p>
@@ -6480,18 +7677,20 @@
             <p:ph idx="1"/>
           </p:nvPr>
         </p:nvSpPr>
-        <p:spPr>
-          <a:xfrm>
-            <a:off x="838200" y="1211580"/>
-            <a:ext cx="6435090" cy="4549140"/>
-          </a:xfrm>
-        </p:spPr>
+        <p:spPr/>
         <p:txBody>
           <a:bodyPr/>
           <a:p>
             <a:r>
               <a:rPr lang="en-US" altLang="zh-CN"/>
-              <a:t>Material</a:t>
+              <a:t>light = new THREE.SpotLight(color)</a:t>
+            </a:r>
+            <a:endParaRPr lang="en-US" altLang="zh-CN"/>
+          </a:p>
+          <a:p>
+            <a:r>
+              <a:rPr lang="en-US" altLang="zh-CN"/>
+              <a:t>Properties</a:t>
             </a:r>
             <a:endParaRPr lang="en-US" altLang="zh-CN"/>
           </a:p>
@@ -6499,23 +7698,15 @@
             <a:pPr lvl="1"/>
             <a:r>
               <a:rPr lang="en-US" altLang="zh-CN"/>
-              <a:t>Properties</a:t>
-            </a:r>
-            <a:endParaRPr lang="en-US" altLang="zh-CN"/>
-          </a:p>
-          <a:p>
-            <a:pPr lvl="2"/>
-            <a:r>
-              <a:rPr lang="en-US" altLang="zh-CN"/>
-              <a:t>transparent: true/false, default false</a:t>
-            </a:r>
-            <a:endParaRPr lang="en-US" altLang="zh-CN"/>
-          </a:p>
-          <a:p>
-            <a:pPr lvl="2"/>
-            <a:r>
-              <a:rPr lang="en-US" altLang="zh-CN"/>
-              <a:t>opacity: 0.0~1.0, default 1.0</a:t>
+              <a:t>position</a:t>
+            </a:r>
+            <a:endParaRPr lang="en-US" altLang="zh-CN"/>
+          </a:p>
+          <a:p>
+            <a:pPr lvl="1"/>
+            <a:r>
+              <a:rPr lang="en-US" altLang="zh-CN"/>
+              <a:t>rotation</a:t>
             </a:r>
             <a:endParaRPr lang="en-US" altLang="zh-CN"/>
           </a:p>
@@ -6523,7 +7714,7 @@
             <a:pPr lvl="0"/>
             <a:r>
               <a:rPr lang="en-US" altLang="zh-CN"/>
-              <a:t>MeshBasicMaterial</a:t>
+              <a:t>Types</a:t>
             </a:r>
             <a:endParaRPr lang="en-US" altLang="zh-CN"/>
           </a:p>
@@ -6531,15 +7722,7 @@
             <a:pPr lvl="1"/>
             <a:r>
               <a:rPr lang="en-US" altLang="zh-CN"/>
-              <a:t>simple shaded way, not affected by lights</a:t>
-            </a:r>
-            <a:endParaRPr lang="en-US" altLang="zh-CN"/>
-          </a:p>
-          <a:p>
-            <a:pPr lvl="0"/>
-            <a:r>
-              <a:rPr lang="en-US" altLang="zh-CN"/>
-              <a:t>MeshDepthMaterial</a:t>
+              <a:t>AmbientLight</a:t>
             </a:r>
             <a:endParaRPr lang="en-US" altLang="zh-CN"/>
           </a:p>
@@ -6547,149 +7730,31 @@
             <a:pPr lvl="1"/>
             <a:r>
               <a:rPr lang="en-US" altLang="zh-CN"/>
-              <a:t>drawing material based on depth, white is nearest, black is farest</a:t>
-            </a:r>
-            <a:endParaRPr lang="en-US" altLang="zh-CN"/>
-          </a:p>
-        </p:txBody>
-      </p:sp>
-      <p:sp>
-        <p:nvSpPr>
-          <p:cNvPr id="4" name="圆角矩形 3"/>
-          <p:cNvSpPr/>
-          <p:nvPr/>
-        </p:nvSpPr>
-        <p:spPr>
-          <a:xfrm>
-            <a:off x="8130540" y="1009015"/>
-            <a:ext cx="2441575" cy="843915"/>
-          </a:xfrm>
-          <a:prstGeom prst="roundRect">
-            <a:avLst/>
-          </a:prstGeom>
-        </p:spPr>
-        <p:style>
-          <a:lnRef idx="2">
-            <a:schemeClr val="accent1">
-              <a:shade val="50000"/>
-            </a:schemeClr>
-          </a:lnRef>
-          <a:fillRef idx="1">
-            <a:schemeClr val="accent1"/>
-          </a:fillRef>
-          <a:effectRef idx="0">
-            <a:schemeClr val="accent1"/>
-          </a:effectRef>
-          <a:fontRef idx="minor">
-            <a:schemeClr val="lt1"/>
-          </a:fontRef>
-        </p:style>
-        <p:txBody>
-          <a:bodyPr rtlCol="0" anchor="ctr"/>
-          <a:p>
-            <a:pPr algn="ctr"/>
-            <a:r>
-              <a:rPr lang="en-US" altLang="zh-CN"/>
-              <a:t>Material</a:t>
-            </a:r>
-            <a:endParaRPr lang="en-US" altLang="zh-CN"/>
-          </a:p>
-          <a:p>
-            <a:pPr algn="ctr"/>
-            <a:r>
-              <a:rPr lang="en-US" altLang="zh-CN"/>
-              <a:t>- opacity</a:t>
-            </a:r>
-            <a:endParaRPr lang="en-US" altLang="zh-CN"/>
-          </a:p>
-        </p:txBody>
-      </p:sp>
-      <p:sp>
-        <p:nvSpPr>
-          <p:cNvPr id="5" name="圆角矩形 4"/>
-          <p:cNvSpPr/>
-          <p:nvPr/>
-        </p:nvSpPr>
-        <p:spPr>
-          <a:xfrm>
-            <a:off x="8130540" y="2077720"/>
-            <a:ext cx="2441575" cy="2083435"/>
-          </a:xfrm>
-          <a:prstGeom prst="roundRect">
-            <a:avLst/>
-          </a:prstGeom>
-        </p:spPr>
-        <p:style>
-          <a:lnRef idx="2">
-            <a:schemeClr val="accent1">
-              <a:shade val="50000"/>
-            </a:schemeClr>
-          </a:lnRef>
-          <a:fillRef idx="1">
-            <a:schemeClr val="accent1"/>
-          </a:fillRef>
-          <a:effectRef idx="0">
-            <a:schemeClr val="accent1"/>
-          </a:effectRef>
-          <a:fontRef idx="minor">
-            <a:schemeClr val="lt1"/>
-          </a:fontRef>
-        </p:style>
-        <p:txBody>
-          <a:bodyPr rtlCol="0" anchor="ctr"/>
-          <a:p>
-            <a:pPr algn="ctr"/>
-            <a:r>
-              <a:rPr lang="en-US" altLang="zh-CN"/>
-              <a:t>MeshBasicMaterial</a:t>
-            </a:r>
-            <a:endParaRPr lang="en-US" altLang="zh-CN"/>
-          </a:p>
-          <a:p>
-            <a:pPr algn="ctr"/>
-            <a:r>
-              <a:rPr lang="en-US" altLang="zh-CN"/>
-              <a:t>- alphaMap</a:t>
-            </a:r>
-            <a:endParaRPr lang="en-US" altLang="zh-CN"/>
-          </a:p>
-          <a:p>
-            <a:pPr algn="ctr"/>
-            <a:r>
-              <a:rPr lang="en-US" altLang="zh-CN"/>
-              <a:t>- aoMap</a:t>
-            </a:r>
-            <a:endParaRPr lang="en-US" altLang="zh-CN"/>
-          </a:p>
-          <a:p>
-            <a:pPr algn="ctr"/>
-            <a:r>
-              <a:rPr lang="en-US" altLang="zh-CN"/>
-              <a:t>- color</a:t>
-            </a:r>
-            <a:endParaRPr lang="en-US" altLang="zh-CN"/>
-          </a:p>
-          <a:p>
-            <a:pPr algn="ctr"/>
-            <a:r>
-              <a:rPr lang="en-US" altLang="zh-CN"/>
-              <a:t>- envMap</a:t>
-            </a:r>
-            <a:endParaRPr lang="en-US" altLang="zh-CN"/>
-          </a:p>
-          <a:p>
-            <a:pPr algn="ctr"/>
-            <a:r>
-              <a:rPr lang="en-US" altLang="zh-CN"/>
-              <a:t>- lightMap</a:t>
-            </a:r>
-            <a:endParaRPr lang="en-US" altLang="zh-CN"/>
-          </a:p>
-          <a:p>
-            <a:pPr algn="ctr"/>
-            <a:r>
-              <a:rPr lang="en-US" altLang="zh-CN"/>
-              <a:t>- specularMap</a:t>
+              <a:t>PointLight</a:t>
+            </a:r>
+            <a:endParaRPr lang="en-US" altLang="zh-CN"/>
+          </a:p>
+          <a:p>
+            <a:pPr lvl="1"/>
+            <a:r>
+              <a:rPr lang="en-US" altLang="zh-CN"/>
+              <a:t>DirectionalLight</a:t>
+            </a:r>
+            <a:endParaRPr lang="en-US" altLang="zh-CN"/>
+          </a:p>
+          <a:p>
+            <a:pPr lvl="1"/>
+            <a:r>
+              <a:rPr lang="en-US" altLang="zh-CN"/>
+              <a:t>SpotLight</a:t>
+            </a:r>
+            <a:endParaRPr lang="en-US" altLang="zh-CN"/>
+          </a:p>
+          <a:p>
+            <a:pPr lvl="1"/>
+            <a:r>
+              <a:rPr lang="en-US" altLang="zh-CN"/>
+              <a:t>AreaLight</a:t>
             </a:r>
             <a:endParaRPr lang="en-US" altLang="zh-CN"/>
           </a:p>
@@ -6732,100 +7797,52 @@
           <a:p>
             <a:r>
               <a:rPr lang="en-US" altLang="zh-CN"/>
-              <a:t>Texture, Texture Loader</a:t>
-            </a:r>
-            <a:endParaRPr lang="en-US" altLang="zh-CN"/>
-          </a:p>
-        </p:txBody>
-      </p:sp>
-      <p:sp>
-        <p:nvSpPr>
-          <p:cNvPr id="4" name="文本框 3"/>
-          <p:cNvSpPr txBox="1"/>
-          <p:nvPr/>
-        </p:nvSpPr>
-        <p:spPr>
-          <a:xfrm>
-            <a:off x="1221740" y="1226820"/>
-            <a:ext cx="4368800" cy="3415030"/>
-          </a:xfrm>
-          <a:prstGeom prst="rect">
-            <a:avLst/>
-          </a:prstGeom>
-          <a:noFill/>
-          <a:ln>
-            <a:solidFill>
-              <a:srgbClr val="C00000"/>
-            </a:solidFill>
-          </a:ln>
-        </p:spPr>
-        <p:txBody>
-          <a:bodyPr wrap="square" rtlCol="0">
-            <a:spAutoFit/>
-          </a:bodyPr>
-          <a:p>
-            <a:r>
-              <a:rPr lang="en-US" altLang="zh-CN"/>
-              <a:t>- id</a:t>
-            </a:r>
-            <a:endParaRPr lang="en-US" altLang="zh-CN"/>
-          </a:p>
-          <a:p>
-            <a:r>
-              <a:rPr lang="en-US" altLang="zh-CN"/>
-              <a:t>- uuid</a:t>
-            </a:r>
-            <a:endParaRPr lang="en-US" altLang="zh-CN"/>
-          </a:p>
-          <a:p>
-            <a:r>
-              <a:rPr lang="en-US" altLang="zh-CN"/>
-              <a:t>- image // image or video loaded using TextureLoader.load() </a:t>
-            </a:r>
-            <a:endParaRPr lang="en-US" altLang="zh-CN"/>
-          </a:p>
-          <a:p>
-            <a:r>
-              <a:rPr lang="en-US" altLang="zh-CN"/>
-              <a:t>- wrapS // how to wrap horizontally</a:t>
-            </a:r>
-            <a:endParaRPr lang="en-US" altLang="zh-CN"/>
-          </a:p>
-          <a:p>
-            <a:r>
-              <a:rPr lang="en-US" altLang="zh-CN"/>
-              <a:t>- wrapT // how to wrap vertically</a:t>
-            </a:r>
-            <a:endParaRPr lang="en-US" altLang="zh-CN"/>
-          </a:p>
-          <a:p>
-            <a:r>
-              <a:rPr lang="en-US" altLang="zh-CN"/>
-              <a:t>- format // default: THREE.RGBAFormat</a:t>
-            </a:r>
-            <a:endParaRPr lang="en-US" altLang="zh-CN"/>
-          </a:p>
-          <a:p>
-            <a:r>
-              <a:rPr lang="en-US" altLang="zh-CN"/>
-              <a:t>- offset // 0.0~1.0</a:t>
-            </a:r>
-            <a:endParaRPr lang="en-US" altLang="zh-CN"/>
-          </a:p>
-          <a:p>
-            <a:r>
-              <a:rPr lang="en-US" altLang="zh-CN"/>
-              <a:t>- repeat // Vector2, how many times to repeat</a:t>
-            </a:r>
-            <a:endParaRPr lang="en-US" altLang="zh-CN"/>
-          </a:p>
-          <a:p>
-            <a:endParaRPr lang="en-US" altLang="zh-CN"/>
-          </a:p>
-          <a:p>
-            <a:r>
-              <a:rPr lang="en-US" altLang="zh-CN"/>
-              <a:t>- dispose()</a:t>
+              <a:t>Mesh</a:t>
+            </a:r>
+            <a:endParaRPr lang="en-US" altLang="zh-CN"/>
+          </a:p>
+        </p:txBody>
+      </p:sp>
+      <p:sp>
+        <p:nvSpPr>
+          <p:cNvPr id="3" name="内容占位符 2"/>
+          <p:cNvSpPr>
+            <a:spLocks noGrp="1"/>
+          </p:cNvSpPr>
+          <p:nvPr>
+            <p:ph idx="1"/>
+          </p:nvPr>
+        </p:nvSpPr>
+        <p:spPr/>
+        <p:txBody>
+          <a:bodyPr/>
+          <a:p>
+            <a:r>
+              <a:rPr lang="en-US" altLang="zh-CN"/>
+              <a:t>mesh = new THREE.Mesh(geometry, material)</a:t>
+            </a:r>
+            <a:endParaRPr lang="en-US" altLang="zh-CN"/>
+          </a:p>
+          <a:p>
+            <a:r>
+              <a:rPr lang="en-US" altLang="zh-CN"/>
+              <a:t>Properties</a:t>
+            </a:r>
+            <a:endParaRPr lang="en-US" altLang="zh-CN"/>
+          </a:p>
+          <a:p>
+            <a:pPr lvl="1"/>
+            <a:r>
+              <a:rPr lang="en-US" altLang="zh-CN"/>
+              <a:t>rotation</a:t>
+            </a:r>
+            <a:endParaRPr lang="en-US" altLang="zh-CN"/>
+          </a:p>
+          <a:p>
+            <a:pPr lvl="1"/>
+            <a:r>
+              <a:rPr lang="en-US" altLang="zh-CN"/>
+              <a:t>position.set(x, y, z)</a:t>
             </a:r>
             <a:endParaRPr lang="en-US" altLang="zh-CN"/>
           </a:p>
@@ -6975,6 +7992,44 @@
   <p:tag name="KSO_WM_BEAUTIFY_FLAG" val="#wm#"/>
   <p:tag name="KSO_WM_TEMPLATE_CATEGORY" val="custom"/>
   <p:tag name="KSO_WM_TEMPLATE_INDEX" val="160402"/>
+</p:tagLst>
+</file>
+
+<file path=ppt/tags/tag25.xml><?xml version="1.0" encoding="utf-8"?>
+<p:tagLst xmlns:p="http://schemas.openxmlformats.org/presentationml/2006/main">
+  <p:tag name="KSO_WM_BEAUTIFY_FLAG" val="#wm#"/>
+  <p:tag name="KSO_WM_TEMPLATE_CATEGORY" val="custom"/>
+  <p:tag name="KSO_WM_TEMPLATE_INDEX" val="160402"/>
+</p:tagLst>
+</file>
+
+<file path=ppt/tags/tag26.xml><?xml version="1.0" encoding="utf-8"?>
+<p:tagLst xmlns:p="http://schemas.openxmlformats.org/presentationml/2006/main">
+  <p:tag name="KSO_WM_BEAUTIFY_FLAG" val="#wm#"/>
+  <p:tag name="KSO_WM_TEMPLATE_CATEGORY" val="custom"/>
+  <p:tag name="KSO_WM_TEMPLATE_INDEX" val="160402"/>
+</p:tagLst>
+</file>
+
+<file path=ppt/tags/tag27.xml><?xml version="1.0" encoding="utf-8"?>
+<p:tagLst xmlns:p="http://schemas.openxmlformats.org/presentationml/2006/main">
+  <p:tag name="KSO_WM_BEAUTIFY_FLAG" val="#wm#"/>
+  <p:tag name="KSO_WM_TEMPLATE_CATEGORY" val="custom"/>
+  <p:tag name="KSO_WM_TEMPLATE_INDEX" val="160402"/>
+</p:tagLst>
+</file>
+
+<file path=ppt/tags/tag28.xml><?xml version="1.0" encoding="utf-8"?>
+<p:tagLst xmlns:p="http://schemas.openxmlformats.org/presentationml/2006/main">
+  <p:tag name="KSO_WM_BEAUTIFY_FLAG" val="#wm#"/>
+  <p:tag name="KSO_WM_TEMPLATE_CATEGORY" val="custom"/>
+  <p:tag name="KSO_WM_TEMPLATE_INDEX" val="160402"/>
+</p:tagLst>
+</file>
+
+<file path=ppt/tags/tag29.xml><?xml version="1.0" encoding="utf-8"?>
+<p:tagLst xmlns:p="http://schemas.openxmlformats.org/presentationml/2006/main">
+  <p:tag name="COMMONDATA" val="eyJoZGlkIjoiODcwZjc5M2RmYzUwOWE5MjVkODVjZGMyZDUwOTRjYmEifQ=="/>
 </p:tagLst>
 </file>
 

--- a/Web/ThreeJS-Notes.pptx
+++ b/Web/ThreeJS-Notes.pptx
@@ -8,37 +8,40 @@
     <p:notesMasterId r:id="rId4"/>
   </p:notesMasterIdLst>
   <p:handoutMasterIdLst>
-    <p:handoutMasterId r:id="rId27"/>
+    <p:handoutMasterId r:id="rId30"/>
   </p:handoutMasterIdLst>
   <p:sldIdLst>
     <p:sldId id="256" r:id="rId3"/>
     <p:sldId id="259" r:id="rId5"/>
     <p:sldId id="286" r:id="rId6"/>
-    <p:sldId id="318" r:id="rId7"/>
-    <p:sldId id="302" r:id="rId8"/>
-    <p:sldId id="260" r:id="rId9"/>
-    <p:sldId id="287" r:id="rId10"/>
-    <p:sldId id="320" r:id="rId11"/>
-    <p:sldId id="319" r:id="rId12"/>
-    <p:sldId id="300" r:id="rId13"/>
-    <p:sldId id="278" r:id="rId14"/>
-    <p:sldId id="289" r:id="rId15"/>
+    <p:sldId id="324" r:id="rId7"/>
+    <p:sldId id="318" r:id="rId8"/>
+    <p:sldId id="302" r:id="rId9"/>
+    <p:sldId id="260" r:id="rId10"/>
+    <p:sldId id="287" r:id="rId11"/>
+    <p:sldId id="320" r:id="rId12"/>
+    <p:sldId id="319" r:id="rId13"/>
+    <p:sldId id="300" r:id="rId14"/>
+    <p:sldId id="278" r:id="rId15"/>
     <p:sldId id="265" r:id="rId16"/>
-    <p:sldId id="263" r:id="rId17"/>
-    <p:sldId id="258" r:id="rId18"/>
-    <p:sldId id="321" r:id="rId19"/>
-    <p:sldId id="277" r:id="rId20"/>
-    <p:sldId id="273" r:id="rId21"/>
-    <p:sldId id="301" r:id="rId22"/>
-    <p:sldId id="266" r:id="rId23"/>
-    <p:sldId id="271" r:id="rId24"/>
-    <p:sldId id="261" r:id="rId25"/>
-    <p:sldId id="288" r:id="rId26"/>
+    <p:sldId id="289" r:id="rId17"/>
+    <p:sldId id="263" r:id="rId18"/>
+    <p:sldId id="258" r:id="rId19"/>
+    <p:sldId id="321" r:id="rId20"/>
+    <p:sldId id="277" r:id="rId21"/>
+    <p:sldId id="273" r:id="rId22"/>
+    <p:sldId id="301" r:id="rId23"/>
+    <p:sldId id="266" r:id="rId24"/>
+    <p:sldId id="271" r:id="rId25"/>
+    <p:sldId id="261" r:id="rId26"/>
+    <p:sldId id="288" r:id="rId27"/>
+    <p:sldId id="322" r:id="rId28"/>
+    <p:sldId id="323" r:id="rId29"/>
   </p:sldIdLst>
   <p:sldSz cx="12192000" cy="6858000"/>
   <p:notesSz cx="6858000" cy="9144000"/>
   <p:custDataLst>
-    <p:tags r:id="rId32"/>
+    <p:tags r:id="rId35"/>
   </p:custDataLst>
   <p:defaultTextStyle>
     <a:defPPr>
@@ -3823,6 +3826,94 @@
           <a:p>
             <a:r>
               <a:rPr lang="en-US" altLang="zh-CN"/>
+              <a:t>Mesh</a:t>
+            </a:r>
+            <a:endParaRPr lang="en-US" altLang="zh-CN"/>
+          </a:p>
+        </p:txBody>
+      </p:sp>
+      <p:sp>
+        <p:nvSpPr>
+          <p:cNvPr id="3" name="内容占位符 2"/>
+          <p:cNvSpPr>
+            <a:spLocks noGrp="1"/>
+          </p:cNvSpPr>
+          <p:nvPr>
+            <p:ph idx="1"/>
+          </p:nvPr>
+        </p:nvSpPr>
+        <p:spPr/>
+        <p:txBody>
+          <a:bodyPr/>
+          <a:p>
+            <a:r>
+              <a:rPr lang="en-US" altLang="zh-CN"/>
+              <a:t>mesh = new THREE.Mesh(geometry, material)</a:t>
+            </a:r>
+            <a:endParaRPr lang="en-US" altLang="zh-CN"/>
+          </a:p>
+          <a:p>
+            <a:r>
+              <a:rPr lang="en-US" altLang="zh-CN"/>
+              <a:t>Properties</a:t>
+            </a:r>
+            <a:endParaRPr lang="en-US" altLang="zh-CN"/>
+          </a:p>
+          <a:p>
+            <a:pPr lvl="1"/>
+            <a:r>
+              <a:rPr lang="en-US" altLang="zh-CN"/>
+              <a:t>rotation</a:t>
+            </a:r>
+            <a:endParaRPr lang="en-US" altLang="zh-CN"/>
+          </a:p>
+          <a:p>
+            <a:pPr lvl="1"/>
+            <a:r>
+              <a:rPr lang="en-US" altLang="zh-CN"/>
+              <a:t>position.set(x, y, z)</a:t>
+            </a:r>
+            <a:endParaRPr lang="en-US" altLang="zh-CN"/>
+          </a:p>
+        </p:txBody>
+      </p:sp>
+    </p:spTree>
+    <p:custDataLst>
+      <p:tags r:id="rId1"/>
+    </p:custDataLst>
+  </p:cSld>
+  <p:clrMapOvr>
+    <a:masterClrMapping/>
+  </p:clrMapOvr>
+</p:sld>
+</file>
+
+<file path=ppt/slides/slide11.xml><?xml version="1.0" encoding="utf-8"?>
+<p:sld xmlns:a="http://schemas.openxmlformats.org/drawingml/2006/main" xmlns:r="http://schemas.openxmlformats.org/officeDocument/2006/relationships" xmlns:p="http://schemas.openxmlformats.org/presentationml/2006/main">
+  <p:cSld>
+    <p:spTree>
+      <p:nvGrpSpPr>
+        <p:cNvPr id="1" name=""/>
+        <p:cNvGrpSpPr/>
+        <p:nvPr/>
+      </p:nvGrpSpPr>
+      <p:grpSpPr/>
+      <p:sp>
+        <p:nvSpPr>
+          <p:cNvPr id="2" name="标题 1"/>
+          <p:cNvSpPr>
+            <a:spLocks noGrp="1"/>
+          </p:cNvSpPr>
+          <p:nvPr>
+            <p:ph type="title"/>
+          </p:nvPr>
+        </p:nvSpPr>
+        <p:spPr/>
+        <p:txBody>
+          <a:bodyPr/>
+          <a:p>
+            <a:r>
+              <a:rPr lang="en-US" altLang="zh-CN"/>
               <a:t>Geometry</a:t>
             </a:r>
             <a:endParaRPr lang="en-US" altLang="zh-CN"/>
@@ -3879,6 +3970,13 @@
             <a:r>
               <a:rPr lang="en-US" altLang="zh-CN"/>
               <a:t>SphereGeometry(radius, widthSegments, heightSegments)</a:t>
+            </a:r>
+            <a:endParaRPr lang="en-US" altLang="zh-CN"/>
+          </a:p>
+          <a:p>
+            <a:r>
+              <a:rPr lang="en-US" altLang="zh-CN"/>
+              <a:t>ExtrudeGeometry(shape, extrudeSettings)</a:t>
             </a:r>
             <a:endParaRPr lang="en-US" altLang="zh-CN"/>
           </a:p>
@@ -4100,7 +4198,7 @@
 </p:sld>
 </file>
 
-<file path=ppt/slides/slide11.xml><?xml version="1.0" encoding="utf-8"?>
+<file path=ppt/slides/slide12.xml><?xml version="1.0" encoding="utf-8"?>
 <p:sld xmlns:a="http://schemas.openxmlformats.org/drawingml/2006/main" xmlns:r="http://schemas.openxmlformats.org/officeDocument/2006/relationships" xmlns:p="http://schemas.openxmlformats.org/presentationml/2006/main">
   <p:cSld>
     <p:spTree>
@@ -4150,7 +4248,7 @@
         </p:spPr>
         <p:txBody>
           <a:bodyPr>
-            <a:normAutofit lnSpcReduction="10000"/>
+            <a:normAutofit lnSpcReduction="20000"/>
           </a:bodyPr>
           <a:p>
             <a:r>
@@ -4212,6 +4310,14 @@
             <a:r>
               <a:rPr lang="en-US" altLang="zh-CN"/>
               <a:t>drawing material based on depth, white is nearest, black is farest</a:t>
+            </a:r>
+            <a:endParaRPr lang="en-US" altLang="zh-CN"/>
+          </a:p>
+          <a:p>
+            <a:pPr lvl="0"/>
+            <a:r>
+              <a:rPr lang="en-US" altLang="zh-CN"/>
+              <a:t>MeshStandardMaterial</a:t>
             </a:r>
             <a:endParaRPr lang="en-US" altLang="zh-CN"/>
           </a:p>
@@ -4406,233 +4512,6 @@
 </p:sld>
 </file>
 
-<file path=ppt/slides/slide12.xml><?xml version="1.0" encoding="utf-8"?>
-<p:sld xmlns:a="http://schemas.openxmlformats.org/drawingml/2006/main" xmlns:r="http://schemas.openxmlformats.org/officeDocument/2006/relationships" xmlns:p="http://schemas.openxmlformats.org/presentationml/2006/main">
-  <p:cSld>
-    <p:spTree>
-      <p:nvGrpSpPr>
-        <p:cNvPr id="1" name=""/>
-        <p:cNvGrpSpPr/>
-        <p:nvPr/>
-      </p:nvGrpSpPr>
-      <p:grpSpPr/>
-      <p:sp>
-        <p:nvSpPr>
-          <p:cNvPr id="2" name="标题 1"/>
-          <p:cNvSpPr>
-            <a:spLocks noGrp="1"/>
-          </p:cNvSpPr>
-          <p:nvPr>
-            <p:ph type="title"/>
-          </p:nvPr>
-        </p:nvSpPr>
-        <p:spPr/>
-        <p:txBody>
-          <a:bodyPr/>
-          <a:p>
-            <a:r>
-              <a:rPr lang="en-US" altLang="zh-CN"/>
-              <a:t>Texture, Texture Loader</a:t>
-            </a:r>
-            <a:endParaRPr lang="en-US" altLang="zh-CN"/>
-          </a:p>
-        </p:txBody>
-      </p:sp>
-      <p:sp>
-        <p:nvSpPr>
-          <p:cNvPr id="3" name="内容占位符 2"/>
-          <p:cNvSpPr>
-            <a:spLocks noGrp="1"/>
-          </p:cNvSpPr>
-          <p:nvPr>
-            <p:ph idx="1"/>
-          </p:nvPr>
-        </p:nvSpPr>
-        <p:spPr/>
-        <p:txBody>
-          <a:bodyPr>
-            <a:normAutofit lnSpcReduction="10000"/>
-          </a:bodyPr>
-          <a:p>
-            <a:pPr marL="285750" indent="-285750">
-              <a:buFont typeface="Arial" panose="020B0604020202020204" pitchFamily="34" charset="0"/>
-              <a:buChar char="•"/>
-            </a:pPr>
-            <a:r>
-              <a:rPr lang="en-US" altLang="zh-CN" sz="2400">
-                <a:sym typeface="+mn-ea"/>
-              </a:rPr>
-              <a:t>let texture = TextureLoader.load() </a:t>
-            </a:r>
-            <a:endParaRPr lang="en-US" altLang="zh-CN" sz="2400">
-              <a:sym typeface="+mn-ea"/>
-            </a:endParaRPr>
-          </a:p>
-          <a:p>
-            <a:pPr marL="285750" indent="-285750">
-              <a:buFont typeface="Arial" panose="020B0604020202020204" pitchFamily="34" charset="0"/>
-              <a:buChar char="•"/>
-            </a:pPr>
-            <a:r>
-              <a:rPr lang="en-US" altLang="zh-CN" sz="2400">
-                <a:sym typeface="+mn-ea"/>
-              </a:rPr>
-              <a:t>Properties</a:t>
-            </a:r>
-            <a:endParaRPr lang="en-US" altLang="zh-CN" sz="2400">
-              <a:sym typeface="+mn-ea"/>
-            </a:endParaRPr>
-          </a:p>
-          <a:p>
-            <a:pPr marL="742950" lvl="1" indent="-285750">
-              <a:buFont typeface="Arial" panose="020B0604020202020204" pitchFamily="34" charset="0"/>
-              <a:buChar char="•"/>
-            </a:pPr>
-            <a:r>
-              <a:rPr lang="en-US" altLang="zh-CN" sz="2000">
-                <a:sym typeface="+mn-ea"/>
-              </a:rPr>
-              <a:t>- id</a:t>
-            </a:r>
-            <a:endParaRPr lang="en-US" altLang="zh-CN" sz="2000"/>
-          </a:p>
-          <a:p>
-            <a:pPr marL="742950" lvl="1" indent="-285750" algn="l">
-              <a:buClrTx/>
-              <a:buSzTx/>
-            </a:pPr>
-            <a:r>
-              <a:rPr lang="en-US" altLang="zh-CN" sz="2000">
-                <a:sym typeface="+mn-ea"/>
-              </a:rPr>
-              <a:t>- uuid</a:t>
-            </a:r>
-            <a:endParaRPr lang="en-US" altLang="zh-CN" sz="2000"/>
-          </a:p>
-          <a:p>
-            <a:pPr marL="742950" lvl="1" indent="-285750" algn="l">
-              <a:buClrTx/>
-              <a:buSzTx/>
-            </a:pPr>
-            <a:r>
-              <a:rPr lang="en-US" altLang="zh-CN" sz="2000">
-                <a:sym typeface="+mn-ea"/>
-              </a:rPr>
-              <a:t>- image // image or video loaded using</a:t>
-            </a:r>
-            <a:endParaRPr lang="en-US" altLang="zh-CN" sz="2000">
-              <a:sym typeface="+mn-ea"/>
-            </a:endParaRPr>
-          </a:p>
-          <a:p>
-            <a:pPr marL="742950" lvl="1" indent="-285750" algn="l">
-              <a:buClrTx/>
-              <a:buSzTx/>
-            </a:pPr>
-            <a:r>
-              <a:rPr lang="en-US" altLang="zh-CN" sz="2000">
-                <a:sym typeface="+mn-ea"/>
-              </a:rPr>
-              <a:t>- wrapS // how to wrap horizontally</a:t>
-            </a:r>
-            <a:endParaRPr lang="en-US" altLang="zh-CN" sz="2000"/>
-          </a:p>
-          <a:p>
-            <a:pPr marL="742950" lvl="1" indent="-285750" algn="l">
-              <a:buClrTx/>
-              <a:buSzTx/>
-            </a:pPr>
-            <a:r>
-              <a:rPr lang="en-US" altLang="zh-CN" sz="2000">
-                <a:sym typeface="+mn-ea"/>
-              </a:rPr>
-              <a:t>- wrapT // how to wrap vertically</a:t>
-            </a:r>
-            <a:endParaRPr lang="en-US" altLang="zh-CN" sz="2000"/>
-          </a:p>
-          <a:p>
-            <a:pPr marL="742950" lvl="1" indent="-285750" algn="l">
-              <a:buClrTx/>
-              <a:buSzTx/>
-            </a:pPr>
-            <a:r>
-              <a:rPr lang="en-US" altLang="zh-CN" sz="2000">
-                <a:sym typeface="+mn-ea"/>
-              </a:rPr>
-              <a:t>- format // default: THREE.RGBAFormat</a:t>
-            </a:r>
-            <a:endParaRPr lang="en-US" altLang="zh-CN" sz="2000"/>
-          </a:p>
-          <a:p>
-            <a:pPr marL="742950" lvl="1" indent="-285750" algn="l">
-              <a:buClrTx/>
-              <a:buSzTx/>
-            </a:pPr>
-            <a:r>
-              <a:rPr lang="en-US" altLang="zh-CN" sz="2000">
-                <a:sym typeface="+mn-ea"/>
-              </a:rPr>
-              <a:t>- offset // 0.0~1.0</a:t>
-            </a:r>
-            <a:endParaRPr lang="en-US" altLang="zh-CN" sz="2000"/>
-          </a:p>
-          <a:p>
-            <a:pPr marL="742950" lvl="1" indent="-285750" algn="l">
-              <a:buClrTx/>
-              <a:buSzTx/>
-            </a:pPr>
-            <a:r>
-              <a:rPr lang="en-US" altLang="zh-CN" sz="2000">
-                <a:sym typeface="+mn-ea"/>
-              </a:rPr>
-              <a:t>- repeat // Vector2, how many times to repeat</a:t>
-            </a:r>
-            <a:endParaRPr lang="en-US" altLang="zh-CN" sz="2000"/>
-          </a:p>
-          <a:p>
-            <a:pPr marL="285750" lvl="0" indent="-285750">
-              <a:buFont typeface="Arial" panose="020B0604020202020204" pitchFamily="34" charset="0"/>
-              <a:buChar char="•"/>
-            </a:pPr>
-            <a:r>
-              <a:rPr lang="en-US" altLang="zh-CN" sz="2400">
-                <a:sym typeface="+mn-ea"/>
-              </a:rPr>
-              <a:t>Methods</a:t>
-            </a:r>
-            <a:endParaRPr lang="en-US" altLang="zh-CN" sz="2400">
-              <a:sym typeface="+mn-ea"/>
-            </a:endParaRPr>
-          </a:p>
-          <a:p>
-            <a:pPr marL="742950" lvl="1" indent="-285750">
-              <a:buFont typeface="Arial" panose="020B0604020202020204" pitchFamily="34" charset="0"/>
-              <a:buChar char="•"/>
-            </a:pPr>
-            <a:r>
-              <a:rPr lang="en-US" altLang="zh-CN" sz="2000">
-                <a:sym typeface="+mn-ea"/>
-              </a:rPr>
-              <a:t>dispose()</a:t>
-            </a:r>
-            <a:endParaRPr lang="en-US" altLang="zh-CN" sz="2000"/>
-          </a:p>
-          <a:p>
-            <a:endParaRPr lang="zh-CN" altLang="en-US"/>
-          </a:p>
-        </p:txBody>
-      </p:sp>
-    </p:spTree>
-    <p:custDataLst>
-      <p:tags r:id="rId1"/>
-    </p:custDataLst>
-  </p:cSld>
-  <p:clrMapOvr>
-    <a:masterClrMapping/>
-  </p:clrMapOvr>
-</p:sld>
-</file>
-
 <file path=ppt/slides/slide13.xml><?xml version="1.0" encoding="utf-8"?>
 <p:sld xmlns:a="http://schemas.openxmlformats.org/drawingml/2006/main" xmlns:r="http://schemas.openxmlformats.org/officeDocument/2006/relationships" xmlns:p="http://schemas.openxmlformats.org/presentationml/2006/main">
   <p:cSld>
@@ -4707,6 +4586,233 @@
 </file>
 
 <file path=ppt/slides/slide14.xml><?xml version="1.0" encoding="utf-8"?>
+<p:sld xmlns:a="http://schemas.openxmlformats.org/drawingml/2006/main" xmlns:r="http://schemas.openxmlformats.org/officeDocument/2006/relationships" xmlns:p="http://schemas.openxmlformats.org/presentationml/2006/main">
+  <p:cSld>
+    <p:spTree>
+      <p:nvGrpSpPr>
+        <p:cNvPr id="1" name=""/>
+        <p:cNvGrpSpPr/>
+        <p:nvPr/>
+      </p:nvGrpSpPr>
+      <p:grpSpPr/>
+      <p:sp>
+        <p:nvSpPr>
+          <p:cNvPr id="2" name="标题 1"/>
+          <p:cNvSpPr>
+            <a:spLocks noGrp="1"/>
+          </p:cNvSpPr>
+          <p:nvPr>
+            <p:ph type="title"/>
+          </p:nvPr>
+        </p:nvSpPr>
+        <p:spPr/>
+        <p:txBody>
+          <a:bodyPr/>
+          <a:p>
+            <a:r>
+              <a:rPr lang="en-US" altLang="zh-CN"/>
+              <a:t>Texture, Texture Loader</a:t>
+            </a:r>
+            <a:endParaRPr lang="en-US" altLang="zh-CN"/>
+          </a:p>
+        </p:txBody>
+      </p:sp>
+      <p:sp>
+        <p:nvSpPr>
+          <p:cNvPr id="3" name="内容占位符 2"/>
+          <p:cNvSpPr>
+            <a:spLocks noGrp="1"/>
+          </p:cNvSpPr>
+          <p:nvPr>
+            <p:ph idx="1"/>
+          </p:nvPr>
+        </p:nvSpPr>
+        <p:spPr/>
+        <p:txBody>
+          <a:bodyPr>
+            <a:normAutofit lnSpcReduction="10000"/>
+          </a:bodyPr>
+          <a:p>
+            <a:pPr marL="285750" indent="-285750">
+              <a:buFont typeface="Arial" panose="020B0604020202020204" pitchFamily="34" charset="0"/>
+              <a:buChar char="•"/>
+            </a:pPr>
+            <a:r>
+              <a:rPr lang="en-US" altLang="zh-CN" sz="2400">
+                <a:sym typeface="+mn-ea"/>
+              </a:rPr>
+              <a:t>let texture = TextureLoader.load() </a:t>
+            </a:r>
+            <a:endParaRPr lang="en-US" altLang="zh-CN" sz="2400">
+              <a:sym typeface="+mn-ea"/>
+            </a:endParaRPr>
+          </a:p>
+          <a:p>
+            <a:pPr marL="285750" indent="-285750">
+              <a:buFont typeface="Arial" panose="020B0604020202020204" pitchFamily="34" charset="0"/>
+              <a:buChar char="•"/>
+            </a:pPr>
+            <a:r>
+              <a:rPr lang="en-US" altLang="zh-CN" sz="2400">
+                <a:sym typeface="+mn-ea"/>
+              </a:rPr>
+              <a:t>Properties</a:t>
+            </a:r>
+            <a:endParaRPr lang="en-US" altLang="zh-CN" sz="2400">
+              <a:sym typeface="+mn-ea"/>
+            </a:endParaRPr>
+          </a:p>
+          <a:p>
+            <a:pPr marL="742950" lvl="1" indent="-285750">
+              <a:buFont typeface="Arial" panose="020B0604020202020204" pitchFamily="34" charset="0"/>
+              <a:buChar char="•"/>
+            </a:pPr>
+            <a:r>
+              <a:rPr lang="en-US" altLang="zh-CN" sz="2000">
+                <a:sym typeface="+mn-ea"/>
+              </a:rPr>
+              <a:t>- id</a:t>
+            </a:r>
+            <a:endParaRPr lang="en-US" altLang="zh-CN" sz="2000"/>
+          </a:p>
+          <a:p>
+            <a:pPr marL="742950" lvl="1" indent="-285750" algn="l">
+              <a:buClrTx/>
+              <a:buSzTx/>
+            </a:pPr>
+            <a:r>
+              <a:rPr lang="en-US" altLang="zh-CN" sz="2000">
+                <a:sym typeface="+mn-ea"/>
+              </a:rPr>
+              <a:t>- uuid</a:t>
+            </a:r>
+            <a:endParaRPr lang="en-US" altLang="zh-CN" sz="2000"/>
+          </a:p>
+          <a:p>
+            <a:pPr marL="742950" lvl="1" indent="-285750" algn="l">
+              <a:buClrTx/>
+              <a:buSzTx/>
+            </a:pPr>
+            <a:r>
+              <a:rPr lang="en-US" altLang="zh-CN" sz="2000">
+                <a:sym typeface="+mn-ea"/>
+              </a:rPr>
+              <a:t>- image // image or video loaded using</a:t>
+            </a:r>
+            <a:endParaRPr lang="en-US" altLang="zh-CN" sz="2000">
+              <a:sym typeface="+mn-ea"/>
+            </a:endParaRPr>
+          </a:p>
+          <a:p>
+            <a:pPr marL="742950" lvl="1" indent="-285750" algn="l">
+              <a:buClrTx/>
+              <a:buSzTx/>
+            </a:pPr>
+            <a:r>
+              <a:rPr lang="en-US" altLang="zh-CN" sz="2000">
+                <a:sym typeface="+mn-ea"/>
+              </a:rPr>
+              <a:t>- wrapS // how to wrap horizontally</a:t>
+            </a:r>
+            <a:endParaRPr lang="en-US" altLang="zh-CN" sz="2000"/>
+          </a:p>
+          <a:p>
+            <a:pPr marL="742950" lvl="1" indent="-285750" algn="l">
+              <a:buClrTx/>
+              <a:buSzTx/>
+            </a:pPr>
+            <a:r>
+              <a:rPr lang="en-US" altLang="zh-CN" sz="2000">
+                <a:sym typeface="+mn-ea"/>
+              </a:rPr>
+              <a:t>- wrapT // how to wrap vertically</a:t>
+            </a:r>
+            <a:endParaRPr lang="en-US" altLang="zh-CN" sz="2000"/>
+          </a:p>
+          <a:p>
+            <a:pPr marL="742950" lvl="1" indent="-285750" algn="l">
+              <a:buClrTx/>
+              <a:buSzTx/>
+            </a:pPr>
+            <a:r>
+              <a:rPr lang="en-US" altLang="zh-CN" sz="2000">
+                <a:sym typeface="+mn-ea"/>
+              </a:rPr>
+              <a:t>- format // default: THREE.RGBAFormat</a:t>
+            </a:r>
+            <a:endParaRPr lang="en-US" altLang="zh-CN" sz="2000"/>
+          </a:p>
+          <a:p>
+            <a:pPr marL="742950" lvl="1" indent="-285750" algn="l">
+              <a:buClrTx/>
+              <a:buSzTx/>
+            </a:pPr>
+            <a:r>
+              <a:rPr lang="en-US" altLang="zh-CN" sz="2000">
+                <a:sym typeface="+mn-ea"/>
+              </a:rPr>
+              <a:t>- offset // 0.0~1.0</a:t>
+            </a:r>
+            <a:endParaRPr lang="en-US" altLang="zh-CN" sz="2000"/>
+          </a:p>
+          <a:p>
+            <a:pPr marL="742950" lvl="1" indent="-285750" algn="l">
+              <a:buClrTx/>
+              <a:buSzTx/>
+            </a:pPr>
+            <a:r>
+              <a:rPr lang="en-US" altLang="zh-CN" sz="2000">
+                <a:sym typeface="+mn-ea"/>
+              </a:rPr>
+              <a:t>- repeat // Vector2, how many times to repeat</a:t>
+            </a:r>
+            <a:endParaRPr lang="en-US" altLang="zh-CN" sz="2000"/>
+          </a:p>
+          <a:p>
+            <a:pPr marL="285750" lvl="0" indent="-285750">
+              <a:buFont typeface="Arial" panose="020B0604020202020204" pitchFamily="34" charset="0"/>
+              <a:buChar char="•"/>
+            </a:pPr>
+            <a:r>
+              <a:rPr lang="en-US" altLang="zh-CN" sz="2400">
+                <a:sym typeface="+mn-ea"/>
+              </a:rPr>
+              <a:t>Methods</a:t>
+            </a:r>
+            <a:endParaRPr lang="en-US" altLang="zh-CN" sz="2400">
+              <a:sym typeface="+mn-ea"/>
+            </a:endParaRPr>
+          </a:p>
+          <a:p>
+            <a:pPr marL="742950" lvl="1" indent="-285750">
+              <a:buFont typeface="Arial" panose="020B0604020202020204" pitchFamily="34" charset="0"/>
+              <a:buChar char="•"/>
+            </a:pPr>
+            <a:r>
+              <a:rPr lang="en-US" altLang="zh-CN" sz="2000">
+                <a:sym typeface="+mn-ea"/>
+              </a:rPr>
+              <a:t>dispose()</a:t>
+            </a:r>
+            <a:endParaRPr lang="en-US" altLang="zh-CN" sz="2000"/>
+          </a:p>
+          <a:p>
+            <a:endParaRPr lang="zh-CN" altLang="en-US"/>
+          </a:p>
+        </p:txBody>
+      </p:sp>
+    </p:spTree>
+    <p:custDataLst>
+      <p:tags r:id="rId1"/>
+    </p:custDataLst>
+  </p:cSld>
+  <p:clrMapOvr>
+    <a:masterClrMapping/>
+  </p:clrMapOvr>
+</p:sld>
+</file>
+
+<file path=ppt/slides/slide15.xml><?xml version="1.0" encoding="utf-8"?>
 <p:sld xmlns:a="http://schemas.openxmlformats.org/drawingml/2006/main" xmlns:r="http://schemas.openxmlformats.org/officeDocument/2006/relationships" xmlns:p="http://schemas.openxmlformats.org/presentationml/2006/main">
   <p:cSld>
     <p:spTree>
@@ -4996,7 +5102,7 @@
 </p:sld>
 </file>
 
-<file path=ppt/slides/slide15.xml><?xml version="1.0" encoding="utf-8"?>
+<file path=ppt/slides/slide16.xml><?xml version="1.0" encoding="utf-8"?>
 <p:sld xmlns:a="http://schemas.openxmlformats.org/drawingml/2006/main" xmlns:r="http://schemas.openxmlformats.org/officeDocument/2006/relationships" xmlns:p="http://schemas.openxmlformats.org/presentationml/2006/main">
   <p:cSld>
     <p:spTree>
@@ -5197,7 +5303,7 @@
 </p:sld>
 </file>
 
-<file path=ppt/slides/slide16.xml><?xml version="1.0" encoding="utf-8"?>
+<file path=ppt/slides/slide17.xml><?xml version="1.0" encoding="utf-8"?>
 <p:sld xmlns:a="http://schemas.openxmlformats.org/drawingml/2006/main" xmlns:r="http://schemas.openxmlformats.org/officeDocument/2006/relationships" xmlns:p="http://schemas.openxmlformats.org/presentationml/2006/main">
   <p:cSld>
     <p:spTree>
@@ -5310,7 +5416,7 @@
 </p:sld>
 </file>
 
-<file path=ppt/slides/slide17.xml><?xml version="1.0" encoding="utf-8"?>
+<file path=ppt/slides/slide18.xml><?xml version="1.0" encoding="utf-8"?>
 <p:sld xmlns:a="http://schemas.openxmlformats.org/drawingml/2006/main" xmlns:r="http://schemas.openxmlformats.org/officeDocument/2006/relationships" xmlns:p="http://schemas.openxmlformats.org/presentationml/2006/main">
   <p:cSld>
     <p:spTree>
@@ -5574,7 +5680,7 @@
 </p:sld>
 </file>
 
-<file path=ppt/slides/slide18.xml><?xml version="1.0" encoding="utf-8"?>
+<file path=ppt/slides/slide19.xml><?xml version="1.0" encoding="utf-8"?>
 <p:sld xmlns:a="http://schemas.openxmlformats.org/drawingml/2006/main" xmlns:r="http://schemas.openxmlformats.org/officeDocument/2006/relationships" xmlns:p="http://schemas.openxmlformats.org/presentationml/2006/main">
   <p:cSld>
     <p:spTree>
@@ -5861,135 +5967,6 @@
 </p:sld>
 </file>
 
-<file path=ppt/slides/slide19.xml><?xml version="1.0" encoding="utf-8"?>
-<p:sld xmlns:a="http://schemas.openxmlformats.org/drawingml/2006/main" xmlns:r="http://schemas.openxmlformats.org/officeDocument/2006/relationships" xmlns:p="http://schemas.openxmlformats.org/presentationml/2006/main">
-  <p:cSld>
-    <p:spTree>
-      <p:nvGrpSpPr>
-        <p:cNvPr id="1" name=""/>
-        <p:cNvGrpSpPr/>
-        <p:nvPr/>
-      </p:nvGrpSpPr>
-      <p:grpSpPr/>
-      <p:sp>
-        <p:nvSpPr>
-          <p:cNvPr id="2" name="标题 1"/>
-          <p:cNvSpPr>
-            <a:spLocks noGrp="1"/>
-          </p:cNvSpPr>
-          <p:nvPr>
-            <p:ph type="title"/>
-          </p:nvPr>
-        </p:nvSpPr>
-        <p:spPr/>
-        <p:txBody>
-          <a:bodyPr/>
-          <a:p>
-            <a:r>
-              <a:rPr lang="en-US" altLang="zh-CN"/>
-              <a:t>Animation</a:t>
-            </a:r>
-            <a:endParaRPr lang="en-US" altLang="zh-CN"/>
-          </a:p>
-        </p:txBody>
-      </p:sp>
-      <p:sp>
-        <p:nvSpPr>
-          <p:cNvPr id="3" name="内容占位符 2"/>
-          <p:cNvSpPr>
-            <a:spLocks noGrp="1"/>
-          </p:cNvSpPr>
-          <p:nvPr>
-            <p:ph idx="1"/>
-          </p:nvPr>
-        </p:nvSpPr>
-        <p:spPr/>
-        <p:txBody>
-          <a:bodyPr/>
-          <a:p>
-            <a:r>
-              <a:rPr lang="en-US" altLang="zh-CN"/>
-              <a:t>References</a:t>
-            </a:r>
-            <a:endParaRPr lang="en-US" altLang="zh-CN"/>
-          </a:p>
-          <a:p>
-            <a:pPr lvl="1"/>
-            <a:r>
-              <a:rPr lang="en-US" altLang="zh-CN"/>
-              <a:t>https://threejs.org/docs/#manual/en/introduction/Animation-system</a:t>
-            </a:r>
-            <a:endParaRPr lang="en-US" altLang="zh-CN"/>
-          </a:p>
-          <a:p>
-            <a:pPr lvl="0"/>
-            <a:r>
-              <a:rPr lang="en-US" altLang="zh-CN"/>
-              <a:t>Animated target</a:t>
-            </a:r>
-            <a:endParaRPr lang="en-US" altLang="zh-CN"/>
-          </a:p>
-          <a:p>
-            <a:pPr lvl="1"/>
-            <a:r>
-              <a:rPr lang="en-US" altLang="zh-CN"/>
-              <a:t>material properties, like colors, opacity, booleans</a:t>
-            </a:r>
-            <a:endParaRPr lang="en-US" altLang="zh-CN"/>
-          </a:p>
-          <a:p>
-            <a:pPr lvl="0"/>
-            <a:r>
-              <a:rPr lang="en-US" altLang="zh-CN"/>
-              <a:t>Components</a:t>
-            </a:r>
-            <a:endParaRPr lang="en-US" altLang="zh-CN"/>
-          </a:p>
-          <a:p>
-            <a:pPr lvl="1"/>
-            <a:r>
-              <a:rPr lang="en-US" altLang="zh-CN"/>
-              <a:t>animation clips</a:t>
-            </a:r>
-            <a:endParaRPr lang="en-US" altLang="zh-CN"/>
-          </a:p>
-          <a:p>
-            <a:pPr lvl="1"/>
-            <a:r>
-              <a:rPr lang="en-US" altLang="zh-CN"/>
-              <a:t>keyframe tracks</a:t>
-            </a:r>
-            <a:endParaRPr lang="en-US" altLang="zh-CN"/>
-          </a:p>
-          <a:p>
-            <a:pPr lvl="1"/>
-            <a:r>
-              <a:rPr lang="en-US" altLang="zh-CN"/>
-              <a:t>AnimationMixer: player for animations</a:t>
-            </a:r>
-            <a:endParaRPr lang="en-US" altLang="zh-CN"/>
-          </a:p>
-          <a:p>
-            <a:pPr lvl="1"/>
-            <a:r>
-              <a:rPr lang="en-US" altLang="zh-CN"/>
-              <a:t>AnimationAction</a:t>
-            </a:r>
-            <a:endParaRPr lang="en-US" altLang="zh-CN"/>
-          </a:p>
-        </p:txBody>
-      </p:sp>
-    </p:spTree>
-    <p:custDataLst>
-      <p:tags r:id="rId1"/>
-    </p:custDataLst>
-  </p:cSld>
-  <p:clrMapOvr>
-    <a:masterClrMapping/>
-  </p:clrMapOvr>
-</p:sld>
-</file>
-
 <file path=ppt/slides/slide2.xml><?xml version="1.0" encoding="utf-8"?>
 <p:sld xmlns:a="http://schemas.openxmlformats.org/drawingml/2006/main" xmlns:r="http://schemas.openxmlformats.org/officeDocument/2006/relationships" xmlns:p="http://schemas.openxmlformats.org/presentationml/2006/main">
   <p:cSld>
@@ -6102,7 +6079,7 @@
           <a:p>
             <a:r>
               <a:rPr lang="en-US" altLang="zh-CN"/>
-              <a:t>Raycaster</a:t>
+              <a:t>Animation</a:t>
             </a:r>
             <a:endParaRPr lang="en-US" altLang="zh-CN"/>
           </a:p>
@@ -6120,13 +6097,11 @@
         </p:nvSpPr>
         <p:spPr/>
         <p:txBody>
-          <a:bodyPr>
-            <a:normAutofit lnSpcReduction="10000"/>
-          </a:bodyPr>
-          <a:p>
-            <a:r>
-              <a:rPr lang="en-US" altLang="zh-CN"/>
-              <a:t>Code Snippets</a:t>
+          <a:bodyPr/>
+          <a:p>
+            <a:r>
+              <a:rPr lang="en-US" altLang="zh-CN"/>
+              <a:t>References</a:t>
             </a:r>
             <a:endParaRPr lang="en-US" altLang="zh-CN"/>
           </a:p>
@@ -6134,7 +6109,15 @@
             <a:pPr lvl="1"/>
             <a:r>
               <a:rPr lang="en-US" altLang="zh-CN"/>
-              <a:t>var rc = new Three.Raycaster()</a:t>
+              <a:t>https://threejs.org/docs/#manual/en/introduction/Animation-system</a:t>
+            </a:r>
+            <a:endParaRPr lang="en-US" altLang="zh-CN"/>
+          </a:p>
+          <a:p>
+            <a:pPr lvl="0"/>
+            <a:r>
+              <a:rPr lang="en-US" altLang="zh-CN"/>
+              <a:t>Animated target</a:t>
             </a:r>
             <a:endParaRPr lang="en-US" altLang="zh-CN"/>
           </a:p>
@@ -6142,7 +6125,15 @@
             <a:pPr lvl="1"/>
             <a:r>
               <a:rPr lang="en-US" altLang="zh-CN"/>
-              <a:t>rc.setFromCamera(mousePos, camera)</a:t>
+              <a:t>material properties, like colors, opacity, booleans</a:t>
+            </a:r>
+            <a:endParaRPr lang="en-US" altLang="zh-CN"/>
+          </a:p>
+          <a:p>
+            <a:pPr lvl="0"/>
+            <a:r>
+              <a:rPr lang="en-US" altLang="zh-CN"/>
+              <a:t>Components</a:t>
             </a:r>
             <a:endParaRPr lang="en-US" altLang="zh-CN"/>
           </a:p>
@@ -6150,7 +6141,7 @@
             <a:pPr lvl="1"/>
             <a:r>
               <a:rPr lang="en-US" altLang="zh-CN"/>
-              <a:t>intersects = rc.intersectObjects( scene.children )</a:t>
+              <a:t>animation clips</a:t>
             </a:r>
             <a:endParaRPr lang="en-US" altLang="zh-CN"/>
           </a:p>
@@ -6158,23 +6149,7 @@
             <a:pPr lvl="1"/>
             <a:r>
               <a:rPr lang="en-US" altLang="zh-CN"/>
-              <a:t>rc.ray</a:t>
-            </a:r>
-            <a:endParaRPr lang="en-US" altLang="zh-CN"/>
-          </a:p>
-          <a:p>
-            <a:pPr lvl="2"/>
-            <a:r>
-              <a:rPr lang="en-US" altLang="zh-CN"/>
-              <a:t>direction</a:t>
-            </a:r>
-            <a:endParaRPr lang="en-US" altLang="zh-CN"/>
-          </a:p>
-          <a:p>
-            <a:pPr lvl="0"/>
-            <a:r>
-              <a:rPr lang="en-US" altLang="zh-CN"/>
-              <a:t>intersection</a:t>
+              <a:t>keyframe tracks</a:t>
             </a:r>
             <a:endParaRPr lang="en-US" altLang="zh-CN"/>
           </a:p>
@@ -6182,7 +6157,7 @@
             <a:pPr lvl="1"/>
             <a:r>
               <a:rPr lang="en-US" altLang="zh-CN"/>
-              <a:t>object : intersected object (THREE.Mesh)</a:t>
+              <a:t>AnimationMixer: player for animations</a:t>
             </a:r>
             <a:endParaRPr lang="en-US" altLang="zh-CN"/>
           </a:p>
@@ -6190,39 +6165,7 @@
             <a:pPr lvl="1"/>
             <a:r>
               <a:rPr lang="en-US" altLang="zh-CN"/>
-              <a:t>distance : distance from camera to intersection (number)</a:t>
-            </a:r>
-            <a:endParaRPr lang="en-US" altLang="zh-CN"/>
-          </a:p>
-          <a:p>
-            <a:pPr lvl="1"/>
-            <a:r>
-              <a:rPr lang="en-US" altLang="zh-CN"/>
-              <a:t>face : intersected face (THREE.Face3)</a:t>
-            </a:r>
-            <a:endParaRPr lang="en-US" altLang="zh-CN"/>
-          </a:p>
-          <a:p>
-            <a:pPr lvl="1"/>
-            <a:r>
-              <a:rPr lang="en-US" altLang="zh-CN"/>
-              <a:t>faceIndex : intersected face index (number)</a:t>
-            </a:r>
-            <a:endParaRPr lang="en-US" altLang="zh-CN"/>
-          </a:p>
-          <a:p>
-            <a:pPr lvl="1"/>
-            <a:r>
-              <a:rPr lang="en-US" altLang="zh-CN"/>
-              <a:t>point : intersection point (THREE.Vector3)</a:t>
-            </a:r>
-            <a:endParaRPr lang="en-US" altLang="zh-CN"/>
-          </a:p>
-          <a:p>
-            <a:pPr lvl="1"/>
-            <a:r>
-              <a:rPr lang="en-US" altLang="zh-CN"/>
-              <a:t>uv : intersection point in the object's UV coordinates (THREE.Vector2)</a:t>
+              <a:t>AnimationAction</a:t>
             </a:r>
             <a:endParaRPr lang="en-US" altLang="zh-CN"/>
           </a:p>
@@ -6240,6 +6183,169 @@
 </file>
 
 <file path=ppt/slides/slide21.xml><?xml version="1.0" encoding="utf-8"?>
+<p:sld xmlns:a="http://schemas.openxmlformats.org/drawingml/2006/main" xmlns:r="http://schemas.openxmlformats.org/officeDocument/2006/relationships" xmlns:p="http://schemas.openxmlformats.org/presentationml/2006/main">
+  <p:cSld>
+    <p:spTree>
+      <p:nvGrpSpPr>
+        <p:cNvPr id="1" name=""/>
+        <p:cNvGrpSpPr/>
+        <p:nvPr/>
+      </p:nvGrpSpPr>
+      <p:grpSpPr/>
+      <p:sp>
+        <p:nvSpPr>
+          <p:cNvPr id="2" name="标题 1"/>
+          <p:cNvSpPr>
+            <a:spLocks noGrp="1"/>
+          </p:cNvSpPr>
+          <p:nvPr>
+            <p:ph type="title"/>
+          </p:nvPr>
+        </p:nvSpPr>
+        <p:spPr/>
+        <p:txBody>
+          <a:bodyPr/>
+          <a:p>
+            <a:r>
+              <a:rPr lang="en-US" altLang="zh-CN"/>
+              <a:t>Raycaster</a:t>
+            </a:r>
+            <a:endParaRPr lang="en-US" altLang="zh-CN"/>
+          </a:p>
+        </p:txBody>
+      </p:sp>
+      <p:sp>
+        <p:nvSpPr>
+          <p:cNvPr id="3" name="内容占位符 2"/>
+          <p:cNvSpPr>
+            <a:spLocks noGrp="1"/>
+          </p:cNvSpPr>
+          <p:nvPr>
+            <p:ph idx="1"/>
+          </p:nvPr>
+        </p:nvSpPr>
+        <p:spPr/>
+        <p:txBody>
+          <a:bodyPr>
+            <a:normAutofit lnSpcReduction="10000"/>
+          </a:bodyPr>
+          <a:p>
+            <a:r>
+              <a:rPr lang="en-US" altLang="zh-CN"/>
+              <a:t>Code Snippets</a:t>
+            </a:r>
+            <a:endParaRPr lang="en-US" altLang="zh-CN"/>
+          </a:p>
+          <a:p>
+            <a:pPr lvl="1"/>
+            <a:r>
+              <a:rPr lang="en-US" altLang="zh-CN"/>
+              <a:t>var rc = new Three.Raycaster()</a:t>
+            </a:r>
+            <a:endParaRPr lang="en-US" altLang="zh-CN"/>
+          </a:p>
+          <a:p>
+            <a:pPr lvl="1"/>
+            <a:r>
+              <a:rPr lang="en-US" altLang="zh-CN"/>
+              <a:t>rc.setFromCamera(mousePos, camera)</a:t>
+            </a:r>
+            <a:endParaRPr lang="en-US" altLang="zh-CN"/>
+          </a:p>
+          <a:p>
+            <a:pPr lvl="1"/>
+            <a:r>
+              <a:rPr lang="en-US" altLang="zh-CN"/>
+              <a:t>intersects = rc.intersectObjects( scene.children )</a:t>
+            </a:r>
+            <a:endParaRPr lang="en-US" altLang="zh-CN"/>
+          </a:p>
+          <a:p>
+            <a:pPr lvl="1"/>
+            <a:r>
+              <a:rPr lang="en-US" altLang="zh-CN"/>
+              <a:t>rc.ray</a:t>
+            </a:r>
+            <a:endParaRPr lang="en-US" altLang="zh-CN"/>
+          </a:p>
+          <a:p>
+            <a:pPr lvl="2"/>
+            <a:r>
+              <a:rPr lang="en-US" altLang="zh-CN"/>
+              <a:t>direction</a:t>
+            </a:r>
+            <a:endParaRPr lang="en-US" altLang="zh-CN"/>
+          </a:p>
+          <a:p>
+            <a:pPr lvl="0"/>
+            <a:r>
+              <a:rPr lang="en-US" altLang="zh-CN"/>
+              <a:t>intersection</a:t>
+            </a:r>
+            <a:endParaRPr lang="en-US" altLang="zh-CN"/>
+          </a:p>
+          <a:p>
+            <a:pPr lvl="1"/>
+            <a:r>
+              <a:rPr lang="en-US" altLang="zh-CN"/>
+              <a:t>object : intersected object (THREE.Mesh)</a:t>
+            </a:r>
+            <a:endParaRPr lang="en-US" altLang="zh-CN"/>
+          </a:p>
+          <a:p>
+            <a:pPr lvl="1"/>
+            <a:r>
+              <a:rPr lang="en-US" altLang="zh-CN"/>
+              <a:t>distance : distance from camera to intersection (number)</a:t>
+            </a:r>
+            <a:endParaRPr lang="en-US" altLang="zh-CN"/>
+          </a:p>
+          <a:p>
+            <a:pPr lvl="1"/>
+            <a:r>
+              <a:rPr lang="en-US" altLang="zh-CN"/>
+              <a:t>face : intersected face (THREE.Face3)</a:t>
+            </a:r>
+            <a:endParaRPr lang="en-US" altLang="zh-CN"/>
+          </a:p>
+          <a:p>
+            <a:pPr lvl="1"/>
+            <a:r>
+              <a:rPr lang="en-US" altLang="zh-CN"/>
+              <a:t>faceIndex : intersected face index (number)</a:t>
+            </a:r>
+            <a:endParaRPr lang="en-US" altLang="zh-CN"/>
+          </a:p>
+          <a:p>
+            <a:pPr lvl="1"/>
+            <a:r>
+              <a:rPr lang="en-US" altLang="zh-CN"/>
+              <a:t>point : intersection point (THREE.Vector3)</a:t>
+            </a:r>
+            <a:endParaRPr lang="en-US" altLang="zh-CN"/>
+          </a:p>
+          <a:p>
+            <a:pPr lvl="1"/>
+            <a:r>
+              <a:rPr lang="en-US" altLang="zh-CN"/>
+              <a:t>uv : intersection point in the object's UV coordinates (THREE.Vector2)</a:t>
+            </a:r>
+            <a:endParaRPr lang="en-US" altLang="zh-CN"/>
+          </a:p>
+        </p:txBody>
+      </p:sp>
+    </p:spTree>
+    <p:custDataLst>
+      <p:tags r:id="rId1"/>
+    </p:custDataLst>
+  </p:cSld>
+  <p:clrMapOvr>
+    <a:masterClrMapping/>
+  </p:clrMapOvr>
+</p:sld>
+</file>
+
+<file path=ppt/slides/slide22.xml><?xml version="1.0" encoding="utf-8"?>
 <p:sld xmlns:a="http://schemas.openxmlformats.org/drawingml/2006/main" xmlns:r="http://schemas.openxmlformats.org/officeDocument/2006/relationships" xmlns:p="http://schemas.openxmlformats.org/presentationml/2006/main">
   <p:cSld>
     <p:spTree>
@@ -6347,7 +6453,7 @@
 </p:sld>
 </file>
 
-<file path=ppt/slides/slide22.xml><?xml version="1.0" encoding="utf-8"?>
+<file path=ppt/slides/slide23.xml><?xml version="1.0" encoding="utf-8"?>
 <p:sld xmlns:a="http://schemas.openxmlformats.org/drawingml/2006/main" xmlns:r="http://schemas.openxmlformats.org/officeDocument/2006/relationships" xmlns:p="http://schemas.openxmlformats.org/presentationml/2006/main">
   <p:cSld>
     <p:spTree>
@@ -6451,7 +6557,7 @@
 </p:sld>
 </file>
 
-<file path=ppt/slides/slide23.xml><?xml version="1.0" encoding="utf-8"?>
+<file path=ppt/slides/slide24.xml><?xml version="1.0" encoding="utf-8"?>
 <p:sld xmlns:a="http://schemas.openxmlformats.org/drawingml/2006/main" xmlns:r="http://schemas.openxmlformats.org/officeDocument/2006/relationships" xmlns:p="http://schemas.openxmlformats.org/presentationml/2006/main">
   <p:cSld>
     <p:spTree>
@@ -6510,6 +6616,184 @@
               <a:t>https://developer.mozilla.org/en-US/docs/Web/API/WebGL_API/WebGL_best_practices</a:t>
             </a:r>
             <a:endParaRPr lang="en-US" altLang="zh-CN"/>
+          </a:p>
+        </p:txBody>
+      </p:sp>
+    </p:spTree>
+    <p:custDataLst>
+      <p:tags r:id="rId1"/>
+    </p:custDataLst>
+  </p:cSld>
+  <p:clrMapOvr>
+    <a:masterClrMapping/>
+  </p:clrMapOvr>
+</p:sld>
+</file>
+
+<file path=ppt/slides/slide25.xml><?xml version="1.0" encoding="utf-8"?>
+<p:sld xmlns:a="http://schemas.openxmlformats.org/drawingml/2006/main" xmlns:r="http://schemas.openxmlformats.org/officeDocument/2006/relationships" xmlns:p="http://schemas.openxmlformats.org/presentationml/2006/main">
+  <p:cSld>
+    <p:spTree>
+      <p:nvGrpSpPr>
+        <p:cNvPr id="1" name=""/>
+        <p:cNvGrpSpPr/>
+        <p:nvPr/>
+      </p:nvGrpSpPr>
+      <p:grpSpPr/>
+      <p:sp>
+        <p:nvSpPr>
+          <p:cNvPr id="2" name="标题 1"/>
+          <p:cNvSpPr>
+            <a:spLocks noGrp="1"/>
+          </p:cNvSpPr>
+          <p:nvPr>
+            <p:ph type="title"/>
+          </p:nvPr>
+        </p:nvSpPr>
+        <p:spPr/>
+        <p:txBody>
+          <a:bodyPr/>
+          <a:p>
+            <a:r>
+              <a:rPr lang="en-US" altLang="zh-CN"/>
+              <a:t>VR</a:t>
+            </a:r>
+            <a:endParaRPr lang="en-US" altLang="zh-CN"/>
+          </a:p>
+        </p:txBody>
+      </p:sp>
+      <p:sp>
+        <p:nvSpPr>
+          <p:cNvPr id="3" name="内容占位符 2"/>
+          <p:cNvSpPr>
+            <a:spLocks noGrp="1"/>
+          </p:cNvSpPr>
+          <p:nvPr>
+            <p:ph idx="1"/>
+          </p:nvPr>
+        </p:nvSpPr>
+        <p:spPr/>
+        <p:txBody>
+          <a:bodyPr/>
+          <a:p>
+            <a:r>
+              <a:rPr lang="en-US" altLang="zh-CN"/>
+              <a:t>References</a:t>
+            </a:r>
+            <a:endParaRPr lang="en-US" altLang="zh-CN"/>
+          </a:p>
+          <a:p>
+            <a:pPr lvl="1"/>
+            <a:r>
+              <a:rPr lang="en-US" altLang="zh-CN"/>
+              <a:t>https://r105.threejsfundamentals.org/threejs/lessons/threejs-webvr.html</a:t>
+            </a:r>
+            <a:endParaRPr lang="en-US" altLang="zh-CN"/>
+          </a:p>
+          <a:p>
+            <a:pPr lvl="1"/>
+            <a:r>
+              <a:rPr lang="en-US" altLang="zh-CN"/>
+              <a:t>https://ada.is/blog/2020/05/18/using-vr-controllers-and-locomotion-in-threejs/</a:t>
+            </a:r>
+            <a:endParaRPr lang="en-US" altLang="zh-CN"/>
+          </a:p>
+          <a:p>
+            <a:pPr lvl="1"/>
+            <a:r>
+              <a:rPr lang="en-US" altLang="zh-CN"/>
+              <a:t>https://codingxr.com/articles/getting-started-with-webxr-and-threejs/</a:t>
+            </a:r>
+            <a:endParaRPr lang="en-US" altLang="zh-CN"/>
+          </a:p>
+          <a:p>
+            <a:pPr lvl="1"/>
+            <a:r>
+              <a:rPr lang="en-US" altLang="zh-CN"/>
+              <a:t>http://charliegerard.github.io/blog/Virtual-Reality-ThreeJs/</a:t>
+            </a:r>
+            <a:endParaRPr lang="en-US" altLang="zh-CN"/>
+          </a:p>
+          <a:p>
+            <a:pPr lvl="1"/>
+            <a:r>
+              <a:rPr lang="en-US" altLang="zh-CN"/>
+              <a:t>https://tutorialsforvr.com/360-vr-player-web-threejs/</a:t>
+            </a:r>
+            <a:endParaRPr lang="en-US" altLang="zh-CN"/>
+          </a:p>
+        </p:txBody>
+      </p:sp>
+    </p:spTree>
+    <p:custDataLst>
+      <p:tags r:id="rId1"/>
+    </p:custDataLst>
+  </p:cSld>
+  <p:clrMapOvr>
+    <a:masterClrMapping/>
+  </p:clrMapOvr>
+</p:sld>
+</file>
+
+<file path=ppt/slides/slide26.xml><?xml version="1.0" encoding="utf-8"?>
+<p:sld xmlns:a="http://schemas.openxmlformats.org/drawingml/2006/main" xmlns:r="http://schemas.openxmlformats.org/officeDocument/2006/relationships" xmlns:p="http://schemas.openxmlformats.org/presentationml/2006/main">
+  <p:cSld>
+    <p:spTree>
+      <p:nvGrpSpPr>
+        <p:cNvPr id="1" name=""/>
+        <p:cNvGrpSpPr/>
+        <p:nvPr/>
+      </p:nvGrpSpPr>
+      <p:grpSpPr/>
+      <p:sp>
+        <p:nvSpPr>
+          <p:cNvPr id="2" name="标题 1"/>
+          <p:cNvSpPr>
+            <a:spLocks noGrp="1"/>
+          </p:cNvSpPr>
+          <p:nvPr>
+            <p:ph type="title"/>
+          </p:nvPr>
+        </p:nvSpPr>
+        <p:spPr/>
+        <p:txBody>
+          <a:bodyPr/>
+          <a:p>
+            <a:r>
+              <a:rPr lang="zh-CN" altLang="en-US"/>
+              <a:t>微信小程序</a:t>
+            </a:r>
+            <a:endParaRPr lang="zh-CN" altLang="en-US"/>
+          </a:p>
+        </p:txBody>
+      </p:sp>
+      <p:sp>
+        <p:nvSpPr>
+          <p:cNvPr id="3" name="内容占位符 2"/>
+          <p:cNvSpPr>
+            <a:spLocks noGrp="1"/>
+          </p:cNvSpPr>
+          <p:nvPr>
+            <p:ph idx="1"/>
+          </p:nvPr>
+        </p:nvSpPr>
+        <p:spPr/>
+        <p:txBody>
+          <a:bodyPr/>
+          <a:p>
+            <a:r>
+              <a:rPr lang="en-US" altLang="zh-CN"/>
+              <a:t>References</a:t>
+            </a:r>
+            <a:endParaRPr lang="en-US" altLang="zh-CN"/>
+          </a:p>
+          <a:p>
+            <a:pPr lvl="1"/>
+            <a:r>
+              <a:rPr lang="zh-CN" altLang="en-US"/>
+              <a:t>https://juejin.cn/post/6918755518593007623</a:t>
+            </a:r>
+            <a:endParaRPr lang="zh-CN" altLang="en-US"/>
           </a:p>
         </p:txBody>
       </p:sp>
@@ -6619,491 +6903,39 @@
           <a:p>
             <a:r>
               <a:rPr lang="en-US" altLang="zh-CN"/>
-              <a:t>Basic Demo</a:t>
-            </a:r>
-            <a:endParaRPr lang="en-US" altLang="zh-CN"/>
-          </a:p>
-        </p:txBody>
-      </p:sp>
-      <p:sp>
-        <p:nvSpPr>
-          <p:cNvPr id="4" name="文本框 3"/>
-          <p:cNvSpPr txBox="1"/>
+              <a:t>Classes</a:t>
+            </a:r>
+            <a:endParaRPr lang="en-US" altLang="zh-CN"/>
+          </a:p>
+        </p:txBody>
+      </p:sp>
+      <p:pic>
+        <p:nvPicPr>
+          <p:cNvPr id="7" name="图片 6"/>
+          <p:cNvPicPr>
+            <a:picLocks noChangeAspect="1"/>
+          </p:cNvPicPr>
           <p:nvPr/>
-        </p:nvSpPr>
+        </p:nvPicPr>
+        <p:blipFill>
+          <a:blip r:embed="rId1"/>
+          <a:stretch>
+            <a:fillRect/>
+          </a:stretch>
+        </p:blipFill>
         <p:spPr>
           <a:xfrm>
-            <a:off x="691515" y="1299210"/>
-            <a:ext cx="5071110" cy="4707890"/>
+            <a:off x="6003925" y="182880"/>
+            <a:ext cx="5707380" cy="6156960"/>
           </a:xfrm>
           <a:prstGeom prst="rect">
             <a:avLst/>
           </a:prstGeom>
-          <a:noFill/>
         </p:spPr>
-        <p:txBody>
-          <a:bodyPr wrap="square" rtlCol="0">
-            <a:spAutoFit/>
-          </a:bodyPr>
-          <a:p>
-            <a:r>
-              <a:rPr lang="zh-CN" altLang="en-US" sz="1200"/>
-              <a:t>&lt;!DOCTYPE html&gt;</a:t>
-            </a:r>
-            <a:endParaRPr lang="zh-CN" altLang="en-US" sz="1200"/>
-          </a:p>
-          <a:p>
-            <a:r>
-              <a:rPr lang="zh-CN" altLang="en-US" sz="1200"/>
-              <a:t>&lt;html lang="en"&gt;</a:t>
-            </a:r>
-            <a:endParaRPr lang="zh-CN" altLang="en-US" sz="1200"/>
-          </a:p>
-          <a:p>
-            <a:r>
-              <a:rPr lang="zh-CN" altLang="en-US" sz="1200"/>
-              <a:t>&lt;head&gt;</a:t>
-            </a:r>
-            <a:endParaRPr lang="zh-CN" altLang="en-US" sz="1200"/>
-          </a:p>
-          <a:p>
-            <a:r>
-              <a:rPr lang="zh-CN" altLang="en-US" sz="1200"/>
-              <a:t>  &lt;meta charset="UTF-8"&gt;</a:t>
-            </a:r>
-            <a:endParaRPr lang="zh-CN" altLang="en-US" sz="1200"/>
-          </a:p>
-          <a:p>
-            <a:r>
-              <a:rPr lang="zh-CN" altLang="en-US" sz="1200"/>
-              <a:t>  &lt;meta http-equiv="X-UA-Compatible" content="IE=edge"&gt;</a:t>
-            </a:r>
-            <a:endParaRPr lang="zh-CN" altLang="en-US" sz="1200"/>
-          </a:p>
-          <a:p>
-            <a:r>
-              <a:rPr lang="zh-CN" altLang="en-US" sz="1200"/>
-              <a:t>  &lt;meta name="viewport" content="width=device-width, initial-scale=1.0"&gt;</a:t>
-            </a:r>
-            <a:endParaRPr lang="zh-CN" altLang="en-US" sz="1200"/>
-          </a:p>
-          <a:p>
-            <a:r>
-              <a:rPr lang="zh-CN" altLang="en-US" sz="1200"/>
-              <a:t>  &lt;title&gt;room&lt;/title&gt;</a:t>
-            </a:r>
-            <a:endParaRPr lang="zh-CN" altLang="en-US" sz="1200"/>
-          </a:p>
-          <a:p>
-            <a:r>
-              <a:rPr lang="zh-CN" altLang="en-US" sz="1200"/>
-              <a:t>&lt;/head&gt;</a:t>
-            </a:r>
-            <a:endParaRPr lang="zh-CN" altLang="en-US" sz="1200"/>
-          </a:p>
-          <a:p>
-            <a:r>
-              <a:rPr lang="zh-CN" altLang="en-US" sz="1200"/>
-              <a:t>&lt;body&gt;</a:t>
-            </a:r>
-            <a:endParaRPr lang="zh-CN" altLang="en-US" sz="1200"/>
-          </a:p>
-          <a:p>
-            <a:r>
-              <a:rPr lang="zh-CN" altLang="en-US" sz="1200"/>
-              <a:t>  &lt;div id="webgl-output"&gt;&lt;/div&gt;</a:t>
-            </a:r>
-            <a:endParaRPr lang="zh-CN" altLang="en-US" sz="1200"/>
-          </a:p>
-          <a:p>
-            <a:r>
-              <a:rPr lang="zh-CN" altLang="en-US" sz="1200"/>
-              <a:t>  &lt;script src="https://unpkg.com/three@0.119.0/build/three.js"&gt;&lt;/script&gt;</a:t>
-            </a:r>
-            <a:endParaRPr lang="zh-CN" altLang="en-US" sz="1200"/>
-          </a:p>
-          <a:p>
-            <a:r>
-              <a:rPr lang="zh-CN" altLang="en-US" sz="1200"/>
-              <a:t>  &lt;script&gt;</a:t>
-            </a:r>
-            <a:endParaRPr lang="zh-CN" altLang="en-US" sz="1200"/>
-          </a:p>
-          <a:p>
-            <a:r>
-              <a:rPr lang="zh-CN" altLang="en-US" sz="1200"/>
-              <a:t>    function init () {</a:t>
-            </a:r>
-            <a:endParaRPr lang="zh-CN" altLang="en-US" sz="1200"/>
-          </a:p>
-          <a:p>
-            <a:r>
-              <a:rPr lang="zh-CN" altLang="en-US" sz="1200"/>
-              <a:t>      const </a:t>
-            </a:r>
-            <a:r>
-              <a:rPr lang="zh-CN" altLang="en-US" sz="1200">
-                <a:solidFill>
-                  <a:schemeClr val="tx1"/>
-                </a:solidFill>
-              </a:rPr>
-              <a:t>scene </a:t>
-            </a:r>
-            <a:r>
-              <a:rPr lang="zh-CN" altLang="en-US" sz="1200"/>
-              <a:t>= new THREE.</a:t>
-            </a:r>
-            <a:r>
-              <a:rPr lang="zh-CN" altLang="en-US" sz="1200">
-                <a:solidFill>
-                  <a:srgbClr val="FF0000"/>
-                </a:solidFill>
-              </a:rPr>
-              <a:t>Scene</a:t>
-            </a:r>
-            <a:r>
-              <a:rPr lang="zh-CN" altLang="en-US" sz="1200"/>
-              <a:t>()</a:t>
-            </a:r>
-            <a:endParaRPr lang="zh-CN" altLang="en-US" sz="1200"/>
-          </a:p>
-          <a:p>
-            <a:endParaRPr lang="zh-CN" altLang="en-US" sz="1200"/>
-          </a:p>
-          <a:p>
-            <a:r>
-              <a:rPr lang="zh-CN" altLang="en-US" sz="1200"/>
-              <a:t>      const </a:t>
-            </a:r>
-            <a:r>
-              <a:rPr lang="zh-CN" altLang="en-US" sz="1200">
-                <a:solidFill>
-                  <a:schemeClr val="tx1"/>
-                </a:solidFill>
-              </a:rPr>
-              <a:t>camera </a:t>
-            </a:r>
-            <a:r>
-              <a:rPr lang="zh-CN" altLang="en-US" sz="1200"/>
-              <a:t>= new THREE.</a:t>
-            </a:r>
-            <a:r>
-              <a:rPr lang="zh-CN" altLang="en-US" sz="1200">
-                <a:solidFill>
-                  <a:srgbClr val="FF0000"/>
-                </a:solidFill>
-              </a:rPr>
-              <a:t>PerspectiveCamera</a:t>
-            </a:r>
-            <a:r>
-              <a:rPr lang="zh-CN" altLang="en-US" sz="1200"/>
-              <a:t>(45,</a:t>
-            </a:r>
-            <a:endParaRPr lang="zh-CN" altLang="en-US" sz="1200"/>
-          </a:p>
-          <a:p>
-            <a:r>
-              <a:rPr lang="zh-CN" altLang="en-US" sz="1200"/>
-              <a:t>        window.innerWidth / window.innerHeight,</a:t>
-            </a:r>
-            <a:endParaRPr lang="zh-CN" altLang="en-US" sz="1200"/>
-          </a:p>
-          <a:p>
-            <a:r>
-              <a:rPr lang="zh-CN" altLang="en-US" sz="1200"/>
-              <a:t>        0.1,</a:t>
-            </a:r>
-            <a:endParaRPr lang="zh-CN" altLang="en-US" sz="1200"/>
-          </a:p>
-          <a:p>
-            <a:r>
-              <a:rPr lang="zh-CN" altLang="en-US" sz="1200"/>
-              <a:t>        1000</a:t>
-            </a:r>
-            <a:endParaRPr lang="zh-CN" altLang="en-US" sz="1200"/>
-          </a:p>
-          <a:p>
-            <a:r>
-              <a:rPr lang="zh-CN" altLang="en-US" sz="1200"/>
-              <a:t>      )</a:t>
-            </a:r>
-            <a:endParaRPr lang="zh-CN" altLang="en-US" sz="1200"/>
-          </a:p>
-          <a:p>
-            <a:r>
-              <a:rPr lang="zh-CN" altLang="en-US" sz="1200"/>
-              <a:t>      camera.position.set(-30, 40, 30)</a:t>
-            </a:r>
-            <a:endParaRPr lang="zh-CN" altLang="en-US" sz="1200"/>
-          </a:p>
-          <a:p>
-            <a:r>
-              <a:rPr lang="zh-CN" altLang="en-US" sz="1200"/>
-              <a:t>      camera.lookAt(0,0,0)</a:t>
-            </a:r>
-            <a:endParaRPr lang="zh-CN" altLang="en-US" sz="1200"/>
-          </a:p>
-          <a:p>
-            <a:r>
-              <a:rPr lang="zh-CN" altLang="en-US" sz="1200"/>
-              <a:t>      scene.add(camera)</a:t>
-            </a:r>
-            <a:endParaRPr lang="zh-CN" altLang="en-US" sz="1200"/>
-          </a:p>
-          <a:p>
-            <a:endParaRPr lang="zh-CN" altLang="en-US" sz="1200"/>
-          </a:p>
-        </p:txBody>
-      </p:sp>
-      <p:sp>
-        <p:nvSpPr>
-          <p:cNvPr id="5" name="文本框 4"/>
-          <p:cNvSpPr txBox="1"/>
-          <p:nvPr/>
-        </p:nvSpPr>
-        <p:spPr>
-          <a:xfrm>
-            <a:off x="6282690" y="1324610"/>
-            <a:ext cx="5071110" cy="4892675"/>
-          </a:xfrm>
-          <a:prstGeom prst="rect">
-            <a:avLst/>
-          </a:prstGeom>
-          <a:noFill/>
-        </p:spPr>
-        <p:txBody>
-          <a:bodyPr wrap="square" rtlCol="0">
-            <a:spAutoFit/>
-          </a:bodyPr>
-          <a:p>
-            <a:r>
-              <a:rPr lang="en-US" altLang="zh-CN" sz="1200">
-                <a:sym typeface="+mn-ea"/>
-              </a:rPr>
-              <a:t> </a:t>
-            </a:r>
-            <a:r>
-              <a:rPr lang="zh-CN" altLang="en-US" sz="1200">
-                <a:sym typeface="+mn-ea"/>
-              </a:rPr>
-              <a:t>     const planeGeometry = new THREE.PlaneGeometry(60,20)</a:t>
-            </a:r>
-            <a:endParaRPr lang="zh-CN" altLang="en-US" sz="1200"/>
-          </a:p>
-          <a:p>
-            <a:r>
-              <a:rPr lang="zh-CN" altLang="en-US" sz="1200">
-                <a:sym typeface="+mn-ea"/>
-              </a:rPr>
-              <a:t>      const planeMaterial = new THREE.MeshLambertMaterial({</a:t>
-            </a:r>
-            <a:endParaRPr lang="zh-CN" altLang="en-US" sz="1200"/>
-          </a:p>
-          <a:p>
-            <a:r>
-              <a:rPr lang="zh-CN" altLang="en-US" sz="1200">
-                <a:sym typeface="+mn-ea"/>
-              </a:rPr>
-              <a:t>        color: 0xAAAAAA</a:t>
-            </a:r>
-            <a:endParaRPr lang="zh-CN" altLang="en-US" sz="1200"/>
-          </a:p>
-          <a:p>
-            <a:r>
-              <a:rPr lang="zh-CN" altLang="en-US" sz="1200">
-                <a:sym typeface="+mn-ea"/>
-              </a:rPr>
-              <a:t>      })</a:t>
-            </a:r>
-            <a:endParaRPr lang="zh-CN" altLang="en-US" sz="1200"/>
-          </a:p>
-          <a:p>
-            <a:r>
-              <a:rPr lang="zh-CN" altLang="en-US" sz="1200">
-                <a:sym typeface="+mn-ea"/>
-              </a:rPr>
-              <a:t>      const plane = new THREE.</a:t>
-            </a:r>
-            <a:r>
-              <a:rPr lang="zh-CN" altLang="en-US" sz="1200">
-                <a:solidFill>
-                  <a:srgbClr val="FF0000"/>
-                </a:solidFill>
-                <a:sym typeface="+mn-ea"/>
-              </a:rPr>
-              <a:t>Mesh</a:t>
-            </a:r>
-            <a:r>
-              <a:rPr lang="zh-CN" altLang="en-US" sz="1200">
-                <a:sym typeface="+mn-ea"/>
-              </a:rPr>
-              <a:t>(planeGeometry, planeMaterial)</a:t>
-            </a:r>
-            <a:endParaRPr lang="zh-CN" altLang="en-US" sz="1200"/>
-          </a:p>
-          <a:p>
-            <a:r>
-              <a:rPr lang="zh-CN" altLang="en-US" sz="1200">
-                <a:sym typeface="+mn-ea"/>
-              </a:rPr>
-              <a:t>      plane.rotation.x = -Math.PI / 2</a:t>
-            </a:r>
-            <a:endParaRPr lang="zh-CN" altLang="en-US" sz="1200"/>
-          </a:p>
-          <a:p>
-            <a:r>
-              <a:rPr lang="zh-CN" altLang="en-US" sz="1200">
-                <a:sym typeface="+mn-ea"/>
-              </a:rPr>
-              <a:t>      plane.position.set(15, 0, 0)</a:t>
-            </a:r>
-            <a:endParaRPr lang="zh-CN" altLang="en-US" sz="1200"/>
-          </a:p>
-          <a:p>
-            <a:r>
-              <a:rPr lang="zh-CN" altLang="en-US" sz="1200">
-                <a:sym typeface="+mn-ea"/>
-              </a:rPr>
-              <a:t>      scene.add(plane)</a:t>
-            </a:r>
-            <a:endParaRPr lang="zh-CN" altLang="en-US" sz="1200"/>
-          </a:p>
-          <a:p>
-            <a:endParaRPr lang="zh-CN" altLang="en-US" sz="1200"/>
-          </a:p>
-          <a:p>
-            <a:r>
-              <a:rPr lang="en-US" altLang="zh-CN" sz="1200"/>
-              <a:t>      </a:t>
-            </a:r>
-            <a:r>
-              <a:rPr lang="zh-CN" altLang="en-US" sz="1200"/>
-              <a:t>const spotLight = new THREE.</a:t>
-            </a:r>
-            <a:r>
-              <a:rPr lang="zh-CN" altLang="en-US" sz="1200">
-                <a:solidFill>
-                  <a:srgbClr val="FF0000"/>
-                </a:solidFill>
-              </a:rPr>
-              <a:t>SpotLight</a:t>
-            </a:r>
-            <a:r>
-              <a:rPr lang="zh-CN" altLang="en-US" sz="1200"/>
-              <a:t>(0xffffff)</a:t>
-            </a:r>
-            <a:endParaRPr lang="zh-CN" altLang="en-US" sz="1200"/>
-          </a:p>
-          <a:p>
-            <a:r>
-              <a:rPr lang="zh-CN" altLang="en-US" sz="1200"/>
-              <a:t>      spotLight.position.set(-20, 30, -15)</a:t>
-            </a:r>
-            <a:endParaRPr lang="zh-CN" altLang="en-US" sz="1200"/>
-          </a:p>
-          <a:p>
-            <a:r>
-              <a:rPr lang="zh-CN" altLang="en-US" sz="1200"/>
-              <a:t>      scene.add(spotLight)</a:t>
-            </a:r>
-            <a:endParaRPr lang="zh-CN" altLang="en-US" sz="1200"/>
-          </a:p>
-          <a:p>
-            <a:endParaRPr lang="zh-CN" altLang="en-US" sz="1200"/>
-          </a:p>
-          <a:p>
-            <a:r>
-              <a:rPr lang="zh-CN" altLang="en-US" sz="1200"/>
-              <a:t>      const renderer = new THREE.</a:t>
-            </a:r>
-            <a:r>
-              <a:rPr lang="zh-CN" altLang="en-US" sz="1200">
-                <a:solidFill>
-                  <a:srgbClr val="FF0000"/>
-                </a:solidFill>
-              </a:rPr>
-              <a:t>WebGLRenderer</a:t>
-            </a:r>
-            <a:r>
-              <a:rPr lang="zh-CN" altLang="en-US" sz="1200"/>
-              <a:t>()</a:t>
-            </a:r>
-            <a:endParaRPr lang="zh-CN" altLang="en-US" sz="1200"/>
-          </a:p>
-          <a:p>
-            <a:r>
-              <a:rPr lang="zh-CN" altLang="en-US" sz="1200"/>
-              <a:t>      renderer.setClearColor(new THREE.Color(0x000000))</a:t>
-            </a:r>
-            <a:endParaRPr lang="zh-CN" altLang="en-US" sz="1200"/>
-          </a:p>
-          <a:p>
-            <a:r>
-              <a:rPr lang="zh-CN" altLang="en-US" sz="1200"/>
-              <a:t>      renderer.setSize(window.innerWidth, window.innerHeight)</a:t>
-            </a:r>
-            <a:endParaRPr lang="zh-CN" altLang="en-US" sz="1200"/>
-          </a:p>
-          <a:p>
-            <a:r>
-              <a:rPr lang="zh-CN" altLang="en-US" sz="1200"/>
-              <a:t>      document.getElementById('webgl-output').appendChild(renderer.domElement)</a:t>
-            </a:r>
-            <a:endParaRPr lang="zh-CN" altLang="en-US" sz="1200"/>
-          </a:p>
-          <a:p>
-            <a:endParaRPr lang="zh-CN" altLang="en-US" sz="1200"/>
-          </a:p>
-          <a:p>
-            <a:r>
-              <a:rPr lang="zh-CN" altLang="en-US" sz="1200"/>
-              <a:t>      renderer.render(scene, camera)</a:t>
-            </a:r>
-            <a:endParaRPr lang="zh-CN" altLang="en-US" sz="1200"/>
-          </a:p>
-          <a:p>
-            <a:r>
-              <a:rPr lang="zh-CN" altLang="en-US" sz="1200"/>
-              <a:t>    }</a:t>
-            </a:r>
-            <a:endParaRPr lang="zh-CN" altLang="en-US" sz="1200"/>
-          </a:p>
-          <a:p>
-            <a:endParaRPr lang="zh-CN" altLang="en-US" sz="1200"/>
-          </a:p>
-          <a:p>
-            <a:r>
-              <a:rPr lang="zh-CN" altLang="en-US" sz="1200"/>
-              <a:t>    init()</a:t>
-            </a:r>
-            <a:endParaRPr lang="zh-CN" altLang="en-US" sz="1200"/>
-          </a:p>
-          <a:p>
-            <a:r>
-              <a:rPr lang="zh-CN" altLang="en-US" sz="1200"/>
-              <a:t>&lt;/script&gt;</a:t>
-            </a:r>
-            <a:endParaRPr lang="zh-CN" altLang="en-US" sz="1200"/>
-          </a:p>
-          <a:p>
-            <a:r>
-              <a:rPr lang="zh-CN" altLang="en-US" sz="1200"/>
-              <a:t>&lt;/body&gt;</a:t>
-            </a:r>
-            <a:endParaRPr lang="zh-CN" altLang="en-US" sz="1200"/>
-          </a:p>
-          <a:p>
-            <a:r>
-              <a:rPr lang="zh-CN" altLang="en-US" sz="1200"/>
-              <a:t>&lt;/html&gt;</a:t>
-            </a:r>
-            <a:endParaRPr lang="zh-CN" altLang="en-US" sz="1200"/>
-          </a:p>
-        </p:txBody>
-      </p:sp>
+      </p:pic>
     </p:spTree>
     <p:custDataLst>
-      <p:tags r:id="rId1"/>
+      <p:tags r:id="rId2"/>
     </p:custDataLst>
   </p:cSld>
   <p:clrMapOvr>
@@ -7138,6 +6970,525 @@
           <a:p>
             <a:r>
               <a:rPr lang="en-US" altLang="zh-CN"/>
+              <a:t>Basic Demo</a:t>
+            </a:r>
+            <a:endParaRPr lang="en-US" altLang="zh-CN"/>
+          </a:p>
+        </p:txBody>
+      </p:sp>
+      <p:sp>
+        <p:nvSpPr>
+          <p:cNvPr id="4" name="文本框 3"/>
+          <p:cNvSpPr txBox="1"/>
+          <p:nvPr/>
+        </p:nvSpPr>
+        <p:spPr>
+          <a:xfrm>
+            <a:off x="691515" y="1299210"/>
+            <a:ext cx="5071110" cy="4707890"/>
+          </a:xfrm>
+          <a:prstGeom prst="rect">
+            <a:avLst/>
+          </a:prstGeom>
+          <a:noFill/>
+        </p:spPr>
+        <p:txBody>
+          <a:bodyPr wrap="square" rtlCol="0">
+            <a:spAutoFit/>
+          </a:bodyPr>
+          <a:p>
+            <a:r>
+              <a:rPr lang="zh-CN" altLang="en-US" sz="1200"/>
+              <a:t>&lt;!DOCTYPE html&gt;</a:t>
+            </a:r>
+            <a:endParaRPr lang="zh-CN" altLang="en-US" sz="1200"/>
+          </a:p>
+          <a:p>
+            <a:r>
+              <a:rPr lang="zh-CN" altLang="en-US" sz="1200"/>
+              <a:t>&lt;html lang="en"&gt;</a:t>
+            </a:r>
+            <a:endParaRPr lang="zh-CN" altLang="en-US" sz="1200"/>
+          </a:p>
+          <a:p>
+            <a:r>
+              <a:rPr lang="zh-CN" altLang="en-US" sz="1200"/>
+              <a:t>&lt;head&gt;</a:t>
+            </a:r>
+            <a:endParaRPr lang="zh-CN" altLang="en-US" sz="1200"/>
+          </a:p>
+          <a:p>
+            <a:r>
+              <a:rPr lang="zh-CN" altLang="en-US" sz="1200"/>
+              <a:t>  &lt;meta charset="UTF-8"&gt;</a:t>
+            </a:r>
+            <a:endParaRPr lang="zh-CN" altLang="en-US" sz="1200"/>
+          </a:p>
+          <a:p>
+            <a:r>
+              <a:rPr lang="zh-CN" altLang="en-US" sz="1200"/>
+              <a:t>  &lt;meta http-equiv="X-UA-Compatible" content="IE=edge"&gt;</a:t>
+            </a:r>
+            <a:endParaRPr lang="zh-CN" altLang="en-US" sz="1200"/>
+          </a:p>
+          <a:p>
+            <a:r>
+              <a:rPr lang="zh-CN" altLang="en-US" sz="1200"/>
+              <a:t>  &lt;meta name="viewport" content="width=device-width, initial-scale=1.0"&gt;</a:t>
+            </a:r>
+            <a:endParaRPr lang="zh-CN" altLang="en-US" sz="1200"/>
+          </a:p>
+          <a:p>
+            <a:r>
+              <a:rPr lang="zh-CN" altLang="en-US" sz="1200"/>
+              <a:t>  &lt;title&gt;room&lt;/title&gt;</a:t>
+            </a:r>
+            <a:endParaRPr lang="zh-CN" altLang="en-US" sz="1200"/>
+          </a:p>
+          <a:p>
+            <a:r>
+              <a:rPr lang="zh-CN" altLang="en-US" sz="1200"/>
+              <a:t>&lt;/head&gt;</a:t>
+            </a:r>
+            <a:endParaRPr lang="zh-CN" altLang="en-US" sz="1200"/>
+          </a:p>
+          <a:p>
+            <a:r>
+              <a:rPr lang="zh-CN" altLang="en-US" sz="1200"/>
+              <a:t>&lt;body&gt;</a:t>
+            </a:r>
+            <a:endParaRPr lang="zh-CN" altLang="en-US" sz="1200"/>
+          </a:p>
+          <a:p>
+            <a:r>
+              <a:rPr lang="zh-CN" altLang="en-US" sz="1200"/>
+              <a:t>  &lt;div id="webgl-output"&gt;&lt;/div&gt;</a:t>
+            </a:r>
+            <a:endParaRPr lang="zh-CN" altLang="en-US" sz="1200"/>
+          </a:p>
+          <a:p>
+            <a:r>
+              <a:rPr lang="zh-CN" altLang="en-US" sz="1200"/>
+              <a:t>  &lt;script src="https://unpkg.com/three@0.119.0/build/three.js"&gt;&lt;/script&gt;</a:t>
+            </a:r>
+            <a:endParaRPr lang="zh-CN" altLang="en-US" sz="1200"/>
+          </a:p>
+          <a:p>
+            <a:r>
+              <a:rPr lang="zh-CN" altLang="en-US" sz="1200"/>
+              <a:t>  &lt;script&gt;</a:t>
+            </a:r>
+            <a:endParaRPr lang="zh-CN" altLang="en-US" sz="1200"/>
+          </a:p>
+          <a:p>
+            <a:r>
+              <a:rPr lang="zh-CN" altLang="en-US" sz="1200"/>
+              <a:t>    function init () {</a:t>
+            </a:r>
+            <a:endParaRPr lang="zh-CN" altLang="en-US" sz="1200"/>
+          </a:p>
+          <a:p>
+            <a:r>
+              <a:rPr lang="zh-CN" altLang="en-US" sz="1200"/>
+              <a:t>      const </a:t>
+            </a:r>
+            <a:r>
+              <a:rPr lang="zh-CN" altLang="en-US" sz="1200">
+                <a:solidFill>
+                  <a:schemeClr val="tx1"/>
+                </a:solidFill>
+              </a:rPr>
+              <a:t>scene </a:t>
+            </a:r>
+            <a:r>
+              <a:rPr lang="zh-CN" altLang="en-US" sz="1200"/>
+              <a:t>= new THREE.</a:t>
+            </a:r>
+            <a:r>
+              <a:rPr lang="zh-CN" altLang="en-US" sz="1200">
+                <a:solidFill>
+                  <a:srgbClr val="FF0000"/>
+                </a:solidFill>
+              </a:rPr>
+              <a:t>Scene</a:t>
+            </a:r>
+            <a:r>
+              <a:rPr lang="zh-CN" altLang="en-US" sz="1200"/>
+              <a:t>()</a:t>
+            </a:r>
+            <a:endParaRPr lang="zh-CN" altLang="en-US" sz="1200"/>
+          </a:p>
+          <a:p>
+            <a:endParaRPr lang="zh-CN" altLang="en-US" sz="1200"/>
+          </a:p>
+          <a:p>
+            <a:r>
+              <a:rPr lang="zh-CN" altLang="en-US" sz="1200"/>
+              <a:t>      const </a:t>
+            </a:r>
+            <a:r>
+              <a:rPr lang="zh-CN" altLang="en-US" sz="1200">
+                <a:solidFill>
+                  <a:schemeClr val="tx1"/>
+                </a:solidFill>
+              </a:rPr>
+              <a:t>camera </a:t>
+            </a:r>
+            <a:r>
+              <a:rPr lang="zh-CN" altLang="en-US" sz="1200"/>
+              <a:t>= new THREE.</a:t>
+            </a:r>
+            <a:r>
+              <a:rPr lang="zh-CN" altLang="en-US" sz="1200">
+                <a:solidFill>
+                  <a:srgbClr val="FF0000"/>
+                </a:solidFill>
+              </a:rPr>
+              <a:t>PerspectiveCamera</a:t>
+            </a:r>
+            <a:r>
+              <a:rPr lang="zh-CN" altLang="en-US" sz="1200"/>
+              <a:t>(45,</a:t>
+            </a:r>
+            <a:endParaRPr lang="zh-CN" altLang="en-US" sz="1200"/>
+          </a:p>
+          <a:p>
+            <a:r>
+              <a:rPr lang="zh-CN" altLang="en-US" sz="1200"/>
+              <a:t>        window.innerWidth / window.innerHeight,</a:t>
+            </a:r>
+            <a:endParaRPr lang="zh-CN" altLang="en-US" sz="1200"/>
+          </a:p>
+          <a:p>
+            <a:r>
+              <a:rPr lang="zh-CN" altLang="en-US" sz="1200"/>
+              <a:t>        0.1,</a:t>
+            </a:r>
+            <a:endParaRPr lang="zh-CN" altLang="en-US" sz="1200"/>
+          </a:p>
+          <a:p>
+            <a:r>
+              <a:rPr lang="zh-CN" altLang="en-US" sz="1200"/>
+              <a:t>        1000</a:t>
+            </a:r>
+            <a:endParaRPr lang="zh-CN" altLang="en-US" sz="1200"/>
+          </a:p>
+          <a:p>
+            <a:r>
+              <a:rPr lang="zh-CN" altLang="en-US" sz="1200"/>
+              <a:t>      )</a:t>
+            </a:r>
+            <a:endParaRPr lang="zh-CN" altLang="en-US" sz="1200"/>
+          </a:p>
+          <a:p>
+            <a:r>
+              <a:rPr lang="zh-CN" altLang="en-US" sz="1200"/>
+              <a:t>      camera.position.set(-30, 40, 30)</a:t>
+            </a:r>
+            <a:endParaRPr lang="zh-CN" altLang="en-US" sz="1200"/>
+          </a:p>
+          <a:p>
+            <a:r>
+              <a:rPr lang="zh-CN" altLang="en-US" sz="1200"/>
+              <a:t>      camera.lookAt(0,0,0)</a:t>
+            </a:r>
+            <a:endParaRPr lang="zh-CN" altLang="en-US" sz="1200"/>
+          </a:p>
+          <a:p>
+            <a:r>
+              <a:rPr lang="zh-CN" altLang="en-US" sz="1200"/>
+              <a:t>      scene.add(camera)</a:t>
+            </a:r>
+            <a:endParaRPr lang="zh-CN" altLang="en-US" sz="1200"/>
+          </a:p>
+          <a:p>
+            <a:endParaRPr lang="zh-CN" altLang="en-US" sz="1200"/>
+          </a:p>
+        </p:txBody>
+      </p:sp>
+      <p:sp>
+        <p:nvSpPr>
+          <p:cNvPr id="5" name="文本框 4"/>
+          <p:cNvSpPr txBox="1"/>
+          <p:nvPr/>
+        </p:nvSpPr>
+        <p:spPr>
+          <a:xfrm>
+            <a:off x="6282690" y="1324610"/>
+            <a:ext cx="5071110" cy="4892675"/>
+          </a:xfrm>
+          <a:prstGeom prst="rect">
+            <a:avLst/>
+          </a:prstGeom>
+          <a:noFill/>
+        </p:spPr>
+        <p:txBody>
+          <a:bodyPr wrap="square" rtlCol="0">
+            <a:spAutoFit/>
+          </a:bodyPr>
+          <a:p>
+            <a:r>
+              <a:rPr lang="en-US" altLang="zh-CN" sz="1200">
+                <a:sym typeface="+mn-ea"/>
+              </a:rPr>
+              <a:t> </a:t>
+            </a:r>
+            <a:r>
+              <a:rPr lang="zh-CN" altLang="en-US" sz="1200">
+                <a:sym typeface="+mn-ea"/>
+              </a:rPr>
+              <a:t>     const planeGeometry = new THREE.PlaneGeometry(60,20)</a:t>
+            </a:r>
+            <a:endParaRPr lang="zh-CN" altLang="en-US" sz="1200"/>
+          </a:p>
+          <a:p>
+            <a:r>
+              <a:rPr lang="zh-CN" altLang="en-US" sz="1200">
+                <a:sym typeface="+mn-ea"/>
+              </a:rPr>
+              <a:t>      const planeMaterial = new THREE.MeshLambertMaterial({</a:t>
+            </a:r>
+            <a:endParaRPr lang="zh-CN" altLang="en-US" sz="1200"/>
+          </a:p>
+          <a:p>
+            <a:r>
+              <a:rPr lang="zh-CN" altLang="en-US" sz="1200">
+                <a:sym typeface="+mn-ea"/>
+              </a:rPr>
+              <a:t>        color: 0xAAAAAA</a:t>
+            </a:r>
+            <a:endParaRPr lang="zh-CN" altLang="en-US" sz="1200"/>
+          </a:p>
+          <a:p>
+            <a:r>
+              <a:rPr lang="zh-CN" altLang="en-US" sz="1200">
+                <a:sym typeface="+mn-ea"/>
+              </a:rPr>
+              <a:t>      })</a:t>
+            </a:r>
+            <a:endParaRPr lang="zh-CN" altLang="en-US" sz="1200"/>
+          </a:p>
+          <a:p>
+            <a:r>
+              <a:rPr lang="zh-CN" altLang="en-US" sz="1200">
+                <a:sym typeface="+mn-ea"/>
+              </a:rPr>
+              <a:t>      const plane = new THREE.</a:t>
+            </a:r>
+            <a:r>
+              <a:rPr lang="zh-CN" altLang="en-US" sz="1200">
+                <a:solidFill>
+                  <a:srgbClr val="FF0000"/>
+                </a:solidFill>
+                <a:sym typeface="+mn-ea"/>
+              </a:rPr>
+              <a:t>Mesh</a:t>
+            </a:r>
+            <a:r>
+              <a:rPr lang="zh-CN" altLang="en-US" sz="1200">
+                <a:sym typeface="+mn-ea"/>
+              </a:rPr>
+              <a:t>(planeGeometry, planeMaterial)</a:t>
+            </a:r>
+            <a:endParaRPr lang="zh-CN" altLang="en-US" sz="1200"/>
+          </a:p>
+          <a:p>
+            <a:r>
+              <a:rPr lang="zh-CN" altLang="en-US" sz="1200">
+                <a:sym typeface="+mn-ea"/>
+              </a:rPr>
+              <a:t>      plane.rotation.x = -Math.PI / 2</a:t>
+            </a:r>
+            <a:endParaRPr lang="zh-CN" altLang="en-US" sz="1200"/>
+          </a:p>
+          <a:p>
+            <a:r>
+              <a:rPr lang="zh-CN" altLang="en-US" sz="1200">
+                <a:sym typeface="+mn-ea"/>
+              </a:rPr>
+              <a:t>      plane.position.set(15, 0, 0)</a:t>
+            </a:r>
+            <a:endParaRPr lang="zh-CN" altLang="en-US" sz="1200"/>
+          </a:p>
+          <a:p>
+            <a:r>
+              <a:rPr lang="zh-CN" altLang="en-US" sz="1200">
+                <a:sym typeface="+mn-ea"/>
+              </a:rPr>
+              <a:t>      scene.add(plane)</a:t>
+            </a:r>
+            <a:endParaRPr lang="zh-CN" altLang="en-US" sz="1200"/>
+          </a:p>
+          <a:p>
+            <a:endParaRPr lang="zh-CN" altLang="en-US" sz="1200"/>
+          </a:p>
+          <a:p>
+            <a:r>
+              <a:rPr lang="en-US" altLang="zh-CN" sz="1200"/>
+              <a:t>      </a:t>
+            </a:r>
+            <a:r>
+              <a:rPr lang="zh-CN" altLang="en-US" sz="1200"/>
+              <a:t>const spotLight = new THREE.</a:t>
+            </a:r>
+            <a:r>
+              <a:rPr lang="zh-CN" altLang="en-US" sz="1200">
+                <a:solidFill>
+                  <a:srgbClr val="FF0000"/>
+                </a:solidFill>
+              </a:rPr>
+              <a:t>SpotLight</a:t>
+            </a:r>
+            <a:r>
+              <a:rPr lang="zh-CN" altLang="en-US" sz="1200"/>
+              <a:t>(0xffffff)</a:t>
+            </a:r>
+            <a:endParaRPr lang="zh-CN" altLang="en-US" sz="1200"/>
+          </a:p>
+          <a:p>
+            <a:r>
+              <a:rPr lang="zh-CN" altLang="en-US" sz="1200"/>
+              <a:t>      spotLight.position.set(-20, 30, -15)</a:t>
+            </a:r>
+            <a:endParaRPr lang="zh-CN" altLang="en-US" sz="1200"/>
+          </a:p>
+          <a:p>
+            <a:r>
+              <a:rPr lang="zh-CN" altLang="en-US" sz="1200"/>
+              <a:t>      scene.add(spotLight)</a:t>
+            </a:r>
+            <a:endParaRPr lang="zh-CN" altLang="en-US" sz="1200"/>
+          </a:p>
+          <a:p>
+            <a:endParaRPr lang="zh-CN" altLang="en-US" sz="1200"/>
+          </a:p>
+          <a:p>
+            <a:r>
+              <a:rPr lang="zh-CN" altLang="en-US" sz="1200"/>
+              <a:t>      const renderer = new THREE.</a:t>
+            </a:r>
+            <a:r>
+              <a:rPr lang="zh-CN" altLang="en-US" sz="1200">
+                <a:solidFill>
+                  <a:srgbClr val="FF0000"/>
+                </a:solidFill>
+              </a:rPr>
+              <a:t>WebGLRenderer</a:t>
+            </a:r>
+            <a:r>
+              <a:rPr lang="zh-CN" altLang="en-US" sz="1200"/>
+              <a:t>()</a:t>
+            </a:r>
+            <a:endParaRPr lang="zh-CN" altLang="en-US" sz="1200"/>
+          </a:p>
+          <a:p>
+            <a:r>
+              <a:rPr lang="zh-CN" altLang="en-US" sz="1200"/>
+              <a:t>      renderer.setClearColor(new THREE.Color(0x000000))</a:t>
+            </a:r>
+            <a:endParaRPr lang="zh-CN" altLang="en-US" sz="1200"/>
+          </a:p>
+          <a:p>
+            <a:r>
+              <a:rPr lang="zh-CN" altLang="en-US" sz="1200"/>
+              <a:t>      renderer.setSize(window.innerWidth, window.innerHeight)</a:t>
+            </a:r>
+            <a:endParaRPr lang="zh-CN" altLang="en-US" sz="1200"/>
+          </a:p>
+          <a:p>
+            <a:r>
+              <a:rPr lang="zh-CN" altLang="en-US" sz="1200"/>
+              <a:t>      document.getElementById('webgl-output').appendChild(renderer.domElement)</a:t>
+            </a:r>
+            <a:endParaRPr lang="zh-CN" altLang="en-US" sz="1200"/>
+          </a:p>
+          <a:p>
+            <a:endParaRPr lang="zh-CN" altLang="en-US" sz="1200"/>
+          </a:p>
+          <a:p>
+            <a:r>
+              <a:rPr lang="zh-CN" altLang="en-US" sz="1200"/>
+              <a:t>      renderer.render(scene, camera)</a:t>
+            </a:r>
+            <a:endParaRPr lang="zh-CN" altLang="en-US" sz="1200"/>
+          </a:p>
+          <a:p>
+            <a:r>
+              <a:rPr lang="zh-CN" altLang="en-US" sz="1200"/>
+              <a:t>    }</a:t>
+            </a:r>
+            <a:endParaRPr lang="zh-CN" altLang="en-US" sz="1200"/>
+          </a:p>
+          <a:p>
+            <a:endParaRPr lang="zh-CN" altLang="en-US" sz="1200"/>
+          </a:p>
+          <a:p>
+            <a:r>
+              <a:rPr lang="zh-CN" altLang="en-US" sz="1200"/>
+              <a:t>    init()</a:t>
+            </a:r>
+            <a:endParaRPr lang="zh-CN" altLang="en-US" sz="1200"/>
+          </a:p>
+          <a:p>
+            <a:r>
+              <a:rPr lang="zh-CN" altLang="en-US" sz="1200"/>
+              <a:t>&lt;/script&gt;</a:t>
+            </a:r>
+            <a:endParaRPr lang="zh-CN" altLang="en-US" sz="1200"/>
+          </a:p>
+          <a:p>
+            <a:r>
+              <a:rPr lang="zh-CN" altLang="en-US" sz="1200"/>
+              <a:t>&lt;/body&gt;</a:t>
+            </a:r>
+            <a:endParaRPr lang="zh-CN" altLang="en-US" sz="1200"/>
+          </a:p>
+          <a:p>
+            <a:r>
+              <a:rPr lang="zh-CN" altLang="en-US" sz="1200"/>
+              <a:t>&lt;/html&gt;</a:t>
+            </a:r>
+            <a:endParaRPr lang="zh-CN" altLang="en-US" sz="1200"/>
+          </a:p>
+        </p:txBody>
+      </p:sp>
+    </p:spTree>
+    <p:custDataLst>
+      <p:tags r:id="rId1"/>
+    </p:custDataLst>
+  </p:cSld>
+  <p:clrMapOvr>
+    <a:masterClrMapping/>
+  </p:clrMapOvr>
+</p:sld>
+</file>
+
+<file path=ppt/slides/slide6.xml><?xml version="1.0" encoding="utf-8"?>
+<p:sld xmlns:a="http://schemas.openxmlformats.org/drawingml/2006/main" xmlns:r="http://schemas.openxmlformats.org/officeDocument/2006/relationships" xmlns:p="http://schemas.openxmlformats.org/presentationml/2006/main">
+  <p:cSld>
+    <p:spTree>
+      <p:nvGrpSpPr>
+        <p:cNvPr id="1" name=""/>
+        <p:cNvGrpSpPr/>
+        <p:nvPr/>
+      </p:nvGrpSpPr>
+      <p:grpSpPr/>
+      <p:sp>
+        <p:nvSpPr>
+          <p:cNvPr id="2" name="标题 1"/>
+          <p:cNvSpPr>
+            <a:spLocks noGrp="1"/>
+          </p:cNvSpPr>
+          <p:nvPr>
+            <p:ph type="title"/>
+          </p:nvPr>
+        </p:nvSpPr>
+        <p:spPr/>
+        <p:txBody>
+          <a:bodyPr/>
+          <a:p>
+            <a:r>
+              <a:rPr lang="en-US" altLang="zh-CN"/>
               <a:t>Scene</a:t>
             </a:r>
             <a:endParaRPr lang="en-US" altLang="zh-CN"/>
@@ -7303,7 +7654,7 @@
 </p:sld>
 </file>
 
-<file path=ppt/slides/slide6.xml><?xml version="1.0" encoding="utf-8"?>
+<file path=ppt/slides/slide7.xml><?xml version="1.0" encoding="utf-8"?>
 <p:sld xmlns:a="http://schemas.openxmlformats.org/drawingml/2006/main" xmlns:r="http://schemas.openxmlformats.org/officeDocument/2006/relationships" xmlns:p="http://schemas.openxmlformats.org/presentationml/2006/main">
   <p:cSld>
     <p:spTree>
@@ -7397,7 +7748,7 @@
 </p:sld>
 </file>
 
-<file path=ppt/slides/slide7.xml><?xml version="1.0" encoding="utf-8"?>
+<file path=ppt/slides/slide8.xml><?xml version="1.0" encoding="utf-8"?>
 <p:sld xmlns:a="http://schemas.openxmlformats.org/drawingml/2006/main" xmlns:r="http://schemas.openxmlformats.org/officeDocument/2006/relationships" xmlns:p="http://schemas.openxmlformats.org/presentationml/2006/main">
   <p:cSld>
     <p:spTree>
@@ -7621,142 +7972,6 @@
               <a:t>);</a:t>
             </a:r>
             <a:endParaRPr lang="zh-CN" altLang="en-US" sz="1600"/>
-          </a:p>
-        </p:txBody>
-      </p:sp>
-    </p:spTree>
-    <p:custDataLst>
-      <p:tags r:id="rId1"/>
-    </p:custDataLst>
-  </p:cSld>
-  <p:clrMapOvr>
-    <a:masterClrMapping/>
-  </p:clrMapOvr>
-</p:sld>
-</file>
-
-<file path=ppt/slides/slide8.xml><?xml version="1.0" encoding="utf-8"?>
-<p:sld xmlns:a="http://schemas.openxmlformats.org/drawingml/2006/main" xmlns:r="http://schemas.openxmlformats.org/officeDocument/2006/relationships" xmlns:p="http://schemas.openxmlformats.org/presentationml/2006/main">
-  <p:cSld>
-    <p:spTree>
-      <p:nvGrpSpPr>
-        <p:cNvPr id="1" name=""/>
-        <p:cNvGrpSpPr/>
-        <p:nvPr/>
-      </p:nvGrpSpPr>
-      <p:grpSpPr/>
-      <p:sp>
-        <p:nvSpPr>
-          <p:cNvPr id="2" name="标题 1"/>
-          <p:cNvSpPr>
-            <a:spLocks noGrp="1"/>
-          </p:cNvSpPr>
-          <p:nvPr>
-            <p:ph type="title"/>
-          </p:nvPr>
-        </p:nvSpPr>
-        <p:spPr/>
-        <p:txBody>
-          <a:bodyPr/>
-          <a:p>
-            <a:r>
-              <a:rPr lang="en-US" altLang="zh-CN"/>
-              <a:t>Light</a:t>
-            </a:r>
-            <a:endParaRPr lang="en-US" altLang="zh-CN"/>
-          </a:p>
-        </p:txBody>
-      </p:sp>
-      <p:sp>
-        <p:nvSpPr>
-          <p:cNvPr id="3" name="内容占位符 2"/>
-          <p:cNvSpPr>
-            <a:spLocks noGrp="1"/>
-          </p:cNvSpPr>
-          <p:nvPr>
-            <p:ph idx="1"/>
-          </p:nvPr>
-        </p:nvSpPr>
-        <p:spPr/>
-        <p:txBody>
-          <a:bodyPr/>
-          <a:p>
-            <a:r>
-              <a:rPr lang="en-US" altLang="zh-CN"/>
-              <a:t>light = new THREE.SpotLight(color)</a:t>
-            </a:r>
-            <a:endParaRPr lang="en-US" altLang="zh-CN"/>
-          </a:p>
-          <a:p>
-            <a:r>
-              <a:rPr lang="en-US" altLang="zh-CN"/>
-              <a:t>Properties</a:t>
-            </a:r>
-            <a:endParaRPr lang="en-US" altLang="zh-CN"/>
-          </a:p>
-          <a:p>
-            <a:pPr lvl="1"/>
-            <a:r>
-              <a:rPr lang="en-US" altLang="zh-CN"/>
-              <a:t>position</a:t>
-            </a:r>
-            <a:endParaRPr lang="en-US" altLang="zh-CN"/>
-          </a:p>
-          <a:p>
-            <a:pPr lvl="1"/>
-            <a:r>
-              <a:rPr lang="en-US" altLang="zh-CN"/>
-              <a:t>rotation</a:t>
-            </a:r>
-            <a:endParaRPr lang="en-US" altLang="zh-CN"/>
-          </a:p>
-          <a:p>
-            <a:pPr lvl="0"/>
-            <a:r>
-              <a:rPr lang="en-US" altLang="zh-CN"/>
-              <a:t>Types</a:t>
-            </a:r>
-            <a:endParaRPr lang="en-US" altLang="zh-CN"/>
-          </a:p>
-          <a:p>
-            <a:pPr lvl="1"/>
-            <a:r>
-              <a:rPr lang="en-US" altLang="zh-CN"/>
-              <a:t>AmbientLight</a:t>
-            </a:r>
-            <a:endParaRPr lang="en-US" altLang="zh-CN"/>
-          </a:p>
-          <a:p>
-            <a:pPr lvl="1"/>
-            <a:r>
-              <a:rPr lang="en-US" altLang="zh-CN"/>
-              <a:t>PointLight</a:t>
-            </a:r>
-            <a:endParaRPr lang="en-US" altLang="zh-CN"/>
-          </a:p>
-          <a:p>
-            <a:pPr lvl="1"/>
-            <a:r>
-              <a:rPr lang="en-US" altLang="zh-CN"/>
-              <a:t>DirectionalLight</a:t>
-            </a:r>
-            <a:endParaRPr lang="en-US" altLang="zh-CN"/>
-          </a:p>
-          <a:p>
-            <a:pPr lvl="1"/>
-            <a:r>
-              <a:rPr lang="en-US" altLang="zh-CN"/>
-              <a:t>SpotLight</a:t>
-            </a:r>
-            <a:endParaRPr lang="en-US" altLang="zh-CN"/>
-          </a:p>
-          <a:p>
-            <a:pPr lvl="1"/>
-            <a:r>
-              <a:rPr lang="en-US" altLang="zh-CN"/>
-              <a:t>AreaLight</a:t>
-            </a:r>
-            <a:endParaRPr lang="en-US" altLang="zh-CN"/>
           </a:p>
         </p:txBody>
       </p:sp>
@@ -7797,7 +8012,7 @@
           <a:p>
             <a:r>
               <a:rPr lang="en-US" altLang="zh-CN"/>
-              <a:t>Mesh</a:t>
+              <a:t>Light</a:t>
             </a:r>
             <a:endParaRPr lang="en-US" altLang="zh-CN"/>
           </a:p>
@@ -7819,7 +8034,7 @@
           <a:p>
             <a:r>
               <a:rPr lang="en-US" altLang="zh-CN"/>
-              <a:t>mesh = new THREE.Mesh(geometry, material)</a:t>
+              <a:t>light = new THREE.SpotLight(color)</a:t>
             </a:r>
             <a:endParaRPr lang="en-US" altLang="zh-CN"/>
           </a:p>
@@ -7834,15 +8049,63 @@
             <a:pPr lvl="1"/>
             <a:r>
               <a:rPr lang="en-US" altLang="zh-CN"/>
+              <a:t>position</a:t>
+            </a:r>
+            <a:endParaRPr lang="en-US" altLang="zh-CN"/>
+          </a:p>
+          <a:p>
+            <a:pPr lvl="1"/>
+            <a:r>
+              <a:rPr lang="en-US" altLang="zh-CN"/>
               <a:t>rotation</a:t>
             </a:r>
             <a:endParaRPr lang="en-US" altLang="zh-CN"/>
           </a:p>
           <a:p>
+            <a:pPr lvl="0"/>
+            <a:r>
+              <a:rPr lang="en-US" altLang="zh-CN"/>
+              <a:t>Types</a:t>
+            </a:r>
+            <a:endParaRPr lang="en-US" altLang="zh-CN"/>
+          </a:p>
+          <a:p>
             <a:pPr lvl="1"/>
             <a:r>
               <a:rPr lang="en-US" altLang="zh-CN"/>
-              <a:t>position.set(x, y, z)</a:t>
+              <a:t>AmbientLight</a:t>
+            </a:r>
+            <a:endParaRPr lang="en-US" altLang="zh-CN"/>
+          </a:p>
+          <a:p>
+            <a:pPr lvl="1"/>
+            <a:r>
+              <a:rPr lang="en-US" altLang="zh-CN"/>
+              <a:t>PointLight</a:t>
+            </a:r>
+            <a:endParaRPr lang="en-US" altLang="zh-CN"/>
+          </a:p>
+          <a:p>
+            <a:pPr lvl="1"/>
+            <a:r>
+              <a:rPr lang="en-US" altLang="zh-CN"/>
+              <a:t>DirectionalLight</a:t>
+            </a:r>
+            <a:endParaRPr lang="en-US" altLang="zh-CN"/>
+          </a:p>
+          <a:p>
+            <a:pPr lvl="1"/>
+            <a:r>
+              <a:rPr lang="en-US" altLang="zh-CN"/>
+              <a:t>SpotLight</a:t>
+            </a:r>
+            <a:endParaRPr lang="en-US" altLang="zh-CN"/>
+          </a:p>
+          <a:p>
+            <a:pPr lvl="1"/>
+            <a:r>
+              <a:rPr lang="en-US" altLang="zh-CN"/>
+              <a:t>AreaLight</a:t>
             </a:r>
             <a:endParaRPr lang="en-US" altLang="zh-CN"/>
           </a:p>
@@ -8029,7 +8292,9 @@
 
 <file path=ppt/tags/tag29.xml><?xml version="1.0" encoding="utf-8"?>
 <p:tagLst xmlns:p="http://schemas.openxmlformats.org/presentationml/2006/main">
-  <p:tag name="COMMONDATA" val="eyJoZGlkIjoiODcwZjc5M2RmYzUwOWE5MjVkODVjZGMyZDUwOTRjYmEifQ=="/>
+  <p:tag name="KSO_WM_BEAUTIFY_FLAG" val="#wm#"/>
+  <p:tag name="KSO_WM_TEMPLATE_CATEGORY" val="custom"/>
+  <p:tag name="KSO_WM_TEMPLATE_INDEX" val="160402"/>
 </p:tagLst>
 </file>
 
@@ -8040,6 +8305,28 @@
   <p:tag name="KSO_WM_TEMPLATE_INDEX" val="160402"/>
   <p:tag name="KSO_WM_TAG_VERSION" val="1.0"/>
   <p:tag name="KSO_WM_BEAUTIFY_FLAG" val="#wm#"/>
+</p:tagLst>
+</file>
+
+<file path=ppt/tags/tag30.xml><?xml version="1.0" encoding="utf-8"?>
+<p:tagLst xmlns:p="http://schemas.openxmlformats.org/presentationml/2006/main">
+  <p:tag name="KSO_WM_BEAUTIFY_FLAG" val="#wm#"/>
+  <p:tag name="KSO_WM_TEMPLATE_CATEGORY" val="custom"/>
+  <p:tag name="KSO_WM_TEMPLATE_INDEX" val="160402"/>
+</p:tagLst>
+</file>
+
+<file path=ppt/tags/tag31.xml><?xml version="1.0" encoding="utf-8"?>
+<p:tagLst xmlns:p="http://schemas.openxmlformats.org/presentationml/2006/main">
+  <p:tag name="KSO_WM_BEAUTIFY_FLAG" val="#wm#"/>
+  <p:tag name="KSO_WM_TEMPLATE_CATEGORY" val="custom"/>
+  <p:tag name="KSO_WM_TEMPLATE_INDEX" val="160402"/>
+</p:tagLst>
+</file>
+
+<file path=ppt/tags/tag32.xml><?xml version="1.0" encoding="utf-8"?>
+<p:tagLst xmlns:p="http://schemas.openxmlformats.org/presentationml/2006/main">
+  <p:tag name="COMMONDATA" val="eyJoZGlkIjoiODcwZjc5M2RmYzUwOWE5MjVkODVjZGMyZDUwOTRjYmEifQ=="/>
 </p:tagLst>
 </file>
 
